--- a/Präsentation/Java 8 API Design Prinzipien.pptx
+++ b/Präsentation/Java 8 API Design Prinzipien.pptx
@@ -5,14 +5,22 @@
     <p:sldMasterId id="2147483660" r:id="rId4"/>
   </p:sldMasterIdLst>
   <p:notesMasterIdLst>
-    <p:notesMasterId r:id="rId7"/>
+    <p:notesMasterId r:id="rId15"/>
   </p:notesMasterIdLst>
   <p:handoutMasterIdLst>
-    <p:handoutMasterId r:id="rId8"/>
+    <p:handoutMasterId r:id="rId16"/>
   </p:handoutMasterIdLst>
   <p:sldIdLst>
     <p:sldId id="278" r:id="rId5"/>
     <p:sldId id="279" r:id="rId6"/>
+    <p:sldId id="280" r:id="rId7"/>
+    <p:sldId id="281" r:id="rId8"/>
+    <p:sldId id="282" r:id="rId9"/>
+    <p:sldId id="283" r:id="rId10"/>
+    <p:sldId id="284" r:id="rId11"/>
+    <p:sldId id="285" r:id="rId12"/>
+    <p:sldId id="286" r:id="rId13"/>
+    <p:sldId id="287" r:id="rId14"/>
   </p:sldIdLst>
   <p:sldSz cx="12192000" cy="6858000"/>
   <p:notesSz cx="6858000" cy="9144000"/>
@@ -125,7 +133,7 @@
 <file path=ppt/revisionInfo.xml><?xml version="1.0" encoding="utf-8"?>
 <p1510:revInfo xmlns:a="http://schemas.openxmlformats.org/drawingml/2006/main" xmlns:r="http://schemas.openxmlformats.org/officeDocument/2006/relationships" xmlns:p1510="http://schemas.microsoft.com/office/powerpoint/2015/10/main">
   <p1510:revLst>
-    <p1510:client id="{90646845-6F55-48C5-945C-B229B8EB0AF1}" v="2" dt="2022-06-07T09:59:36.932"/>
+    <p1510:client id="{90646845-6F55-48C5-945C-B229B8EB0AF1}" v="141" dt="2022-06-09T11:19:12.785"/>
   </p1510:revLst>
 </p1510:revInfo>
 </file>
@@ -134,25 +142,1192 @@
 <pc:chgInfo xmlns:a="http://schemas.openxmlformats.org/drawingml/2006/main" xmlns:r="http://schemas.openxmlformats.org/officeDocument/2006/relationships" xmlns:ac="http://schemas.microsoft.com/office/drawing/2013/main/command" xmlns:pc="http://schemas.microsoft.com/office/powerpoint/2013/main/command">
   <pc:docChgLst>
     <pc:chgData name="marcel g" userId="d0b903d6cee951ce" providerId="LiveId" clId="{90646845-6F55-48C5-945C-B229B8EB0AF1}"/>
-    <pc:docChg chg="undo custSel modSld">
-      <pc:chgData name="marcel g" userId="d0b903d6cee951ce" providerId="LiveId" clId="{90646845-6F55-48C5-945C-B229B8EB0AF1}" dt="2022-06-07T09:59:40.445" v="143" actId="313"/>
+    <pc:docChg chg="undo redo custSel addSld delSld modSld sldOrd">
+      <pc:chgData name="marcel g" userId="d0b903d6cee951ce" providerId="LiveId" clId="{90646845-6F55-48C5-945C-B229B8EB0AF1}" dt="2022-06-09T11:22:15.064" v="2679" actId="1076"/>
       <pc:docMkLst>
         <pc:docMk/>
       </pc:docMkLst>
-      <pc:sldChg chg="modSp mod">
-        <pc:chgData name="marcel g" userId="d0b903d6cee951ce" providerId="LiveId" clId="{90646845-6F55-48C5-945C-B229B8EB0AF1}" dt="2022-06-07T09:59:40.445" v="143" actId="313"/>
+      <pc:sldChg chg="modSp mod modAnim">
+        <pc:chgData name="marcel g" userId="d0b903d6cee951ce" providerId="LiveId" clId="{90646845-6F55-48C5-945C-B229B8EB0AF1}" dt="2022-06-09T10:21:23.803" v="2470"/>
         <pc:sldMkLst>
           <pc:docMk/>
           <pc:sldMk cId="3220235682" sldId="279"/>
         </pc:sldMkLst>
-        <pc:spChg chg="mod">
-          <ac:chgData name="marcel g" userId="d0b903d6cee951ce" providerId="LiveId" clId="{90646845-6F55-48C5-945C-B229B8EB0AF1}" dt="2022-06-07T09:59:40.445" v="143" actId="313"/>
+        <pc:spChg chg="mod modVis">
+          <ac:chgData name="marcel g" userId="d0b903d6cee951ce" providerId="LiveId" clId="{90646845-6F55-48C5-945C-B229B8EB0AF1}" dt="2022-06-09T10:18:46.706" v="2456" actId="14429"/>
+          <ac:spMkLst>
+            <pc:docMk/>
+            <pc:sldMk cId="3220235682" sldId="279"/>
+            <ac:spMk id="2" creationId="{89559F60-4CE1-4E2F-86EA-1B60679F1F4A}"/>
+          </ac:spMkLst>
+        </pc:spChg>
+        <pc:spChg chg="mod modVis">
+          <ac:chgData name="marcel g" userId="d0b903d6cee951ce" providerId="LiveId" clId="{90646845-6F55-48C5-945C-B229B8EB0AF1}" dt="2022-06-09T10:19:00.821" v="2465" actId="14429"/>
           <ac:spMkLst>
             <pc:docMk/>
             <pc:sldMk cId="3220235682" sldId="279"/>
             <ac:spMk id="24" creationId="{F260476B-CCA6-412B-A9C5-399C34AE6F05}"/>
           </ac:spMkLst>
         </pc:spChg>
+        <pc:spChg chg="mod modVis">
+          <ac:chgData name="marcel g" userId="d0b903d6cee951ce" providerId="LiveId" clId="{90646845-6F55-48C5-945C-B229B8EB0AF1}" dt="2022-06-09T10:18:53.080" v="2463" actId="14429"/>
+          <ac:spMkLst>
+            <pc:docMk/>
+            <pc:sldMk cId="3220235682" sldId="279"/>
+            <ac:spMk id="55" creationId="{0EF2A0DA-AE81-4A45-972E-646AC2870C2F}"/>
+          </ac:spMkLst>
+        </pc:spChg>
+        <pc:picChg chg="mod modVis">
+          <ac:chgData name="marcel g" userId="d0b903d6cee951ce" providerId="LiveId" clId="{90646845-6F55-48C5-945C-B229B8EB0AF1}" dt="2022-06-09T10:18:47.606" v="2458" actId="14429"/>
+          <ac:picMkLst>
+            <pc:docMk/>
+            <pc:sldMk cId="3220235682" sldId="279"/>
+            <ac:picMk id="3" creationId="{72B2D6DE-C9B5-4678-91EF-77E85F2350DA}"/>
+          </ac:picMkLst>
+        </pc:picChg>
+        <pc:picChg chg="mod modVis">
+          <ac:chgData name="marcel g" userId="d0b903d6cee951ce" providerId="LiveId" clId="{90646845-6F55-48C5-945C-B229B8EB0AF1}" dt="2022-06-09T10:18:47.159" v="2457" actId="14429"/>
+          <ac:picMkLst>
+            <pc:docMk/>
+            <pc:sldMk cId="3220235682" sldId="279"/>
+            <ac:picMk id="57" creationId="{B536FA4E-0152-4E27-91DA-0FC22D1846BB}"/>
+          </ac:picMkLst>
+        </pc:picChg>
+      </pc:sldChg>
+      <pc:sldChg chg="addSp delSp modSp new mod modAnim">
+        <pc:chgData name="marcel g" userId="d0b903d6cee951ce" providerId="LiveId" clId="{90646845-6F55-48C5-945C-B229B8EB0AF1}" dt="2022-06-09T10:32:15.654" v="2524"/>
+        <pc:sldMkLst>
+          <pc:docMk/>
+          <pc:sldMk cId="820035122" sldId="280"/>
+        </pc:sldMkLst>
+        <pc:spChg chg="mod">
+          <ac:chgData name="marcel g" userId="d0b903d6cee951ce" providerId="LiveId" clId="{90646845-6F55-48C5-945C-B229B8EB0AF1}" dt="2022-06-08T11:02:45.161" v="391" actId="1076"/>
+          <ac:spMkLst>
+            <pc:docMk/>
+            <pc:sldMk cId="820035122" sldId="280"/>
+            <ac:spMk id="2" creationId="{60E35030-7C3A-0B68-2B09-83D0196A038F}"/>
+          </ac:spMkLst>
+        </pc:spChg>
+        <pc:spChg chg="add del">
+          <ac:chgData name="marcel g" userId="d0b903d6cee951ce" providerId="LiveId" clId="{90646845-6F55-48C5-945C-B229B8EB0AF1}" dt="2022-06-08T10:49:50.211" v="151" actId="22"/>
+          <ac:spMkLst>
+            <pc:docMk/>
+            <pc:sldMk cId="820035122" sldId="280"/>
+            <ac:spMk id="3" creationId="{2F81257B-C8D0-EA3A-C5EA-6D02BC4240F2}"/>
+          </ac:spMkLst>
+        </pc:spChg>
+        <pc:spChg chg="add del mod">
+          <ac:chgData name="marcel g" userId="d0b903d6cee951ce" providerId="LiveId" clId="{90646845-6F55-48C5-945C-B229B8EB0AF1}" dt="2022-06-08T10:50:25.854" v="158"/>
+          <ac:spMkLst>
+            <pc:docMk/>
+            <pc:sldMk cId="820035122" sldId="280"/>
+            <ac:spMk id="9" creationId="{905DFCF9-7588-1563-DA84-0197FF4A670B}"/>
+          </ac:spMkLst>
+        </pc:spChg>
+        <pc:spChg chg="add del mod">
+          <ac:chgData name="marcel g" userId="d0b903d6cee951ce" providerId="LiveId" clId="{90646845-6F55-48C5-945C-B229B8EB0AF1}" dt="2022-06-08T10:51:49.263" v="171"/>
+          <ac:spMkLst>
+            <pc:docMk/>
+            <pc:sldMk cId="820035122" sldId="280"/>
+            <ac:spMk id="11" creationId="{630A2757-EB9E-259E-035D-74065AFE859D}"/>
+          </ac:spMkLst>
+        </pc:spChg>
+        <pc:spChg chg="add mod">
+          <ac:chgData name="marcel g" userId="d0b903d6cee951ce" providerId="LiveId" clId="{90646845-6F55-48C5-945C-B229B8EB0AF1}" dt="2022-06-09T10:25:32.489" v="2489" actId="1076"/>
+          <ac:spMkLst>
+            <pc:docMk/>
+            <pc:sldMk cId="820035122" sldId="280"/>
+            <ac:spMk id="21" creationId="{A086AB58-9B91-6B18-6AFE-89B6548E304C}"/>
+          </ac:spMkLst>
+        </pc:spChg>
+        <pc:spChg chg="add mod">
+          <ac:chgData name="marcel g" userId="d0b903d6cee951ce" providerId="LiveId" clId="{90646845-6F55-48C5-945C-B229B8EB0AF1}" dt="2022-06-08T11:12:35.032" v="658" actId="1035"/>
+          <ac:spMkLst>
+            <pc:docMk/>
+            <pc:sldMk cId="820035122" sldId="280"/>
+            <ac:spMk id="22" creationId="{FAF6CC6D-1F46-9A52-8F46-AC83991ECC26}"/>
+          </ac:spMkLst>
+        </pc:spChg>
+        <pc:picChg chg="add del mod ord">
+          <ac:chgData name="marcel g" userId="d0b903d6cee951ce" providerId="LiveId" clId="{90646845-6F55-48C5-945C-B229B8EB0AF1}" dt="2022-06-08T10:49:26.769" v="150" actId="22"/>
+          <ac:picMkLst>
+            <pc:docMk/>
+            <pc:sldMk cId="820035122" sldId="280"/>
+            <ac:picMk id="5" creationId="{6693CD36-1FBA-155C-1C31-2B489FDD04D7}"/>
+          </ac:picMkLst>
+        </pc:picChg>
+        <pc:picChg chg="add del mod ord modCrop">
+          <ac:chgData name="marcel g" userId="d0b903d6cee951ce" providerId="LiveId" clId="{90646845-6F55-48C5-945C-B229B8EB0AF1}" dt="2022-06-08T10:50:17.865" v="157" actId="478"/>
+          <ac:picMkLst>
+            <pc:docMk/>
+            <pc:sldMk cId="820035122" sldId="280"/>
+            <ac:picMk id="7" creationId="{769AD294-DFFB-78ED-9230-C3BE5F60EAC2}"/>
+          </ac:picMkLst>
+        </pc:picChg>
+        <pc:picChg chg="add mod">
+          <ac:chgData name="marcel g" userId="d0b903d6cee951ce" providerId="LiveId" clId="{90646845-6F55-48C5-945C-B229B8EB0AF1}" dt="2022-06-08T10:59:19.359" v="364" actId="14100"/>
+          <ac:picMkLst>
+            <pc:docMk/>
+            <pc:sldMk cId="820035122" sldId="280"/>
+            <ac:picMk id="10" creationId="{C8CF0145-5E2F-6A0A-D6CF-79BCA0DFE77E}"/>
+          </ac:picMkLst>
+        </pc:picChg>
+        <pc:picChg chg="add mod modVis">
+          <ac:chgData name="marcel g" userId="d0b903d6cee951ce" providerId="LiveId" clId="{90646845-6F55-48C5-945C-B229B8EB0AF1}" dt="2022-06-09T10:25:32.489" v="2489" actId="1076"/>
+          <ac:picMkLst>
+            <pc:docMk/>
+            <pc:sldMk cId="820035122" sldId="280"/>
+            <ac:picMk id="13" creationId="{B873968B-7903-FE78-9B83-DF7A3C63A112}"/>
+          </ac:picMkLst>
+        </pc:picChg>
+        <pc:picChg chg="add mod">
+          <ac:chgData name="marcel g" userId="d0b903d6cee951ce" providerId="LiveId" clId="{90646845-6F55-48C5-945C-B229B8EB0AF1}" dt="2022-06-09T10:28:33.448" v="2513" actId="1076"/>
+          <ac:picMkLst>
+            <pc:docMk/>
+            <pc:sldMk cId="820035122" sldId="280"/>
+            <ac:picMk id="15" creationId="{4866C274-116A-A55F-BD09-79424BCE97D2}"/>
+          </ac:picMkLst>
+        </pc:picChg>
+        <pc:cxnChg chg="add mod">
+          <ac:chgData name="marcel g" userId="d0b903d6cee951ce" providerId="LiveId" clId="{90646845-6F55-48C5-945C-B229B8EB0AF1}" dt="2022-06-09T10:25:32.489" v="2489" actId="1076"/>
+          <ac:cxnSpMkLst>
+            <pc:docMk/>
+            <pc:sldMk cId="820035122" sldId="280"/>
+            <ac:cxnSpMk id="17" creationId="{3DE7CB65-7B69-4924-AE34-F6564174280A}"/>
+          </ac:cxnSpMkLst>
+        </pc:cxnChg>
+        <pc:cxnChg chg="add mod">
+          <ac:chgData name="marcel g" userId="d0b903d6cee951ce" providerId="LiveId" clId="{90646845-6F55-48C5-945C-B229B8EB0AF1}" dt="2022-06-08T10:57:53.284" v="337" actId="1076"/>
+          <ac:cxnSpMkLst>
+            <pc:docMk/>
+            <pc:sldMk cId="820035122" sldId="280"/>
+            <ac:cxnSpMk id="20" creationId="{1EED7C55-ED67-B28C-C785-197DA5BF60F0}"/>
+          </ac:cxnSpMkLst>
+        </pc:cxnChg>
+        <pc:cxnChg chg="add mod">
+          <ac:chgData name="marcel g" userId="d0b903d6cee951ce" providerId="LiveId" clId="{90646845-6F55-48C5-945C-B229B8EB0AF1}" dt="2022-06-09T10:25:32.489" v="2489" actId="1076"/>
+          <ac:cxnSpMkLst>
+            <pc:docMk/>
+            <pc:sldMk cId="820035122" sldId="280"/>
+            <ac:cxnSpMk id="23" creationId="{162A7A16-D692-B62F-3680-E4ABC5A1269B}"/>
+          </ac:cxnSpMkLst>
+        </pc:cxnChg>
+        <pc:cxnChg chg="add del mod">
+          <ac:chgData name="marcel g" userId="d0b903d6cee951ce" providerId="LiveId" clId="{90646845-6F55-48C5-945C-B229B8EB0AF1}" dt="2022-06-09T10:25:48.778" v="2493" actId="478"/>
+          <ac:cxnSpMkLst>
+            <pc:docMk/>
+            <pc:sldMk cId="820035122" sldId="280"/>
+            <ac:cxnSpMk id="26" creationId="{87DAB031-C533-BFA4-3005-6F6F5C5B5091}"/>
+          </ac:cxnSpMkLst>
+        </pc:cxnChg>
+      </pc:sldChg>
+      <pc:sldChg chg="addSp delSp modSp new mod modAnim">
+        <pc:chgData name="marcel g" userId="d0b903d6cee951ce" providerId="LiveId" clId="{90646845-6F55-48C5-945C-B229B8EB0AF1}" dt="2022-06-09T10:34:30.701" v="2547"/>
+        <pc:sldMkLst>
+          <pc:docMk/>
+          <pc:sldMk cId="1687416726" sldId="281"/>
+        </pc:sldMkLst>
+        <pc:spChg chg="mod">
+          <ac:chgData name="marcel g" userId="d0b903d6cee951ce" providerId="LiveId" clId="{90646845-6F55-48C5-945C-B229B8EB0AF1}" dt="2022-06-09T08:35:43.597" v="1335" actId="1076"/>
+          <ac:spMkLst>
+            <pc:docMk/>
+            <pc:sldMk cId="1687416726" sldId="281"/>
+            <ac:spMk id="2" creationId="{E781FDFF-8361-F091-59FE-AF5408A58D52}"/>
+          </ac:spMkLst>
+        </pc:spChg>
+        <pc:spChg chg="del">
+          <ac:chgData name="marcel g" userId="d0b903d6cee951ce" providerId="LiveId" clId="{90646845-6F55-48C5-945C-B229B8EB0AF1}" dt="2022-06-08T11:03:32.688" v="394" actId="22"/>
+          <ac:spMkLst>
+            <pc:docMk/>
+            <pc:sldMk cId="1687416726" sldId="281"/>
+            <ac:spMk id="3" creationId="{AAF880B1-B7B8-9517-CFBF-16B9FB38DA6E}"/>
+          </ac:spMkLst>
+        </pc:spChg>
+        <pc:spChg chg="add mod">
+          <ac:chgData name="marcel g" userId="d0b903d6cee951ce" providerId="LiveId" clId="{90646845-6F55-48C5-945C-B229B8EB0AF1}" dt="2022-06-09T10:33:35.631" v="2544" actId="1076"/>
+          <ac:spMkLst>
+            <pc:docMk/>
+            <pc:sldMk cId="1687416726" sldId="281"/>
+            <ac:spMk id="13" creationId="{84351C3F-1905-9B8B-2111-030BCD99D1D7}"/>
+          </ac:spMkLst>
+        </pc:spChg>
+        <pc:spChg chg="add mod">
+          <ac:chgData name="marcel g" userId="d0b903d6cee951ce" providerId="LiveId" clId="{90646845-6F55-48C5-945C-B229B8EB0AF1}" dt="2022-06-09T10:33:19.759" v="2537" actId="1076"/>
+          <ac:spMkLst>
+            <pc:docMk/>
+            <pc:sldMk cId="1687416726" sldId="281"/>
+            <ac:spMk id="14" creationId="{E4E47223-D366-74E2-3DC2-1E9A9252A8C2}"/>
+          </ac:spMkLst>
+        </pc:spChg>
+        <pc:picChg chg="add mod ord">
+          <ac:chgData name="marcel g" userId="d0b903d6cee951ce" providerId="LiveId" clId="{90646845-6F55-48C5-945C-B229B8EB0AF1}" dt="2022-06-09T10:33:28.446" v="2541" actId="1076"/>
+          <ac:picMkLst>
+            <pc:docMk/>
+            <pc:sldMk cId="1687416726" sldId="281"/>
+            <ac:picMk id="5" creationId="{99E606B7-FCEE-A08E-2596-1E5F917221D7}"/>
+          </ac:picMkLst>
+        </pc:picChg>
+        <pc:picChg chg="add mod">
+          <ac:chgData name="marcel g" userId="d0b903d6cee951ce" providerId="LiveId" clId="{90646845-6F55-48C5-945C-B229B8EB0AF1}" dt="2022-06-09T10:33:23.047" v="2538" actId="1076"/>
+          <ac:picMkLst>
+            <pc:docMk/>
+            <pc:sldMk cId="1687416726" sldId="281"/>
+            <ac:picMk id="7" creationId="{C4733EC5-AE32-153C-8D0C-E83B1457046B}"/>
+          </ac:picMkLst>
+        </pc:picChg>
+        <pc:picChg chg="add del mod modCrop">
+          <ac:chgData name="marcel g" userId="d0b903d6cee951ce" providerId="LiveId" clId="{90646845-6F55-48C5-945C-B229B8EB0AF1}" dt="2022-06-09T08:35:36.941" v="1334" actId="1076"/>
+          <ac:picMkLst>
+            <pc:docMk/>
+            <pc:sldMk cId="1687416726" sldId="281"/>
+            <ac:picMk id="9" creationId="{91DE3CCD-61AF-1025-531E-9E74AC627AAF}"/>
+          </ac:picMkLst>
+        </pc:picChg>
+        <pc:cxnChg chg="add mod">
+          <ac:chgData name="marcel g" userId="d0b903d6cee951ce" providerId="LiveId" clId="{90646845-6F55-48C5-945C-B229B8EB0AF1}" dt="2022-06-09T10:33:33.235" v="2543" actId="1076"/>
+          <ac:cxnSpMkLst>
+            <pc:docMk/>
+            <pc:sldMk cId="1687416726" sldId="281"/>
+            <ac:cxnSpMk id="10" creationId="{B9ED3DD3-C44C-E041-1912-4EDED970E79E}"/>
+          </ac:cxnSpMkLst>
+        </pc:cxnChg>
+        <pc:cxnChg chg="add mod">
+          <ac:chgData name="marcel g" userId="d0b903d6cee951ce" providerId="LiveId" clId="{90646845-6F55-48C5-945C-B229B8EB0AF1}" dt="2022-06-09T10:33:24.542" v="2539" actId="1076"/>
+          <ac:cxnSpMkLst>
+            <pc:docMk/>
+            <pc:sldMk cId="1687416726" sldId="281"/>
+            <ac:cxnSpMk id="12" creationId="{827B7415-B49F-3A97-49C0-0D2BDE704B93}"/>
+          </ac:cxnSpMkLst>
+        </pc:cxnChg>
+        <pc:cxnChg chg="add mod">
+          <ac:chgData name="marcel g" userId="d0b903d6cee951ce" providerId="LiveId" clId="{90646845-6F55-48C5-945C-B229B8EB0AF1}" dt="2022-06-09T10:33:30.018" v="2542" actId="1076"/>
+          <ac:cxnSpMkLst>
+            <pc:docMk/>
+            <pc:sldMk cId="1687416726" sldId="281"/>
+            <ac:cxnSpMk id="15" creationId="{7F1387CC-5A61-385B-40DC-DDA3542EA323}"/>
+          </ac:cxnSpMkLst>
+        </pc:cxnChg>
+        <pc:cxnChg chg="add mod">
+          <ac:chgData name="marcel g" userId="d0b903d6cee951ce" providerId="LiveId" clId="{90646845-6F55-48C5-945C-B229B8EB0AF1}" dt="2022-06-09T10:33:26.319" v="2540" actId="1076"/>
+          <ac:cxnSpMkLst>
+            <pc:docMk/>
+            <pc:sldMk cId="1687416726" sldId="281"/>
+            <ac:cxnSpMk id="18" creationId="{27B01B32-558C-2246-587C-F20C2452B60D}"/>
+          </ac:cxnSpMkLst>
+        </pc:cxnChg>
+      </pc:sldChg>
+      <pc:sldChg chg="addSp delSp modSp add mod ord modAnim">
+        <pc:chgData name="marcel g" userId="d0b903d6cee951ce" providerId="LiveId" clId="{90646845-6F55-48C5-945C-B229B8EB0AF1}" dt="2022-06-09T10:47:10.647" v="2559"/>
+        <pc:sldMkLst>
+          <pc:docMk/>
+          <pc:sldMk cId="590625891" sldId="282"/>
+        </pc:sldMkLst>
+        <pc:spChg chg="mod">
+          <ac:chgData name="marcel g" userId="d0b903d6cee951ce" providerId="LiveId" clId="{90646845-6F55-48C5-945C-B229B8EB0AF1}" dt="2022-06-09T09:22:00.460" v="2031" actId="1076"/>
+          <ac:spMkLst>
+            <pc:docMk/>
+            <pc:sldMk cId="590625891" sldId="282"/>
+            <ac:spMk id="2" creationId="{60E35030-7C3A-0B68-2B09-83D0196A038F}"/>
+          </ac:spMkLst>
+        </pc:spChg>
+        <pc:spChg chg="add del mod">
+          <ac:chgData name="marcel g" userId="d0b903d6cee951ce" providerId="LiveId" clId="{90646845-6F55-48C5-945C-B229B8EB0AF1}" dt="2022-06-08T11:15:28.517" v="672" actId="478"/>
+          <ac:spMkLst>
+            <pc:docMk/>
+            <pc:sldMk cId="590625891" sldId="282"/>
+            <ac:spMk id="6" creationId="{9BAE510D-DFF0-2663-59AF-4DC048295D16}"/>
+          </ac:spMkLst>
+        </pc:spChg>
+        <pc:spChg chg="mod">
+          <ac:chgData name="marcel g" userId="d0b903d6cee951ce" providerId="LiveId" clId="{90646845-6F55-48C5-945C-B229B8EB0AF1}" dt="2022-06-09T09:22:29.918" v="2037" actId="1076"/>
+          <ac:spMkLst>
+            <pc:docMk/>
+            <pc:sldMk cId="590625891" sldId="282"/>
+            <ac:spMk id="21" creationId="{A086AB58-9B91-6B18-6AFE-89B6548E304C}"/>
+          </ac:spMkLst>
+        </pc:spChg>
+        <pc:spChg chg="mod">
+          <ac:chgData name="marcel g" userId="d0b903d6cee951ce" providerId="LiveId" clId="{90646845-6F55-48C5-945C-B229B8EB0AF1}" dt="2022-06-09T09:22:41.060" v="2057" actId="1036"/>
+          <ac:spMkLst>
+            <pc:docMk/>
+            <pc:sldMk cId="590625891" sldId="282"/>
+            <ac:spMk id="22" creationId="{FAF6CC6D-1F46-9A52-8F46-AC83991ECC26}"/>
+          </ac:spMkLst>
+        </pc:spChg>
+        <pc:picChg chg="add del mod">
+          <ac:chgData name="marcel g" userId="d0b903d6cee951ce" providerId="LiveId" clId="{90646845-6F55-48C5-945C-B229B8EB0AF1}" dt="2022-06-09T10:38:06.457" v="2549" actId="1076"/>
+          <ac:picMkLst>
+            <pc:docMk/>
+            <pc:sldMk cId="590625891" sldId="282"/>
+            <ac:picMk id="4" creationId="{6C1D791A-4618-275A-77FA-4A98710EF899}"/>
+          </ac:picMkLst>
+        </pc:picChg>
+        <pc:picChg chg="add mod modCrop">
+          <ac:chgData name="marcel g" userId="d0b903d6cee951ce" providerId="LiveId" clId="{90646845-6F55-48C5-945C-B229B8EB0AF1}" dt="2022-06-09T09:22:49.746" v="2059" actId="1076"/>
+          <ac:picMkLst>
+            <pc:docMk/>
+            <pc:sldMk cId="590625891" sldId="282"/>
+            <ac:picMk id="8" creationId="{6AD81E30-270C-814D-DC1F-AA2BD713ABF8}"/>
+          </ac:picMkLst>
+        </pc:picChg>
+        <pc:picChg chg="del">
+          <ac:chgData name="marcel g" userId="d0b903d6cee951ce" providerId="LiveId" clId="{90646845-6F55-48C5-945C-B229B8EB0AF1}" dt="2022-06-08T11:15:24.233" v="671" actId="478"/>
+          <ac:picMkLst>
+            <pc:docMk/>
+            <pc:sldMk cId="590625891" sldId="282"/>
+            <ac:picMk id="10" creationId="{C8CF0145-5E2F-6A0A-D6CF-79BCA0DFE77E}"/>
+          </ac:picMkLst>
+        </pc:picChg>
+        <pc:picChg chg="add mod">
+          <ac:chgData name="marcel g" userId="d0b903d6cee951ce" providerId="LiveId" clId="{90646845-6F55-48C5-945C-B229B8EB0AF1}" dt="2022-06-09T09:21:52.174" v="2030" actId="1076"/>
+          <ac:picMkLst>
+            <pc:docMk/>
+            <pc:sldMk cId="590625891" sldId="282"/>
+            <ac:picMk id="11" creationId="{38CF82B3-A764-87A6-1B96-8492BACEF1C0}"/>
+          </ac:picMkLst>
+        </pc:picChg>
+        <pc:picChg chg="del">
+          <ac:chgData name="marcel g" userId="d0b903d6cee951ce" providerId="LiveId" clId="{90646845-6F55-48C5-945C-B229B8EB0AF1}" dt="2022-06-08T11:15:21.921" v="670" actId="478"/>
+          <ac:picMkLst>
+            <pc:docMk/>
+            <pc:sldMk cId="590625891" sldId="282"/>
+            <ac:picMk id="13" creationId="{B873968B-7903-FE78-9B83-DF7A3C63A112}"/>
+          </ac:picMkLst>
+        </pc:picChg>
+        <pc:picChg chg="del">
+          <ac:chgData name="marcel g" userId="d0b903d6cee951ce" providerId="LiveId" clId="{90646845-6F55-48C5-945C-B229B8EB0AF1}" dt="2022-06-08T11:17:03.876" v="689" actId="478"/>
+          <ac:picMkLst>
+            <pc:docMk/>
+            <pc:sldMk cId="590625891" sldId="282"/>
+            <ac:picMk id="15" creationId="{4866C274-116A-A55F-BD09-79424BCE97D2}"/>
+          </ac:picMkLst>
+        </pc:picChg>
+        <pc:cxnChg chg="mod">
+          <ac:chgData name="marcel g" userId="d0b903d6cee951ce" providerId="LiveId" clId="{90646845-6F55-48C5-945C-B229B8EB0AF1}" dt="2022-06-09T09:22:29.918" v="2037" actId="1076"/>
+          <ac:cxnSpMkLst>
+            <pc:docMk/>
+            <pc:sldMk cId="590625891" sldId="282"/>
+            <ac:cxnSpMk id="17" creationId="{3DE7CB65-7B69-4924-AE34-F6564174280A}"/>
+          </ac:cxnSpMkLst>
+        </pc:cxnChg>
+        <pc:cxnChg chg="mod">
+          <ac:chgData name="marcel g" userId="d0b903d6cee951ce" providerId="LiveId" clId="{90646845-6F55-48C5-945C-B229B8EB0AF1}" dt="2022-06-09T09:22:46.500" v="2058" actId="1076"/>
+          <ac:cxnSpMkLst>
+            <pc:docMk/>
+            <pc:sldMk cId="590625891" sldId="282"/>
+            <ac:cxnSpMk id="20" creationId="{1EED7C55-ED67-B28C-C785-197DA5BF60F0}"/>
+          </ac:cxnSpMkLst>
+        </pc:cxnChg>
+        <pc:cxnChg chg="mod">
+          <ac:chgData name="marcel g" userId="d0b903d6cee951ce" providerId="LiveId" clId="{90646845-6F55-48C5-945C-B229B8EB0AF1}" dt="2022-06-09T09:22:33.950" v="2042" actId="1035"/>
+          <ac:cxnSpMkLst>
+            <pc:docMk/>
+            <pc:sldMk cId="590625891" sldId="282"/>
+            <ac:cxnSpMk id="23" creationId="{162A7A16-D692-B62F-3680-E4ABC5A1269B}"/>
+          </ac:cxnSpMkLst>
+        </pc:cxnChg>
+        <pc:cxnChg chg="mod">
+          <ac:chgData name="marcel g" userId="d0b903d6cee951ce" providerId="LiveId" clId="{90646845-6F55-48C5-945C-B229B8EB0AF1}" dt="2022-06-09T09:22:51.528" v="2060" actId="1076"/>
+          <ac:cxnSpMkLst>
+            <pc:docMk/>
+            <pc:sldMk cId="590625891" sldId="282"/>
+            <ac:cxnSpMk id="26" creationId="{87DAB031-C533-BFA4-3005-6F6F5C5B5091}"/>
+          </ac:cxnSpMkLst>
+        </pc:cxnChg>
+      </pc:sldChg>
+      <pc:sldChg chg="addSp delSp modSp add mod ord modAnim">
+        <pc:chgData name="marcel g" userId="d0b903d6cee951ce" providerId="LiveId" clId="{90646845-6F55-48C5-945C-B229B8EB0AF1}" dt="2022-06-09T11:01:27.550" v="2594"/>
+        <pc:sldMkLst>
+          <pc:docMk/>
+          <pc:sldMk cId="336742044" sldId="283"/>
+        </pc:sldMkLst>
+        <pc:spChg chg="mod">
+          <ac:chgData name="marcel g" userId="d0b903d6cee951ce" providerId="LiveId" clId="{90646845-6F55-48C5-945C-B229B8EB0AF1}" dt="2022-06-08T11:56:24.585" v="997" actId="1076"/>
+          <ac:spMkLst>
+            <pc:docMk/>
+            <pc:sldMk cId="336742044" sldId="283"/>
+            <ac:spMk id="2" creationId="{E781FDFF-8361-F091-59FE-AF5408A58D52}"/>
+          </ac:spMkLst>
+        </pc:spChg>
+        <pc:spChg chg="add del mod">
+          <ac:chgData name="marcel g" userId="d0b903d6cee951ce" providerId="LiveId" clId="{90646845-6F55-48C5-945C-B229B8EB0AF1}" dt="2022-06-08T11:56:11.102" v="972" actId="478"/>
+          <ac:spMkLst>
+            <pc:docMk/>
+            <pc:sldMk cId="336742044" sldId="283"/>
+            <ac:spMk id="4" creationId="{7D6A7A5D-F1C5-FAF3-197C-F86E72E92E7F}"/>
+          </ac:spMkLst>
+        </pc:spChg>
+        <pc:spChg chg="del">
+          <ac:chgData name="marcel g" userId="d0b903d6cee951ce" providerId="LiveId" clId="{90646845-6F55-48C5-945C-B229B8EB0AF1}" dt="2022-06-08T11:56:12.304" v="973" actId="478"/>
+          <ac:spMkLst>
+            <pc:docMk/>
+            <pc:sldMk cId="336742044" sldId="283"/>
+            <ac:spMk id="13" creationId="{84351C3F-1905-9B8B-2111-030BCD99D1D7}"/>
+          </ac:spMkLst>
+        </pc:spChg>
+        <pc:spChg chg="del">
+          <ac:chgData name="marcel g" userId="d0b903d6cee951ce" providerId="LiveId" clId="{90646845-6F55-48C5-945C-B229B8EB0AF1}" dt="2022-06-08T11:56:12.304" v="973" actId="478"/>
+          <ac:spMkLst>
+            <pc:docMk/>
+            <pc:sldMk cId="336742044" sldId="283"/>
+            <ac:spMk id="14" creationId="{E4E47223-D366-74E2-3DC2-1E9A9252A8C2}"/>
+          </ac:spMkLst>
+        </pc:spChg>
+        <pc:spChg chg="add del mod">
+          <ac:chgData name="marcel g" userId="d0b903d6cee951ce" providerId="LiveId" clId="{90646845-6F55-48C5-945C-B229B8EB0AF1}" dt="2022-06-08T11:58:02.077" v="1014"/>
+          <ac:spMkLst>
+            <pc:docMk/>
+            <pc:sldMk cId="336742044" sldId="283"/>
+            <ac:spMk id="21" creationId="{D13DA09A-24D8-F6AF-9D40-B8FACB16F0A1}"/>
+          </ac:spMkLst>
+        </pc:spChg>
+        <pc:spChg chg="add mod">
+          <ac:chgData name="marcel g" userId="d0b903d6cee951ce" providerId="LiveId" clId="{90646845-6F55-48C5-945C-B229B8EB0AF1}" dt="2022-06-09T10:47:58.605" v="2563" actId="1076"/>
+          <ac:spMkLst>
+            <pc:docMk/>
+            <pc:sldMk cId="336742044" sldId="283"/>
+            <ac:spMk id="32" creationId="{548B025D-D7CE-6615-DE9C-9A5202AD5D1B}"/>
+          </ac:spMkLst>
+        </pc:spChg>
+        <pc:spChg chg="add mod">
+          <ac:chgData name="marcel g" userId="d0b903d6cee951ce" providerId="LiveId" clId="{90646845-6F55-48C5-945C-B229B8EB0AF1}" dt="2022-06-08T12:05:30.447" v="1261" actId="1076"/>
+          <ac:spMkLst>
+            <pc:docMk/>
+            <pc:sldMk cId="336742044" sldId="283"/>
+            <ac:spMk id="34" creationId="{A881CCD5-370A-F1B7-3861-5CFA64B73870}"/>
+          </ac:spMkLst>
+        </pc:spChg>
+        <pc:picChg chg="del">
+          <ac:chgData name="marcel g" userId="d0b903d6cee951ce" providerId="LiveId" clId="{90646845-6F55-48C5-945C-B229B8EB0AF1}" dt="2022-06-08T11:56:04.299" v="971" actId="478"/>
+          <ac:picMkLst>
+            <pc:docMk/>
+            <pc:sldMk cId="336742044" sldId="283"/>
+            <ac:picMk id="5" creationId="{99E606B7-FCEE-A08E-2596-1E5F917221D7}"/>
+          </ac:picMkLst>
+        </pc:picChg>
+        <pc:picChg chg="del">
+          <ac:chgData name="marcel g" userId="d0b903d6cee951ce" providerId="LiveId" clId="{90646845-6F55-48C5-945C-B229B8EB0AF1}" dt="2022-06-08T11:56:12.304" v="973" actId="478"/>
+          <ac:picMkLst>
+            <pc:docMk/>
+            <pc:sldMk cId="336742044" sldId="283"/>
+            <ac:picMk id="7" creationId="{C4733EC5-AE32-153C-8D0C-E83B1457046B}"/>
+          </ac:picMkLst>
+        </pc:picChg>
+        <pc:picChg chg="add del mod">
+          <ac:chgData name="marcel g" userId="d0b903d6cee951ce" providerId="LiveId" clId="{90646845-6F55-48C5-945C-B229B8EB0AF1}" dt="2022-06-08T11:57:01.349" v="999" actId="478"/>
+          <ac:picMkLst>
+            <pc:docMk/>
+            <pc:sldMk cId="336742044" sldId="283"/>
+            <ac:picMk id="8" creationId="{1A1B173E-0DBE-A01E-12E3-00D46EA4FDC1}"/>
+          </ac:picMkLst>
+        </pc:picChg>
+        <pc:picChg chg="del">
+          <ac:chgData name="marcel g" userId="d0b903d6cee951ce" providerId="LiveId" clId="{90646845-6F55-48C5-945C-B229B8EB0AF1}" dt="2022-06-08T11:56:03.852" v="970" actId="478"/>
+          <ac:picMkLst>
+            <pc:docMk/>
+            <pc:sldMk cId="336742044" sldId="283"/>
+            <ac:picMk id="9" creationId="{91DE3CCD-61AF-1025-531E-9E74AC627AAF}"/>
+          </ac:picMkLst>
+        </pc:picChg>
+        <pc:picChg chg="add del mod modCrop">
+          <ac:chgData name="marcel g" userId="d0b903d6cee951ce" providerId="LiveId" clId="{90646845-6F55-48C5-945C-B229B8EB0AF1}" dt="2022-06-08T11:57:17.965" v="1004" actId="478"/>
+          <ac:picMkLst>
+            <pc:docMk/>
+            <pc:sldMk cId="336742044" sldId="283"/>
+            <ac:picMk id="16" creationId="{58EC2730-BCBD-D1E3-CF86-8E70ADC99BC9}"/>
+          </ac:picMkLst>
+        </pc:picChg>
+        <pc:picChg chg="add mod modCrop">
+          <ac:chgData name="marcel g" userId="d0b903d6cee951ce" providerId="LiveId" clId="{90646845-6F55-48C5-945C-B229B8EB0AF1}" dt="2022-06-08T12:03:43.471" v="1229" actId="14100"/>
+          <ac:picMkLst>
+            <pc:docMk/>
+            <pc:sldMk cId="336742044" sldId="283"/>
+            <ac:picMk id="19" creationId="{6B2D6819-9B41-4820-CD0F-6A0122E4AB11}"/>
+          </ac:picMkLst>
+        </pc:picChg>
+        <pc:picChg chg="add mod">
+          <ac:chgData name="marcel g" userId="d0b903d6cee951ce" providerId="LiveId" clId="{90646845-6F55-48C5-945C-B229B8EB0AF1}" dt="2022-06-09T10:47:52.690" v="2562" actId="1076"/>
+          <ac:picMkLst>
+            <pc:docMk/>
+            <pc:sldMk cId="336742044" sldId="283"/>
+            <ac:picMk id="24" creationId="{F69C50D7-23D8-CA00-27C6-2BDA11A64E97}"/>
+          </ac:picMkLst>
+        </pc:picChg>
+        <pc:picChg chg="add mod">
+          <ac:chgData name="marcel g" userId="d0b903d6cee951ce" providerId="LiveId" clId="{90646845-6F55-48C5-945C-B229B8EB0AF1}" dt="2022-06-09T10:47:52.690" v="2562" actId="1076"/>
+          <ac:picMkLst>
+            <pc:docMk/>
+            <pc:sldMk cId="336742044" sldId="283"/>
+            <ac:picMk id="26" creationId="{5FFE94AC-5166-E3E5-6DCC-79E76FD4CF16}"/>
+          </ac:picMkLst>
+        </pc:picChg>
+        <pc:picChg chg="add mod">
+          <ac:chgData name="marcel g" userId="d0b903d6cee951ce" providerId="LiveId" clId="{90646845-6F55-48C5-945C-B229B8EB0AF1}" dt="2022-06-08T12:06:04.446" v="1270" actId="1038"/>
+          <ac:picMkLst>
+            <pc:docMk/>
+            <pc:sldMk cId="336742044" sldId="283"/>
+            <ac:picMk id="30" creationId="{F039E467-E806-61C5-1D86-E82BA1936EED}"/>
+          </ac:picMkLst>
+        </pc:picChg>
+        <pc:cxnChg chg="del">
+          <ac:chgData name="marcel g" userId="d0b903d6cee951ce" providerId="LiveId" clId="{90646845-6F55-48C5-945C-B229B8EB0AF1}" dt="2022-06-08T11:56:12.304" v="973" actId="478"/>
+          <ac:cxnSpMkLst>
+            <pc:docMk/>
+            <pc:sldMk cId="336742044" sldId="283"/>
+            <ac:cxnSpMk id="10" creationId="{B9ED3DD3-C44C-E041-1912-4EDED970E79E}"/>
+          </ac:cxnSpMkLst>
+        </pc:cxnChg>
+        <pc:cxnChg chg="del">
+          <ac:chgData name="marcel g" userId="d0b903d6cee951ce" providerId="LiveId" clId="{90646845-6F55-48C5-945C-B229B8EB0AF1}" dt="2022-06-08T11:56:12.304" v="973" actId="478"/>
+          <ac:cxnSpMkLst>
+            <pc:docMk/>
+            <pc:sldMk cId="336742044" sldId="283"/>
+            <ac:cxnSpMk id="12" creationId="{827B7415-B49F-3A97-49C0-0D2BDE704B93}"/>
+          </ac:cxnSpMkLst>
+        </pc:cxnChg>
+        <pc:cxnChg chg="del">
+          <ac:chgData name="marcel g" userId="d0b903d6cee951ce" providerId="LiveId" clId="{90646845-6F55-48C5-945C-B229B8EB0AF1}" dt="2022-06-08T11:56:12.304" v="973" actId="478"/>
+          <ac:cxnSpMkLst>
+            <pc:docMk/>
+            <pc:sldMk cId="336742044" sldId="283"/>
+            <ac:cxnSpMk id="15" creationId="{7F1387CC-5A61-385B-40DC-DDA3542EA323}"/>
+          </ac:cxnSpMkLst>
+        </pc:cxnChg>
+        <pc:cxnChg chg="del">
+          <ac:chgData name="marcel g" userId="d0b903d6cee951ce" providerId="LiveId" clId="{90646845-6F55-48C5-945C-B229B8EB0AF1}" dt="2022-06-08T11:56:12.304" v="973" actId="478"/>
+          <ac:cxnSpMkLst>
+            <pc:docMk/>
+            <pc:sldMk cId="336742044" sldId="283"/>
+            <ac:cxnSpMk id="18" creationId="{27B01B32-558C-2246-587C-F20C2452B60D}"/>
+          </ac:cxnSpMkLst>
+        </pc:cxnChg>
+        <pc:cxnChg chg="add mod">
+          <ac:chgData name="marcel g" userId="d0b903d6cee951ce" providerId="LiveId" clId="{90646845-6F55-48C5-945C-B229B8EB0AF1}" dt="2022-06-09T10:48:16.306" v="2582" actId="1036"/>
+          <ac:cxnSpMkLst>
+            <pc:docMk/>
+            <pc:sldMk cId="336742044" sldId="283"/>
+            <ac:cxnSpMk id="20" creationId="{D1610096-779A-4CA4-53DD-CF20E9FA4976}"/>
+          </ac:cxnSpMkLst>
+        </pc:cxnChg>
+        <pc:cxnChg chg="add mod">
+          <ac:chgData name="marcel g" userId="d0b903d6cee951ce" providerId="LiveId" clId="{90646845-6F55-48C5-945C-B229B8EB0AF1}" dt="2022-06-09T10:48:12.521" v="2581" actId="1036"/>
+          <ac:cxnSpMkLst>
+            <pc:docMk/>
+            <pc:sldMk cId="336742044" sldId="283"/>
+            <ac:cxnSpMk id="22" creationId="{C1DCC772-1F05-0E32-CE36-BDCAFA8879D1}"/>
+          </ac:cxnSpMkLst>
+        </pc:cxnChg>
+        <pc:cxnChg chg="add mod">
+          <ac:chgData name="marcel g" userId="d0b903d6cee951ce" providerId="LiveId" clId="{90646845-6F55-48C5-945C-B229B8EB0AF1}" dt="2022-06-09T10:48:05.187" v="2573" actId="1038"/>
+          <ac:cxnSpMkLst>
+            <pc:docMk/>
+            <pc:sldMk cId="336742044" sldId="283"/>
+            <ac:cxnSpMk id="27" creationId="{80AC026C-27C8-E1BF-8C8B-16A3165537FE}"/>
+          </ac:cxnSpMkLst>
+        </pc:cxnChg>
+        <pc:cxnChg chg="add mod">
+          <ac:chgData name="marcel g" userId="d0b903d6cee951ce" providerId="LiveId" clId="{90646845-6F55-48C5-945C-B229B8EB0AF1}" dt="2022-06-09T10:48:36.620" v="2588" actId="14100"/>
+          <ac:cxnSpMkLst>
+            <pc:docMk/>
+            <pc:sldMk cId="336742044" sldId="283"/>
+            <ac:cxnSpMk id="31" creationId="{7A0C1BED-5A29-437D-06E7-260E2A7B3076}"/>
+          </ac:cxnSpMkLst>
+        </pc:cxnChg>
+        <pc:cxnChg chg="add mod">
+          <ac:chgData name="marcel g" userId="d0b903d6cee951ce" providerId="LiveId" clId="{90646845-6F55-48C5-945C-B229B8EB0AF1}" dt="2022-06-09T10:48:02.624" v="2570" actId="1038"/>
+          <ac:cxnSpMkLst>
+            <pc:docMk/>
+            <pc:sldMk cId="336742044" sldId="283"/>
+            <ac:cxnSpMk id="33" creationId="{91B3CDDE-A042-DC10-E0B8-31ABE5D9978F}"/>
+          </ac:cxnSpMkLst>
+        </pc:cxnChg>
+      </pc:sldChg>
+      <pc:sldChg chg="addSp delSp modSp new mod modAnim">
+        <pc:chgData name="marcel g" userId="d0b903d6cee951ce" providerId="LiveId" clId="{90646845-6F55-48C5-945C-B229B8EB0AF1}" dt="2022-06-09T11:22:15.064" v="2679" actId="1076"/>
+        <pc:sldMkLst>
+          <pc:docMk/>
+          <pc:sldMk cId="1473930159" sldId="284"/>
+        </pc:sldMkLst>
+        <pc:spChg chg="mod">
+          <ac:chgData name="marcel g" userId="d0b903d6cee951ce" providerId="LiveId" clId="{90646845-6F55-48C5-945C-B229B8EB0AF1}" dt="2022-06-09T11:03:45.040" v="2599" actId="1076"/>
+          <ac:spMkLst>
+            <pc:docMk/>
+            <pc:sldMk cId="1473930159" sldId="284"/>
+            <ac:spMk id="2" creationId="{396DCC35-DCFE-3744-90A9-2D9A0D9545CB}"/>
+          </ac:spMkLst>
+        </pc:spChg>
+        <pc:spChg chg="del">
+          <ac:chgData name="marcel g" userId="d0b903d6cee951ce" providerId="LiveId" clId="{90646845-6F55-48C5-945C-B229B8EB0AF1}" dt="2022-06-09T08:40:07.688" v="1420" actId="22"/>
+          <ac:spMkLst>
+            <pc:docMk/>
+            <pc:sldMk cId="1473930159" sldId="284"/>
+            <ac:spMk id="3" creationId="{85A827FF-1CC2-1FC8-1AD8-CF4C570D8CAF}"/>
+          </ac:spMkLst>
+        </pc:spChg>
+        <pc:spChg chg="add del mod">
+          <ac:chgData name="marcel g" userId="d0b903d6cee951ce" providerId="LiveId" clId="{90646845-6F55-48C5-945C-B229B8EB0AF1}" dt="2022-06-09T08:44:52.435" v="1440" actId="478"/>
+          <ac:spMkLst>
+            <pc:docMk/>
+            <pc:sldMk cId="1473930159" sldId="284"/>
+            <ac:spMk id="9" creationId="{22776E23-7C45-B8EE-53DC-D3616A7B2DD6}"/>
+          </ac:spMkLst>
+        </pc:spChg>
+        <pc:picChg chg="add del mod ord modCrop">
+          <ac:chgData name="marcel g" userId="d0b903d6cee951ce" providerId="LiveId" clId="{90646845-6F55-48C5-945C-B229B8EB0AF1}" dt="2022-06-09T08:44:44.470" v="1437" actId="478"/>
+          <ac:picMkLst>
+            <pc:docMk/>
+            <pc:sldMk cId="1473930159" sldId="284"/>
+            <ac:picMk id="5" creationId="{214557D4-D74F-C4CE-188E-1F5A6F3771BF}"/>
+          </ac:picMkLst>
+        </pc:picChg>
+        <pc:picChg chg="add del mod modCrop">
+          <ac:chgData name="marcel g" userId="d0b903d6cee951ce" providerId="LiveId" clId="{90646845-6F55-48C5-945C-B229B8EB0AF1}" dt="2022-06-09T08:45:05.933" v="1441" actId="478"/>
+          <ac:picMkLst>
+            <pc:docMk/>
+            <pc:sldMk cId="1473930159" sldId="284"/>
+            <ac:picMk id="7" creationId="{FC97F453-CF66-4B1B-0B53-FCA8DA9CD69F}"/>
+          </ac:picMkLst>
+        </pc:picChg>
+        <pc:picChg chg="add mod modCrop">
+          <ac:chgData name="marcel g" userId="d0b903d6cee951ce" providerId="LiveId" clId="{90646845-6F55-48C5-945C-B229B8EB0AF1}" dt="2022-06-09T11:22:00.574" v="2676" actId="1076"/>
+          <ac:picMkLst>
+            <pc:docMk/>
+            <pc:sldMk cId="1473930159" sldId="284"/>
+            <ac:picMk id="11" creationId="{D6471C24-9537-7433-A3E5-5D7EC0FC1661}"/>
+          </ac:picMkLst>
+        </pc:picChg>
+        <pc:picChg chg="add mod modCrop">
+          <ac:chgData name="marcel g" userId="d0b903d6cee951ce" providerId="LiveId" clId="{90646845-6F55-48C5-945C-B229B8EB0AF1}" dt="2022-06-09T11:21:51.768" v="2675" actId="1076"/>
+          <ac:picMkLst>
+            <pc:docMk/>
+            <pc:sldMk cId="1473930159" sldId="284"/>
+            <ac:picMk id="13" creationId="{0428FF9D-A59B-C295-6C44-70B0798C663F}"/>
+          </ac:picMkLst>
+        </pc:picChg>
+        <pc:picChg chg="add del mod">
+          <ac:chgData name="marcel g" userId="d0b903d6cee951ce" providerId="LiveId" clId="{90646845-6F55-48C5-945C-B229B8EB0AF1}" dt="2022-06-09T08:52:18.584" v="1493" actId="478"/>
+          <ac:picMkLst>
+            <pc:docMk/>
+            <pc:sldMk cId="1473930159" sldId="284"/>
+            <ac:picMk id="15" creationId="{A1B416E1-D146-8F4D-25F0-6B05B64DE8F8}"/>
+          </ac:picMkLst>
+        </pc:picChg>
+        <pc:picChg chg="add del mod">
+          <ac:chgData name="marcel g" userId="d0b903d6cee951ce" providerId="LiveId" clId="{90646845-6F55-48C5-945C-B229B8EB0AF1}" dt="2022-06-09T08:52:16.469" v="1492" actId="478"/>
+          <ac:picMkLst>
+            <pc:docMk/>
+            <pc:sldMk cId="1473930159" sldId="284"/>
+            <ac:picMk id="27" creationId="{6A7191DC-49F8-A440-B858-7596E5DB3EDA}"/>
+          </ac:picMkLst>
+        </pc:picChg>
+        <pc:picChg chg="add mod">
+          <ac:chgData name="marcel g" userId="d0b903d6cee951ce" providerId="LiveId" clId="{90646845-6F55-48C5-945C-B229B8EB0AF1}" dt="2022-06-09T11:21:51.768" v="2675" actId="1076"/>
+          <ac:picMkLst>
+            <pc:docMk/>
+            <pc:sldMk cId="1473930159" sldId="284"/>
+            <ac:picMk id="29" creationId="{5F6D4211-4D95-1924-D5F7-E67C8416945C}"/>
+          </ac:picMkLst>
+        </pc:picChg>
+        <pc:picChg chg="add mod">
+          <ac:chgData name="marcel g" userId="d0b903d6cee951ce" providerId="LiveId" clId="{90646845-6F55-48C5-945C-B229B8EB0AF1}" dt="2022-06-09T11:21:51.768" v="2675" actId="1076"/>
+          <ac:picMkLst>
+            <pc:docMk/>
+            <pc:sldMk cId="1473930159" sldId="284"/>
+            <ac:picMk id="31" creationId="{FBC95ABA-488E-BAAB-C2BC-E08D184544B2}"/>
+          </ac:picMkLst>
+        </pc:picChg>
+        <pc:picChg chg="add mod">
+          <ac:chgData name="marcel g" userId="d0b903d6cee951ce" providerId="LiveId" clId="{90646845-6F55-48C5-945C-B229B8EB0AF1}" dt="2022-06-09T11:22:09.226" v="2678" actId="1076"/>
+          <ac:picMkLst>
+            <pc:docMk/>
+            <pc:sldMk cId="1473930159" sldId="284"/>
+            <ac:picMk id="37" creationId="{7232DB15-80A7-AC52-BA65-3E55188D9F49}"/>
+          </ac:picMkLst>
+        </pc:picChg>
+        <pc:cxnChg chg="add mod">
+          <ac:chgData name="marcel g" userId="d0b903d6cee951ce" providerId="LiveId" clId="{90646845-6F55-48C5-945C-B229B8EB0AF1}" dt="2022-06-09T11:22:15.064" v="2679" actId="1076"/>
+          <ac:cxnSpMkLst>
+            <pc:docMk/>
+            <pc:sldMk cId="1473930159" sldId="284"/>
+            <ac:cxnSpMk id="16" creationId="{E5D4D171-B0B6-90FE-42C1-955FC4B4D4C5}"/>
+          </ac:cxnSpMkLst>
+        </pc:cxnChg>
+        <pc:cxnChg chg="add del mod">
+          <ac:chgData name="marcel g" userId="d0b903d6cee951ce" providerId="LiveId" clId="{90646845-6F55-48C5-945C-B229B8EB0AF1}" dt="2022-06-09T08:50:47.610" v="1475" actId="478"/>
+          <ac:cxnSpMkLst>
+            <pc:docMk/>
+            <pc:sldMk cId="1473930159" sldId="284"/>
+            <ac:cxnSpMk id="18" creationId="{8A027ED5-C1B6-20CB-8EC6-E279D3FC7025}"/>
+          </ac:cxnSpMkLst>
+        </pc:cxnChg>
+        <pc:cxnChg chg="add del mod">
+          <ac:chgData name="marcel g" userId="d0b903d6cee951ce" providerId="LiveId" clId="{90646845-6F55-48C5-945C-B229B8EB0AF1}" dt="2022-06-09T08:50:46.626" v="1474" actId="478"/>
+          <ac:cxnSpMkLst>
+            <pc:docMk/>
+            <pc:sldMk cId="1473930159" sldId="284"/>
+            <ac:cxnSpMk id="19" creationId="{58E4355D-8AF1-D845-02AC-F83D93B1BEF3}"/>
+          </ac:cxnSpMkLst>
+        </pc:cxnChg>
+        <pc:cxnChg chg="add del mod">
+          <ac:chgData name="marcel g" userId="d0b903d6cee951ce" providerId="LiveId" clId="{90646845-6F55-48C5-945C-B229B8EB0AF1}" dt="2022-06-09T08:50:46.626" v="1474" actId="478"/>
+          <ac:cxnSpMkLst>
+            <pc:docMk/>
+            <pc:sldMk cId="1473930159" sldId="284"/>
+            <ac:cxnSpMk id="20" creationId="{EA946E89-2B3E-1E18-9D63-5D824C48BD49}"/>
+          </ac:cxnSpMkLst>
+        </pc:cxnChg>
+        <pc:cxnChg chg="add del mod">
+          <ac:chgData name="marcel g" userId="d0b903d6cee951ce" providerId="LiveId" clId="{90646845-6F55-48C5-945C-B229B8EB0AF1}" dt="2022-06-09T08:51:08.091" v="1483" actId="478"/>
+          <ac:cxnSpMkLst>
+            <pc:docMk/>
+            <pc:sldMk cId="1473930159" sldId="284"/>
+            <ac:cxnSpMk id="21" creationId="{C1E4DE01-4F52-854B-32A7-256667381824}"/>
+          </ac:cxnSpMkLst>
+        </pc:cxnChg>
+        <pc:cxnChg chg="add mod">
+          <ac:chgData name="marcel g" userId="d0b903d6cee951ce" providerId="LiveId" clId="{90646845-6F55-48C5-945C-B229B8EB0AF1}" dt="2022-06-09T11:21:51.768" v="2675" actId="1076"/>
+          <ac:cxnSpMkLst>
+            <pc:docMk/>
+            <pc:sldMk cId="1473930159" sldId="284"/>
+            <ac:cxnSpMk id="22" creationId="{B823DB2A-FEB6-6DEA-DB3C-B00F0C0BA4C9}"/>
+          </ac:cxnSpMkLst>
+        </pc:cxnChg>
+        <pc:cxnChg chg="add mod">
+          <ac:chgData name="marcel g" userId="d0b903d6cee951ce" providerId="LiveId" clId="{90646845-6F55-48C5-945C-B229B8EB0AF1}" dt="2022-06-09T11:21:51.768" v="2675" actId="1076"/>
+          <ac:cxnSpMkLst>
+            <pc:docMk/>
+            <pc:sldMk cId="1473930159" sldId="284"/>
+            <ac:cxnSpMk id="32" creationId="{2122CE20-2770-BFE9-7B87-5490607CC525}"/>
+          </ac:cxnSpMkLst>
+        </pc:cxnChg>
+      </pc:sldChg>
+      <pc:sldChg chg="addSp delSp modSp add mod modAnim">
+        <pc:chgData name="marcel g" userId="d0b903d6cee951ce" providerId="LiveId" clId="{90646845-6F55-48C5-945C-B229B8EB0AF1}" dt="2022-06-09T11:12:35.516" v="2632"/>
+        <pc:sldMkLst>
+          <pc:docMk/>
+          <pc:sldMk cId="1356624684" sldId="285"/>
+        </pc:sldMkLst>
+        <pc:spChg chg="mod">
+          <ac:chgData name="marcel g" userId="d0b903d6cee951ce" providerId="LiveId" clId="{90646845-6F55-48C5-945C-B229B8EB0AF1}" dt="2022-06-09T09:02:42.614" v="1605" actId="1076"/>
+          <ac:spMkLst>
+            <pc:docMk/>
+            <pc:sldMk cId="1356624684" sldId="285"/>
+            <ac:spMk id="2" creationId="{396DCC35-DCFE-3744-90A9-2D9A0D9545CB}"/>
+          </ac:spMkLst>
+        </pc:spChg>
+        <pc:spChg chg="add mod">
+          <ac:chgData name="marcel g" userId="d0b903d6cee951ce" providerId="LiveId" clId="{90646845-6F55-48C5-945C-B229B8EB0AF1}" dt="2022-06-09T11:11:37.134" v="2627" actId="1076"/>
+          <ac:spMkLst>
+            <pc:docMk/>
+            <pc:sldMk cId="1356624684" sldId="285"/>
+            <ac:spMk id="9" creationId="{F9328985-AD19-3532-95F5-EFB0A37DBBBE}"/>
+          </ac:spMkLst>
+        </pc:spChg>
+        <pc:spChg chg="add mod">
+          <ac:chgData name="marcel g" userId="d0b903d6cee951ce" providerId="LiveId" clId="{90646845-6F55-48C5-945C-B229B8EB0AF1}" dt="2022-06-09T11:11:18.402" v="2621" actId="1076"/>
+          <ac:spMkLst>
+            <pc:docMk/>
+            <pc:sldMk cId="1356624684" sldId="285"/>
+            <ac:spMk id="18" creationId="{23988453-CEA7-9B09-BFE4-A2B7C28F2EA9}"/>
+          </ac:spMkLst>
+        </pc:spChg>
+        <pc:picChg chg="add mod">
+          <ac:chgData name="marcel g" userId="d0b903d6cee951ce" providerId="LiveId" clId="{90646845-6F55-48C5-945C-B229B8EB0AF1}" dt="2022-06-09T11:11:37.134" v="2627" actId="1076"/>
+          <ac:picMkLst>
+            <pc:docMk/>
+            <pc:sldMk cId="1356624684" sldId="285"/>
+            <ac:picMk id="4" creationId="{7796D8F7-401B-6A2B-F983-D3C24F4DA5E7}"/>
+          </ac:picMkLst>
+        </pc:picChg>
+        <pc:picChg chg="add mod">
+          <ac:chgData name="marcel g" userId="d0b903d6cee951ce" providerId="LiveId" clId="{90646845-6F55-48C5-945C-B229B8EB0AF1}" dt="2022-06-09T11:11:18.402" v="2621" actId="1076"/>
+          <ac:picMkLst>
+            <pc:docMk/>
+            <pc:sldMk cId="1356624684" sldId="285"/>
+            <ac:picMk id="6" creationId="{7E871284-A628-DFFE-C7F1-F220E5D93FFE}"/>
+          </ac:picMkLst>
+        </pc:picChg>
+        <pc:picChg chg="add mod modCrop">
+          <ac:chgData name="marcel g" userId="d0b903d6cee951ce" providerId="LiveId" clId="{90646845-6F55-48C5-945C-B229B8EB0AF1}" dt="2022-06-09T09:12:17.796" v="1804" actId="1076"/>
+          <ac:picMkLst>
+            <pc:docMk/>
+            <pc:sldMk cId="1356624684" sldId="285"/>
+            <ac:picMk id="8" creationId="{59BBAAC2-EBCC-2954-BC1B-3D5B7D793A9F}"/>
+          </ac:picMkLst>
+        </pc:picChg>
+        <pc:picChg chg="del">
+          <ac:chgData name="marcel g" userId="d0b903d6cee951ce" providerId="LiveId" clId="{90646845-6F55-48C5-945C-B229B8EB0AF1}" dt="2022-06-09T08:58:11.281" v="1570" actId="478"/>
+          <ac:picMkLst>
+            <pc:docMk/>
+            <pc:sldMk cId="1356624684" sldId="285"/>
+            <ac:picMk id="11" creationId="{D6471C24-9537-7433-A3E5-5D7EC0FC1661}"/>
+          </ac:picMkLst>
+        </pc:picChg>
+        <pc:picChg chg="del">
+          <ac:chgData name="marcel g" userId="d0b903d6cee951ce" providerId="LiveId" clId="{90646845-6F55-48C5-945C-B229B8EB0AF1}" dt="2022-06-09T08:58:11.831" v="1571" actId="478"/>
+          <ac:picMkLst>
+            <pc:docMk/>
+            <pc:sldMk cId="1356624684" sldId="285"/>
+            <ac:picMk id="13" creationId="{0428FF9D-A59B-C295-6C44-70B0798C663F}"/>
+          </ac:picMkLst>
+        </pc:picChg>
+        <pc:picChg chg="del mod">
+          <ac:chgData name="marcel g" userId="d0b903d6cee951ce" providerId="LiveId" clId="{90646845-6F55-48C5-945C-B229B8EB0AF1}" dt="2022-06-09T08:58:13.440" v="1575" actId="478"/>
+          <ac:picMkLst>
+            <pc:docMk/>
+            <pc:sldMk cId="1356624684" sldId="285"/>
+            <ac:picMk id="29" creationId="{5F6D4211-4D95-1924-D5F7-E67C8416945C}"/>
+          </ac:picMkLst>
+        </pc:picChg>
+        <pc:picChg chg="del">
+          <ac:chgData name="marcel g" userId="d0b903d6cee951ce" providerId="LiveId" clId="{90646845-6F55-48C5-945C-B229B8EB0AF1}" dt="2022-06-09T08:58:12.231" v="1572" actId="478"/>
+          <ac:picMkLst>
+            <pc:docMk/>
+            <pc:sldMk cId="1356624684" sldId="285"/>
+            <ac:picMk id="31" creationId="{FBC95ABA-488E-BAAB-C2BC-E08D184544B2}"/>
+          </ac:picMkLst>
+        </pc:picChg>
+        <pc:picChg chg="del">
+          <ac:chgData name="marcel g" userId="d0b903d6cee951ce" providerId="LiveId" clId="{90646845-6F55-48C5-945C-B229B8EB0AF1}" dt="2022-06-09T08:58:12.587" v="1573" actId="478"/>
+          <ac:picMkLst>
+            <pc:docMk/>
+            <pc:sldMk cId="1356624684" sldId="285"/>
+            <ac:picMk id="37" creationId="{7232DB15-80A7-AC52-BA65-3E55188D9F49}"/>
+          </ac:picMkLst>
+        </pc:picChg>
+        <pc:cxnChg chg="del">
+          <ac:chgData name="marcel g" userId="d0b903d6cee951ce" providerId="LiveId" clId="{90646845-6F55-48C5-945C-B229B8EB0AF1}" dt="2022-06-09T08:59:47.500" v="1583" actId="478"/>
+          <ac:cxnSpMkLst>
+            <pc:docMk/>
+            <pc:sldMk cId="1356624684" sldId="285"/>
+            <ac:cxnSpMk id="16" creationId="{E5D4D171-B0B6-90FE-42C1-955FC4B4D4C5}"/>
+          </ac:cxnSpMkLst>
+        </pc:cxnChg>
+        <pc:cxnChg chg="add mod">
+          <ac:chgData name="marcel g" userId="d0b903d6cee951ce" providerId="LiveId" clId="{90646845-6F55-48C5-945C-B229B8EB0AF1}" dt="2022-06-09T11:12:18.433" v="2630" actId="14100"/>
+          <ac:cxnSpMkLst>
+            <pc:docMk/>
+            <pc:sldMk cId="1356624684" sldId="285"/>
+            <ac:cxnSpMk id="19" creationId="{D9AACC98-05B6-25D8-5A3A-35A2F90D02D8}"/>
+          </ac:cxnSpMkLst>
+        </pc:cxnChg>
+        <pc:cxnChg chg="add mod">
+          <ac:chgData name="marcel g" userId="d0b903d6cee951ce" providerId="LiveId" clId="{90646845-6F55-48C5-945C-B229B8EB0AF1}" dt="2022-06-09T11:11:20.891" v="2622" actId="1076"/>
+          <ac:cxnSpMkLst>
+            <pc:docMk/>
+            <pc:sldMk cId="1356624684" sldId="285"/>
+            <ac:cxnSpMk id="20" creationId="{CF9BC0A9-C69E-6417-B682-66C39D73EB65}"/>
+          </ac:cxnSpMkLst>
+        </pc:cxnChg>
+        <pc:cxnChg chg="add mod">
+          <ac:chgData name="marcel g" userId="d0b903d6cee951ce" providerId="LiveId" clId="{90646845-6F55-48C5-945C-B229B8EB0AF1}" dt="2022-06-09T11:11:22.422" v="2623" actId="1076"/>
+          <ac:cxnSpMkLst>
+            <pc:docMk/>
+            <pc:sldMk cId="1356624684" sldId="285"/>
+            <ac:cxnSpMk id="21" creationId="{2C82C969-831E-6899-191A-6FCD85DF49B5}"/>
+          </ac:cxnSpMkLst>
+        </pc:cxnChg>
+        <pc:cxnChg chg="del">
+          <ac:chgData name="marcel g" userId="d0b903d6cee951ce" providerId="LiveId" clId="{90646845-6F55-48C5-945C-B229B8EB0AF1}" dt="2022-06-09T08:59:45.530" v="1582" actId="478"/>
+          <ac:cxnSpMkLst>
+            <pc:docMk/>
+            <pc:sldMk cId="1356624684" sldId="285"/>
+            <ac:cxnSpMk id="22" creationId="{B823DB2A-FEB6-6DEA-DB3C-B00F0C0BA4C9}"/>
+          </ac:cxnSpMkLst>
+        </pc:cxnChg>
+        <pc:cxnChg chg="add mod">
+          <ac:chgData name="marcel g" userId="d0b903d6cee951ce" providerId="LiveId" clId="{90646845-6F55-48C5-945C-B229B8EB0AF1}" dt="2022-06-09T11:11:39.485" v="2628" actId="1076"/>
+          <ac:cxnSpMkLst>
+            <pc:docMk/>
+            <pc:sldMk cId="1356624684" sldId="285"/>
+            <ac:cxnSpMk id="23" creationId="{E55BD02B-4462-5CD0-9A25-1AF711AB3FCF}"/>
+          </ac:cxnSpMkLst>
+        </pc:cxnChg>
+        <pc:cxnChg chg="del">
+          <ac:chgData name="marcel g" userId="d0b903d6cee951ce" providerId="LiveId" clId="{90646845-6F55-48C5-945C-B229B8EB0AF1}" dt="2022-06-09T08:59:45.530" v="1582" actId="478"/>
+          <ac:cxnSpMkLst>
+            <pc:docMk/>
+            <pc:sldMk cId="1356624684" sldId="285"/>
+            <ac:cxnSpMk id="32" creationId="{2122CE20-2770-BFE9-7B87-5490607CC525}"/>
+          </ac:cxnSpMkLst>
+        </pc:cxnChg>
+      </pc:sldChg>
+      <pc:sldChg chg="addSp delSp modSp add mod modAnim">
+        <pc:chgData name="marcel g" userId="d0b903d6cee951ce" providerId="LiveId" clId="{90646845-6F55-48C5-945C-B229B8EB0AF1}" dt="2022-06-09T11:19:12.785" v="2674"/>
+        <pc:sldMkLst>
+          <pc:docMk/>
+          <pc:sldMk cId="806223391" sldId="286"/>
+        </pc:sldMkLst>
+        <pc:spChg chg="mod">
+          <ac:chgData name="marcel g" userId="d0b903d6cee951ce" providerId="LiveId" clId="{90646845-6F55-48C5-945C-B229B8EB0AF1}" dt="2022-06-09T09:18:16.005" v="2014" actId="20577"/>
+          <ac:spMkLst>
+            <pc:docMk/>
+            <pc:sldMk cId="806223391" sldId="286"/>
+            <ac:spMk id="2" creationId="{396DCC35-DCFE-3744-90A9-2D9A0D9545CB}"/>
+          </ac:spMkLst>
+        </pc:spChg>
+        <pc:spChg chg="del">
+          <ac:chgData name="marcel g" userId="d0b903d6cee951ce" providerId="LiveId" clId="{90646845-6F55-48C5-945C-B229B8EB0AF1}" dt="2022-06-09T09:18:09.533" v="1983" actId="478"/>
+          <ac:spMkLst>
+            <pc:docMk/>
+            <pc:sldMk cId="806223391" sldId="286"/>
+            <ac:spMk id="9" creationId="{F9328985-AD19-3532-95F5-EFB0A37DBBBE}"/>
+          </ac:spMkLst>
+        </pc:spChg>
+        <pc:spChg chg="del">
+          <ac:chgData name="marcel g" userId="d0b903d6cee951ce" providerId="LiveId" clId="{90646845-6F55-48C5-945C-B229B8EB0AF1}" dt="2022-06-09T09:18:09.533" v="1983" actId="478"/>
+          <ac:spMkLst>
+            <pc:docMk/>
+            <pc:sldMk cId="806223391" sldId="286"/>
+            <ac:spMk id="18" creationId="{23988453-CEA7-9B09-BFE4-A2B7C28F2EA9}"/>
+          </ac:spMkLst>
+        </pc:spChg>
+        <pc:spChg chg="add mod">
+          <ac:chgData name="marcel g" userId="d0b903d6cee951ce" providerId="LiveId" clId="{90646845-6F55-48C5-945C-B229B8EB0AF1}" dt="2022-06-09T11:17:05.494" v="2656" actId="1076"/>
+          <ac:spMkLst>
+            <pc:docMk/>
+            <pc:sldMk cId="806223391" sldId="286"/>
+            <ac:spMk id="28" creationId="{A127E1B9-D7A5-7487-E8CC-0CDD3A286D21}"/>
+          </ac:spMkLst>
+        </pc:spChg>
+        <pc:picChg chg="del">
+          <ac:chgData name="marcel g" userId="d0b903d6cee951ce" providerId="LiveId" clId="{90646845-6F55-48C5-945C-B229B8EB0AF1}" dt="2022-06-09T09:18:09.533" v="1983" actId="478"/>
+          <ac:picMkLst>
+            <pc:docMk/>
+            <pc:sldMk cId="806223391" sldId="286"/>
+            <ac:picMk id="4" creationId="{7796D8F7-401B-6A2B-F983-D3C24F4DA5E7}"/>
+          </ac:picMkLst>
+        </pc:picChg>
+        <pc:picChg chg="add mod modCrop">
+          <ac:chgData name="marcel g" userId="d0b903d6cee951ce" providerId="LiveId" clId="{90646845-6F55-48C5-945C-B229B8EB0AF1}" dt="2022-06-09T10:08:29.107" v="2197" actId="1076"/>
+          <ac:picMkLst>
+            <pc:docMk/>
+            <pc:sldMk cId="806223391" sldId="286"/>
+            <ac:picMk id="5" creationId="{00DB8772-7442-2604-0784-4CDA2C247015}"/>
+          </ac:picMkLst>
+        </pc:picChg>
+        <pc:picChg chg="del">
+          <ac:chgData name="marcel g" userId="d0b903d6cee951ce" providerId="LiveId" clId="{90646845-6F55-48C5-945C-B229B8EB0AF1}" dt="2022-06-09T09:18:09.533" v="1983" actId="478"/>
+          <ac:picMkLst>
+            <pc:docMk/>
+            <pc:sldMk cId="806223391" sldId="286"/>
+            <ac:picMk id="6" creationId="{7E871284-A628-DFFE-C7F1-F220E5D93FFE}"/>
+          </ac:picMkLst>
+        </pc:picChg>
+        <pc:picChg chg="del">
+          <ac:chgData name="marcel g" userId="d0b903d6cee951ce" providerId="LiveId" clId="{90646845-6F55-48C5-945C-B229B8EB0AF1}" dt="2022-06-09T09:18:09.533" v="1983" actId="478"/>
+          <ac:picMkLst>
+            <pc:docMk/>
+            <pc:sldMk cId="806223391" sldId="286"/>
+            <ac:picMk id="8" creationId="{59BBAAC2-EBCC-2954-BC1B-3D5B7D793A9F}"/>
+          </ac:picMkLst>
+        </pc:picChg>
+        <pc:picChg chg="add mod">
+          <ac:chgData name="marcel g" userId="d0b903d6cee951ce" providerId="LiveId" clId="{90646845-6F55-48C5-945C-B229B8EB0AF1}" dt="2022-06-09T11:18:54.191" v="2672" actId="1076"/>
+          <ac:picMkLst>
+            <pc:docMk/>
+            <pc:sldMk cId="806223391" sldId="286"/>
+            <ac:picMk id="10" creationId="{EC1E5F1E-D0AB-5C08-2AC8-AC78D46DD3CC}"/>
+          </ac:picMkLst>
+        </pc:picChg>
+        <pc:picChg chg="add mod">
+          <ac:chgData name="marcel g" userId="d0b903d6cee951ce" providerId="LiveId" clId="{90646845-6F55-48C5-945C-B229B8EB0AF1}" dt="2022-06-09T11:17:18.678" v="2660" actId="1076"/>
+          <ac:picMkLst>
+            <pc:docMk/>
+            <pc:sldMk cId="806223391" sldId="286"/>
+            <ac:picMk id="12" creationId="{C370CF9D-3527-3478-A4B7-B16867C4F3D3}"/>
+          </ac:picMkLst>
+        </pc:picChg>
+        <pc:picChg chg="add mod">
+          <ac:chgData name="marcel g" userId="d0b903d6cee951ce" providerId="LiveId" clId="{90646845-6F55-48C5-945C-B229B8EB0AF1}" dt="2022-06-09T11:18:21.375" v="2670" actId="1076"/>
+          <ac:picMkLst>
+            <pc:docMk/>
+            <pc:sldMk cId="806223391" sldId="286"/>
+            <ac:picMk id="16" creationId="{1C407375-E8CF-7AA1-2103-4676ED0FC18C}"/>
+          </ac:picMkLst>
+        </pc:picChg>
+        <pc:cxnChg chg="del">
+          <ac:chgData name="marcel g" userId="d0b903d6cee951ce" providerId="LiveId" clId="{90646845-6F55-48C5-945C-B229B8EB0AF1}" dt="2022-06-09T09:18:09.533" v="1983" actId="478"/>
+          <ac:cxnSpMkLst>
+            <pc:docMk/>
+            <pc:sldMk cId="806223391" sldId="286"/>
+            <ac:cxnSpMk id="19" creationId="{D9AACC98-05B6-25D8-5A3A-35A2F90D02D8}"/>
+          </ac:cxnSpMkLst>
+        </pc:cxnChg>
+        <pc:cxnChg chg="del">
+          <ac:chgData name="marcel g" userId="d0b903d6cee951ce" providerId="LiveId" clId="{90646845-6F55-48C5-945C-B229B8EB0AF1}" dt="2022-06-09T09:18:09.533" v="1983" actId="478"/>
+          <ac:cxnSpMkLst>
+            <pc:docMk/>
+            <pc:sldMk cId="806223391" sldId="286"/>
+            <ac:cxnSpMk id="20" creationId="{CF9BC0A9-C69E-6417-B682-66C39D73EB65}"/>
+          </ac:cxnSpMkLst>
+        </pc:cxnChg>
+        <pc:cxnChg chg="del">
+          <ac:chgData name="marcel g" userId="d0b903d6cee951ce" providerId="LiveId" clId="{90646845-6F55-48C5-945C-B229B8EB0AF1}" dt="2022-06-09T09:18:09.533" v="1983" actId="478"/>
+          <ac:cxnSpMkLst>
+            <pc:docMk/>
+            <pc:sldMk cId="806223391" sldId="286"/>
+            <ac:cxnSpMk id="21" creationId="{2C82C969-831E-6899-191A-6FCD85DF49B5}"/>
+          </ac:cxnSpMkLst>
+        </pc:cxnChg>
+        <pc:cxnChg chg="add mod">
+          <ac:chgData name="marcel g" userId="d0b903d6cee951ce" providerId="LiveId" clId="{90646845-6F55-48C5-945C-B229B8EB0AF1}" dt="2022-06-09T11:17:27.356" v="2661" actId="14100"/>
+          <ac:cxnSpMkLst>
+            <pc:docMk/>
+            <pc:sldMk cId="806223391" sldId="286"/>
+            <ac:cxnSpMk id="22" creationId="{751CEA7F-4FCF-54CF-8F83-44A017B3FF5A}"/>
+          </ac:cxnSpMkLst>
+        </pc:cxnChg>
+        <pc:cxnChg chg="del">
+          <ac:chgData name="marcel g" userId="d0b903d6cee951ce" providerId="LiveId" clId="{90646845-6F55-48C5-945C-B229B8EB0AF1}" dt="2022-06-09T09:18:09.533" v="1983" actId="478"/>
+          <ac:cxnSpMkLst>
+            <pc:docMk/>
+            <pc:sldMk cId="806223391" sldId="286"/>
+            <ac:cxnSpMk id="23" creationId="{E55BD02B-4462-5CD0-9A25-1AF711AB3FCF}"/>
+          </ac:cxnSpMkLst>
+        </pc:cxnChg>
+        <pc:cxnChg chg="add mod">
+          <ac:chgData name="marcel g" userId="d0b903d6cee951ce" providerId="LiveId" clId="{90646845-6F55-48C5-945C-B229B8EB0AF1}" dt="2022-06-09T11:17:32.400" v="2665" actId="1076"/>
+          <ac:cxnSpMkLst>
+            <pc:docMk/>
+            <pc:sldMk cId="806223391" sldId="286"/>
+            <ac:cxnSpMk id="24" creationId="{C8781304-8693-61A2-E55E-52FA1564A8D3}"/>
+          </ac:cxnSpMkLst>
+        </pc:cxnChg>
+        <pc:cxnChg chg="add mod">
+          <ac:chgData name="marcel g" userId="d0b903d6cee951ce" providerId="LiveId" clId="{90646845-6F55-48C5-945C-B229B8EB0AF1}" dt="2022-06-09T11:17:14.511" v="2659" actId="1076"/>
+          <ac:cxnSpMkLst>
+            <pc:docMk/>
+            <pc:sldMk cId="806223391" sldId="286"/>
+            <ac:cxnSpMk id="25" creationId="{788FC577-C766-EB3C-A3A9-81FE4438BBF0}"/>
+          </ac:cxnSpMkLst>
+        </pc:cxnChg>
+        <pc:cxnChg chg="add mod">
+          <ac:chgData name="marcel g" userId="d0b903d6cee951ce" providerId="LiveId" clId="{90646845-6F55-48C5-945C-B229B8EB0AF1}" dt="2022-06-09T11:17:50.692" v="2667" actId="1076"/>
+          <ac:cxnSpMkLst>
+            <pc:docMk/>
+            <pc:sldMk cId="806223391" sldId="286"/>
+            <ac:cxnSpMk id="27" creationId="{C07301C3-D7D3-C801-078F-BC8EF9FA552F}"/>
+          </ac:cxnSpMkLst>
+        </pc:cxnChg>
+      </pc:sldChg>
+      <pc:sldChg chg="modSp new mod">
+        <pc:chgData name="marcel g" userId="d0b903d6cee951ce" providerId="LiveId" clId="{90646845-6F55-48C5-945C-B229B8EB0AF1}" dt="2022-06-09T10:13:55.621" v="2441" actId="20577"/>
+        <pc:sldMkLst>
+          <pc:docMk/>
+          <pc:sldMk cId="873480679" sldId="287"/>
+        </pc:sldMkLst>
+        <pc:spChg chg="mod">
+          <ac:chgData name="marcel g" userId="d0b903d6cee951ce" providerId="LiveId" clId="{90646845-6F55-48C5-945C-B229B8EB0AF1}" dt="2022-06-09T10:12:57.437" v="2331" actId="255"/>
+          <ac:spMkLst>
+            <pc:docMk/>
+            <pc:sldMk cId="873480679" sldId="287"/>
+            <ac:spMk id="2" creationId="{A369EAE5-0BB0-21D2-AAB8-25D8532D0CDC}"/>
+          </ac:spMkLst>
+        </pc:spChg>
+        <pc:spChg chg="mod">
+          <ac:chgData name="marcel g" userId="d0b903d6cee951ce" providerId="LiveId" clId="{90646845-6F55-48C5-945C-B229B8EB0AF1}" dt="2022-06-09T10:13:55.621" v="2441" actId="20577"/>
+          <ac:spMkLst>
+            <pc:docMk/>
+            <pc:sldMk cId="873480679" sldId="287"/>
+            <ac:spMk id="3" creationId="{F33C3848-BFB2-AFBC-C694-159053C527E0}"/>
+          </ac:spMkLst>
+        </pc:spChg>
+      </pc:sldChg>
+      <pc:sldChg chg="addSp delSp modSp add del mod">
+        <pc:chgData name="marcel g" userId="d0b903d6cee951ce" providerId="LiveId" clId="{90646845-6F55-48C5-945C-B229B8EB0AF1}" dt="2022-06-09T10:12:42.063" v="2279" actId="47"/>
+        <pc:sldMkLst>
+          <pc:docMk/>
+          <pc:sldMk cId="2018110572" sldId="287"/>
+        </pc:sldMkLst>
+        <pc:spChg chg="mod">
+          <ac:chgData name="marcel g" userId="d0b903d6cee951ce" providerId="LiveId" clId="{90646845-6F55-48C5-945C-B229B8EB0AF1}" dt="2022-06-09T10:11:20.625" v="2259" actId="20577"/>
+          <ac:spMkLst>
+            <pc:docMk/>
+            <pc:sldMk cId="2018110572" sldId="287"/>
+            <ac:spMk id="2" creationId="{396DCC35-DCFE-3744-90A9-2D9A0D9545CB}"/>
+          </ac:spMkLst>
+        </pc:spChg>
+        <pc:spChg chg="add mod">
+          <ac:chgData name="marcel g" userId="d0b903d6cee951ce" providerId="LiveId" clId="{90646845-6F55-48C5-945C-B229B8EB0AF1}" dt="2022-06-09T10:12:37.864" v="2278" actId="207"/>
+          <ac:spMkLst>
+            <pc:docMk/>
+            <pc:sldMk cId="2018110572" sldId="287"/>
+            <ac:spMk id="3" creationId="{F3A2D919-4969-04B9-327B-B86D72A1990C}"/>
+          </ac:spMkLst>
+        </pc:spChg>
+        <pc:spChg chg="del">
+          <ac:chgData name="marcel g" userId="d0b903d6cee951ce" providerId="LiveId" clId="{90646845-6F55-48C5-945C-B229B8EB0AF1}" dt="2022-06-09T10:11:10.175" v="2221" actId="478"/>
+          <ac:spMkLst>
+            <pc:docMk/>
+            <pc:sldMk cId="2018110572" sldId="287"/>
+            <ac:spMk id="28" creationId="{A127E1B9-D7A5-7487-E8CC-0CDD3A286D21}"/>
+          </ac:spMkLst>
+        </pc:spChg>
+        <pc:picChg chg="del">
+          <ac:chgData name="marcel g" userId="d0b903d6cee951ce" providerId="LiveId" clId="{90646845-6F55-48C5-945C-B229B8EB0AF1}" dt="2022-06-09T10:11:06.651" v="2220" actId="478"/>
+          <ac:picMkLst>
+            <pc:docMk/>
+            <pc:sldMk cId="2018110572" sldId="287"/>
+            <ac:picMk id="5" creationId="{00DB8772-7442-2604-0784-4CDA2C247015}"/>
+          </ac:picMkLst>
+        </pc:picChg>
+        <pc:picChg chg="del">
+          <ac:chgData name="marcel g" userId="d0b903d6cee951ce" providerId="LiveId" clId="{90646845-6F55-48C5-945C-B229B8EB0AF1}" dt="2022-06-09T10:11:06.651" v="2220" actId="478"/>
+          <ac:picMkLst>
+            <pc:docMk/>
+            <pc:sldMk cId="2018110572" sldId="287"/>
+            <ac:picMk id="10" creationId="{EC1E5F1E-D0AB-5C08-2AC8-AC78D46DD3CC}"/>
+          </ac:picMkLst>
+        </pc:picChg>
+        <pc:picChg chg="del">
+          <ac:chgData name="marcel g" userId="d0b903d6cee951ce" providerId="LiveId" clId="{90646845-6F55-48C5-945C-B229B8EB0AF1}" dt="2022-06-09T10:11:06.651" v="2220" actId="478"/>
+          <ac:picMkLst>
+            <pc:docMk/>
+            <pc:sldMk cId="2018110572" sldId="287"/>
+            <ac:picMk id="12" creationId="{C370CF9D-3527-3478-A4B7-B16867C4F3D3}"/>
+          </ac:picMkLst>
+        </pc:picChg>
+        <pc:picChg chg="del">
+          <ac:chgData name="marcel g" userId="d0b903d6cee951ce" providerId="LiveId" clId="{90646845-6F55-48C5-945C-B229B8EB0AF1}" dt="2022-06-09T10:11:06.651" v="2220" actId="478"/>
+          <ac:picMkLst>
+            <pc:docMk/>
+            <pc:sldMk cId="2018110572" sldId="287"/>
+            <ac:picMk id="16" creationId="{1C407375-E8CF-7AA1-2103-4676ED0FC18C}"/>
+          </ac:picMkLst>
+        </pc:picChg>
+        <pc:cxnChg chg="del">
+          <ac:chgData name="marcel g" userId="d0b903d6cee951ce" providerId="LiveId" clId="{90646845-6F55-48C5-945C-B229B8EB0AF1}" dt="2022-06-09T10:11:06.651" v="2220" actId="478"/>
+          <ac:cxnSpMkLst>
+            <pc:docMk/>
+            <pc:sldMk cId="2018110572" sldId="287"/>
+            <ac:cxnSpMk id="22" creationId="{751CEA7F-4FCF-54CF-8F83-44A017B3FF5A}"/>
+          </ac:cxnSpMkLst>
+        </pc:cxnChg>
+        <pc:cxnChg chg="del">
+          <ac:chgData name="marcel g" userId="d0b903d6cee951ce" providerId="LiveId" clId="{90646845-6F55-48C5-945C-B229B8EB0AF1}" dt="2022-06-09T10:11:06.651" v="2220" actId="478"/>
+          <ac:cxnSpMkLst>
+            <pc:docMk/>
+            <pc:sldMk cId="2018110572" sldId="287"/>
+            <ac:cxnSpMk id="24" creationId="{C8781304-8693-61A2-E55E-52FA1564A8D3}"/>
+          </ac:cxnSpMkLst>
+        </pc:cxnChg>
+        <pc:cxnChg chg="del">
+          <ac:chgData name="marcel g" userId="d0b903d6cee951ce" providerId="LiveId" clId="{90646845-6F55-48C5-945C-B229B8EB0AF1}" dt="2022-06-09T10:11:06.651" v="2220" actId="478"/>
+          <ac:cxnSpMkLst>
+            <pc:docMk/>
+            <pc:sldMk cId="2018110572" sldId="287"/>
+            <ac:cxnSpMk id="25" creationId="{788FC577-C766-EB3C-A3A9-81FE4438BBF0}"/>
+          </ac:cxnSpMkLst>
+        </pc:cxnChg>
+        <pc:cxnChg chg="del">
+          <ac:chgData name="marcel g" userId="d0b903d6cee951ce" providerId="LiveId" clId="{90646845-6F55-48C5-945C-B229B8EB0AF1}" dt="2022-06-09T10:11:06.651" v="2220" actId="478"/>
+          <ac:cxnSpMkLst>
+            <pc:docMk/>
+            <pc:sldMk cId="2018110572" sldId="287"/>
+            <ac:cxnSpMk id="27" creationId="{C07301C3-D7D3-C801-078F-BC8EF9FA552F}"/>
+          </ac:cxnSpMkLst>
+        </pc:cxnChg>
       </pc:sldChg>
     </pc:docChg>
   </pc:docChgLst>
@@ -241,7 +1416,7 @@
           <a:p>
             <a:fld id="{D2761137-B2F4-44A2-AEA9-B8D72975A05F}" type="datetime1">
               <a:rPr lang="de-DE" smtClean="0"/>
-              <a:t>07.06.2022</a:t>
+              <a:t>09.06.2022</a:t>
             </a:fld>
             <a:endParaRPr lang="de-DE" dirty="0"/>
           </a:p>
@@ -409,7 +1584,7 @@
             <a:pPr rtl="0"/>
             <a:fld id="{E546253B-BE88-45C5-9ABC-A8414C168BD1}" type="datetime1">
               <a:rPr lang="de-DE" noProof="0" smtClean="0"/>
-              <a:t>07.06.2022</a:t>
+              <a:t>09.06.2022</a:t>
             </a:fld>
             <a:endParaRPr lang="de-DE" noProof="0" dirty="0"/>
           </a:p>
@@ -1098,7 +2273,7 @@
             <a:pPr rtl="0"/>
             <a:fld id="{E758FE69-3F99-4550-AA00-A7FF61BF76EA}" type="datetime1">
               <a:rPr lang="de-DE" noProof="0" smtClean="0"/>
-              <a:t>07.06.2022</a:t>
+              <a:t>09.06.2022</a:t>
             </a:fld>
             <a:endParaRPr lang="de-DE" noProof="0" dirty="0"/>
           </a:p>
@@ -1408,7 +2583,7 @@
             <a:pPr rtl="0"/>
             <a:fld id="{B61AEB60-0CF2-4FDF-8809-8AC51494D5F5}" type="datetime1">
               <a:rPr lang="de-DE" noProof="0" smtClean="0"/>
-              <a:t>07.06.2022</a:t>
+              <a:t>09.06.2022</a:t>
             </a:fld>
             <a:endParaRPr lang="de-DE" noProof="0" dirty="0"/>
           </a:p>
@@ -1606,7 +2781,7 @@
             <a:pPr rtl="0"/>
             <a:fld id="{358AF836-13A8-46EF-A2AE-6F658367FD73}" type="datetime1">
               <a:rPr lang="de-DE" noProof="0" smtClean="0"/>
-              <a:t>07.06.2022</a:t>
+              <a:t>09.06.2022</a:t>
             </a:fld>
             <a:endParaRPr lang="de-DE" noProof="0" dirty="0"/>
           </a:p>
@@ -1873,7 +3048,7 @@
             <a:pPr rtl="0"/>
             <a:fld id="{851DFE2F-C573-4D62-882A-E8846EF03C0C}" type="datetime1">
               <a:rPr lang="de-DE" noProof="0" smtClean="0"/>
-              <a:t>07.06.2022</a:t>
+              <a:t>09.06.2022</a:t>
             </a:fld>
             <a:endParaRPr lang="de-DE" noProof="0" dirty="0"/>
           </a:p>
@@ -2313,7 +3488,7 @@
             <a:pPr rtl="0"/>
             <a:fld id="{328E20CA-0CA2-4574-B1D6-69C8C65EED42}" type="datetime1">
               <a:rPr lang="de-DE" noProof="0" smtClean="0"/>
-              <a:t>07.06.2022</a:t>
+              <a:t>09.06.2022</a:t>
             </a:fld>
             <a:endParaRPr lang="de-DE" noProof="0" dirty="0"/>
           </a:p>
@@ -2854,7 +4029,7 @@
             <a:pPr rtl="0"/>
             <a:fld id="{509B9F8F-6639-463B-9FB3-42044123F51F}" type="datetime1">
               <a:rPr lang="de-DE" noProof="0" smtClean="0"/>
-              <a:t>07.06.2022</a:t>
+              <a:t>09.06.2022</a:t>
             </a:fld>
             <a:endParaRPr lang="de-DE" noProof="0" dirty="0"/>
           </a:p>
@@ -3743,7 +4918,7 @@
             <a:pPr rtl="0"/>
             <a:fld id="{069E6A23-504C-403E-B76B-B05505FCD76B}" type="datetime1">
               <a:rPr lang="de-DE" noProof="0" smtClean="0"/>
-              <a:t>07.06.2022</a:t>
+              <a:t>09.06.2022</a:t>
             </a:fld>
             <a:endParaRPr lang="de-DE" noProof="0" dirty="0"/>
           </a:p>
@@ -3917,7 +5092,7 @@
             <a:pPr rtl="0"/>
             <a:fld id="{9468F14C-D4F1-40B6-B1AD-A03EDAA6725D}" type="datetime1">
               <a:rPr lang="de-DE" noProof="0" smtClean="0"/>
-              <a:t>07.06.2022</a:t>
+              <a:t>09.06.2022</a:t>
             </a:fld>
             <a:endParaRPr lang="de-DE" noProof="0" dirty="0"/>
           </a:p>
@@ -4165,7 +5340,7 @@
             <a:pPr rtl="0"/>
             <a:fld id="{AEC8E1CE-31A4-4DC1-9A14-A1FDAD407674}" type="datetime1">
               <a:rPr lang="de-DE" noProof="0" smtClean="0"/>
-              <a:t>07.06.2022</a:t>
+              <a:t>09.06.2022</a:t>
             </a:fld>
             <a:endParaRPr lang="de-DE" noProof="0" dirty="0"/>
           </a:p>
@@ -4411,7 +5586,7 @@
             <a:pPr rtl="0"/>
             <a:fld id="{8FE3744A-5A44-4BFF-92AA-16DA5E94BB83}" type="datetime1">
               <a:rPr lang="de-DE" noProof="0" smtClean="0"/>
-              <a:t>07.06.2022</a:t>
+              <a:t>09.06.2022</a:t>
             </a:fld>
             <a:endParaRPr lang="de-DE" noProof="0" dirty="0"/>
           </a:p>
@@ -4898,7 +6073,7 @@
             <a:pPr rtl="0"/>
             <a:fld id="{6DEDD9AE-23AE-4EB7-B3DB-242A1D8478FB}" type="datetime1">
               <a:rPr lang="de-DE" noProof="0" smtClean="0"/>
-              <a:t>07.06.2022</a:t>
+              <a:t>09.06.2022</a:t>
             </a:fld>
             <a:endParaRPr lang="de-DE" noProof="0" dirty="0"/>
           </a:p>
@@ -5020,7 +6195,7 @@
             <a:pPr rtl="0"/>
             <a:fld id="{BF42FB20-1F3E-43B9-A22C-6B636C25391A}" type="datetime1">
               <a:rPr lang="de-DE" noProof="0" smtClean="0"/>
-              <a:t>07.06.2022</a:t>
+              <a:t>09.06.2022</a:t>
             </a:fld>
             <a:endParaRPr lang="de-DE" noProof="0" dirty="0"/>
           </a:p>
@@ -5118,7 +6293,7 @@
             <a:pPr rtl="0"/>
             <a:fld id="{667D78AD-A707-44D8-98C7-2E5BF17C114E}" type="datetime1">
               <a:rPr lang="de-DE" noProof="0" smtClean="0"/>
-              <a:t>07.06.2022</a:t>
+              <a:t>09.06.2022</a:t>
             </a:fld>
             <a:endParaRPr lang="de-DE" noProof="0" dirty="0"/>
           </a:p>
@@ -5377,7 +6552,7 @@
             <a:pPr rtl="0"/>
             <a:fld id="{B7CDB1FF-C55B-4D31-A515-83B796043DD6}" type="datetime1">
               <a:rPr lang="de-DE" noProof="0" smtClean="0"/>
-              <a:t>07.06.2022</a:t>
+              <a:t>09.06.2022</a:t>
             </a:fld>
             <a:endParaRPr lang="de-DE" noProof="0" dirty="0"/>
           </a:p>
@@ -5689,7 +6864,7 @@
             <a:pPr rtl="0"/>
             <a:fld id="{65B3AE0C-9D3B-493D-AE1C-E837EBD1A420}" type="datetime1">
               <a:rPr lang="de-DE" noProof="0" smtClean="0"/>
-              <a:t>07.06.2022</a:t>
+              <a:t>09.06.2022</a:t>
             </a:fld>
             <a:endParaRPr lang="de-DE" noProof="0" dirty="0"/>
           </a:p>
@@ -5925,7 +7100,7 @@
             <a:pPr rtl="0"/>
             <a:fld id="{68BEABDA-98C7-4D1F-B6BB-CA7E2F630F9B}" type="datetime1">
               <a:rPr lang="de-DE" noProof="0" smtClean="0"/>
-              <a:t>07.06.2022</a:t>
+              <a:t>09.06.2022</a:t>
             </a:fld>
             <a:endParaRPr lang="de-DE" noProof="0" dirty="0"/>
           </a:p>
@@ -6987,6 +8162,115 @@
 </p:sld>
 </file>
 
+<file path=ppt/slides/slide10.xml><?xml version="1.0" encoding="utf-8"?>
+<p:sld xmlns:a="http://schemas.openxmlformats.org/drawingml/2006/main" xmlns:r="http://schemas.openxmlformats.org/officeDocument/2006/relationships" xmlns:p="http://schemas.openxmlformats.org/presentationml/2006/main">
+  <p:cSld>
+    <p:spTree>
+      <p:nvGrpSpPr>
+        <p:cNvPr id="1" name=""/>
+        <p:cNvGrpSpPr/>
+        <p:nvPr/>
+      </p:nvGrpSpPr>
+      <p:grpSpPr>
+        <a:xfrm>
+          <a:off x="0" y="0"/>
+          <a:ext cx="0" cy="0"/>
+          <a:chOff x="0" y="0"/>
+          <a:chExt cx="0" cy="0"/>
+        </a:xfrm>
+      </p:grpSpPr>
+      <p:sp>
+        <p:nvSpPr>
+          <p:cNvPr id="2" name="Titel 1">
+            <a:extLst>
+              <a:ext uri="{FF2B5EF4-FFF2-40B4-BE49-F238E27FC236}">
+                <a16:creationId xmlns:a16="http://schemas.microsoft.com/office/drawing/2014/main" id="{A369EAE5-0BB0-21D2-AAB8-25D8532D0CDC}"/>
+              </a:ext>
+            </a:extLst>
+          </p:cNvPr>
+          <p:cNvSpPr>
+            <a:spLocks noGrp="1"/>
+          </p:cNvSpPr>
+          <p:nvPr>
+            <p:ph type="title"/>
+          </p:nvPr>
+        </p:nvSpPr>
+        <p:spPr/>
+        <p:txBody>
+          <a:bodyPr>
+            <a:normAutofit/>
+          </a:bodyPr>
+          <a:lstStyle/>
+          <a:p>
+            <a:r>
+              <a:rPr lang="de-DE" sz="3200" dirty="0"/>
+              <a:t>Quellcode und weiteres Nachschlagewerk</a:t>
+            </a:r>
+          </a:p>
+        </p:txBody>
+      </p:sp>
+      <p:sp>
+        <p:nvSpPr>
+          <p:cNvPr id="3" name="Inhaltsplatzhalter 2">
+            <a:extLst>
+              <a:ext uri="{FF2B5EF4-FFF2-40B4-BE49-F238E27FC236}">
+                <a16:creationId xmlns:a16="http://schemas.microsoft.com/office/drawing/2014/main" id="{F33C3848-BFB2-AFBC-C694-159053C527E0}"/>
+              </a:ext>
+            </a:extLst>
+          </p:cNvPr>
+          <p:cNvSpPr>
+            <a:spLocks noGrp="1"/>
+          </p:cNvSpPr>
+          <p:nvPr>
+            <p:ph idx="1"/>
+          </p:nvPr>
+        </p:nvSpPr>
+        <p:spPr/>
+        <p:txBody>
+          <a:bodyPr/>
+          <a:lstStyle/>
+          <a:p>
+            <a:r>
+              <a:rPr lang="de-DE" dirty="0"/>
+              <a:t>https://github.com/nobody1337/DemoAPI.git	</a:t>
+            </a:r>
+          </a:p>
+          <a:p>
+            <a:pPr lvl="1"/>
+            <a:r>
+              <a:rPr lang="de-DE" dirty="0"/>
+              <a:t>Quellcode</a:t>
+            </a:r>
+          </a:p>
+          <a:p>
+            <a:pPr lvl="1"/>
+            <a:r>
+              <a:rPr lang="de-DE" dirty="0"/>
+              <a:t>Präsentation</a:t>
+            </a:r>
+          </a:p>
+          <a:p>
+            <a:pPr lvl="1"/>
+            <a:r>
+              <a:rPr lang="de-DE" dirty="0"/>
+              <a:t>PDF Nachschlagewerk </a:t>
+            </a:r>
+          </a:p>
+        </p:txBody>
+      </p:sp>
+    </p:spTree>
+    <p:extLst>
+      <p:ext uri="{BB962C8B-B14F-4D97-AF65-F5344CB8AC3E}">
+        <p14:creationId xmlns:p14="http://schemas.microsoft.com/office/powerpoint/2010/main" val="873480679"/>
+      </p:ext>
+    </p:extLst>
+  </p:cSld>
+  <p:clrMapOvr>
+    <a:masterClrMapping/>
+  </p:clrMapOvr>
+</p:sld>
+</file>
+
 <file path=ppt/slides/slide2.xml><?xml version="1.0" encoding="utf-8"?>
 <p:sld xmlns:a="http://schemas.openxmlformats.org/drawingml/2006/main" xmlns:r="http://schemas.openxmlformats.org/officeDocument/2006/relationships" xmlns:p="http://schemas.openxmlformats.org/presentationml/2006/main">
   <p:cSld>
@@ -7254,7 +8538,7 @@
         </p:spPr>
         <p:txBody>
           <a:bodyPr rtlCol="0" anchor="t">
-            <a:normAutofit lnSpcReduction="10000"/>
+            <a:normAutofit/>
           </a:bodyPr>
           <a:lstStyle/>
           <a:p>
@@ -7284,17 +8568,7 @@
             </a:pPr>
             <a:r>
               <a:rPr lang="de-DE" sz="2000" dirty="0"/>
-              <a:t>Hinzufügen von statischen Interface Methoden</a:t>
-            </a:r>
-          </a:p>
-          <a:p>
-            <a:pPr marL="494100" indent="-457200" rtl="0">
-              <a:buFont typeface="+mj-lt"/>
-              <a:buAutoNum type="arabicPeriod"/>
-            </a:pPr>
-            <a:r>
-              <a:rPr lang="de-DE" sz="2000" dirty="0"/>
-              <a:t>Funktionale Interfaces und Lamdas über Vererbung</a:t>
+              <a:t>Funktionale Interfaces und Lamda</a:t>
             </a:r>
           </a:p>
           <a:p>
@@ -7363,6 +8637,7231 @@
   <p:clrMapOvr>
     <a:masterClrMapping/>
   </p:clrMapOvr>
+  <p:timing>
+    <p:tnLst>
+      <p:par>
+        <p:cTn id="1" dur="indefinite" restart="never" nodeType="tmRoot">
+          <p:childTnLst>
+            <p:seq concurrent="1" nextAc="seek">
+              <p:cTn id="2" dur="indefinite" nodeType="mainSeq">
+                <p:childTnLst>
+                  <p:par>
+                    <p:cTn id="3" fill="hold">
+                      <p:stCondLst>
+                        <p:cond delay="indefinite"/>
+                      </p:stCondLst>
+                      <p:childTnLst>
+                        <p:par>
+                          <p:cTn id="4" fill="hold">
+                            <p:stCondLst>
+                              <p:cond delay="0"/>
+                            </p:stCondLst>
+                            <p:childTnLst>
+                              <p:par>
+                                <p:cTn id="5" presetID="1" presetClass="entr" presetSubtype="0" fill="hold" grpId="0" nodeType="clickEffect">
+                                  <p:stCondLst>
+                                    <p:cond delay="0"/>
+                                  </p:stCondLst>
+                                  <p:childTnLst>
+                                    <p:set>
+                                      <p:cBhvr>
+                                        <p:cTn id="6" dur="1" fill="hold">
+                                          <p:stCondLst>
+                                            <p:cond delay="0"/>
+                                          </p:stCondLst>
+                                        </p:cTn>
+                                        <p:tgtEl>
+                                          <p:spTgt spid="24">
+                                            <p:txEl>
+                                              <p:pRg st="0" end="0"/>
+                                            </p:txEl>
+                                          </p:spTgt>
+                                        </p:tgtEl>
+                                        <p:attrNameLst>
+                                          <p:attrName>style.visibility</p:attrName>
+                                        </p:attrNameLst>
+                                      </p:cBhvr>
+                                      <p:to>
+                                        <p:strVal val="visible"/>
+                                      </p:to>
+                                    </p:set>
+                                  </p:childTnLst>
+                                </p:cTn>
+                              </p:par>
+                            </p:childTnLst>
+                          </p:cTn>
+                        </p:par>
+                      </p:childTnLst>
+                    </p:cTn>
+                  </p:par>
+                  <p:par>
+                    <p:cTn id="7" fill="hold">
+                      <p:stCondLst>
+                        <p:cond delay="indefinite"/>
+                      </p:stCondLst>
+                      <p:childTnLst>
+                        <p:par>
+                          <p:cTn id="8" fill="hold">
+                            <p:stCondLst>
+                              <p:cond delay="0"/>
+                            </p:stCondLst>
+                            <p:childTnLst>
+                              <p:par>
+                                <p:cTn id="9" presetID="1" presetClass="entr" presetSubtype="0" fill="hold" grpId="0" nodeType="clickEffect">
+                                  <p:stCondLst>
+                                    <p:cond delay="0"/>
+                                  </p:stCondLst>
+                                  <p:childTnLst>
+                                    <p:set>
+                                      <p:cBhvr>
+                                        <p:cTn id="10" dur="1" fill="hold">
+                                          <p:stCondLst>
+                                            <p:cond delay="0"/>
+                                          </p:stCondLst>
+                                        </p:cTn>
+                                        <p:tgtEl>
+                                          <p:spTgt spid="24">
+                                            <p:txEl>
+                                              <p:pRg st="1" end="1"/>
+                                            </p:txEl>
+                                          </p:spTgt>
+                                        </p:tgtEl>
+                                        <p:attrNameLst>
+                                          <p:attrName>style.visibility</p:attrName>
+                                        </p:attrNameLst>
+                                      </p:cBhvr>
+                                      <p:to>
+                                        <p:strVal val="visible"/>
+                                      </p:to>
+                                    </p:set>
+                                  </p:childTnLst>
+                                </p:cTn>
+                              </p:par>
+                            </p:childTnLst>
+                          </p:cTn>
+                        </p:par>
+                      </p:childTnLst>
+                    </p:cTn>
+                  </p:par>
+                  <p:par>
+                    <p:cTn id="11" fill="hold">
+                      <p:stCondLst>
+                        <p:cond delay="indefinite"/>
+                      </p:stCondLst>
+                      <p:childTnLst>
+                        <p:par>
+                          <p:cTn id="12" fill="hold">
+                            <p:stCondLst>
+                              <p:cond delay="0"/>
+                            </p:stCondLst>
+                            <p:childTnLst>
+                              <p:par>
+                                <p:cTn id="13" presetID="1" presetClass="entr" presetSubtype="0" fill="hold" grpId="0" nodeType="clickEffect">
+                                  <p:stCondLst>
+                                    <p:cond delay="0"/>
+                                  </p:stCondLst>
+                                  <p:childTnLst>
+                                    <p:set>
+                                      <p:cBhvr>
+                                        <p:cTn id="14" dur="1" fill="hold">
+                                          <p:stCondLst>
+                                            <p:cond delay="0"/>
+                                          </p:stCondLst>
+                                        </p:cTn>
+                                        <p:tgtEl>
+                                          <p:spTgt spid="24">
+                                            <p:txEl>
+                                              <p:pRg st="2" end="2"/>
+                                            </p:txEl>
+                                          </p:spTgt>
+                                        </p:tgtEl>
+                                        <p:attrNameLst>
+                                          <p:attrName>style.visibility</p:attrName>
+                                        </p:attrNameLst>
+                                      </p:cBhvr>
+                                      <p:to>
+                                        <p:strVal val="visible"/>
+                                      </p:to>
+                                    </p:set>
+                                  </p:childTnLst>
+                                </p:cTn>
+                              </p:par>
+                            </p:childTnLst>
+                          </p:cTn>
+                        </p:par>
+                      </p:childTnLst>
+                    </p:cTn>
+                  </p:par>
+                  <p:par>
+                    <p:cTn id="15" fill="hold">
+                      <p:stCondLst>
+                        <p:cond delay="indefinite"/>
+                      </p:stCondLst>
+                      <p:childTnLst>
+                        <p:par>
+                          <p:cTn id="16" fill="hold">
+                            <p:stCondLst>
+                              <p:cond delay="0"/>
+                            </p:stCondLst>
+                            <p:childTnLst>
+                              <p:par>
+                                <p:cTn id="17" presetID="1" presetClass="entr" presetSubtype="0" fill="hold" grpId="0" nodeType="clickEffect">
+                                  <p:stCondLst>
+                                    <p:cond delay="0"/>
+                                  </p:stCondLst>
+                                  <p:childTnLst>
+                                    <p:set>
+                                      <p:cBhvr>
+                                        <p:cTn id="18" dur="1" fill="hold">
+                                          <p:stCondLst>
+                                            <p:cond delay="0"/>
+                                          </p:stCondLst>
+                                        </p:cTn>
+                                        <p:tgtEl>
+                                          <p:spTgt spid="24">
+                                            <p:txEl>
+                                              <p:pRg st="3" end="3"/>
+                                            </p:txEl>
+                                          </p:spTgt>
+                                        </p:tgtEl>
+                                        <p:attrNameLst>
+                                          <p:attrName>style.visibility</p:attrName>
+                                        </p:attrNameLst>
+                                      </p:cBhvr>
+                                      <p:to>
+                                        <p:strVal val="visible"/>
+                                      </p:to>
+                                    </p:set>
+                                  </p:childTnLst>
+                                </p:cTn>
+                              </p:par>
+                            </p:childTnLst>
+                          </p:cTn>
+                        </p:par>
+                      </p:childTnLst>
+                    </p:cTn>
+                  </p:par>
+                  <p:par>
+                    <p:cTn id="19" fill="hold">
+                      <p:stCondLst>
+                        <p:cond delay="indefinite"/>
+                      </p:stCondLst>
+                      <p:childTnLst>
+                        <p:par>
+                          <p:cTn id="20" fill="hold">
+                            <p:stCondLst>
+                              <p:cond delay="0"/>
+                            </p:stCondLst>
+                            <p:childTnLst>
+                              <p:par>
+                                <p:cTn id="21" presetID="1" presetClass="entr" presetSubtype="0" fill="hold" grpId="0" nodeType="clickEffect">
+                                  <p:stCondLst>
+                                    <p:cond delay="0"/>
+                                  </p:stCondLst>
+                                  <p:childTnLst>
+                                    <p:set>
+                                      <p:cBhvr>
+                                        <p:cTn id="22" dur="1" fill="hold">
+                                          <p:stCondLst>
+                                            <p:cond delay="0"/>
+                                          </p:stCondLst>
+                                        </p:cTn>
+                                        <p:tgtEl>
+                                          <p:spTgt spid="24">
+                                            <p:txEl>
+                                              <p:pRg st="4" end="4"/>
+                                            </p:txEl>
+                                          </p:spTgt>
+                                        </p:tgtEl>
+                                        <p:attrNameLst>
+                                          <p:attrName>style.visibility</p:attrName>
+                                        </p:attrNameLst>
+                                      </p:cBhvr>
+                                      <p:to>
+                                        <p:strVal val="visible"/>
+                                      </p:to>
+                                    </p:set>
+                                  </p:childTnLst>
+                                </p:cTn>
+                              </p:par>
+                            </p:childTnLst>
+                          </p:cTn>
+                        </p:par>
+                      </p:childTnLst>
+                    </p:cTn>
+                  </p:par>
+                  <p:par>
+                    <p:cTn id="23" fill="hold">
+                      <p:stCondLst>
+                        <p:cond delay="indefinite"/>
+                      </p:stCondLst>
+                      <p:childTnLst>
+                        <p:par>
+                          <p:cTn id="24" fill="hold">
+                            <p:stCondLst>
+                              <p:cond delay="0"/>
+                            </p:stCondLst>
+                            <p:childTnLst>
+                              <p:par>
+                                <p:cTn id="25" presetID="1" presetClass="entr" presetSubtype="0" fill="hold" grpId="0" nodeType="clickEffect">
+                                  <p:stCondLst>
+                                    <p:cond delay="0"/>
+                                  </p:stCondLst>
+                                  <p:childTnLst>
+                                    <p:set>
+                                      <p:cBhvr>
+                                        <p:cTn id="26" dur="1" fill="hold">
+                                          <p:stCondLst>
+                                            <p:cond delay="0"/>
+                                          </p:stCondLst>
+                                        </p:cTn>
+                                        <p:tgtEl>
+                                          <p:spTgt spid="24">
+                                            <p:txEl>
+                                              <p:pRg st="5" end="5"/>
+                                            </p:txEl>
+                                          </p:spTgt>
+                                        </p:tgtEl>
+                                        <p:attrNameLst>
+                                          <p:attrName>style.visibility</p:attrName>
+                                        </p:attrNameLst>
+                                      </p:cBhvr>
+                                      <p:to>
+                                        <p:strVal val="visible"/>
+                                      </p:to>
+                                    </p:set>
+                                  </p:childTnLst>
+                                </p:cTn>
+                              </p:par>
+                            </p:childTnLst>
+                          </p:cTn>
+                        </p:par>
+                      </p:childTnLst>
+                    </p:cTn>
+                  </p:par>
+                  <p:par>
+                    <p:cTn id="27" fill="hold">
+                      <p:stCondLst>
+                        <p:cond delay="indefinite"/>
+                      </p:stCondLst>
+                      <p:childTnLst>
+                        <p:par>
+                          <p:cTn id="28" fill="hold">
+                            <p:stCondLst>
+                              <p:cond delay="0"/>
+                            </p:stCondLst>
+                            <p:childTnLst>
+                              <p:par>
+                                <p:cTn id="29" presetID="1" presetClass="entr" presetSubtype="0" fill="hold" grpId="0" nodeType="clickEffect">
+                                  <p:stCondLst>
+                                    <p:cond delay="0"/>
+                                  </p:stCondLst>
+                                  <p:childTnLst>
+                                    <p:set>
+                                      <p:cBhvr>
+                                        <p:cTn id="30" dur="1" fill="hold">
+                                          <p:stCondLst>
+                                            <p:cond delay="0"/>
+                                          </p:stCondLst>
+                                        </p:cTn>
+                                        <p:tgtEl>
+                                          <p:spTgt spid="24">
+                                            <p:txEl>
+                                              <p:pRg st="6" end="6"/>
+                                            </p:txEl>
+                                          </p:spTgt>
+                                        </p:tgtEl>
+                                        <p:attrNameLst>
+                                          <p:attrName>style.visibility</p:attrName>
+                                        </p:attrNameLst>
+                                      </p:cBhvr>
+                                      <p:to>
+                                        <p:strVal val="visible"/>
+                                      </p:to>
+                                    </p:set>
+                                  </p:childTnLst>
+                                </p:cTn>
+                              </p:par>
+                            </p:childTnLst>
+                          </p:cTn>
+                        </p:par>
+                      </p:childTnLst>
+                    </p:cTn>
+                  </p:par>
+                </p:childTnLst>
+              </p:cTn>
+              <p:prevCondLst>
+                <p:cond evt="onPrev" delay="0">
+                  <p:tgtEl>
+                    <p:sldTgt/>
+                  </p:tgtEl>
+                </p:cond>
+              </p:prevCondLst>
+              <p:nextCondLst>
+                <p:cond evt="onNext" delay="0">
+                  <p:tgtEl>
+                    <p:sldTgt/>
+                  </p:tgtEl>
+                </p:cond>
+              </p:nextCondLst>
+            </p:seq>
+          </p:childTnLst>
+        </p:cTn>
+      </p:par>
+    </p:tnLst>
+    <p:bldLst>
+      <p:bldP spid="24" grpId="0" build="p"/>
+    </p:bldLst>
+  </p:timing>
+</p:sld>
+</file>
+
+<file path=ppt/slides/slide3.xml><?xml version="1.0" encoding="utf-8"?>
+<p:sld xmlns:a="http://schemas.openxmlformats.org/drawingml/2006/main" xmlns:r="http://schemas.openxmlformats.org/officeDocument/2006/relationships" xmlns:p="http://schemas.openxmlformats.org/presentationml/2006/main">
+  <p:cSld>
+    <p:spTree>
+      <p:nvGrpSpPr>
+        <p:cNvPr id="1" name=""/>
+        <p:cNvGrpSpPr/>
+        <p:nvPr/>
+      </p:nvGrpSpPr>
+      <p:grpSpPr>
+        <a:xfrm>
+          <a:off x="0" y="0"/>
+          <a:ext cx="0" cy="0"/>
+          <a:chOff x="0" y="0"/>
+          <a:chExt cx="0" cy="0"/>
+        </a:xfrm>
+      </p:grpSpPr>
+      <p:sp>
+        <p:nvSpPr>
+          <p:cNvPr id="2" name="Titel 1">
+            <a:extLst>
+              <a:ext uri="{FF2B5EF4-FFF2-40B4-BE49-F238E27FC236}">
+                <a16:creationId xmlns:a16="http://schemas.microsoft.com/office/drawing/2014/main" id="{60E35030-7C3A-0B68-2B09-83D0196A038F}"/>
+              </a:ext>
+            </a:extLst>
+          </p:cNvPr>
+          <p:cNvSpPr>
+            <a:spLocks noGrp="1"/>
+          </p:cNvSpPr>
+          <p:nvPr>
+            <p:ph type="title"/>
+          </p:nvPr>
+        </p:nvSpPr>
+        <p:spPr>
+          <a:xfrm>
+            <a:off x="762526" y="170455"/>
+            <a:ext cx="10353762" cy="930873"/>
+          </a:xfrm>
+        </p:spPr>
+        <p:txBody>
+          <a:bodyPr>
+            <a:normAutofit fontScale="90000"/>
+          </a:bodyPr>
+          <a:lstStyle/>
+          <a:p>
+            <a:r>
+              <a:rPr lang="de-DE" sz="3600" dirty="0"/>
+              <a:t>Optional&lt;&gt;</a:t>
+            </a:r>
+            <a:br>
+              <a:rPr lang="de-DE" sz="4800" dirty="0"/>
+            </a:br>
+            <a:endParaRPr lang="de-DE" dirty="0"/>
+          </a:p>
+        </p:txBody>
+      </p:sp>
+      <p:pic>
+        <p:nvPicPr>
+          <p:cNvPr id="10" name="Inhaltsplatzhalter 9">
+            <a:extLst>
+              <a:ext uri="{FF2B5EF4-FFF2-40B4-BE49-F238E27FC236}">
+                <a16:creationId xmlns:a16="http://schemas.microsoft.com/office/drawing/2014/main" id="{C8CF0145-5E2F-6A0A-D6CF-79BCA0DFE77E}"/>
+              </a:ext>
+            </a:extLst>
+          </p:cNvPr>
+          <p:cNvPicPr>
+            <a:picLocks noGrp="1" noChangeAspect="1"/>
+          </p:cNvPicPr>
+          <p:nvPr>
+            <p:ph idx="1"/>
+          </p:nvPr>
+        </p:nvPicPr>
+        <p:blipFill>
+          <a:blip r:embed="rId2"/>
+          <a:stretch>
+            <a:fillRect/>
+          </a:stretch>
+        </p:blipFill>
+        <p:spPr>
+          <a:xfrm>
+            <a:off x="6242901" y="3650016"/>
+            <a:ext cx="4246740" cy="632847"/>
+          </a:xfrm>
+          <a:prstGeom prst="rect">
+            <a:avLst/>
+          </a:prstGeom>
+        </p:spPr>
+      </p:pic>
+      <p:pic>
+        <p:nvPicPr>
+          <p:cNvPr id="13" name="Grafik 12">
+            <a:extLst>
+              <a:ext uri="{FF2B5EF4-FFF2-40B4-BE49-F238E27FC236}">
+                <a16:creationId xmlns:a16="http://schemas.microsoft.com/office/drawing/2014/main" id="{B873968B-7903-FE78-9B83-DF7A3C63A112}"/>
+              </a:ext>
+            </a:extLst>
+          </p:cNvPr>
+          <p:cNvPicPr>
+            <a:picLocks noChangeAspect="1"/>
+          </p:cNvPicPr>
+          <p:nvPr/>
+        </p:nvPicPr>
+        <p:blipFill>
+          <a:blip r:embed="rId3"/>
+          <a:stretch>
+            <a:fillRect/>
+          </a:stretch>
+        </p:blipFill>
+        <p:spPr>
+          <a:xfrm>
+            <a:off x="2368439" y="3650016"/>
+            <a:ext cx="2860688" cy="587339"/>
+          </a:xfrm>
+          <a:prstGeom prst="rect">
+            <a:avLst/>
+          </a:prstGeom>
+        </p:spPr>
+      </p:pic>
+      <p:pic>
+        <p:nvPicPr>
+          <p:cNvPr id="15" name="Grafik 14">
+            <a:extLst>
+              <a:ext uri="{FF2B5EF4-FFF2-40B4-BE49-F238E27FC236}">
+                <a16:creationId xmlns:a16="http://schemas.microsoft.com/office/drawing/2014/main" id="{4866C274-116A-A55F-BD09-79424BCE97D2}"/>
+              </a:ext>
+            </a:extLst>
+          </p:cNvPr>
+          <p:cNvPicPr>
+            <a:picLocks noChangeAspect="1"/>
+          </p:cNvPicPr>
+          <p:nvPr/>
+        </p:nvPicPr>
+        <p:blipFill>
+          <a:blip r:embed="rId4"/>
+          <a:stretch>
+            <a:fillRect/>
+          </a:stretch>
+        </p:blipFill>
+        <p:spPr>
+          <a:xfrm>
+            <a:off x="3171042" y="838966"/>
+            <a:ext cx="5536731" cy="2155329"/>
+          </a:xfrm>
+          <a:prstGeom prst="rect">
+            <a:avLst/>
+          </a:prstGeom>
+        </p:spPr>
+      </p:pic>
+      <p:cxnSp>
+        <p:nvCxnSpPr>
+          <p:cNvPr id="17" name="Gerade Verbindung mit Pfeil 16">
+            <a:extLst>
+              <a:ext uri="{FF2B5EF4-FFF2-40B4-BE49-F238E27FC236}">
+                <a16:creationId xmlns:a16="http://schemas.microsoft.com/office/drawing/2014/main" id="{3DE7CB65-7B69-4924-AE34-F6564174280A}"/>
+              </a:ext>
+            </a:extLst>
+          </p:cNvPr>
+          <p:cNvCxnSpPr>
+            <a:cxnSpLocks/>
+          </p:cNvCxnSpPr>
+          <p:nvPr/>
+        </p:nvCxnSpPr>
+        <p:spPr>
+          <a:xfrm>
+            <a:off x="3773616" y="4300541"/>
+            <a:ext cx="0" cy="1224793"/>
+          </a:xfrm>
+          <a:prstGeom prst="straightConnector1">
+            <a:avLst/>
+          </a:prstGeom>
+          <a:ln>
+            <a:tailEnd type="triangle"/>
+          </a:ln>
+        </p:spPr>
+        <p:style>
+          <a:lnRef idx="1">
+            <a:schemeClr val="accent1"/>
+          </a:lnRef>
+          <a:fillRef idx="0">
+            <a:schemeClr val="accent1"/>
+          </a:fillRef>
+          <a:effectRef idx="0">
+            <a:schemeClr val="accent1"/>
+          </a:effectRef>
+          <a:fontRef idx="minor">
+            <a:schemeClr val="tx1"/>
+          </a:fontRef>
+        </p:style>
+      </p:cxnSp>
+      <p:cxnSp>
+        <p:nvCxnSpPr>
+          <p:cNvPr id="20" name="Gerade Verbindung mit Pfeil 19">
+            <a:extLst>
+              <a:ext uri="{FF2B5EF4-FFF2-40B4-BE49-F238E27FC236}">
+                <a16:creationId xmlns:a16="http://schemas.microsoft.com/office/drawing/2014/main" id="{1EED7C55-ED67-B28C-C785-197DA5BF60F0}"/>
+              </a:ext>
+            </a:extLst>
+          </p:cNvPr>
+          <p:cNvCxnSpPr>
+            <a:cxnSpLocks/>
+          </p:cNvCxnSpPr>
+          <p:nvPr/>
+        </p:nvCxnSpPr>
+        <p:spPr>
+          <a:xfrm>
+            <a:off x="8157719" y="4374018"/>
+            <a:ext cx="0" cy="1224793"/>
+          </a:xfrm>
+          <a:prstGeom prst="straightConnector1">
+            <a:avLst/>
+          </a:prstGeom>
+          <a:ln>
+            <a:tailEnd type="triangle"/>
+          </a:ln>
+        </p:spPr>
+        <p:style>
+          <a:lnRef idx="1">
+            <a:schemeClr val="accent1"/>
+          </a:lnRef>
+          <a:fillRef idx="0">
+            <a:schemeClr val="accent1"/>
+          </a:fillRef>
+          <a:effectRef idx="0">
+            <a:schemeClr val="accent1"/>
+          </a:effectRef>
+          <a:fontRef idx="minor">
+            <a:schemeClr val="tx1"/>
+          </a:fontRef>
+        </p:style>
+      </p:cxnSp>
+      <p:sp>
+        <p:nvSpPr>
+          <p:cNvPr id="21" name="Textfeld 20">
+            <a:extLst>
+              <a:ext uri="{FF2B5EF4-FFF2-40B4-BE49-F238E27FC236}">
+                <a16:creationId xmlns:a16="http://schemas.microsoft.com/office/drawing/2014/main" id="{A086AB58-9B91-6B18-6AFE-89B6548E304C}"/>
+              </a:ext>
+            </a:extLst>
+          </p:cNvPr>
+          <p:cNvSpPr txBox="1"/>
+          <p:nvPr/>
+        </p:nvSpPr>
+        <p:spPr>
+          <a:xfrm>
+            <a:off x="2255187" y="5728408"/>
+            <a:ext cx="3087192" cy="369332"/>
+          </a:xfrm>
+          <a:prstGeom prst="rect">
+            <a:avLst/>
+          </a:prstGeom>
+          <a:noFill/>
+        </p:spPr>
+        <p:txBody>
+          <a:bodyPr wrap="none" rtlCol="0">
+            <a:spAutoFit/>
+          </a:bodyPr>
+          <a:lstStyle/>
+          <a:p>
+            <a:r>
+              <a:rPr lang="de-DE" dirty="0"/>
+              <a:t>Ausgabe : NullPointerException</a:t>
+            </a:r>
+          </a:p>
+        </p:txBody>
+      </p:sp>
+      <p:sp>
+        <p:nvSpPr>
+          <p:cNvPr id="22" name="Textfeld 21">
+            <a:extLst>
+              <a:ext uri="{FF2B5EF4-FFF2-40B4-BE49-F238E27FC236}">
+                <a16:creationId xmlns:a16="http://schemas.microsoft.com/office/drawing/2014/main" id="{FAF6CC6D-1F46-9A52-8F46-AC83991ECC26}"/>
+              </a:ext>
+            </a:extLst>
+          </p:cNvPr>
+          <p:cNvSpPr txBox="1"/>
+          <p:nvPr/>
+        </p:nvSpPr>
+        <p:spPr>
+          <a:xfrm>
+            <a:off x="6034349" y="5743161"/>
+            <a:ext cx="4246740" cy="369332"/>
+          </a:xfrm>
+          <a:prstGeom prst="rect">
+            <a:avLst/>
+          </a:prstGeom>
+          <a:noFill/>
+        </p:spPr>
+        <p:txBody>
+          <a:bodyPr wrap="none" rtlCol="0">
+            <a:spAutoFit/>
+          </a:bodyPr>
+          <a:lstStyle/>
+          <a:p>
+            <a:r>
+              <a:rPr lang="de-DE" dirty="0"/>
+              <a:t>Ausgabe : Else Block (Keine NullPointerEx“)</a:t>
+            </a:r>
+          </a:p>
+        </p:txBody>
+      </p:sp>
+      <p:cxnSp>
+        <p:nvCxnSpPr>
+          <p:cNvPr id="23" name="Gerade Verbindung mit Pfeil 22">
+            <a:extLst>
+              <a:ext uri="{FF2B5EF4-FFF2-40B4-BE49-F238E27FC236}">
+                <a16:creationId xmlns:a16="http://schemas.microsoft.com/office/drawing/2014/main" id="{162A7A16-D692-B62F-3680-E4ABC5A1269B}"/>
+              </a:ext>
+            </a:extLst>
+          </p:cNvPr>
+          <p:cNvCxnSpPr>
+            <a:cxnSpLocks/>
+          </p:cNvCxnSpPr>
+          <p:nvPr/>
+        </p:nvCxnSpPr>
+        <p:spPr>
+          <a:xfrm>
+            <a:off x="3789006" y="3147036"/>
+            <a:ext cx="0" cy="412905"/>
+          </a:xfrm>
+          <a:prstGeom prst="straightConnector1">
+            <a:avLst/>
+          </a:prstGeom>
+          <a:ln>
+            <a:tailEnd type="triangle"/>
+          </a:ln>
+        </p:spPr>
+        <p:style>
+          <a:lnRef idx="1">
+            <a:schemeClr val="accent1"/>
+          </a:lnRef>
+          <a:fillRef idx="0">
+            <a:schemeClr val="accent1"/>
+          </a:fillRef>
+          <a:effectRef idx="0">
+            <a:schemeClr val="accent1"/>
+          </a:effectRef>
+          <a:fontRef idx="minor">
+            <a:schemeClr val="tx1"/>
+          </a:fontRef>
+        </p:style>
+      </p:cxnSp>
+      <p:cxnSp>
+        <p:nvCxnSpPr>
+          <p:cNvPr id="26" name="Gerade Verbindung mit Pfeil 25">
+            <a:extLst>
+              <a:ext uri="{FF2B5EF4-FFF2-40B4-BE49-F238E27FC236}">
+                <a16:creationId xmlns:a16="http://schemas.microsoft.com/office/drawing/2014/main" id="{87DAB031-C533-BFA4-3005-6F6F5C5B5091}"/>
+              </a:ext>
+            </a:extLst>
+          </p:cNvPr>
+          <p:cNvCxnSpPr>
+            <a:cxnSpLocks/>
+          </p:cNvCxnSpPr>
+          <p:nvPr/>
+        </p:nvCxnSpPr>
+        <p:spPr>
+          <a:xfrm>
+            <a:off x="8169457" y="3155424"/>
+            <a:ext cx="0" cy="412905"/>
+          </a:xfrm>
+          <a:prstGeom prst="straightConnector1">
+            <a:avLst/>
+          </a:prstGeom>
+          <a:ln>
+            <a:tailEnd type="triangle"/>
+          </a:ln>
+        </p:spPr>
+        <p:style>
+          <a:lnRef idx="1">
+            <a:schemeClr val="accent1"/>
+          </a:lnRef>
+          <a:fillRef idx="0">
+            <a:schemeClr val="accent1"/>
+          </a:fillRef>
+          <a:effectRef idx="0">
+            <a:schemeClr val="accent1"/>
+          </a:effectRef>
+          <a:fontRef idx="minor">
+            <a:schemeClr val="tx1"/>
+          </a:fontRef>
+        </p:style>
+      </p:cxnSp>
+    </p:spTree>
+    <p:extLst>
+      <p:ext uri="{BB962C8B-B14F-4D97-AF65-F5344CB8AC3E}">
+        <p14:creationId xmlns:p14="http://schemas.microsoft.com/office/powerpoint/2010/main" val="820035122"/>
+      </p:ext>
+    </p:extLst>
+  </p:cSld>
+  <p:clrMapOvr>
+    <a:masterClrMapping/>
+  </p:clrMapOvr>
+  <p:timing>
+    <p:tnLst>
+      <p:par>
+        <p:cTn id="1" dur="indefinite" restart="never" nodeType="tmRoot">
+          <p:childTnLst>
+            <p:seq concurrent="1" nextAc="seek">
+              <p:cTn id="2" dur="indefinite" nodeType="mainSeq">
+                <p:childTnLst>
+                  <p:par>
+                    <p:cTn id="3" fill="hold">
+                      <p:stCondLst>
+                        <p:cond delay="indefinite"/>
+                      </p:stCondLst>
+                      <p:childTnLst>
+                        <p:par>
+                          <p:cTn id="4" fill="hold">
+                            <p:stCondLst>
+                              <p:cond delay="0"/>
+                            </p:stCondLst>
+                            <p:childTnLst>
+                              <p:par>
+                                <p:cTn id="5" presetID="42" presetClass="entr" presetSubtype="0" fill="hold" nodeType="clickEffect">
+                                  <p:stCondLst>
+                                    <p:cond delay="0"/>
+                                  </p:stCondLst>
+                                  <p:childTnLst>
+                                    <p:set>
+                                      <p:cBhvr>
+                                        <p:cTn id="6" dur="1" fill="hold">
+                                          <p:stCondLst>
+                                            <p:cond delay="0"/>
+                                          </p:stCondLst>
+                                        </p:cTn>
+                                        <p:tgtEl>
+                                          <p:spTgt spid="17"/>
+                                        </p:tgtEl>
+                                        <p:attrNameLst>
+                                          <p:attrName>style.visibility</p:attrName>
+                                        </p:attrNameLst>
+                                      </p:cBhvr>
+                                      <p:to>
+                                        <p:strVal val="visible"/>
+                                      </p:to>
+                                    </p:set>
+                                    <p:animEffect transition="in" filter="fade">
+                                      <p:cBhvr>
+                                        <p:cTn id="7" dur="1000"/>
+                                        <p:tgtEl>
+                                          <p:spTgt spid="17"/>
+                                        </p:tgtEl>
+                                      </p:cBhvr>
+                                    </p:animEffect>
+                                    <p:anim calcmode="lin" valueType="num">
+                                      <p:cBhvr>
+                                        <p:cTn id="8" dur="1000" fill="hold"/>
+                                        <p:tgtEl>
+                                          <p:spTgt spid="17"/>
+                                        </p:tgtEl>
+                                        <p:attrNameLst>
+                                          <p:attrName>ppt_x</p:attrName>
+                                        </p:attrNameLst>
+                                      </p:cBhvr>
+                                      <p:tavLst>
+                                        <p:tav tm="0">
+                                          <p:val>
+                                            <p:strVal val="#ppt_x"/>
+                                          </p:val>
+                                        </p:tav>
+                                        <p:tav tm="100000">
+                                          <p:val>
+                                            <p:strVal val="#ppt_x"/>
+                                          </p:val>
+                                        </p:tav>
+                                      </p:tavLst>
+                                    </p:anim>
+                                    <p:anim calcmode="lin" valueType="num">
+                                      <p:cBhvr>
+                                        <p:cTn id="9" dur="1000" fill="hold"/>
+                                        <p:tgtEl>
+                                          <p:spTgt spid="17"/>
+                                        </p:tgtEl>
+                                        <p:attrNameLst>
+                                          <p:attrName>ppt_y</p:attrName>
+                                        </p:attrNameLst>
+                                      </p:cBhvr>
+                                      <p:tavLst>
+                                        <p:tav tm="0">
+                                          <p:val>
+                                            <p:strVal val="#ppt_y+.1"/>
+                                          </p:val>
+                                        </p:tav>
+                                        <p:tav tm="100000">
+                                          <p:val>
+                                            <p:strVal val="#ppt_y"/>
+                                          </p:val>
+                                        </p:tav>
+                                      </p:tavLst>
+                                    </p:anim>
+                                  </p:childTnLst>
+                                </p:cTn>
+                              </p:par>
+                              <p:par>
+                                <p:cTn id="10" presetID="42" presetClass="entr" presetSubtype="0" fill="hold" grpId="0" nodeType="withEffect">
+                                  <p:stCondLst>
+                                    <p:cond delay="0"/>
+                                  </p:stCondLst>
+                                  <p:childTnLst>
+                                    <p:set>
+                                      <p:cBhvr>
+                                        <p:cTn id="11" dur="1" fill="hold">
+                                          <p:stCondLst>
+                                            <p:cond delay="0"/>
+                                          </p:stCondLst>
+                                        </p:cTn>
+                                        <p:tgtEl>
+                                          <p:spTgt spid="21"/>
+                                        </p:tgtEl>
+                                        <p:attrNameLst>
+                                          <p:attrName>style.visibility</p:attrName>
+                                        </p:attrNameLst>
+                                      </p:cBhvr>
+                                      <p:to>
+                                        <p:strVal val="visible"/>
+                                      </p:to>
+                                    </p:set>
+                                    <p:animEffect transition="in" filter="fade">
+                                      <p:cBhvr>
+                                        <p:cTn id="12" dur="1000"/>
+                                        <p:tgtEl>
+                                          <p:spTgt spid="21"/>
+                                        </p:tgtEl>
+                                      </p:cBhvr>
+                                    </p:animEffect>
+                                    <p:anim calcmode="lin" valueType="num">
+                                      <p:cBhvr>
+                                        <p:cTn id="13" dur="1000" fill="hold"/>
+                                        <p:tgtEl>
+                                          <p:spTgt spid="21"/>
+                                        </p:tgtEl>
+                                        <p:attrNameLst>
+                                          <p:attrName>ppt_x</p:attrName>
+                                        </p:attrNameLst>
+                                      </p:cBhvr>
+                                      <p:tavLst>
+                                        <p:tav tm="0">
+                                          <p:val>
+                                            <p:strVal val="#ppt_x"/>
+                                          </p:val>
+                                        </p:tav>
+                                        <p:tav tm="100000">
+                                          <p:val>
+                                            <p:strVal val="#ppt_x"/>
+                                          </p:val>
+                                        </p:tav>
+                                      </p:tavLst>
+                                    </p:anim>
+                                    <p:anim calcmode="lin" valueType="num">
+                                      <p:cBhvr>
+                                        <p:cTn id="14" dur="1000" fill="hold"/>
+                                        <p:tgtEl>
+                                          <p:spTgt spid="21"/>
+                                        </p:tgtEl>
+                                        <p:attrNameLst>
+                                          <p:attrName>ppt_y</p:attrName>
+                                        </p:attrNameLst>
+                                      </p:cBhvr>
+                                      <p:tavLst>
+                                        <p:tav tm="0">
+                                          <p:val>
+                                            <p:strVal val="#ppt_y+.1"/>
+                                          </p:val>
+                                        </p:tav>
+                                        <p:tav tm="100000">
+                                          <p:val>
+                                            <p:strVal val="#ppt_y"/>
+                                          </p:val>
+                                        </p:tav>
+                                      </p:tavLst>
+                                    </p:anim>
+                                  </p:childTnLst>
+                                </p:cTn>
+                              </p:par>
+                            </p:childTnLst>
+                          </p:cTn>
+                        </p:par>
+                      </p:childTnLst>
+                    </p:cTn>
+                  </p:par>
+                  <p:par>
+                    <p:cTn id="15" fill="hold">
+                      <p:stCondLst>
+                        <p:cond delay="indefinite"/>
+                      </p:stCondLst>
+                      <p:childTnLst>
+                        <p:par>
+                          <p:cTn id="16" fill="hold">
+                            <p:stCondLst>
+                              <p:cond delay="0"/>
+                            </p:stCondLst>
+                            <p:childTnLst>
+                              <p:par>
+                                <p:cTn id="17" presetID="42" presetClass="entr" presetSubtype="0" fill="hold" nodeType="clickEffect">
+                                  <p:stCondLst>
+                                    <p:cond delay="0"/>
+                                  </p:stCondLst>
+                                  <p:childTnLst>
+                                    <p:set>
+                                      <p:cBhvr>
+                                        <p:cTn id="18" dur="1" fill="hold">
+                                          <p:stCondLst>
+                                            <p:cond delay="0"/>
+                                          </p:stCondLst>
+                                        </p:cTn>
+                                        <p:tgtEl>
+                                          <p:spTgt spid="10"/>
+                                        </p:tgtEl>
+                                        <p:attrNameLst>
+                                          <p:attrName>style.visibility</p:attrName>
+                                        </p:attrNameLst>
+                                      </p:cBhvr>
+                                      <p:to>
+                                        <p:strVal val="visible"/>
+                                      </p:to>
+                                    </p:set>
+                                    <p:animEffect transition="in" filter="fade">
+                                      <p:cBhvr>
+                                        <p:cTn id="19" dur="1000"/>
+                                        <p:tgtEl>
+                                          <p:spTgt spid="10"/>
+                                        </p:tgtEl>
+                                      </p:cBhvr>
+                                    </p:animEffect>
+                                    <p:anim calcmode="lin" valueType="num">
+                                      <p:cBhvr>
+                                        <p:cTn id="20" dur="1000" fill="hold"/>
+                                        <p:tgtEl>
+                                          <p:spTgt spid="10"/>
+                                        </p:tgtEl>
+                                        <p:attrNameLst>
+                                          <p:attrName>ppt_x</p:attrName>
+                                        </p:attrNameLst>
+                                      </p:cBhvr>
+                                      <p:tavLst>
+                                        <p:tav tm="0">
+                                          <p:val>
+                                            <p:strVal val="#ppt_x"/>
+                                          </p:val>
+                                        </p:tav>
+                                        <p:tav tm="100000">
+                                          <p:val>
+                                            <p:strVal val="#ppt_x"/>
+                                          </p:val>
+                                        </p:tav>
+                                      </p:tavLst>
+                                    </p:anim>
+                                    <p:anim calcmode="lin" valueType="num">
+                                      <p:cBhvr>
+                                        <p:cTn id="21" dur="1000" fill="hold"/>
+                                        <p:tgtEl>
+                                          <p:spTgt spid="10"/>
+                                        </p:tgtEl>
+                                        <p:attrNameLst>
+                                          <p:attrName>ppt_y</p:attrName>
+                                        </p:attrNameLst>
+                                      </p:cBhvr>
+                                      <p:tavLst>
+                                        <p:tav tm="0">
+                                          <p:val>
+                                            <p:strVal val="#ppt_y+.1"/>
+                                          </p:val>
+                                        </p:tav>
+                                        <p:tav tm="100000">
+                                          <p:val>
+                                            <p:strVal val="#ppt_y"/>
+                                          </p:val>
+                                        </p:tav>
+                                      </p:tavLst>
+                                    </p:anim>
+                                  </p:childTnLst>
+                                </p:cTn>
+                              </p:par>
+                              <p:par>
+                                <p:cTn id="22" presetID="42" presetClass="entr" presetSubtype="0" fill="hold" nodeType="withEffect">
+                                  <p:stCondLst>
+                                    <p:cond delay="0"/>
+                                  </p:stCondLst>
+                                  <p:childTnLst>
+                                    <p:set>
+                                      <p:cBhvr>
+                                        <p:cTn id="23" dur="1" fill="hold">
+                                          <p:stCondLst>
+                                            <p:cond delay="0"/>
+                                          </p:stCondLst>
+                                        </p:cTn>
+                                        <p:tgtEl>
+                                          <p:spTgt spid="26"/>
+                                        </p:tgtEl>
+                                        <p:attrNameLst>
+                                          <p:attrName>style.visibility</p:attrName>
+                                        </p:attrNameLst>
+                                      </p:cBhvr>
+                                      <p:to>
+                                        <p:strVal val="visible"/>
+                                      </p:to>
+                                    </p:set>
+                                    <p:animEffect transition="in" filter="fade">
+                                      <p:cBhvr>
+                                        <p:cTn id="24" dur="1000"/>
+                                        <p:tgtEl>
+                                          <p:spTgt spid="26"/>
+                                        </p:tgtEl>
+                                      </p:cBhvr>
+                                    </p:animEffect>
+                                    <p:anim calcmode="lin" valueType="num">
+                                      <p:cBhvr>
+                                        <p:cTn id="25" dur="1000" fill="hold"/>
+                                        <p:tgtEl>
+                                          <p:spTgt spid="26"/>
+                                        </p:tgtEl>
+                                        <p:attrNameLst>
+                                          <p:attrName>ppt_x</p:attrName>
+                                        </p:attrNameLst>
+                                      </p:cBhvr>
+                                      <p:tavLst>
+                                        <p:tav tm="0">
+                                          <p:val>
+                                            <p:strVal val="#ppt_x"/>
+                                          </p:val>
+                                        </p:tav>
+                                        <p:tav tm="100000">
+                                          <p:val>
+                                            <p:strVal val="#ppt_x"/>
+                                          </p:val>
+                                        </p:tav>
+                                      </p:tavLst>
+                                    </p:anim>
+                                    <p:anim calcmode="lin" valueType="num">
+                                      <p:cBhvr>
+                                        <p:cTn id="26" dur="1000" fill="hold"/>
+                                        <p:tgtEl>
+                                          <p:spTgt spid="26"/>
+                                        </p:tgtEl>
+                                        <p:attrNameLst>
+                                          <p:attrName>ppt_y</p:attrName>
+                                        </p:attrNameLst>
+                                      </p:cBhvr>
+                                      <p:tavLst>
+                                        <p:tav tm="0">
+                                          <p:val>
+                                            <p:strVal val="#ppt_y+.1"/>
+                                          </p:val>
+                                        </p:tav>
+                                        <p:tav tm="100000">
+                                          <p:val>
+                                            <p:strVal val="#ppt_y"/>
+                                          </p:val>
+                                        </p:tav>
+                                      </p:tavLst>
+                                    </p:anim>
+                                  </p:childTnLst>
+                                </p:cTn>
+                              </p:par>
+                            </p:childTnLst>
+                          </p:cTn>
+                        </p:par>
+                      </p:childTnLst>
+                    </p:cTn>
+                  </p:par>
+                  <p:par>
+                    <p:cTn id="27" fill="hold">
+                      <p:stCondLst>
+                        <p:cond delay="indefinite"/>
+                      </p:stCondLst>
+                      <p:childTnLst>
+                        <p:par>
+                          <p:cTn id="28" fill="hold">
+                            <p:stCondLst>
+                              <p:cond delay="0"/>
+                            </p:stCondLst>
+                            <p:childTnLst>
+                              <p:par>
+                                <p:cTn id="29" presetID="42" presetClass="entr" presetSubtype="0" fill="hold" nodeType="clickEffect">
+                                  <p:stCondLst>
+                                    <p:cond delay="0"/>
+                                  </p:stCondLst>
+                                  <p:childTnLst>
+                                    <p:set>
+                                      <p:cBhvr>
+                                        <p:cTn id="30" dur="1" fill="hold">
+                                          <p:stCondLst>
+                                            <p:cond delay="0"/>
+                                          </p:stCondLst>
+                                        </p:cTn>
+                                        <p:tgtEl>
+                                          <p:spTgt spid="20"/>
+                                        </p:tgtEl>
+                                        <p:attrNameLst>
+                                          <p:attrName>style.visibility</p:attrName>
+                                        </p:attrNameLst>
+                                      </p:cBhvr>
+                                      <p:to>
+                                        <p:strVal val="visible"/>
+                                      </p:to>
+                                    </p:set>
+                                    <p:animEffect transition="in" filter="fade">
+                                      <p:cBhvr>
+                                        <p:cTn id="31" dur="1000"/>
+                                        <p:tgtEl>
+                                          <p:spTgt spid="20"/>
+                                        </p:tgtEl>
+                                      </p:cBhvr>
+                                    </p:animEffect>
+                                    <p:anim calcmode="lin" valueType="num">
+                                      <p:cBhvr>
+                                        <p:cTn id="32" dur="1000" fill="hold"/>
+                                        <p:tgtEl>
+                                          <p:spTgt spid="20"/>
+                                        </p:tgtEl>
+                                        <p:attrNameLst>
+                                          <p:attrName>ppt_x</p:attrName>
+                                        </p:attrNameLst>
+                                      </p:cBhvr>
+                                      <p:tavLst>
+                                        <p:tav tm="0">
+                                          <p:val>
+                                            <p:strVal val="#ppt_x"/>
+                                          </p:val>
+                                        </p:tav>
+                                        <p:tav tm="100000">
+                                          <p:val>
+                                            <p:strVal val="#ppt_x"/>
+                                          </p:val>
+                                        </p:tav>
+                                      </p:tavLst>
+                                    </p:anim>
+                                    <p:anim calcmode="lin" valueType="num">
+                                      <p:cBhvr>
+                                        <p:cTn id="33" dur="1000" fill="hold"/>
+                                        <p:tgtEl>
+                                          <p:spTgt spid="20"/>
+                                        </p:tgtEl>
+                                        <p:attrNameLst>
+                                          <p:attrName>ppt_y</p:attrName>
+                                        </p:attrNameLst>
+                                      </p:cBhvr>
+                                      <p:tavLst>
+                                        <p:tav tm="0">
+                                          <p:val>
+                                            <p:strVal val="#ppt_y+.1"/>
+                                          </p:val>
+                                        </p:tav>
+                                        <p:tav tm="100000">
+                                          <p:val>
+                                            <p:strVal val="#ppt_y"/>
+                                          </p:val>
+                                        </p:tav>
+                                      </p:tavLst>
+                                    </p:anim>
+                                  </p:childTnLst>
+                                </p:cTn>
+                              </p:par>
+                              <p:par>
+                                <p:cTn id="34" presetID="42" presetClass="entr" presetSubtype="0" fill="hold" grpId="0" nodeType="withEffect">
+                                  <p:stCondLst>
+                                    <p:cond delay="0"/>
+                                  </p:stCondLst>
+                                  <p:childTnLst>
+                                    <p:set>
+                                      <p:cBhvr>
+                                        <p:cTn id="35" dur="1" fill="hold">
+                                          <p:stCondLst>
+                                            <p:cond delay="0"/>
+                                          </p:stCondLst>
+                                        </p:cTn>
+                                        <p:tgtEl>
+                                          <p:spTgt spid="22"/>
+                                        </p:tgtEl>
+                                        <p:attrNameLst>
+                                          <p:attrName>style.visibility</p:attrName>
+                                        </p:attrNameLst>
+                                      </p:cBhvr>
+                                      <p:to>
+                                        <p:strVal val="visible"/>
+                                      </p:to>
+                                    </p:set>
+                                    <p:animEffect transition="in" filter="fade">
+                                      <p:cBhvr>
+                                        <p:cTn id="36" dur="1000"/>
+                                        <p:tgtEl>
+                                          <p:spTgt spid="22"/>
+                                        </p:tgtEl>
+                                      </p:cBhvr>
+                                    </p:animEffect>
+                                    <p:anim calcmode="lin" valueType="num">
+                                      <p:cBhvr>
+                                        <p:cTn id="37" dur="1000" fill="hold"/>
+                                        <p:tgtEl>
+                                          <p:spTgt spid="22"/>
+                                        </p:tgtEl>
+                                        <p:attrNameLst>
+                                          <p:attrName>ppt_x</p:attrName>
+                                        </p:attrNameLst>
+                                      </p:cBhvr>
+                                      <p:tavLst>
+                                        <p:tav tm="0">
+                                          <p:val>
+                                            <p:strVal val="#ppt_x"/>
+                                          </p:val>
+                                        </p:tav>
+                                        <p:tav tm="100000">
+                                          <p:val>
+                                            <p:strVal val="#ppt_x"/>
+                                          </p:val>
+                                        </p:tav>
+                                      </p:tavLst>
+                                    </p:anim>
+                                    <p:anim calcmode="lin" valueType="num">
+                                      <p:cBhvr>
+                                        <p:cTn id="38" dur="1000" fill="hold"/>
+                                        <p:tgtEl>
+                                          <p:spTgt spid="22"/>
+                                        </p:tgtEl>
+                                        <p:attrNameLst>
+                                          <p:attrName>ppt_y</p:attrName>
+                                        </p:attrNameLst>
+                                      </p:cBhvr>
+                                      <p:tavLst>
+                                        <p:tav tm="0">
+                                          <p:val>
+                                            <p:strVal val="#ppt_y+.1"/>
+                                          </p:val>
+                                        </p:tav>
+                                        <p:tav tm="100000">
+                                          <p:val>
+                                            <p:strVal val="#ppt_y"/>
+                                          </p:val>
+                                        </p:tav>
+                                      </p:tavLst>
+                                    </p:anim>
+                                  </p:childTnLst>
+                                </p:cTn>
+                              </p:par>
+                            </p:childTnLst>
+                          </p:cTn>
+                        </p:par>
+                      </p:childTnLst>
+                    </p:cTn>
+                  </p:par>
+                </p:childTnLst>
+              </p:cTn>
+              <p:prevCondLst>
+                <p:cond evt="onPrev" delay="0">
+                  <p:tgtEl>
+                    <p:sldTgt/>
+                  </p:tgtEl>
+                </p:cond>
+              </p:prevCondLst>
+              <p:nextCondLst>
+                <p:cond evt="onNext" delay="0">
+                  <p:tgtEl>
+                    <p:sldTgt/>
+                  </p:tgtEl>
+                </p:cond>
+              </p:nextCondLst>
+            </p:seq>
+          </p:childTnLst>
+        </p:cTn>
+      </p:par>
+    </p:tnLst>
+    <p:bldLst>
+      <p:bldP spid="21" grpId="0"/>
+      <p:bldP spid="22" grpId="0"/>
+    </p:bldLst>
+  </p:timing>
+</p:sld>
+</file>
+
+<file path=ppt/slides/slide4.xml><?xml version="1.0" encoding="utf-8"?>
+<p:sld xmlns:a="http://schemas.openxmlformats.org/drawingml/2006/main" xmlns:r="http://schemas.openxmlformats.org/officeDocument/2006/relationships" xmlns:p="http://schemas.openxmlformats.org/presentationml/2006/main">
+  <p:cSld>
+    <p:spTree>
+      <p:nvGrpSpPr>
+        <p:cNvPr id="1" name=""/>
+        <p:cNvGrpSpPr/>
+        <p:nvPr/>
+      </p:nvGrpSpPr>
+      <p:grpSpPr>
+        <a:xfrm>
+          <a:off x="0" y="0"/>
+          <a:ext cx="0" cy="0"/>
+          <a:chOff x="0" y="0"/>
+          <a:chExt cx="0" cy="0"/>
+        </a:xfrm>
+      </p:grpSpPr>
+      <p:sp>
+        <p:nvSpPr>
+          <p:cNvPr id="2" name="Titel 1">
+            <a:extLst>
+              <a:ext uri="{FF2B5EF4-FFF2-40B4-BE49-F238E27FC236}">
+                <a16:creationId xmlns:a16="http://schemas.microsoft.com/office/drawing/2014/main" id="{E781FDFF-8361-F091-59FE-AF5408A58D52}"/>
+              </a:ext>
+            </a:extLst>
+          </p:cNvPr>
+          <p:cNvSpPr>
+            <a:spLocks noGrp="1"/>
+          </p:cNvSpPr>
+          <p:nvPr>
+            <p:ph type="title"/>
+          </p:nvPr>
+        </p:nvSpPr>
+        <p:spPr>
+          <a:xfrm>
+            <a:off x="919119" y="154267"/>
+            <a:ext cx="10353762" cy="639839"/>
+          </a:xfrm>
+        </p:spPr>
+        <p:txBody>
+          <a:bodyPr>
+            <a:normAutofit/>
+          </a:bodyPr>
+          <a:lstStyle/>
+          <a:p>
+            <a:r>
+              <a:rPr lang="de-DE" sz="3200" dirty="0"/>
+              <a:t>Streams anstatt Arrays</a:t>
+            </a:r>
+          </a:p>
+        </p:txBody>
+      </p:sp>
+      <p:pic>
+        <p:nvPicPr>
+          <p:cNvPr id="5" name="Inhaltsplatzhalter 4">
+            <a:extLst>
+              <a:ext uri="{FF2B5EF4-FFF2-40B4-BE49-F238E27FC236}">
+                <a16:creationId xmlns:a16="http://schemas.microsoft.com/office/drawing/2014/main" id="{99E606B7-FCEE-A08E-2596-1E5F917221D7}"/>
+              </a:ext>
+            </a:extLst>
+          </p:cNvPr>
+          <p:cNvPicPr>
+            <a:picLocks noGrp="1" noChangeAspect="1"/>
+          </p:cNvPicPr>
+          <p:nvPr>
+            <p:ph idx="1"/>
+          </p:nvPr>
+        </p:nvPicPr>
+        <p:blipFill>
+          <a:blip r:embed="rId2"/>
+          <a:stretch>
+            <a:fillRect/>
+          </a:stretch>
+        </p:blipFill>
+        <p:spPr>
+          <a:xfrm>
+            <a:off x="6177092" y="3120754"/>
+            <a:ext cx="4229690" cy="724001"/>
+          </a:xfrm>
+        </p:spPr>
+      </p:pic>
+      <p:pic>
+        <p:nvPicPr>
+          <p:cNvPr id="7" name="Grafik 6">
+            <a:extLst>
+              <a:ext uri="{FF2B5EF4-FFF2-40B4-BE49-F238E27FC236}">
+                <a16:creationId xmlns:a16="http://schemas.microsoft.com/office/drawing/2014/main" id="{C4733EC5-AE32-153C-8D0C-E83B1457046B}"/>
+              </a:ext>
+            </a:extLst>
+          </p:cNvPr>
+          <p:cNvPicPr>
+            <a:picLocks noChangeAspect="1"/>
+          </p:cNvPicPr>
+          <p:nvPr/>
+        </p:nvPicPr>
+        <p:blipFill>
+          <a:blip r:embed="rId3"/>
+          <a:stretch>
+            <a:fillRect/>
+          </a:stretch>
+        </p:blipFill>
+        <p:spPr>
+          <a:xfrm>
+            <a:off x="2355750" y="3158859"/>
+            <a:ext cx="3067478" cy="685896"/>
+          </a:xfrm>
+          <a:prstGeom prst="rect">
+            <a:avLst/>
+          </a:prstGeom>
+        </p:spPr>
+      </p:pic>
+      <p:pic>
+        <p:nvPicPr>
+          <p:cNvPr id="9" name="Grafik 8">
+            <a:extLst>
+              <a:ext uri="{FF2B5EF4-FFF2-40B4-BE49-F238E27FC236}">
+                <a16:creationId xmlns:a16="http://schemas.microsoft.com/office/drawing/2014/main" id="{91DE3CCD-61AF-1025-531E-9E74AC627AAF}"/>
+              </a:ext>
+            </a:extLst>
+          </p:cNvPr>
+          <p:cNvPicPr>
+            <a:picLocks noChangeAspect="1"/>
+          </p:cNvPicPr>
+          <p:nvPr/>
+        </p:nvPicPr>
+        <p:blipFill rotWithShape="1">
+          <a:blip r:embed="rId4"/>
+          <a:srcRect l="-252" b="79511"/>
+          <a:stretch/>
+        </p:blipFill>
+        <p:spPr>
+          <a:xfrm>
+            <a:off x="2877745" y="1316364"/>
+            <a:ext cx="6436510" cy="786112"/>
+          </a:xfrm>
+          <a:prstGeom prst="rect">
+            <a:avLst/>
+          </a:prstGeom>
+        </p:spPr>
+      </p:pic>
+      <p:cxnSp>
+        <p:nvCxnSpPr>
+          <p:cNvPr id="10" name="Gerade Verbindung mit Pfeil 9">
+            <a:extLst>
+              <a:ext uri="{FF2B5EF4-FFF2-40B4-BE49-F238E27FC236}">
+                <a16:creationId xmlns:a16="http://schemas.microsoft.com/office/drawing/2014/main" id="{B9ED3DD3-C44C-E041-1912-4EDED970E79E}"/>
+              </a:ext>
+            </a:extLst>
+          </p:cNvPr>
+          <p:cNvCxnSpPr>
+            <a:cxnSpLocks/>
+          </p:cNvCxnSpPr>
+          <p:nvPr/>
+        </p:nvCxnSpPr>
+        <p:spPr>
+          <a:xfrm>
+            <a:off x="7899688" y="4046623"/>
+            <a:ext cx="0" cy="689769"/>
+          </a:xfrm>
+          <a:prstGeom prst="straightConnector1">
+            <a:avLst/>
+          </a:prstGeom>
+          <a:ln>
+            <a:tailEnd type="triangle"/>
+          </a:ln>
+        </p:spPr>
+        <p:style>
+          <a:lnRef idx="1">
+            <a:schemeClr val="accent1"/>
+          </a:lnRef>
+          <a:fillRef idx="0">
+            <a:schemeClr val="accent1"/>
+          </a:fillRef>
+          <a:effectRef idx="0">
+            <a:schemeClr val="accent1"/>
+          </a:effectRef>
+          <a:fontRef idx="minor">
+            <a:schemeClr val="tx1"/>
+          </a:fontRef>
+        </p:style>
+      </p:cxnSp>
+      <p:cxnSp>
+        <p:nvCxnSpPr>
+          <p:cNvPr id="12" name="Gerade Verbindung mit Pfeil 11">
+            <a:extLst>
+              <a:ext uri="{FF2B5EF4-FFF2-40B4-BE49-F238E27FC236}">
+                <a16:creationId xmlns:a16="http://schemas.microsoft.com/office/drawing/2014/main" id="{827B7415-B49F-3A97-49C0-0D2BDE704B93}"/>
+              </a:ext>
+            </a:extLst>
+          </p:cNvPr>
+          <p:cNvCxnSpPr>
+            <a:cxnSpLocks/>
+          </p:cNvCxnSpPr>
+          <p:nvPr/>
+        </p:nvCxnSpPr>
+        <p:spPr>
+          <a:xfrm>
+            <a:off x="3876935" y="4126402"/>
+            <a:ext cx="0" cy="689769"/>
+          </a:xfrm>
+          <a:prstGeom prst="straightConnector1">
+            <a:avLst/>
+          </a:prstGeom>
+          <a:ln>
+            <a:tailEnd type="triangle"/>
+          </a:ln>
+        </p:spPr>
+        <p:style>
+          <a:lnRef idx="1">
+            <a:schemeClr val="accent1"/>
+          </a:lnRef>
+          <a:fillRef idx="0">
+            <a:schemeClr val="accent1"/>
+          </a:fillRef>
+          <a:effectRef idx="0">
+            <a:schemeClr val="accent1"/>
+          </a:effectRef>
+          <a:fontRef idx="minor">
+            <a:schemeClr val="tx1"/>
+          </a:fontRef>
+        </p:style>
+      </p:cxnSp>
+      <p:sp>
+        <p:nvSpPr>
+          <p:cNvPr id="13" name="Textfeld 12">
+            <a:extLst>
+              <a:ext uri="{FF2B5EF4-FFF2-40B4-BE49-F238E27FC236}">
+                <a16:creationId xmlns:a16="http://schemas.microsoft.com/office/drawing/2014/main" id="{84351C3F-1905-9B8B-2111-030BCD99D1D7}"/>
+              </a:ext>
+            </a:extLst>
+          </p:cNvPr>
+          <p:cNvSpPr txBox="1"/>
+          <p:nvPr/>
+        </p:nvSpPr>
+        <p:spPr>
+          <a:xfrm>
+            <a:off x="5967984" y="5007264"/>
+            <a:ext cx="4851969" cy="369332"/>
+          </a:xfrm>
+          <a:prstGeom prst="rect">
+            <a:avLst/>
+          </a:prstGeom>
+          <a:noFill/>
+        </p:spPr>
+        <p:txBody>
+          <a:bodyPr wrap="none" rtlCol="0">
+            <a:spAutoFit/>
+          </a:bodyPr>
+          <a:lstStyle/>
+          <a:p>
+            <a:r>
+              <a:rPr lang="de-DE" dirty="0"/>
+              <a:t>Rückgabe lässt sich nicht modifizieren = Only Read</a:t>
+            </a:r>
+          </a:p>
+        </p:txBody>
+      </p:sp>
+      <p:sp>
+        <p:nvSpPr>
+          <p:cNvPr id="14" name="Textfeld 13">
+            <a:extLst>
+              <a:ext uri="{FF2B5EF4-FFF2-40B4-BE49-F238E27FC236}">
+                <a16:creationId xmlns:a16="http://schemas.microsoft.com/office/drawing/2014/main" id="{E4E47223-D366-74E2-3DC2-1E9A9252A8C2}"/>
+              </a:ext>
+            </a:extLst>
+          </p:cNvPr>
+          <p:cNvSpPr txBox="1"/>
+          <p:nvPr/>
+        </p:nvSpPr>
+        <p:spPr>
+          <a:xfrm>
+            <a:off x="2301939" y="5007264"/>
+            <a:ext cx="3175100" cy="369332"/>
+          </a:xfrm>
+          <a:prstGeom prst="rect">
+            <a:avLst/>
+          </a:prstGeom>
+          <a:noFill/>
+        </p:spPr>
+        <p:txBody>
+          <a:bodyPr wrap="none" rtlCol="0">
+            <a:spAutoFit/>
+          </a:bodyPr>
+          <a:lstStyle/>
+          <a:p>
+            <a:r>
+              <a:rPr lang="de-DE" dirty="0"/>
+              <a:t>Rückgabe lässt sich modifizieren </a:t>
+            </a:r>
+          </a:p>
+        </p:txBody>
+      </p:sp>
+      <p:cxnSp>
+        <p:nvCxnSpPr>
+          <p:cNvPr id="15" name="Gerade Verbindung mit Pfeil 14">
+            <a:extLst>
+              <a:ext uri="{FF2B5EF4-FFF2-40B4-BE49-F238E27FC236}">
+                <a16:creationId xmlns:a16="http://schemas.microsoft.com/office/drawing/2014/main" id="{7F1387CC-5A61-385B-40DC-DDA3542EA323}"/>
+              </a:ext>
+            </a:extLst>
+          </p:cNvPr>
+          <p:cNvCxnSpPr>
+            <a:cxnSpLocks/>
+          </p:cNvCxnSpPr>
+          <p:nvPr/>
+        </p:nvCxnSpPr>
+        <p:spPr>
+          <a:xfrm>
+            <a:off x="7899688" y="2507331"/>
+            <a:ext cx="0" cy="412070"/>
+          </a:xfrm>
+          <a:prstGeom prst="straightConnector1">
+            <a:avLst/>
+          </a:prstGeom>
+          <a:ln>
+            <a:tailEnd type="triangle"/>
+          </a:ln>
+        </p:spPr>
+        <p:style>
+          <a:lnRef idx="1">
+            <a:schemeClr val="accent1"/>
+          </a:lnRef>
+          <a:fillRef idx="0">
+            <a:schemeClr val="accent1"/>
+          </a:fillRef>
+          <a:effectRef idx="0">
+            <a:schemeClr val="accent1"/>
+          </a:effectRef>
+          <a:fontRef idx="minor">
+            <a:schemeClr val="tx1"/>
+          </a:fontRef>
+        </p:style>
+      </p:cxnSp>
+      <p:cxnSp>
+        <p:nvCxnSpPr>
+          <p:cNvPr id="18" name="Gerade Verbindung mit Pfeil 17">
+            <a:extLst>
+              <a:ext uri="{FF2B5EF4-FFF2-40B4-BE49-F238E27FC236}">
+                <a16:creationId xmlns:a16="http://schemas.microsoft.com/office/drawing/2014/main" id="{27B01B32-558C-2246-587C-F20C2452B60D}"/>
+              </a:ext>
+            </a:extLst>
+          </p:cNvPr>
+          <p:cNvCxnSpPr>
+            <a:cxnSpLocks/>
+          </p:cNvCxnSpPr>
+          <p:nvPr/>
+        </p:nvCxnSpPr>
+        <p:spPr>
+          <a:xfrm flipH="1">
+            <a:off x="3904367" y="2424632"/>
+            <a:ext cx="2753" cy="412070"/>
+          </a:xfrm>
+          <a:prstGeom prst="straightConnector1">
+            <a:avLst/>
+          </a:prstGeom>
+          <a:ln>
+            <a:tailEnd type="triangle"/>
+          </a:ln>
+        </p:spPr>
+        <p:style>
+          <a:lnRef idx="1">
+            <a:schemeClr val="accent1"/>
+          </a:lnRef>
+          <a:fillRef idx="0">
+            <a:schemeClr val="accent1"/>
+          </a:fillRef>
+          <a:effectRef idx="0">
+            <a:schemeClr val="accent1"/>
+          </a:effectRef>
+          <a:fontRef idx="minor">
+            <a:schemeClr val="tx1"/>
+          </a:fontRef>
+        </p:style>
+      </p:cxnSp>
+    </p:spTree>
+    <p:extLst>
+      <p:ext uri="{BB962C8B-B14F-4D97-AF65-F5344CB8AC3E}">
+        <p14:creationId xmlns:p14="http://schemas.microsoft.com/office/powerpoint/2010/main" val="1687416726"/>
+      </p:ext>
+    </p:extLst>
+  </p:cSld>
+  <p:clrMapOvr>
+    <a:masterClrMapping/>
+  </p:clrMapOvr>
+  <p:timing>
+    <p:tnLst>
+      <p:par>
+        <p:cTn id="1" dur="indefinite" restart="never" nodeType="tmRoot">
+          <p:childTnLst>
+            <p:seq concurrent="1" nextAc="seek">
+              <p:cTn id="2" dur="indefinite" nodeType="mainSeq">
+                <p:childTnLst>
+                  <p:par>
+                    <p:cTn id="3" fill="hold">
+                      <p:stCondLst>
+                        <p:cond delay="indefinite"/>
+                      </p:stCondLst>
+                      <p:childTnLst>
+                        <p:par>
+                          <p:cTn id="4" fill="hold">
+                            <p:stCondLst>
+                              <p:cond delay="0"/>
+                            </p:stCondLst>
+                            <p:childTnLst>
+                              <p:par>
+                                <p:cTn id="5" presetID="42" presetClass="entr" presetSubtype="0" fill="hold" nodeType="clickEffect">
+                                  <p:stCondLst>
+                                    <p:cond delay="0"/>
+                                  </p:stCondLst>
+                                  <p:childTnLst>
+                                    <p:set>
+                                      <p:cBhvr>
+                                        <p:cTn id="6" dur="1" fill="hold">
+                                          <p:stCondLst>
+                                            <p:cond delay="0"/>
+                                          </p:stCondLst>
+                                        </p:cTn>
+                                        <p:tgtEl>
+                                          <p:spTgt spid="12"/>
+                                        </p:tgtEl>
+                                        <p:attrNameLst>
+                                          <p:attrName>style.visibility</p:attrName>
+                                        </p:attrNameLst>
+                                      </p:cBhvr>
+                                      <p:to>
+                                        <p:strVal val="visible"/>
+                                      </p:to>
+                                    </p:set>
+                                    <p:animEffect transition="in" filter="fade">
+                                      <p:cBhvr>
+                                        <p:cTn id="7" dur="1000"/>
+                                        <p:tgtEl>
+                                          <p:spTgt spid="12"/>
+                                        </p:tgtEl>
+                                      </p:cBhvr>
+                                    </p:animEffect>
+                                    <p:anim calcmode="lin" valueType="num">
+                                      <p:cBhvr>
+                                        <p:cTn id="8" dur="1000" fill="hold"/>
+                                        <p:tgtEl>
+                                          <p:spTgt spid="12"/>
+                                        </p:tgtEl>
+                                        <p:attrNameLst>
+                                          <p:attrName>ppt_x</p:attrName>
+                                        </p:attrNameLst>
+                                      </p:cBhvr>
+                                      <p:tavLst>
+                                        <p:tav tm="0">
+                                          <p:val>
+                                            <p:strVal val="#ppt_x"/>
+                                          </p:val>
+                                        </p:tav>
+                                        <p:tav tm="100000">
+                                          <p:val>
+                                            <p:strVal val="#ppt_x"/>
+                                          </p:val>
+                                        </p:tav>
+                                      </p:tavLst>
+                                    </p:anim>
+                                    <p:anim calcmode="lin" valueType="num">
+                                      <p:cBhvr>
+                                        <p:cTn id="9" dur="1000" fill="hold"/>
+                                        <p:tgtEl>
+                                          <p:spTgt spid="12"/>
+                                        </p:tgtEl>
+                                        <p:attrNameLst>
+                                          <p:attrName>ppt_y</p:attrName>
+                                        </p:attrNameLst>
+                                      </p:cBhvr>
+                                      <p:tavLst>
+                                        <p:tav tm="0">
+                                          <p:val>
+                                            <p:strVal val="#ppt_y+.1"/>
+                                          </p:val>
+                                        </p:tav>
+                                        <p:tav tm="100000">
+                                          <p:val>
+                                            <p:strVal val="#ppt_y"/>
+                                          </p:val>
+                                        </p:tav>
+                                      </p:tavLst>
+                                    </p:anim>
+                                  </p:childTnLst>
+                                </p:cTn>
+                              </p:par>
+                              <p:par>
+                                <p:cTn id="10" presetID="42" presetClass="entr" presetSubtype="0" fill="hold" grpId="0" nodeType="withEffect">
+                                  <p:stCondLst>
+                                    <p:cond delay="0"/>
+                                  </p:stCondLst>
+                                  <p:childTnLst>
+                                    <p:set>
+                                      <p:cBhvr>
+                                        <p:cTn id="11" dur="1" fill="hold">
+                                          <p:stCondLst>
+                                            <p:cond delay="0"/>
+                                          </p:stCondLst>
+                                        </p:cTn>
+                                        <p:tgtEl>
+                                          <p:spTgt spid="14"/>
+                                        </p:tgtEl>
+                                        <p:attrNameLst>
+                                          <p:attrName>style.visibility</p:attrName>
+                                        </p:attrNameLst>
+                                      </p:cBhvr>
+                                      <p:to>
+                                        <p:strVal val="visible"/>
+                                      </p:to>
+                                    </p:set>
+                                    <p:animEffect transition="in" filter="fade">
+                                      <p:cBhvr>
+                                        <p:cTn id="12" dur="1000"/>
+                                        <p:tgtEl>
+                                          <p:spTgt spid="14"/>
+                                        </p:tgtEl>
+                                      </p:cBhvr>
+                                    </p:animEffect>
+                                    <p:anim calcmode="lin" valueType="num">
+                                      <p:cBhvr>
+                                        <p:cTn id="13" dur="1000" fill="hold"/>
+                                        <p:tgtEl>
+                                          <p:spTgt spid="14"/>
+                                        </p:tgtEl>
+                                        <p:attrNameLst>
+                                          <p:attrName>ppt_x</p:attrName>
+                                        </p:attrNameLst>
+                                      </p:cBhvr>
+                                      <p:tavLst>
+                                        <p:tav tm="0">
+                                          <p:val>
+                                            <p:strVal val="#ppt_x"/>
+                                          </p:val>
+                                        </p:tav>
+                                        <p:tav tm="100000">
+                                          <p:val>
+                                            <p:strVal val="#ppt_x"/>
+                                          </p:val>
+                                        </p:tav>
+                                      </p:tavLst>
+                                    </p:anim>
+                                    <p:anim calcmode="lin" valueType="num">
+                                      <p:cBhvr>
+                                        <p:cTn id="14" dur="1000" fill="hold"/>
+                                        <p:tgtEl>
+                                          <p:spTgt spid="14"/>
+                                        </p:tgtEl>
+                                        <p:attrNameLst>
+                                          <p:attrName>ppt_y</p:attrName>
+                                        </p:attrNameLst>
+                                      </p:cBhvr>
+                                      <p:tavLst>
+                                        <p:tav tm="0">
+                                          <p:val>
+                                            <p:strVal val="#ppt_y+.1"/>
+                                          </p:val>
+                                        </p:tav>
+                                        <p:tav tm="100000">
+                                          <p:val>
+                                            <p:strVal val="#ppt_y"/>
+                                          </p:val>
+                                        </p:tav>
+                                      </p:tavLst>
+                                    </p:anim>
+                                  </p:childTnLst>
+                                </p:cTn>
+                              </p:par>
+                            </p:childTnLst>
+                          </p:cTn>
+                        </p:par>
+                      </p:childTnLst>
+                    </p:cTn>
+                  </p:par>
+                  <p:par>
+                    <p:cTn id="15" fill="hold">
+                      <p:stCondLst>
+                        <p:cond delay="indefinite"/>
+                      </p:stCondLst>
+                      <p:childTnLst>
+                        <p:par>
+                          <p:cTn id="16" fill="hold">
+                            <p:stCondLst>
+                              <p:cond delay="0"/>
+                            </p:stCondLst>
+                            <p:childTnLst>
+                              <p:par>
+                                <p:cTn id="17" presetID="42" presetClass="entr" presetSubtype="0" fill="hold" nodeType="clickEffect">
+                                  <p:stCondLst>
+                                    <p:cond delay="0"/>
+                                  </p:stCondLst>
+                                  <p:childTnLst>
+                                    <p:set>
+                                      <p:cBhvr>
+                                        <p:cTn id="18" dur="1" fill="hold">
+                                          <p:stCondLst>
+                                            <p:cond delay="0"/>
+                                          </p:stCondLst>
+                                        </p:cTn>
+                                        <p:tgtEl>
+                                          <p:spTgt spid="5"/>
+                                        </p:tgtEl>
+                                        <p:attrNameLst>
+                                          <p:attrName>style.visibility</p:attrName>
+                                        </p:attrNameLst>
+                                      </p:cBhvr>
+                                      <p:to>
+                                        <p:strVal val="visible"/>
+                                      </p:to>
+                                    </p:set>
+                                    <p:animEffect transition="in" filter="fade">
+                                      <p:cBhvr>
+                                        <p:cTn id="19" dur="1000"/>
+                                        <p:tgtEl>
+                                          <p:spTgt spid="5"/>
+                                        </p:tgtEl>
+                                      </p:cBhvr>
+                                    </p:animEffect>
+                                    <p:anim calcmode="lin" valueType="num">
+                                      <p:cBhvr>
+                                        <p:cTn id="20" dur="1000" fill="hold"/>
+                                        <p:tgtEl>
+                                          <p:spTgt spid="5"/>
+                                        </p:tgtEl>
+                                        <p:attrNameLst>
+                                          <p:attrName>ppt_x</p:attrName>
+                                        </p:attrNameLst>
+                                      </p:cBhvr>
+                                      <p:tavLst>
+                                        <p:tav tm="0">
+                                          <p:val>
+                                            <p:strVal val="#ppt_x"/>
+                                          </p:val>
+                                        </p:tav>
+                                        <p:tav tm="100000">
+                                          <p:val>
+                                            <p:strVal val="#ppt_x"/>
+                                          </p:val>
+                                        </p:tav>
+                                      </p:tavLst>
+                                    </p:anim>
+                                    <p:anim calcmode="lin" valueType="num">
+                                      <p:cBhvr>
+                                        <p:cTn id="21" dur="1000" fill="hold"/>
+                                        <p:tgtEl>
+                                          <p:spTgt spid="5"/>
+                                        </p:tgtEl>
+                                        <p:attrNameLst>
+                                          <p:attrName>ppt_y</p:attrName>
+                                        </p:attrNameLst>
+                                      </p:cBhvr>
+                                      <p:tavLst>
+                                        <p:tav tm="0">
+                                          <p:val>
+                                            <p:strVal val="#ppt_y+.1"/>
+                                          </p:val>
+                                        </p:tav>
+                                        <p:tav tm="100000">
+                                          <p:val>
+                                            <p:strVal val="#ppt_y"/>
+                                          </p:val>
+                                        </p:tav>
+                                      </p:tavLst>
+                                    </p:anim>
+                                  </p:childTnLst>
+                                </p:cTn>
+                              </p:par>
+                              <p:par>
+                                <p:cTn id="22" presetID="42" presetClass="entr" presetSubtype="0" fill="hold" nodeType="withEffect">
+                                  <p:stCondLst>
+                                    <p:cond delay="0"/>
+                                  </p:stCondLst>
+                                  <p:childTnLst>
+                                    <p:set>
+                                      <p:cBhvr>
+                                        <p:cTn id="23" dur="1" fill="hold">
+                                          <p:stCondLst>
+                                            <p:cond delay="0"/>
+                                          </p:stCondLst>
+                                        </p:cTn>
+                                        <p:tgtEl>
+                                          <p:spTgt spid="15"/>
+                                        </p:tgtEl>
+                                        <p:attrNameLst>
+                                          <p:attrName>style.visibility</p:attrName>
+                                        </p:attrNameLst>
+                                      </p:cBhvr>
+                                      <p:to>
+                                        <p:strVal val="visible"/>
+                                      </p:to>
+                                    </p:set>
+                                    <p:animEffect transition="in" filter="fade">
+                                      <p:cBhvr>
+                                        <p:cTn id="24" dur="1000"/>
+                                        <p:tgtEl>
+                                          <p:spTgt spid="15"/>
+                                        </p:tgtEl>
+                                      </p:cBhvr>
+                                    </p:animEffect>
+                                    <p:anim calcmode="lin" valueType="num">
+                                      <p:cBhvr>
+                                        <p:cTn id="25" dur="1000" fill="hold"/>
+                                        <p:tgtEl>
+                                          <p:spTgt spid="15"/>
+                                        </p:tgtEl>
+                                        <p:attrNameLst>
+                                          <p:attrName>ppt_x</p:attrName>
+                                        </p:attrNameLst>
+                                      </p:cBhvr>
+                                      <p:tavLst>
+                                        <p:tav tm="0">
+                                          <p:val>
+                                            <p:strVal val="#ppt_x"/>
+                                          </p:val>
+                                        </p:tav>
+                                        <p:tav tm="100000">
+                                          <p:val>
+                                            <p:strVal val="#ppt_x"/>
+                                          </p:val>
+                                        </p:tav>
+                                      </p:tavLst>
+                                    </p:anim>
+                                    <p:anim calcmode="lin" valueType="num">
+                                      <p:cBhvr>
+                                        <p:cTn id="26" dur="1000" fill="hold"/>
+                                        <p:tgtEl>
+                                          <p:spTgt spid="15"/>
+                                        </p:tgtEl>
+                                        <p:attrNameLst>
+                                          <p:attrName>ppt_y</p:attrName>
+                                        </p:attrNameLst>
+                                      </p:cBhvr>
+                                      <p:tavLst>
+                                        <p:tav tm="0">
+                                          <p:val>
+                                            <p:strVal val="#ppt_y+.1"/>
+                                          </p:val>
+                                        </p:tav>
+                                        <p:tav tm="100000">
+                                          <p:val>
+                                            <p:strVal val="#ppt_y"/>
+                                          </p:val>
+                                        </p:tav>
+                                      </p:tavLst>
+                                    </p:anim>
+                                  </p:childTnLst>
+                                </p:cTn>
+                              </p:par>
+                            </p:childTnLst>
+                          </p:cTn>
+                        </p:par>
+                      </p:childTnLst>
+                    </p:cTn>
+                  </p:par>
+                  <p:par>
+                    <p:cTn id="27" fill="hold">
+                      <p:stCondLst>
+                        <p:cond delay="indefinite"/>
+                      </p:stCondLst>
+                      <p:childTnLst>
+                        <p:par>
+                          <p:cTn id="28" fill="hold">
+                            <p:stCondLst>
+                              <p:cond delay="0"/>
+                            </p:stCondLst>
+                            <p:childTnLst>
+                              <p:par>
+                                <p:cTn id="29" presetID="42" presetClass="entr" presetSubtype="0" fill="hold" nodeType="clickEffect">
+                                  <p:stCondLst>
+                                    <p:cond delay="0"/>
+                                  </p:stCondLst>
+                                  <p:childTnLst>
+                                    <p:set>
+                                      <p:cBhvr>
+                                        <p:cTn id="30" dur="1" fill="hold">
+                                          <p:stCondLst>
+                                            <p:cond delay="0"/>
+                                          </p:stCondLst>
+                                        </p:cTn>
+                                        <p:tgtEl>
+                                          <p:spTgt spid="10"/>
+                                        </p:tgtEl>
+                                        <p:attrNameLst>
+                                          <p:attrName>style.visibility</p:attrName>
+                                        </p:attrNameLst>
+                                      </p:cBhvr>
+                                      <p:to>
+                                        <p:strVal val="visible"/>
+                                      </p:to>
+                                    </p:set>
+                                    <p:animEffect transition="in" filter="fade">
+                                      <p:cBhvr>
+                                        <p:cTn id="31" dur="1000"/>
+                                        <p:tgtEl>
+                                          <p:spTgt spid="10"/>
+                                        </p:tgtEl>
+                                      </p:cBhvr>
+                                    </p:animEffect>
+                                    <p:anim calcmode="lin" valueType="num">
+                                      <p:cBhvr>
+                                        <p:cTn id="32" dur="1000" fill="hold"/>
+                                        <p:tgtEl>
+                                          <p:spTgt spid="10"/>
+                                        </p:tgtEl>
+                                        <p:attrNameLst>
+                                          <p:attrName>ppt_x</p:attrName>
+                                        </p:attrNameLst>
+                                      </p:cBhvr>
+                                      <p:tavLst>
+                                        <p:tav tm="0">
+                                          <p:val>
+                                            <p:strVal val="#ppt_x"/>
+                                          </p:val>
+                                        </p:tav>
+                                        <p:tav tm="100000">
+                                          <p:val>
+                                            <p:strVal val="#ppt_x"/>
+                                          </p:val>
+                                        </p:tav>
+                                      </p:tavLst>
+                                    </p:anim>
+                                    <p:anim calcmode="lin" valueType="num">
+                                      <p:cBhvr>
+                                        <p:cTn id="33" dur="1000" fill="hold"/>
+                                        <p:tgtEl>
+                                          <p:spTgt spid="10"/>
+                                        </p:tgtEl>
+                                        <p:attrNameLst>
+                                          <p:attrName>ppt_y</p:attrName>
+                                        </p:attrNameLst>
+                                      </p:cBhvr>
+                                      <p:tavLst>
+                                        <p:tav tm="0">
+                                          <p:val>
+                                            <p:strVal val="#ppt_y+.1"/>
+                                          </p:val>
+                                        </p:tav>
+                                        <p:tav tm="100000">
+                                          <p:val>
+                                            <p:strVal val="#ppt_y"/>
+                                          </p:val>
+                                        </p:tav>
+                                      </p:tavLst>
+                                    </p:anim>
+                                  </p:childTnLst>
+                                </p:cTn>
+                              </p:par>
+                              <p:par>
+                                <p:cTn id="34" presetID="42" presetClass="entr" presetSubtype="0" fill="hold" grpId="0" nodeType="withEffect">
+                                  <p:stCondLst>
+                                    <p:cond delay="0"/>
+                                  </p:stCondLst>
+                                  <p:childTnLst>
+                                    <p:set>
+                                      <p:cBhvr>
+                                        <p:cTn id="35" dur="1" fill="hold">
+                                          <p:stCondLst>
+                                            <p:cond delay="0"/>
+                                          </p:stCondLst>
+                                        </p:cTn>
+                                        <p:tgtEl>
+                                          <p:spTgt spid="13"/>
+                                        </p:tgtEl>
+                                        <p:attrNameLst>
+                                          <p:attrName>style.visibility</p:attrName>
+                                        </p:attrNameLst>
+                                      </p:cBhvr>
+                                      <p:to>
+                                        <p:strVal val="visible"/>
+                                      </p:to>
+                                    </p:set>
+                                    <p:animEffect transition="in" filter="fade">
+                                      <p:cBhvr>
+                                        <p:cTn id="36" dur="1000"/>
+                                        <p:tgtEl>
+                                          <p:spTgt spid="13"/>
+                                        </p:tgtEl>
+                                      </p:cBhvr>
+                                    </p:animEffect>
+                                    <p:anim calcmode="lin" valueType="num">
+                                      <p:cBhvr>
+                                        <p:cTn id="37" dur="1000" fill="hold"/>
+                                        <p:tgtEl>
+                                          <p:spTgt spid="13"/>
+                                        </p:tgtEl>
+                                        <p:attrNameLst>
+                                          <p:attrName>ppt_x</p:attrName>
+                                        </p:attrNameLst>
+                                      </p:cBhvr>
+                                      <p:tavLst>
+                                        <p:tav tm="0">
+                                          <p:val>
+                                            <p:strVal val="#ppt_x"/>
+                                          </p:val>
+                                        </p:tav>
+                                        <p:tav tm="100000">
+                                          <p:val>
+                                            <p:strVal val="#ppt_x"/>
+                                          </p:val>
+                                        </p:tav>
+                                      </p:tavLst>
+                                    </p:anim>
+                                    <p:anim calcmode="lin" valueType="num">
+                                      <p:cBhvr>
+                                        <p:cTn id="38" dur="1000" fill="hold"/>
+                                        <p:tgtEl>
+                                          <p:spTgt spid="13"/>
+                                        </p:tgtEl>
+                                        <p:attrNameLst>
+                                          <p:attrName>ppt_y</p:attrName>
+                                        </p:attrNameLst>
+                                      </p:cBhvr>
+                                      <p:tavLst>
+                                        <p:tav tm="0">
+                                          <p:val>
+                                            <p:strVal val="#ppt_y+.1"/>
+                                          </p:val>
+                                        </p:tav>
+                                        <p:tav tm="100000">
+                                          <p:val>
+                                            <p:strVal val="#ppt_y"/>
+                                          </p:val>
+                                        </p:tav>
+                                      </p:tavLst>
+                                    </p:anim>
+                                  </p:childTnLst>
+                                </p:cTn>
+                              </p:par>
+                            </p:childTnLst>
+                          </p:cTn>
+                        </p:par>
+                      </p:childTnLst>
+                    </p:cTn>
+                  </p:par>
+                </p:childTnLst>
+              </p:cTn>
+              <p:prevCondLst>
+                <p:cond evt="onPrev" delay="0">
+                  <p:tgtEl>
+                    <p:sldTgt/>
+                  </p:tgtEl>
+                </p:cond>
+              </p:prevCondLst>
+              <p:nextCondLst>
+                <p:cond evt="onNext" delay="0">
+                  <p:tgtEl>
+                    <p:sldTgt/>
+                  </p:tgtEl>
+                </p:cond>
+              </p:nextCondLst>
+            </p:seq>
+          </p:childTnLst>
+        </p:cTn>
+      </p:par>
+    </p:tnLst>
+    <p:bldLst>
+      <p:bldP spid="13" grpId="0"/>
+      <p:bldP spid="14" grpId="0"/>
+    </p:bldLst>
+  </p:timing>
+</p:sld>
+</file>
+
+<file path=ppt/slides/slide5.xml><?xml version="1.0" encoding="utf-8"?>
+<p:sld xmlns:a="http://schemas.openxmlformats.org/drawingml/2006/main" xmlns:r="http://schemas.openxmlformats.org/officeDocument/2006/relationships" xmlns:p="http://schemas.openxmlformats.org/presentationml/2006/main">
+  <p:cSld>
+    <p:spTree>
+      <p:nvGrpSpPr>
+        <p:cNvPr id="1" name=""/>
+        <p:cNvGrpSpPr/>
+        <p:nvPr/>
+      </p:nvGrpSpPr>
+      <p:grpSpPr>
+        <a:xfrm>
+          <a:off x="0" y="0"/>
+          <a:ext cx="0" cy="0"/>
+          <a:chOff x="0" y="0"/>
+          <a:chExt cx="0" cy="0"/>
+        </a:xfrm>
+      </p:grpSpPr>
+      <p:sp>
+        <p:nvSpPr>
+          <p:cNvPr id="2" name="Titel 1">
+            <a:extLst>
+              <a:ext uri="{FF2B5EF4-FFF2-40B4-BE49-F238E27FC236}">
+                <a16:creationId xmlns:a16="http://schemas.microsoft.com/office/drawing/2014/main" id="{60E35030-7C3A-0B68-2B09-83D0196A038F}"/>
+              </a:ext>
+            </a:extLst>
+          </p:cNvPr>
+          <p:cNvSpPr>
+            <a:spLocks noGrp="1"/>
+          </p:cNvSpPr>
+          <p:nvPr>
+            <p:ph type="title"/>
+          </p:nvPr>
+        </p:nvSpPr>
+        <p:spPr>
+          <a:xfrm>
+            <a:off x="580631" y="502720"/>
+            <a:ext cx="10353762" cy="930873"/>
+          </a:xfrm>
+        </p:spPr>
+        <p:txBody>
+          <a:bodyPr>
+            <a:normAutofit fontScale="90000"/>
+          </a:bodyPr>
+          <a:lstStyle/>
+          <a:p>
+            <a:r>
+              <a:rPr lang="de-DE" sz="3600" dirty="0"/>
+              <a:t>Funktionale Interfaces und Lamdas</a:t>
+            </a:r>
+            <a:br>
+              <a:rPr lang="de-DE" sz="3600" dirty="0"/>
+            </a:br>
+            <a:br>
+              <a:rPr lang="de-DE" sz="4800" dirty="0"/>
+            </a:br>
+            <a:endParaRPr lang="de-DE" dirty="0"/>
+          </a:p>
+        </p:txBody>
+      </p:sp>
+      <p:cxnSp>
+        <p:nvCxnSpPr>
+          <p:cNvPr id="17" name="Gerade Verbindung mit Pfeil 16">
+            <a:extLst>
+              <a:ext uri="{FF2B5EF4-FFF2-40B4-BE49-F238E27FC236}">
+                <a16:creationId xmlns:a16="http://schemas.microsoft.com/office/drawing/2014/main" id="{3DE7CB65-7B69-4924-AE34-F6564174280A}"/>
+              </a:ext>
+            </a:extLst>
+          </p:cNvPr>
+          <p:cNvCxnSpPr>
+            <a:cxnSpLocks/>
+          </p:cNvCxnSpPr>
+          <p:nvPr/>
+        </p:nvCxnSpPr>
+        <p:spPr>
+          <a:xfrm>
+            <a:off x="3662113" y="5040683"/>
+            <a:ext cx="0" cy="579523"/>
+          </a:xfrm>
+          <a:prstGeom prst="straightConnector1">
+            <a:avLst/>
+          </a:prstGeom>
+          <a:ln>
+            <a:tailEnd type="triangle"/>
+          </a:ln>
+        </p:spPr>
+        <p:style>
+          <a:lnRef idx="1">
+            <a:schemeClr val="accent1"/>
+          </a:lnRef>
+          <a:fillRef idx="0">
+            <a:schemeClr val="accent1"/>
+          </a:fillRef>
+          <a:effectRef idx="0">
+            <a:schemeClr val="accent1"/>
+          </a:effectRef>
+          <a:fontRef idx="minor">
+            <a:schemeClr val="tx1"/>
+          </a:fontRef>
+        </p:style>
+      </p:cxnSp>
+      <p:cxnSp>
+        <p:nvCxnSpPr>
+          <p:cNvPr id="20" name="Gerade Verbindung mit Pfeil 19">
+            <a:extLst>
+              <a:ext uri="{FF2B5EF4-FFF2-40B4-BE49-F238E27FC236}">
+                <a16:creationId xmlns:a16="http://schemas.microsoft.com/office/drawing/2014/main" id="{1EED7C55-ED67-B28C-C785-197DA5BF60F0}"/>
+              </a:ext>
+            </a:extLst>
+          </p:cNvPr>
+          <p:cNvCxnSpPr>
+            <a:cxnSpLocks/>
+          </p:cNvCxnSpPr>
+          <p:nvPr/>
+        </p:nvCxnSpPr>
+        <p:spPr>
+          <a:xfrm flipH="1">
+            <a:off x="8515890" y="5040683"/>
+            <a:ext cx="6969" cy="592265"/>
+          </a:xfrm>
+          <a:prstGeom prst="straightConnector1">
+            <a:avLst/>
+          </a:prstGeom>
+          <a:ln>
+            <a:tailEnd type="triangle"/>
+          </a:ln>
+        </p:spPr>
+        <p:style>
+          <a:lnRef idx="1">
+            <a:schemeClr val="accent1"/>
+          </a:lnRef>
+          <a:fillRef idx="0">
+            <a:schemeClr val="accent1"/>
+          </a:fillRef>
+          <a:effectRef idx="0">
+            <a:schemeClr val="accent1"/>
+          </a:effectRef>
+          <a:fontRef idx="minor">
+            <a:schemeClr val="tx1"/>
+          </a:fontRef>
+        </p:style>
+      </p:cxnSp>
+      <p:sp>
+        <p:nvSpPr>
+          <p:cNvPr id="21" name="Textfeld 20">
+            <a:extLst>
+              <a:ext uri="{FF2B5EF4-FFF2-40B4-BE49-F238E27FC236}">
+                <a16:creationId xmlns:a16="http://schemas.microsoft.com/office/drawing/2014/main" id="{A086AB58-9B91-6B18-6AFE-89B6548E304C}"/>
+              </a:ext>
+            </a:extLst>
+          </p:cNvPr>
+          <p:cNvSpPr txBox="1"/>
+          <p:nvPr/>
+        </p:nvSpPr>
+        <p:spPr>
+          <a:xfrm>
+            <a:off x="1463594" y="5829020"/>
+            <a:ext cx="4397038" cy="923330"/>
+          </a:xfrm>
+          <a:prstGeom prst="rect">
+            <a:avLst/>
+          </a:prstGeom>
+          <a:noFill/>
+        </p:spPr>
+        <p:txBody>
+          <a:bodyPr wrap="none" rtlCol="0">
+            <a:spAutoFit/>
+          </a:bodyPr>
+          <a:lstStyle/>
+          <a:p>
+            <a:r>
+              <a:rPr lang="de-DE" dirty="0"/>
+              <a:t>Actionperformed muss implementiert werden,</a:t>
+            </a:r>
+          </a:p>
+          <a:p>
+            <a:r>
+              <a:rPr lang="de-DE" dirty="0"/>
+              <a:t>da ActionListener ein Interface ist</a:t>
+            </a:r>
+          </a:p>
+          <a:p>
+            <a:endParaRPr lang="de-DE" dirty="0"/>
+          </a:p>
+        </p:txBody>
+      </p:sp>
+      <p:sp>
+        <p:nvSpPr>
+          <p:cNvPr id="22" name="Textfeld 21">
+            <a:extLst>
+              <a:ext uri="{FF2B5EF4-FFF2-40B4-BE49-F238E27FC236}">
+                <a16:creationId xmlns:a16="http://schemas.microsoft.com/office/drawing/2014/main" id="{FAF6CC6D-1F46-9A52-8F46-AC83991ECC26}"/>
+              </a:ext>
+            </a:extLst>
+          </p:cNvPr>
+          <p:cNvSpPr txBox="1"/>
+          <p:nvPr/>
+        </p:nvSpPr>
+        <p:spPr>
+          <a:xfrm>
+            <a:off x="6120723" y="5839246"/>
+            <a:ext cx="6071277" cy="369332"/>
+          </a:xfrm>
+          <a:prstGeom prst="rect">
+            <a:avLst/>
+          </a:prstGeom>
+          <a:noFill/>
+        </p:spPr>
+        <p:txBody>
+          <a:bodyPr wrap="none" rtlCol="0">
+            <a:spAutoFit/>
+          </a:bodyPr>
+          <a:lstStyle/>
+          <a:p>
+            <a:r>
+              <a:rPr lang="de-DE" dirty="0"/>
+              <a:t>Deutlich schmalerer Code Block, keine direkte Implementierung</a:t>
+            </a:r>
+          </a:p>
+        </p:txBody>
+      </p:sp>
+      <p:cxnSp>
+        <p:nvCxnSpPr>
+          <p:cNvPr id="23" name="Gerade Verbindung mit Pfeil 22">
+            <a:extLst>
+              <a:ext uri="{FF2B5EF4-FFF2-40B4-BE49-F238E27FC236}">
+                <a16:creationId xmlns:a16="http://schemas.microsoft.com/office/drawing/2014/main" id="{162A7A16-D692-B62F-3680-E4ABC5A1269B}"/>
+              </a:ext>
+            </a:extLst>
+          </p:cNvPr>
+          <p:cNvCxnSpPr>
+            <a:cxnSpLocks/>
+          </p:cNvCxnSpPr>
+          <p:nvPr/>
+        </p:nvCxnSpPr>
+        <p:spPr>
+          <a:xfrm>
+            <a:off x="3667684" y="3566078"/>
+            <a:ext cx="0" cy="412905"/>
+          </a:xfrm>
+          <a:prstGeom prst="straightConnector1">
+            <a:avLst/>
+          </a:prstGeom>
+          <a:ln>
+            <a:tailEnd type="triangle"/>
+          </a:ln>
+        </p:spPr>
+        <p:style>
+          <a:lnRef idx="1">
+            <a:schemeClr val="accent1"/>
+          </a:lnRef>
+          <a:fillRef idx="0">
+            <a:schemeClr val="accent1"/>
+          </a:fillRef>
+          <a:effectRef idx="0">
+            <a:schemeClr val="accent1"/>
+          </a:effectRef>
+          <a:fontRef idx="minor">
+            <a:schemeClr val="tx1"/>
+          </a:fontRef>
+        </p:style>
+      </p:cxnSp>
+      <p:cxnSp>
+        <p:nvCxnSpPr>
+          <p:cNvPr id="26" name="Gerade Verbindung mit Pfeil 25">
+            <a:extLst>
+              <a:ext uri="{FF2B5EF4-FFF2-40B4-BE49-F238E27FC236}">
+                <a16:creationId xmlns:a16="http://schemas.microsoft.com/office/drawing/2014/main" id="{87DAB031-C533-BFA4-3005-6F6F5C5B5091}"/>
+              </a:ext>
+            </a:extLst>
+          </p:cNvPr>
+          <p:cNvCxnSpPr>
+            <a:cxnSpLocks/>
+          </p:cNvCxnSpPr>
+          <p:nvPr/>
+        </p:nvCxnSpPr>
+        <p:spPr>
+          <a:xfrm>
+            <a:off x="8522859" y="3568509"/>
+            <a:ext cx="0" cy="820947"/>
+          </a:xfrm>
+          <a:prstGeom prst="straightConnector1">
+            <a:avLst/>
+          </a:prstGeom>
+          <a:ln>
+            <a:tailEnd type="triangle"/>
+          </a:ln>
+        </p:spPr>
+        <p:style>
+          <a:lnRef idx="1">
+            <a:schemeClr val="accent1"/>
+          </a:lnRef>
+          <a:fillRef idx="0">
+            <a:schemeClr val="accent1"/>
+          </a:fillRef>
+          <a:effectRef idx="0">
+            <a:schemeClr val="accent1"/>
+          </a:effectRef>
+          <a:fontRef idx="minor">
+            <a:schemeClr val="tx1"/>
+          </a:fontRef>
+        </p:style>
+      </p:cxnSp>
+      <p:pic>
+        <p:nvPicPr>
+          <p:cNvPr id="4" name="Grafik 3">
+            <a:extLst>
+              <a:ext uri="{FF2B5EF4-FFF2-40B4-BE49-F238E27FC236}">
+                <a16:creationId xmlns:a16="http://schemas.microsoft.com/office/drawing/2014/main" id="{6C1D791A-4618-275A-77FA-4A98710EF899}"/>
+              </a:ext>
+            </a:extLst>
+          </p:cNvPr>
+          <p:cNvPicPr>
+            <a:picLocks noChangeAspect="1"/>
+          </p:cNvPicPr>
+          <p:nvPr/>
+        </p:nvPicPr>
+        <p:blipFill>
+          <a:blip r:embed="rId2"/>
+          <a:stretch>
+            <a:fillRect/>
+          </a:stretch>
+        </p:blipFill>
+        <p:spPr>
+          <a:xfrm>
+            <a:off x="1495895" y="4113278"/>
+            <a:ext cx="4624828" cy="799054"/>
+          </a:xfrm>
+          <a:prstGeom prst="rect">
+            <a:avLst/>
+          </a:prstGeom>
+        </p:spPr>
+      </p:pic>
+      <p:pic>
+        <p:nvPicPr>
+          <p:cNvPr id="8" name="Grafik 7">
+            <a:extLst>
+              <a:ext uri="{FF2B5EF4-FFF2-40B4-BE49-F238E27FC236}">
+                <a16:creationId xmlns:a16="http://schemas.microsoft.com/office/drawing/2014/main" id="{6AD81E30-270C-814D-DC1F-AA2BD713ABF8}"/>
+              </a:ext>
+            </a:extLst>
+          </p:cNvPr>
+          <p:cNvPicPr>
+            <a:picLocks noChangeAspect="1"/>
+          </p:cNvPicPr>
+          <p:nvPr/>
+        </p:nvPicPr>
+        <p:blipFill rotWithShape="1">
+          <a:blip r:embed="rId3"/>
+          <a:srcRect l="4247" b="160"/>
+          <a:stretch/>
+        </p:blipFill>
+        <p:spPr>
+          <a:xfrm>
+            <a:off x="6462005" y="4543000"/>
+            <a:ext cx="4917659" cy="369332"/>
+          </a:xfrm>
+          <a:prstGeom prst="rect">
+            <a:avLst/>
+          </a:prstGeom>
+        </p:spPr>
+      </p:pic>
+      <p:pic>
+        <p:nvPicPr>
+          <p:cNvPr id="11" name="Grafik 10">
+            <a:extLst>
+              <a:ext uri="{FF2B5EF4-FFF2-40B4-BE49-F238E27FC236}">
+                <a16:creationId xmlns:a16="http://schemas.microsoft.com/office/drawing/2014/main" id="{38CF82B3-A764-87A6-1B96-8492BACEF1C0}"/>
+              </a:ext>
+            </a:extLst>
+          </p:cNvPr>
+          <p:cNvPicPr>
+            <a:picLocks noChangeAspect="1"/>
+          </p:cNvPicPr>
+          <p:nvPr/>
+        </p:nvPicPr>
+        <p:blipFill>
+          <a:blip r:embed="rId4"/>
+          <a:stretch>
+            <a:fillRect/>
+          </a:stretch>
+        </p:blipFill>
+        <p:spPr>
+          <a:xfrm>
+            <a:off x="2510792" y="830399"/>
+            <a:ext cx="6349248" cy="2598601"/>
+          </a:xfrm>
+          <a:prstGeom prst="rect">
+            <a:avLst/>
+          </a:prstGeom>
+        </p:spPr>
+      </p:pic>
+    </p:spTree>
+    <p:extLst>
+      <p:ext uri="{BB962C8B-B14F-4D97-AF65-F5344CB8AC3E}">
+        <p14:creationId xmlns:p14="http://schemas.microsoft.com/office/powerpoint/2010/main" val="590625891"/>
+      </p:ext>
+    </p:extLst>
+  </p:cSld>
+  <p:clrMapOvr>
+    <a:masterClrMapping/>
+  </p:clrMapOvr>
+  <p:timing>
+    <p:tnLst>
+      <p:par>
+        <p:cTn id="1" dur="indefinite" restart="never" nodeType="tmRoot">
+          <p:childTnLst>
+            <p:seq concurrent="1" nextAc="seek">
+              <p:cTn id="2" dur="indefinite" nodeType="mainSeq">
+                <p:childTnLst>
+                  <p:par>
+                    <p:cTn id="3" fill="hold">
+                      <p:stCondLst>
+                        <p:cond delay="indefinite"/>
+                      </p:stCondLst>
+                      <p:childTnLst>
+                        <p:par>
+                          <p:cTn id="4" fill="hold">
+                            <p:stCondLst>
+                              <p:cond delay="0"/>
+                            </p:stCondLst>
+                            <p:childTnLst>
+                              <p:par>
+                                <p:cTn id="5" presetID="42" presetClass="entr" presetSubtype="0" fill="hold" nodeType="clickEffect">
+                                  <p:stCondLst>
+                                    <p:cond delay="0"/>
+                                  </p:stCondLst>
+                                  <p:childTnLst>
+                                    <p:set>
+                                      <p:cBhvr>
+                                        <p:cTn id="6" dur="1" fill="hold">
+                                          <p:stCondLst>
+                                            <p:cond delay="0"/>
+                                          </p:stCondLst>
+                                        </p:cTn>
+                                        <p:tgtEl>
+                                          <p:spTgt spid="17"/>
+                                        </p:tgtEl>
+                                        <p:attrNameLst>
+                                          <p:attrName>style.visibility</p:attrName>
+                                        </p:attrNameLst>
+                                      </p:cBhvr>
+                                      <p:to>
+                                        <p:strVal val="visible"/>
+                                      </p:to>
+                                    </p:set>
+                                    <p:animEffect transition="in" filter="fade">
+                                      <p:cBhvr>
+                                        <p:cTn id="7" dur="1000"/>
+                                        <p:tgtEl>
+                                          <p:spTgt spid="17"/>
+                                        </p:tgtEl>
+                                      </p:cBhvr>
+                                    </p:animEffect>
+                                    <p:anim calcmode="lin" valueType="num">
+                                      <p:cBhvr>
+                                        <p:cTn id="8" dur="1000" fill="hold"/>
+                                        <p:tgtEl>
+                                          <p:spTgt spid="17"/>
+                                        </p:tgtEl>
+                                        <p:attrNameLst>
+                                          <p:attrName>ppt_x</p:attrName>
+                                        </p:attrNameLst>
+                                      </p:cBhvr>
+                                      <p:tavLst>
+                                        <p:tav tm="0">
+                                          <p:val>
+                                            <p:strVal val="#ppt_x"/>
+                                          </p:val>
+                                        </p:tav>
+                                        <p:tav tm="100000">
+                                          <p:val>
+                                            <p:strVal val="#ppt_x"/>
+                                          </p:val>
+                                        </p:tav>
+                                      </p:tavLst>
+                                    </p:anim>
+                                    <p:anim calcmode="lin" valueType="num">
+                                      <p:cBhvr>
+                                        <p:cTn id="9" dur="1000" fill="hold"/>
+                                        <p:tgtEl>
+                                          <p:spTgt spid="17"/>
+                                        </p:tgtEl>
+                                        <p:attrNameLst>
+                                          <p:attrName>ppt_y</p:attrName>
+                                        </p:attrNameLst>
+                                      </p:cBhvr>
+                                      <p:tavLst>
+                                        <p:tav tm="0">
+                                          <p:val>
+                                            <p:strVal val="#ppt_y+.1"/>
+                                          </p:val>
+                                        </p:tav>
+                                        <p:tav tm="100000">
+                                          <p:val>
+                                            <p:strVal val="#ppt_y"/>
+                                          </p:val>
+                                        </p:tav>
+                                      </p:tavLst>
+                                    </p:anim>
+                                  </p:childTnLst>
+                                </p:cTn>
+                              </p:par>
+                              <p:par>
+                                <p:cTn id="10" presetID="42" presetClass="entr" presetSubtype="0" fill="hold" grpId="0" nodeType="withEffect">
+                                  <p:stCondLst>
+                                    <p:cond delay="0"/>
+                                  </p:stCondLst>
+                                  <p:childTnLst>
+                                    <p:set>
+                                      <p:cBhvr>
+                                        <p:cTn id="11" dur="1" fill="hold">
+                                          <p:stCondLst>
+                                            <p:cond delay="0"/>
+                                          </p:stCondLst>
+                                        </p:cTn>
+                                        <p:tgtEl>
+                                          <p:spTgt spid="21"/>
+                                        </p:tgtEl>
+                                        <p:attrNameLst>
+                                          <p:attrName>style.visibility</p:attrName>
+                                        </p:attrNameLst>
+                                      </p:cBhvr>
+                                      <p:to>
+                                        <p:strVal val="visible"/>
+                                      </p:to>
+                                    </p:set>
+                                    <p:animEffect transition="in" filter="fade">
+                                      <p:cBhvr>
+                                        <p:cTn id="12" dur="1000"/>
+                                        <p:tgtEl>
+                                          <p:spTgt spid="21"/>
+                                        </p:tgtEl>
+                                      </p:cBhvr>
+                                    </p:animEffect>
+                                    <p:anim calcmode="lin" valueType="num">
+                                      <p:cBhvr>
+                                        <p:cTn id="13" dur="1000" fill="hold"/>
+                                        <p:tgtEl>
+                                          <p:spTgt spid="21"/>
+                                        </p:tgtEl>
+                                        <p:attrNameLst>
+                                          <p:attrName>ppt_x</p:attrName>
+                                        </p:attrNameLst>
+                                      </p:cBhvr>
+                                      <p:tavLst>
+                                        <p:tav tm="0">
+                                          <p:val>
+                                            <p:strVal val="#ppt_x"/>
+                                          </p:val>
+                                        </p:tav>
+                                        <p:tav tm="100000">
+                                          <p:val>
+                                            <p:strVal val="#ppt_x"/>
+                                          </p:val>
+                                        </p:tav>
+                                      </p:tavLst>
+                                    </p:anim>
+                                    <p:anim calcmode="lin" valueType="num">
+                                      <p:cBhvr>
+                                        <p:cTn id="14" dur="1000" fill="hold"/>
+                                        <p:tgtEl>
+                                          <p:spTgt spid="21"/>
+                                        </p:tgtEl>
+                                        <p:attrNameLst>
+                                          <p:attrName>ppt_y</p:attrName>
+                                        </p:attrNameLst>
+                                      </p:cBhvr>
+                                      <p:tavLst>
+                                        <p:tav tm="0">
+                                          <p:val>
+                                            <p:strVal val="#ppt_y+.1"/>
+                                          </p:val>
+                                        </p:tav>
+                                        <p:tav tm="100000">
+                                          <p:val>
+                                            <p:strVal val="#ppt_y"/>
+                                          </p:val>
+                                        </p:tav>
+                                      </p:tavLst>
+                                    </p:anim>
+                                  </p:childTnLst>
+                                </p:cTn>
+                              </p:par>
+                            </p:childTnLst>
+                          </p:cTn>
+                        </p:par>
+                      </p:childTnLst>
+                    </p:cTn>
+                  </p:par>
+                  <p:par>
+                    <p:cTn id="15" fill="hold">
+                      <p:stCondLst>
+                        <p:cond delay="indefinite"/>
+                      </p:stCondLst>
+                      <p:childTnLst>
+                        <p:par>
+                          <p:cTn id="16" fill="hold">
+                            <p:stCondLst>
+                              <p:cond delay="0"/>
+                            </p:stCondLst>
+                            <p:childTnLst>
+                              <p:par>
+                                <p:cTn id="17" presetID="42" presetClass="entr" presetSubtype="0" fill="hold" nodeType="clickEffect">
+                                  <p:stCondLst>
+                                    <p:cond delay="0"/>
+                                  </p:stCondLst>
+                                  <p:childTnLst>
+                                    <p:set>
+                                      <p:cBhvr>
+                                        <p:cTn id="18" dur="1" fill="hold">
+                                          <p:stCondLst>
+                                            <p:cond delay="0"/>
+                                          </p:stCondLst>
+                                        </p:cTn>
+                                        <p:tgtEl>
+                                          <p:spTgt spid="20"/>
+                                        </p:tgtEl>
+                                        <p:attrNameLst>
+                                          <p:attrName>style.visibility</p:attrName>
+                                        </p:attrNameLst>
+                                      </p:cBhvr>
+                                      <p:to>
+                                        <p:strVal val="visible"/>
+                                      </p:to>
+                                    </p:set>
+                                    <p:animEffect transition="in" filter="fade">
+                                      <p:cBhvr>
+                                        <p:cTn id="19" dur="1000"/>
+                                        <p:tgtEl>
+                                          <p:spTgt spid="20"/>
+                                        </p:tgtEl>
+                                      </p:cBhvr>
+                                    </p:animEffect>
+                                    <p:anim calcmode="lin" valueType="num">
+                                      <p:cBhvr>
+                                        <p:cTn id="20" dur="1000" fill="hold"/>
+                                        <p:tgtEl>
+                                          <p:spTgt spid="20"/>
+                                        </p:tgtEl>
+                                        <p:attrNameLst>
+                                          <p:attrName>ppt_x</p:attrName>
+                                        </p:attrNameLst>
+                                      </p:cBhvr>
+                                      <p:tavLst>
+                                        <p:tav tm="0">
+                                          <p:val>
+                                            <p:strVal val="#ppt_x"/>
+                                          </p:val>
+                                        </p:tav>
+                                        <p:tav tm="100000">
+                                          <p:val>
+                                            <p:strVal val="#ppt_x"/>
+                                          </p:val>
+                                        </p:tav>
+                                      </p:tavLst>
+                                    </p:anim>
+                                    <p:anim calcmode="lin" valueType="num">
+                                      <p:cBhvr>
+                                        <p:cTn id="21" dur="1000" fill="hold"/>
+                                        <p:tgtEl>
+                                          <p:spTgt spid="20"/>
+                                        </p:tgtEl>
+                                        <p:attrNameLst>
+                                          <p:attrName>ppt_y</p:attrName>
+                                        </p:attrNameLst>
+                                      </p:cBhvr>
+                                      <p:tavLst>
+                                        <p:tav tm="0">
+                                          <p:val>
+                                            <p:strVal val="#ppt_y+.1"/>
+                                          </p:val>
+                                        </p:tav>
+                                        <p:tav tm="100000">
+                                          <p:val>
+                                            <p:strVal val="#ppt_y"/>
+                                          </p:val>
+                                        </p:tav>
+                                      </p:tavLst>
+                                    </p:anim>
+                                  </p:childTnLst>
+                                </p:cTn>
+                              </p:par>
+                              <p:par>
+                                <p:cTn id="22" presetID="42" presetClass="entr" presetSubtype="0" fill="hold" grpId="0" nodeType="withEffect">
+                                  <p:stCondLst>
+                                    <p:cond delay="0"/>
+                                  </p:stCondLst>
+                                  <p:childTnLst>
+                                    <p:set>
+                                      <p:cBhvr>
+                                        <p:cTn id="23" dur="1" fill="hold">
+                                          <p:stCondLst>
+                                            <p:cond delay="0"/>
+                                          </p:stCondLst>
+                                        </p:cTn>
+                                        <p:tgtEl>
+                                          <p:spTgt spid="22"/>
+                                        </p:tgtEl>
+                                        <p:attrNameLst>
+                                          <p:attrName>style.visibility</p:attrName>
+                                        </p:attrNameLst>
+                                      </p:cBhvr>
+                                      <p:to>
+                                        <p:strVal val="visible"/>
+                                      </p:to>
+                                    </p:set>
+                                    <p:animEffect transition="in" filter="fade">
+                                      <p:cBhvr>
+                                        <p:cTn id="24" dur="1000"/>
+                                        <p:tgtEl>
+                                          <p:spTgt spid="22"/>
+                                        </p:tgtEl>
+                                      </p:cBhvr>
+                                    </p:animEffect>
+                                    <p:anim calcmode="lin" valueType="num">
+                                      <p:cBhvr>
+                                        <p:cTn id="25" dur="1000" fill="hold"/>
+                                        <p:tgtEl>
+                                          <p:spTgt spid="22"/>
+                                        </p:tgtEl>
+                                        <p:attrNameLst>
+                                          <p:attrName>ppt_x</p:attrName>
+                                        </p:attrNameLst>
+                                      </p:cBhvr>
+                                      <p:tavLst>
+                                        <p:tav tm="0">
+                                          <p:val>
+                                            <p:strVal val="#ppt_x"/>
+                                          </p:val>
+                                        </p:tav>
+                                        <p:tav tm="100000">
+                                          <p:val>
+                                            <p:strVal val="#ppt_x"/>
+                                          </p:val>
+                                        </p:tav>
+                                      </p:tavLst>
+                                    </p:anim>
+                                    <p:anim calcmode="lin" valueType="num">
+                                      <p:cBhvr>
+                                        <p:cTn id="26" dur="1000" fill="hold"/>
+                                        <p:tgtEl>
+                                          <p:spTgt spid="22"/>
+                                        </p:tgtEl>
+                                        <p:attrNameLst>
+                                          <p:attrName>ppt_y</p:attrName>
+                                        </p:attrNameLst>
+                                      </p:cBhvr>
+                                      <p:tavLst>
+                                        <p:tav tm="0">
+                                          <p:val>
+                                            <p:strVal val="#ppt_y+.1"/>
+                                          </p:val>
+                                        </p:tav>
+                                        <p:tav tm="100000">
+                                          <p:val>
+                                            <p:strVal val="#ppt_y"/>
+                                          </p:val>
+                                        </p:tav>
+                                      </p:tavLst>
+                                    </p:anim>
+                                  </p:childTnLst>
+                                </p:cTn>
+                              </p:par>
+                              <p:par>
+                                <p:cTn id="27" presetID="42" presetClass="entr" presetSubtype="0" fill="hold" nodeType="withEffect">
+                                  <p:stCondLst>
+                                    <p:cond delay="0"/>
+                                  </p:stCondLst>
+                                  <p:childTnLst>
+                                    <p:set>
+                                      <p:cBhvr>
+                                        <p:cTn id="28" dur="1" fill="hold">
+                                          <p:stCondLst>
+                                            <p:cond delay="0"/>
+                                          </p:stCondLst>
+                                        </p:cTn>
+                                        <p:tgtEl>
+                                          <p:spTgt spid="26"/>
+                                        </p:tgtEl>
+                                        <p:attrNameLst>
+                                          <p:attrName>style.visibility</p:attrName>
+                                        </p:attrNameLst>
+                                      </p:cBhvr>
+                                      <p:to>
+                                        <p:strVal val="visible"/>
+                                      </p:to>
+                                    </p:set>
+                                    <p:animEffect transition="in" filter="fade">
+                                      <p:cBhvr>
+                                        <p:cTn id="29" dur="1000"/>
+                                        <p:tgtEl>
+                                          <p:spTgt spid="26"/>
+                                        </p:tgtEl>
+                                      </p:cBhvr>
+                                    </p:animEffect>
+                                    <p:anim calcmode="lin" valueType="num">
+                                      <p:cBhvr>
+                                        <p:cTn id="30" dur="1000" fill="hold"/>
+                                        <p:tgtEl>
+                                          <p:spTgt spid="26"/>
+                                        </p:tgtEl>
+                                        <p:attrNameLst>
+                                          <p:attrName>ppt_x</p:attrName>
+                                        </p:attrNameLst>
+                                      </p:cBhvr>
+                                      <p:tavLst>
+                                        <p:tav tm="0">
+                                          <p:val>
+                                            <p:strVal val="#ppt_x"/>
+                                          </p:val>
+                                        </p:tav>
+                                        <p:tav tm="100000">
+                                          <p:val>
+                                            <p:strVal val="#ppt_x"/>
+                                          </p:val>
+                                        </p:tav>
+                                      </p:tavLst>
+                                    </p:anim>
+                                    <p:anim calcmode="lin" valueType="num">
+                                      <p:cBhvr>
+                                        <p:cTn id="31" dur="1000" fill="hold"/>
+                                        <p:tgtEl>
+                                          <p:spTgt spid="26"/>
+                                        </p:tgtEl>
+                                        <p:attrNameLst>
+                                          <p:attrName>ppt_y</p:attrName>
+                                        </p:attrNameLst>
+                                      </p:cBhvr>
+                                      <p:tavLst>
+                                        <p:tav tm="0">
+                                          <p:val>
+                                            <p:strVal val="#ppt_y+.1"/>
+                                          </p:val>
+                                        </p:tav>
+                                        <p:tav tm="100000">
+                                          <p:val>
+                                            <p:strVal val="#ppt_y"/>
+                                          </p:val>
+                                        </p:tav>
+                                      </p:tavLst>
+                                    </p:anim>
+                                  </p:childTnLst>
+                                </p:cTn>
+                              </p:par>
+                              <p:par>
+                                <p:cTn id="32" presetID="42" presetClass="entr" presetSubtype="0" fill="hold" nodeType="withEffect">
+                                  <p:stCondLst>
+                                    <p:cond delay="0"/>
+                                  </p:stCondLst>
+                                  <p:childTnLst>
+                                    <p:set>
+                                      <p:cBhvr>
+                                        <p:cTn id="33" dur="1" fill="hold">
+                                          <p:stCondLst>
+                                            <p:cond delay="0"/>
+                                          </p:stCondLst>
+                                        </p:cTn>
+                                        <p:tgtEl>
+                                          <p:spTgt spid="8"/>
+                                        </p:tgtEl>
+                                        <p:attrNameLst>
+                                          <p:attrName>style.visibility</p:attrName>
+                                        </p:attrNameLst>
+                                      </p:cBhvr>
+                                      <p:to>
+                                        <p:strVal val="visible"/>
+                                      </p:to>
+                                    </p:set>
+                                    <p:animEffect transition="in" filter="fade">
+                                      <p:cBhvr>
+                                        <p:cTn id="34" dur="1000"/>
+                                        <p:tgtEl>
+                                          <p:spTgt spid="8"/>
+                                        </p:tgtEl>
+                                      </p:cBhvr>
+                                    </p:animEffect>
+                                    <p:anim calcmode="lin" valueType="num">
+                                      <p:cBhvr>
+                                        <p:cTn id="35" dur="1000" fill="hold"/>
+                                        <p:tgtEl>
+                                          <p:spTgt spid="8"/>
+                                        </p:tgtEl>
+                                        <p:attrNameLst>
+                                          <p:attrName>ppt_x</p:attrName>
+                                        </p:attrNameLst>
+                                      </p:cBhvr>
+                                      <p:tavLst>
+                                        <p:tav tm="0">
+                                          <p:val>
+                                            <p:strVal val="#ppt_x"/>
+                                          </p:val>
+                                        </p:tav>
+                                        <p:tav tm="100000">
+                                          <p:val>
+                                            <p:strVal val="#ppt_x"/>
+                                          </p:val>
+                                        </p:tav>
+                                      </p:tavLst>
+                                    </p:anim>
+                                    <p:anim calcmode="lin" valueType="num">
+                                      <p:cBhvr>
+                                        <p:cTn id="36" dur="1000" fill="hold"/>
+                                        <p:tgtEl>
+                                          <p:spTgt spid="8"/>
+                                        </p:tgtEl>
+                                        <p:attrNameLst>
+                                          <p:attrName>ppt_y</p:attrName>
+                                        </p:attrNameLst>
+                                      </p:cBhvr>
+                                      <p:tavLst>
+                                        <p:tav tm="0">
+                                          <p:val>
+                                            <p:strVal val="#ppt_y+.1"/>
+                                          </p:val>
+                                        </p:tav>
+                                        <p:tav tm="100000">
+                                          <p:val>
+                                            <p:strVal val="#ppt_y"/>
+                                          </p:val>
+                                        </p:tav>
+                                      </p:tavLst>
+                                    </p:anim>
+                                  </p:childTnLst>
+                                </p:cTn>
+                              </p:par>
+                            </p:childTnLst>
+                          </p:cTn>
+                        </p:par>
+                      </p:childTnLst>
+                    </p:cTn>
+                  </p:par>
+                </p:childTnLst>
+              </p:cTn>
+              <p:prevCondLst>
+                <p:cond evt="onPrev" delay="0">
+                  <p:tgtEl>
+                    <p:sldTgt/>
+                  </p:tgtEl>
+                </p:cond>
+              </p:prevCondLst>
+              <p:nextCondLst>
+                <p:cond evt="onNext" delay="0">
+                  <p:tgtEl>
+                    <p:sldTgt/>
+                  </p:tgtEl>
+                </p:cond>
+              </p:nextCondLst>
+            </p:seq>
+          </p:childTnLst>
+        </p:cTn>
+      </p:par>
+    </p:tnLst>
+    <p:bldLst>
+      <p:bldP spid="21" grpId="0"/>
+      <p:bldP spid="22" grpId="0"/>
+    </p:bldLst>
+  </p:timing>
+</p:sld>
+</file>
+
+<file path=ppt/slides/slide6.xml><?xml version="1.0" encoding="utf-8"?>
+<p:sld xmlns:a="http://schemas.openxmlformats.org/drawingml/2006/main" xmlns:r="http://schemas.openxmlformats.org/officeDocument/2006/relationships" xmlns:p="http://schemas.openxmlformats.org/presentationml/2006/main">
+  <p:cSld>
+    <p:spTree>
+      <p:nvGrpSpPr>
+        <p:cNvPr id="1" name=""/>
+        <p:cNvGrpSpPr/>
+        <p:nvPr/>
+      </p:nvGrpSpPr>
+      <p:grpSpPr>
+        <a:xfrm>
+          <a:off x="0" y="0"/>
+          <a:ext cx="0" cy="0"/>
+          <a:chOff x="0" y="0"/>
+          <a:chExt cx="0" cy="0"/>
+        </a:xfrm>
+      </p:grpSpPr>
+      <p:sp>
+        <p:nvSpPr>
+          <p:cNvPr id="2" name="Titel 1">
+            <a:extLst>
+              <a:ext uri="{FF2B5EF4-FFF2-40B4-BE49-F238E27FC236}">
+                <a16:creationId xmlns:a16="http://schemas.microsoft.com/office/drawing/2014/main" id="{E781FDFF-8361-F091-59FE-AF5408A58D52}"/>
+              </a:ext>
+            </a:extLst>
+          </p:cNvPr>
+          <p:cNvSpPr>
+            <a:spLocks noGrp="1"/>
+          </p:cNvSpPr>
+          <p:nvPr>
+            <p:ph type="title"/>
+          </p:nvPr>
+        </p:nvSpPr>
+        <p:spPr>
+          <a:xfrm>
+            <a:off x="919119" y="163743"/>
+            <a:ext cx="10353762" cy="639839"/>
+          </a:xfrm>
+        </p:spPr>
+        <p:txBody>
+          <a:bodyPr>
+            <a:normAutofit/>
+          </a:bodyPr>
+          <a:lstStyle/>
+          <a:p>
+            <a:r>
+              <a:rPr lang="de-DE" sz="3200" dirty="0"/>
+              <a:t>@FunctionalInterface</a:t>
+            </a:r>
+          </a:p>
+        </p:txBody>
+      </p:sp>
+      <p:pic>
+        <p:nvPicPr>
+          <p:cNvPr id="19" name="Grafik 18">
+            <a:extLst>
+              <a:ext uri="{FF2B5EF4-FFF2-40B4-BE49-F238E27FC236}">
+                <a16:creationId xmlns:a16="http://schemas.microsoft.com/office/drawing/2014/main" id="{6B2D6819-9B41-4820-CD0F-6A0122E4AB11}"/>
+              </a:ext>
+            </a:extLst>
+          </p:cNvPr>
+          <p:cNvPicPr>
+            <a:picLocks noChangeAspect="1"/>
+          </p:cNvPicPr>
+          <p:nvPr/>
+        </p:nvPicPr>
+        <p:blipFill rotWithShape="1">
+          <a:blip r:embed="rId2"/>
+          <a:srcRect b="15274"/>
+          <a:stretch/>
+        </p:blipFill>
+        <p:spPr>
+          <a:xfrm>
+            <a:off x="3606325" y="961147"/>
+            <a:ext cx="5015880" cy="594543"/>
+          </a:xfrm>
+          <a:prstGeom prst="rect">
+            <a:avLst/>
+          </a:prstGeom>
+        </p:spPr>
+      </p:pic>
+      <p:cxnSp>
+        <p:nvCxnSpPr>
+          <p:cNvPr id="20" name="Gerade Verbindung mit Pfeil 19">
+            <a:extLst>
+              <a:ext uri="{FF2B5EF4-FFF2-40B4-BE49-F238E27FC236}">
+                <a16:creationId xmlns:a16="http://schemas.microsoft.com/office/drawing/2014/main" id="{D1610096-779A-4CA4-53DD-CF20E9FA4976}"/>
+              </a:ext>
+            </a:extLst>
+          </p:cNvPr>
+          <p:cNvCxnSpPr>
+            <a:cxnSpLocks/>
+          </p:cNvCxnSpPr>
+          <p:nvPr/>
+        </p:nvCxnSpPr>
+        <p:spPr>
+          <a:xfrm>
+            <a:off x="4087325" y="1684120"/>
+            <a:ext cx="0" cy="1029404"/>
+          </a:xfrm>
+          <a:prstGeom prst="straightConnector1">
+            <a:avLst/>
+          </a:prstGeom>
+          <a:ln>
+            <a:tailEnd type="triangle"/>
+          </a:ln>
+        </p:spPr>
+        <p:style>
+          <a:lnRef idx="1">
+            <a:schemeClr val="accent1"/>
+          </a:lnRef>
+          <a:fillRef idx="0">
+            <a:schemeClr val="accent1"/>
+          </a:fillRef>
+          <a:effectRef idx="0">
+            <a:schemeClr val="accent1"/>
+          </a:effectRef>
+          <a:fontRef idx="minor">
+            <a:schemeClr val="tx1"/>
+          </a:fontRef>
+        </p:style>
+      </p:cxnSp>
+      <p:cxnSp>
+        <p:nvCxnSpPr>
+          <p:cNvPr id="22" name="Gerade Verbindung mit Pfeil 21">
+            <a:extLst>
+              <a:ext uri="{FF2B5EF4-FFF2-40B4-BE49-F238E27FC236}">
+                <a16:creationId xmlns:a16="http://schemas.microsoft.com/office/drawing/2014/main" id="{C1DCC772-1F05-0E32-CE36-BDCAFA8879D1}"/>
+              </a:ext>
+            </a:extLst>
+          </p:cNvPr>
+          <p:cNvCxnSpPr>
+            <a:cxnSpLocks/>
+          </p:cNvCxnSpPr>
+          <p:nvPr/>
+        </p:nvCxnSpPr>
+        <p:spPr>
+          <a:xfrm>
+            <a:off x="8302385" y="1686445"/>
+            <a:ext cx="0" cy="1029404"/>
+          </a:xfrm>
+          <a:prstGeom prst="straightConnector1">
+            <a:avLst/>
+          </a:prstGeom>
+          <a:ln>
+            <a:tailEnd type="triangle"/>
+          </a:ln>
+        </p:spPr>
+        <p:style>
+          <a:lnRef idx="1">
+            <a:schemeClr val="accent1"/>
+          </a:lnRef>
+          <a:fillRef idx="0">
+            <a:schemeClr val="accent1"/>
+          </a:fillRef>
+          <a:effectRef idx="0">
+            <a:schemeClr val="accent1"/>
+          </a:effectRef>
+          <a:fontRef idx="minor">
+            <a:schemeClr val="tx1"/>
+          </a:fontRef>
+        </p:style>
+      </p:cxnSp>
+      <p:pic>
+        <p:nvPicPr>
+          <p:cNvPr id="24" name="Grafik 23">
+            <a:extLst>
+              <a:ext uri="{FF2B5EF4-FFF2-40B4-BE49-F238E27FC236}">
+                <a16:creationId xmlns:a16="http://schemas.microsoft.com/office/drawing/2014/main" id="{F69C50D7-23D8-CA00-27C6-2BDA11A64E97}"/>
+              </a:ext>
+            </a:extLst>
+          </p:cNvPr>
+          <p:cNvPicPr>
+            <a:picLocks noChangeAspect="1"/>
+          </p:cNvPicPr>
+          <p:nvPr/>
+        </p:nvPicPr>
+        <p:blipFill>
+          <a:blip r:embed="rId3"/>
+          <a:stretch>
+            <a:fillRect/>
+          </a:stretch>
+        </p:blipFill>
+        <p:spPr>
+          <a:xfrm>
+            <a:off x="6790897" y="2892950"/>
+            <a:ext cx="2941795" cy="989276"/>
+          </a:xfrm>
+          <a:prstGeom prst="rect">
+            <a:avLst/>
+          </a:prstGeom>
+        </p:spPr>
+      </p:pic>
+      <p:pic>
+        <p:nvPicPr>
+          <p:cNvPr id="26" name="Grafik 25">
+            <a:extLst>
+              <a:ext uri="{FF2B5EF4-FFF2-40B4-BE49-F238E27FC236}">
+                <a16:creationId xmlns:a16="http://schemas.microsoft.com/office/drawing/2014/main" id="{5FFE94AC-5166-E3E5-6DCC-79E76FD4CF16}"/>
+              </a:ext>
+            </a:extLst>
+          </p:cNvPr>
+          <p:cNvPicPr>
+            <a:picLocks noChangeAspect="1"/>
+          </p:cNvPicPr>
+          <p:nvPr/>
+        </p:nvPicPr>
+        <p:blipFill>
+          <a:blip r:embed="rId4"/>
+          <a:stretch>
+            <a:fillRect/>
+          </a:stretch>
+        </p:blipFill>
+        <p:spPr>
+          <a:xfrm>
+            <a:off x="6231383" y="4619876"/>
+            <a:ext cx="4565539" cy="194692"/>
+          </a:xfrm>
+          <a:prstGeom prst="rect">
+            <a:avLst/>
+          </a:prstGeom>
+        </p:spPr>
+      </p:pic>
+      <p:cxnSp>
+        <p:nvCxnSpPr>
+          <p:cNvPr id="27" name="Gerade Verbindung mit Pfeil 26">
+            <a:extLst>
+              <a:ext uri="{FF2B5EF4-FFF2-40B4-BE49-F238E27FC236}">
+                <a16:creationId xmlns:a16="http://schemas.microsoft.com/office/drawing/2014/main" id="{80AC026C-27C8-E1BF-8C8B-16A3165537FE}"/>
+              </a:ext>
+            </a:extLst>
+          </p:cNvPr>
+          <p:cNvCxnSpPr>
+            <a:cxnSpLocks/>
+          </p:cNvCxnSpPr>
+          <p:nvPr/>
+        </p:nvCxnSpPr>
+        <p:spPr>
+          <a:xfrm>
+            <a:off x="8287897" y="3963136"/>
+            <a:ext cx="0" cy="563676"/>
+          </a:xfrm>
+          <a:prstGeom prst="straightConnector1">
+            <a:avLst/>
+          </a:prstGeom>
+          <a:ln>
+            <a:tailEnd type="triangle"/>
+          </a:ln>
+        </p:spPr>
+        <p:style>
+          <a:lnRef idx="1">
+            <a:schemeClr val="accent1"/>
+          </a:lnRef>
+          <a:fillRef idx="0">
+            <a:schemeClr val="accent1"/>
+          </a:fillRef>
+          <a:effectRef idx="0">
+            <a:schemeClr val="accent1"/>
+          </a:effectRef>
+          <a:fontRef idx="minor">
+            <a:schemeClr val="tx1"/>
+          </a:fontRef>
+        </p:style>
+      </p:cxnSp>
+      <p:pic>
+        <p:nvPicPr>
+          <p:cNvPr id="30" name="Grafik 29">
+            <a:extLst>
+              <a:ext uri="{FF2B5EF4-FFF2-40B4-BE49-F238E27FC236}">
+                <a16:creationId xmlns:a16="http://schemas.microsoft.com/office/drawing/2014/main" id="{F039E467-E806-61C5-1D86-E82BA1936EED}"/>
+              </a:ext>
+            </a:extLst>
+          </p:cNvPr>
+          <p:cNvPicPr>
+            <a:picLocks noChangeAspect="1"/>
+          </p:cNvPicPr>
+          <p:nvPr/>
+        </p:nvPicPr>
+        <p:blipFill>
+          <a:blip r:embed="rId5"/>
+          <a:stretch>
+            <a:fillRect/>
+          </a:stretch>
+        </p:blipFill>
+        <p:spPr>
+          <a:xfrm>
+            <a:off x="2638850" y="2892950"/>
+            <a:ext cx="2877424" cy="1333119"/>
+          </a:xfrm>
+          <a:prstGeom prst="rect">
+            <a:avLst/>
+          </a:prstGeom>
+        </p:spPr>
+      </p:pic>
+      <p:cxnSp>
+        <p:nvCxnSpPr>
+          <p:cNvPr id="31" name="Gerade Verbindung mit Pfeil 30">
+            <a:extLst>
+              <a:ext uri="{FF2B5EF4-FFF2-40B4-BE49-F238E27FC236}">
+                <a16:creationId xmlns:a16="http://schemas.microsoft.com/office/drawing/2014/main" id="{7A0C1BED-5A29-437D-06E7-260E2A7B3076}"/>
+              </a:ext>
+            </a:extLst>
+          </p:cNvPr>
+          <p:cNvCxnSpPr>
+            <a:cxnSpLocks/>
+          </p:cNvCxnSpPr>
+          <p:nvPr/>
+        </p:nvCxnSpPr>
+        <p:spPr>
+          <a:xfrm>
+            <a:off x="4068309" y="4421280"/>
+            <a:ext cx="0" cy="991968"/>
+          </a:xfrm>
+          <a:prstGeom prst="straightConnector1">
+            <a:avLst/>
+          </a:prstGeom>
+          <a:ln>
+            <a:tailEnd type="triangle"/>
+          </a:ln>
+        </p:spPr>
+        <p:style>
+          <a:lnRef idx="1">
+            <a:schemeClr val="accent1"/>
+          </a:lnRef>
+          <a:fillRef idx="0">
+            <a:schemeClr val="accent1"/>
+          </a:fillRef>
+          <a:effectRef idx="0">
+            <a:schemeClr val="accent1"/>
+          </a:effectRef>
+          <a:fontRef idx="minor">
+            <a:schemeClr val="tx1"/>
+          </a:fontRef>
+        </p:style>
+      </p:cxnSp>
+      <p:sp>
+        <p:nvSpPr>
+          <p:cNvPr id="32" name="Textfeld 31">
+            <a:extLst>
+              <a:ext uri="{FF2B5EF4-FFF2-40B4-BE49-F238E27FC236}">
+                <a16:creationId xmlns:a16="http://schemas.microsoft.com/office/drawing/2014/main" id="{548B025D-D7CE-6615-DE9C-9A5202AD5D1B}"/>
+              </a:ext>
+            </a:extLst>
+          </p:cNvPr>
+          <p:cNvSpPr txBox="1"/>
+          <p:nvPr/>
+        </p:nvSpPr>
+        <p:spPr>
+          <a:xfrm>
+            <a:off x="6790897" y="5590932"/>
+            <a:ext cx="4105483" cy="923330"/>
+          </a:xfrm>
+          <a:prstGeom prst="rect">
+            <a:avLst/>
+          </a:prstGeom>
+          <a:noFill/>
+        </p:spPr>
+        <p:txBody>
+          <a:bodyPr wrap="none" rtlCol="0">
+            <a:spAutoFit/>
+          </a:bodyPr>
+          <a:lstStyle/>
+          <a:p>
+            <a:r>
+              <a:rPr lang="de-DE" dirty="0"/>
+              <a:t> Funktioniert nicht, da</a:t>
+            </a:r>
+          </a:p>
+          <a:p>
+            <a:r>
+              <a:rPr lang="de-DE" dirty="0"/>
+              <a:t> ein funktionales Interface</a:t>
+            </a:r>
+          </a:p>
+          <a:p>
+            <a:r>
+              <a:rPr lang="de-DE" dirty="0"/>
+              <a:t> nur eine abstrakte Methode enthalten darf</a:t>
+            </a:r>
+          </a:p>
+        </p:txBody>
+      </p:sp>
+      <p:cxnSp>
+        <p:nvCxnSpPr>
+          <p:cNvPr id="33" name="Gerade Verbindung mit Pfeil 32">
+            <a:extLst>
+              <a:ext uri="{FF2B5EF4-FFF2-40B4-BE49-F238E27FC236}">
+                <a16:creationId xmlns:a16="http://schemas.microsoft.com/office/drawing/2014/main" id="{91B3CDDE-A042-DC10-E0B8-31ABE5D9978F}"/>
+              </a:ext>
+            </a:extLst>
+          </p:cNvPr>
+          <p:cNvCxnSpPr>
+            <a:cxnSpLocks/>
+          </p:cNvCxnSpPr>
+          <p:nvPr/>
+        </p:nvCxnSpPr>
+        <p:spPr>
+          <a:xfrm>
+            <a:off x="8278753" y="4981536"/>
+            <a:ext cx="0" cy="563676"/>
+          </a:xfrm>
+          <a:prstGeom prst="straightConnector1">
+            <a:avLst/>
+          </a:prstGeom>
+          <a:ln>
+            <a:tailEnd type="triangle"/>
+          </a:ln>
+        </p:spPr>
+        <p:style>
+          <a:lnRef idx="1">
+            <a:schemeClr val="accent1"/>
+          </a:lnRef>
+          <a:fillRef idx="0">
+            <a:schemeClr val="accent1"/>
+          </a:fillRef>
+          <a:effectRef idx="0">
+            <a:schemeClr val="accent1"/>
+          </a:effectRef>
+          <a:fontRef idx="minor">
+            <a:schemeClr val="tx1"/>
+          </a:fontRef>
+        </p:style>
+      </p:cxnSp>
+      <p:sp>
+        <p:nvSpPr>
+          <p:cNvPr id="34" name="Textfeld 33">
+            <a:extLst>
+              <a:ext uri="{FF2B5EF4-FFF2-40B4-BE49-F238E27FC236}">
+                <a16:creationId xmlns:a16="http://schemas.microsoft.com/office/drawing/2014/main" id="{A881CCD5-370A-F1B7-3861-5CFA64B73870}"/>
+              </a:ext>
+            </a:extLst>
+          </p:cNvPr>
+          <p:cNvSpPr txBox="1"/>
+          <p:nvPr/>
+        </p:nvSpPr>
+        <p:spPr>
+          <a:xfrm>
+            <a:off x="2485025" y="5660683"/>
+            <a:ext cx="3733394" cy="646331"/>
+          </a:xfrm>
+          <a:prstGeom prst="rect">
+            <a:avLst/>
+          </a:prstGeom>
+          <a:noFill/>
+        </p:spPr>
+        <p:txBody>
+          <a:bodyPr wrap="none" rtlCol="0">
+            <a:spAutoFit/>
+          </a:bodyPr>
+          <a:lstStyle/>
+          <a:p>
+            <a:r>
+              <a:rPr lang="de-DE" dirty="0"/>
+              <a:t>Funktioniert, da eine Default Methode</a:t>
+            </a:r>
+          </a:p>
+          <a:p>
+            <a:r>
+              <a:rPr lang="de-DE" dirty="0"/>
+              <a:t> keine abstrakte Methode ist</a:t>
+            </a:r>
+          </a:p>
+        </p:txBody>
+      </p:sp>
+    </p:spTree>
+    <p:extLst>
+      <p:ext uri="{BB962C8B-B14F-4D97-AF65-F5344CB8AC3E}">
+        <p14:creationId xmlns:p14="http://schemas.microsoft.com/office/powerpoint/2010/main" val="336742044"/>
+      </p:ext>
+    </p:extLst>
+  </p:cSld>
+  <p:clrMapOvr>
+    <a:masterClrMapping/>
+  </p:clrMapOvr>
+  <p:timing>
+    <p:tnLst>
+      <p:par>
+        <p:cTn id="1" dur="indefinite" restart="never" nodeType="tmRoot">
+          <p:childTnLst>
+            <p:seq concurrent="1" nextAc="seek">
+              <p:cTn id="2" dur="indefinite" nodeType="mainSeq">
+                <p:childTnLst>
+                  <p:par>
+                    <p:cTn id="3" fill="hold">
+                      <p:stCondLst>
+                        <p:cond delay="indefinite"/>
+                      </p:stCondLst>
+                      <p:childTnLst>
+                        <p:par>
+                          <p:cTn id="4" fill="hold">
+                            <p:stCondLst>
+                              <p:cond delay="0"/>
+                            </p:stCondLst>
+                            <p:childTnLst>
+                              <p:par>
+                                <p:cTn id="5" presetID="42" presetClass="entr" presetSubtype="0" fill="hold" nodeType="clickEffect">
+                                  <p:stCondLst>
+                                    <p:cond delay="0"/>
+                                  </p:stCondLst>
+                                  <p:childTnLst>
+                                    <p:set>
+                                      <p:cBhvr>
+                                        <p:cTn id="6" dur="1" fill="hold">
+                                          <p:stCondLst>
+                                            <p:cond delay="0"/>
+                                          </p:stCondLst>
+                                        </p:cTn>
+                                        <p:tgtEl>
+                                          <p:spTgt spid="31"/>
+                                        </p:tgtEl>
+                                        <p:attrNameLst>
+                                          <p:attrName>style.visibility</p:attrName>
+                                        </p:attrNameLst>
+                                      </p:cBhvr>
+                                      <p:to>
+                                        <p:strVal val="visible"/>
+                                      </p:to>
+                                    </p:set>
+                                    <p:animEffect transition="in" filter="fade">
+                                      <p:cBhvr>
+                                        <p:cTn id="7" dur="1000"/>
+                                        <p:tgtEl>
+                                          <p:spTgt spid="31"/>
+                                        </p:tgtEl>
+                                      </p:cBhvr>
+                                    </p:animEffect>
+                                    <p:anim calcmode="lin" valueType="num">
+                                      <p:cBhvr>
+                                        <p:cTn id="8" dur="1000" fill="hold"/>
+                                        <p:tgtEl>
+                                          <p:spTgt spid="31"/>
+                                        </p:tgtEl>
+                                        <p:attrNameLst>
+                                          <p:attrName>ppt_x</p:attrName>
+                                        </p:attrNameLst>
+                                      </p:cBhvr>
+                                      <p:tavLst>
+                                        <p:tav tm="0">
+                                          <p:val>
+                                            <p:strVal val="#ppt_x"/>
+                                          </p:val>
+                                        </p:tav>
+                                        <p:tav tm="100000">
+                                          <p:val>
+                                            <p:strVal val="#ppt_x"/>
+                                          </p:val>
+                                        </p:tav>
+                                      </p:tavLst>
+                                    </p:anim>
+                                    <p:anim calcmode="lin" valueType="num">
+                                      <p:cBhvr>
+                                        <p:cTn id="9" dur="1000" fill="hold"/>
+                                        <p:tgtEl>
+                                          <p:spTgt spid="31"/>
+                                        </p:tgtEl>
+                                        <p:attrNameLst>
+                                          <p:attrName>ppt_y</p:attrName>
+                                        </p:attrNameLst>
+                                      </p:cBhvr>
+                                      <p:tavLst>
+                                        <p:tav tm="0">
+                                          <p:val>
+                                            <p:strVal val="#ppt_y+.1"/>
+                                          </p:val>
+                                        </p:tav>
+                                        <p:tav tm="100000">
+                                          <p:val>
+                                            <p:strVal val="#ppt_y"/>
+                                          </p:val>
+                                        </p:tav>
+                                      </p:tavLst>
+                                    </p:anim>
+                                  </p:childTnLst>
+                                </p:cTn>
+                              </p:par>
+                              <p:par>
+                                <p:cTn id="10" presetID="42" presetClass="entr" presetSubtype="0" fill="hold" grpId="0" nodeType="withEffect">
+                                  <p:stCondLst>
+                                    <p:cond delay="0"/>
+                                  </p:stCondLst>
+                                  <p:childTnLst>
+                                    <p:set>
+                                      <p:cBhvr>
+                                        <p:cTn id="11" dur="1" fill="hold">
+                                          <p:stCondLst>
+                                            <p:cond delay="0"/>
+                                          </p:stCondLst>
+                                        </p:cTn>
+                                        <p:tgtEl>
+                                          <p:spTgt spid="34"/>
+                                        </p:tgtEl>
+                                        <p:attrNameLst>
+                                          <p:attrName>style.visibility</p:attrName>
+                                        </p:attrNameLst>
+                                      </p:cBhvr>
+                                      <p:to>
+                                        <p:strVal val="visible"/>
+                                      </p:to>
+                                    </p:set>
+                                    <p:animEffect transition="in" filter="fade">
+                                      <p:cBhvr>
+                                        <p:cTn id="12" dur="1000"/>
+                                        <p:tgtEl>
+                                          <p:spTgt spid="34"/>
+                                        </p:tgtEl>
+                                      </p:cBhvr>
+                                    </p:animEffect>
+                                    <p:anim calcmode="lin" valueType="num">
+                                      <p:cBhvr>
+                                        <p:cTn id="13" dur="1000" fill="hold"/>
+                                        <p:tgtEl>
+                                          <p:spTgt spid="34"/>
+                                        </p:tgtEl>
+                                        <p:attrNameLst>
+                                          <p:attrName>ppt_x</p:attrName>
+                                        </p:attrNameLst>
+                                      </p:cBhvr>
+                                      <p:tavLst>
+                                        <p:tav tm="0">
+                                          <p:val>
+                                            <p:strVal val="#ppt_x"/>
+                                          </p:val>
+                                        </p:tav>
+                                        <p:tav tm="100000">
+                                          <p:val>
+                                            <p:strVal val="#ppt_x"/>
+                                          </p:val>
+                                        </p:tav>
+                                      </p:tavLst>
+                                    </p:anim>
+                                    <p:anim calcmode="lin" valueType="num">
+                                      <p:cBhvr>
+                                        <p:cTn id="14" dur="1000" fill="hold"/>
+                                        <p:tgtEl>
+                                          <p:spTgt spid="34"/>
+                                        </p:tgtEl>
+                                        <p:attrNameLst>
+                                          <p:attrName>ppt_y</p:attrName>
+                                        </p:attrNameLst>
+                                      </p:cBhvr>
+                                      <p:tavLst>
+                                        <p:tav tm="0">
+                                          <p:val>
+                                            <p:strVal val="#ppt_y+.1"/>
+                                          </p:val>
+                                        </p:tav>
+                                        <p:tav tm="100000">
+                                          <p:val>
+                                            <p:strVal val="#ppt_y"/>
+                                          </p:val>
+                                        </p:tav>
+                                      </p:tavLst>
+                                    </p:anim>
+                                  </p:childTnLst>
+                                </p:cTn>
+                              </p:par>
+                            </p:childTnLst>
+                          </p:cTn>
+                        </p:par>
+                      </p:childTnLst>
+                    </p:cTn>
+                  </p:par>
+                  <p:par>
+                    <p:cTn id="15" fill="hold">
+                      <p:stCondLst>
+                        <p:cond delay="indefinite"/>
+                      </p:stCondLst>
+                      <p:childTnLst>
+                        <p:par>
+                          <p:cTn id="16" fill="hold">
+                            <p:stCondLst>
+                              <p:cond delay="0"/>
+                            </p:stCondLst>
+                            <p:childTnLst>
+                              <p:par>
+                                <p:cTn id="17" presetID="42" presetClass="entr" presetSubtype="0" fill="hold" nodeType="clickEffect">
+                                  <p:stCondLst>
+                                    <p:cond delay="0"/>
+                                  </p:stCondLst>
+                                  <p:childTnLst>
+                                    <p:set>
+                                      <p:cBhvr>
+                                        <p:cTn id="18" dur="1" fill="hold">
+                                          <p:stCondLst>
+                                            <p:cond delay="0"/>
+                                          </p:stCondLst>
+                                        </p:cTn>
+                                        <p:tgtEl>
+                                          <p:spTgt spid="22"/>
+                                        </p:tgtEl>
+                                        <p:attrNameLst>
+                                          <p:attrName>style.visibility</p:attrName>
+                                        </p:attrNameLst>
+                                      </p:cBhvr>
+                                      <p:to>
+                                        <p:strVal val="visible"/>
+                                      </p:to>
+                                    </p:set>
+                                    <p:animEffect transition="in" filter="fade">
+                                      <p:cBhvr>
+                                        <p:cTn id="19" dur="1000"/>
+                                        <p:tgtEl>
+                                          <p:spTgt spid="22"/>
+                                        </p:tgtEl>
+                                      </p:cBhvr>
+                                    </p:animEffect>
+                                    <p:anim calcmode="lin" valueType="num">
+                                      <p:cBhvr>
+                                        <p:cTn id="20" dur="1000" fill="hold"/>
+                                        <p:tgtEl>
+                                          <p:spTgt spid="22"/>
+                                        </p:tgtEl>
+                                        <p:attrNameLst>
+                                          <p:attrName>ppt_x</p:attrName>
+                                        </p:attrNameLst>
+                                      </p:cBhvr>
+                                      <p:tavLst>
+                                        <p:tav tm="0">
+                                          <p:val>
+                                            <p:strVal val="#ppt_x"/>
+                                          </p:val>
+                                        </p:tav>
+                                        <p:tav tm="100000">
+                                          <p:val>
+                                            <p:strVal val="#ppt_x"/>
+                                          </p:val>
+                                        </p:tav>
+                                      </p:tavLst>
+                                    </p:anim>
+                                    <p:anim calcmode="lin" valueType="num">
+                                      <p:cBhvr>
+                                        <p:cTn id="21" dur="1000" fill="hold"/>
+                                        <p:tgtEl>
+                                          <p:spTgt spid="22"/>
+                                        </p:tgtEl>
+                                        <p:attrNameLst>
+                                          <p:attrName>ppt_y</p:attrName>
+                                        </p:attrNameLst>
+                                      </p:cBhvr>
+                                      <p:tavLst>
+                                        <p:tav tm="0">
+                                          <p:val>
+                                            <p:strVal val="#ppt_y+.1"/>
+                                          </p:val>
+                                        </p:tav>
+                                        <p:tav tm="100000">
+                                          <p:val>
+                                            <p:strVal val="#ppt_y"/>
+                                          </p:val>
+                                        </p:tav>
+                                      </p:tavLst>
+                                    </p:anim>
+                                  </p:childTnLst>
+                                </p:cTn>
+                              </p:par>
+                              <p:par>
+                                <p:cTn id="22" presetID="42" presetClass="entr" presetSubtype="0" fill="hold" nodeType="withEffect">
+                                  <p:stCondLst>
+                                    <p:cond delay="0"/>
+                                  </p:stCondLst>
+                                  <p:childTnLst>
+                                    <p:set>
+                                      <p:cBhvr>
+                                        <p:cTn id="23" dur="1" fill="hold">
+                                          <p:stCondLst>
+                                            <p:cond delay="0"/>
+                                          </p:stCondLst>
+                                        </p:cTn>
+                                        <p:tgtEl>
+                                          <p:spTgt spid="24"/>
+                                        </p:tgtEl>
+                                        <p:attrNameLst>
+                                          <p:attrName>style.visibility</p:attrName>
+                                        </p:attrNameLst>
+                                      </p:cBhvr>
+                                      <p:to>
+                                        <p:strVal val="visible"/>
+                                      </p:to>
+                                    </p:set>
+                                    <p:animEffect transition="in" filter="fade">
+                                      <p:cBhvr>
+                                        <p:cTn id="24" dur="1000"/>
+                                        <p:tgtEl>
+                                          <p:spTgt spid="24"/>
+                                        </p:tgtEl>
+                                      </p:cBhvr>
+                                    </p:animEffect>
+                                    <p:anim calcmode="lin" valueType="num">
+                                      <p:cBhvr>
+                                        <p:cTn id="25" dur="1000" fill="hold"/>
+                                        <p:tgtEl>
+                                          <p:spTgt spid="24"/>
+                                        </p:tgtEl>
+                                        <p:attrNameLst>
+                                          <p:attrName>ppt_x</p:attrName>
+                                        </p:attrNameLst>
+                                      </p:cBhvr>
+                                      <p:tavLst>
+                                        <p:tav tm="0">
+                                          <p:val>
+                                            <p:strVal val="#ppt_x"/>
+                                          </p:val>
+                                        </p:tav>
+                                        <p:tav tm="100000">
+                                          <p:val>
+                                            <p:strVal val="#ppt_x"/>
+                                          </p:val>
+                                        </p:tav>
+                                      </p:tavLst>
+                                    </p:anim>
+                                    <p:anim calcmode="lin" valueType="num">
+                                      <p:cBhvr>
+                                        <p:cTn id="26" dur="1000" fill="hold"/>
+                                        <p:tgtEl>
+                                          <p:spTgt spid="24"/>
+                                        </p:tgtEl>
+                                        <p:attrNameLst>
+                                          <p:attrName>ppt_y</p:attrName>
+                                        </p:attrNameLst>
+                                      </p:cBhvr>
+                                      <p:tavLst>
+                                        <p:tav tm="0">
+                                          <p:val>
+                                            <p:strVal val="#ppt_y+.1"/>
+                                          </p:val>
+                                        </p:tav>
+                                        <p:tav tm="100000">
+                                          <p:val>
+                                            <p:strVal val="#ppt_y"/>
+                                          </p:val>
+                                        </p:tav>
+                                      </p:tavLst>
+                                    </p:anim>
+                                  </p:childTnLst>
+                                </p:cTn>
+                              </p:par>
+                            </p:childTnLst>
+                          </p:cTn>
+                        </p:par>
+                      </p:childTnLst>
+                    </p:cTn>
+                  </p:par>
+                  <p:par>
+                    <p:cTn id="27" fill="hold">
+                      <p:stCondLst>
+                        <p:cond delay="indefinite"/>
+                      </p:stCondLst>
+                      <p:childTnLst>
+                        <p:par>
+                          <p:cTn id="28" fill="hold">
+                            <p:stCondLst>
+                              <p:cond delay="0"/>
+                            </p:stCondLst>
+                            <p:childTnLst>
+                              <p:par>
+                                <p:cTn id="29" presetID="42" presetClass="entr" presetSubtype="0" fill="hold" nodeType="clickEffect">
+                                  <p:stCondLst>
+                                    <p:cond delay="0"/>
+                                  </p:stCondLst>
+                                  <p:childTnLst>
+                                    <p:set>
+                                      <p:cBhvr>
+                                        <p:cTn id="30" dur="1" fill="hold">
+                                          <p:stCondLst>
+                                            <p:cond delay="0"/>
+                                          </p:stCondLst>
+                                        </p:cTn>
+                                        <p:tgtEl>
+                                          <p:spTgt spid="26"/>
+                                        </p:tgtEl>
+                                        <p:attrNameLst>
+                                          <p:attrName>style.visibility</p:attrName>
+                                        </p:attrNameLst>
+                                      </p:cBhvr>
+                                      <p:to>
+                                        <p:strVal val="visible"/>
+                                      </p:to>
+                                    </p:set>
+                                    <p:animEffect transition="in" filter="fade">
+                                      <p:cBhvr>
+                                        <p:cTn id="31" dur="1000"/>
+                                        <p:tgtEl>
+                                          <p:spTgt spid="26"/>
+                                        </p:tgtEl>
+                                      </p:cBhvr>
+                                    </p:animEffect>
+                                    <p:anim calcmode="lin" valueType="num">
+                                      <p:cBhvr>
+                                        <p:cTn id="32" dur="1000" fill="hold"/>
+                                        <p:tgtEl>
+                                          <p:spTgt spid="26"/>
+                                        </p:tgtEl>
+                                        <p:attrNameLst>
+                                          <p:attrName>ppt_x</p:attrName>
+                                        </p:attrNameLst>
+                                      </p:cBhvr>
+                                      <p:tavLst>
+                                        <p:tav tm="0">
+                                          <p:val>
+                                            <p:strVal val="#ppt_x"/>
+                                          </p:val>
+                                        </p:tav>
+                                        <p:tav tm="100000">
+                                          <p:val>
+                                            <p:strVal val="#ppt_x"/>
+                                          </p:val>
+                                        </p:tav>
+                                      </p:tavLst>
+                                    </p:anim>
+                                    <p:anim calcmode="lin" valueType="num">
+                                      <p:cBhvr>
+                                        <p:cTn id="33" dur="1000" fill="hold"/>
+                                        <p:tgtEl>
+                                          <p:spTgt spid="26"/>
+                                        </p:tgtEl>
+                                        <p:attrNameLst>
+                                          <p:attrName>ppt_y</p:attrName>
+                                        </p:attrNameLst>
+                                      </p:cBhvr>
+                                      <p:tavLst>
+                                        <p:tav tm="0">
+                                          <p:val>
+                                            <p:strVal val="#ppt_y+.1"/>
+                                          </p:val>
+                                        </p:tav>
+                                        <p:tav tm="100000">
+                                          <p:val>
+                                            <p:strVal val="#ppt_y"/>
+                                          </p:val>
+                                        </p:tav>
+                                      </p:tavLst>
+                                    </p:anim>
+                                  </p:childTnLst>
+                                </p:cTn>
+                              </p:par>
+                              <p:par>
+                                <p:cTn id="34" presetID="42" presetClass="entr" presetSubtype="0" fill="hold" nodeType="withEffect">
+                                  <p:stCondLst>
+                                    <p:cond delay="0"/>
+                                  </p:stCondLst>
+                                  <p:childTnLst>
+                                    <p:set>
+                                      <p:cBhvr>
+                                        <p:cTn id="35" dur="1" fill="hold">
+                                          <p:stCondLst>
+                                            <p:cond delay="0"/>
+                                          </p:stCondLst>
+                                        </p:cTn>
+                                        <p:tgtEl>
+                                          <p:spTgt spid="27"/>
+                                        </p:tgtEl>
+                                        <p:attrNameLst>
+                                          <p:attrName>style.visibility</p:attrName>
+                                        </p:attrNameLst>
+                                      </p:cBhvr>
+                                      <p:to>
+                                        <p:strVal val="visible"/>
+                                      </p:to>
+                                    </p:set>
+                                    <p:animEffect transition="in" filter="fade">
+                                      <p:cBhvr>
+                                        <p:cTn id="36" dur="1000"/>
+                                        <p:tgtEl>
+                                          <p:spTgt spid="27"/>
+                                        </p:tgtEl>
+                                      </p:cBhvr>
+                                    </p:animEffect>
+                                    <p:anim calcmode="lin" valueType="num">
+                                      <p:cBhvr>
+                                        <p:cTn id="37" dur="1000" fill="hold"/>
+                                        <p:tgtEl>
+                                          <p:spTgt spid="27"/>
+                                        </p:tgtEl>
+                                        <p:attrNameLst>
+                                          <p:attrName>ppt_x</p:attrName>
+                                        </p:attrNameLst>
+                                      </p:cBhvr>
+                                      <p:tavLst>
+                                        <p:tav tm="0">
+                                          <p:val>
+                                            <p:strVal val="#ppt_x"/>
+                                          </p:val>
+                                        </p:tav>
+                                        <p:tav tm="100000">
+                                          <p:val>
+                                            <p:strVal val="#ppt_x"/>
+                                          </p:val>
+                                        </p:tav>
+                                      </p:tavLst>
+                                    </p:anim>
+                                    <p:anim calcmode="lin" valueType="num">
+                                      <p:cBhvr>
+                                        <p:cTn id="38" dur="1000" fill="hold"/>
+                                        <p:tgtEl>
+                                          <p:spTgt spid="27"/>
+                                        </p:tgtEl>
+                                        <p:attrNameLst>
+                                          <p:attrName>ppt_y</p:attrName>
+                                        </p:attrNameLst>
+                                      </p:cBhvr>
+                                      <p:tavLst>
+                                        <p:tav tm="0">
+                                          <p:val>
+                                            <p:strVal val="#ppt_y+.1"/>
+                                          </p:val>
+                                        </p:tav>
+                                        <p:tav tm="100000">
+                                          <p:val>
+                                            <p:strVal val="#ppt_y"/>
+                                          </p:val>
+                                        </p:tav>
+                                      </p:tavLst>
+                                    </p:anim>
+                                  </p:childTnLst>
+                                </p:cTn>
+                              </p:par>
+                            </p:childTnLst>
+                          </p:cTn>
+                        </p:par>
+                      </p:childTnLst>
+                    </p:cTn>
+                  </p:par>
+                  <p:par>
+                    <p:cTn id="39" fill="hold">
+                      <p:stCondLst>
+                        <p:cond delay="indefinite"/>
+                      </p:stCondLst>
+                      <p:childTnLst>
+                        <p:par>
+                          <p:cTn id="40" fill="hold">
+                            <p:stCondLst>
+                              <p:cond delay="0"/>
+                            </p:stCondLst>
+                            <p:childTnLst>
+                              <p:par>
+                                <p:cTn id="41" presetID="42" presetClass="entr" presetSubtype="0" fill="hold" grpId="0" nodeType="clickEffect">
+                                  <p:stCondLst>
+                                    <p:cond delay="0"/>
+                                  </p:stCondLst>
+                                  <p:childTnLst>
+                                    <p:set>
+                                      <p:cBhvr>
+                                        <p:cTn id="42" dur="1" fill="hold">
+                                          <p:stCondLst>
+                                            <p:cond delay="0"/>
+                                          </p:stCondLst>
+                                        </p:cTn>
+                                        <p:tgtEl>
+                                          <p:spTgt spid="32"/>
+                                        </p:tgtEl>
+                                        <p:attrNameLst>
+                                          <p:attrName>style.visibility</p:attrName>
+                                        </p:attrNameLst>
+                                      </p:cBhvr>
+                                      <p:to>
+                                        <p:strVal val="visible"/>
+                                      </p:to>
+                                    </p:set>
+                                    <p:animEffect transition="in" filter="fade">
+                                      <p:cBhvr>
+                                        <p:cTn id="43" dur="1000"/>
+                                        <p:tgtEl>
+                                          <p:spTgt spid="32"/>
+                                        </p:tgtEl>
+                                      </p:cBhvr>
+                                    </p:animEffect>
+                                    <p:anim calcmode="lin" valueType="num">
+                                      <p:cBhvr>
+                                        <p:cTn id="44" dur="1000" fill="hold"/>
+                                        <p:tgtEl>
+                                          <p:spTgt spid="32"/>
+                                        </p:tgtEl>
+                                        <p:attrNameLst>
+                                          <p:attrName>ppt_x</p:attrName>
+                                        </p:attrNameLst>
+                                      </p:cBhvr>
+                                      <p:tavLst>
+                                        <p:tav tm="0">
+                                          <p:val>
+                                            <p:strVal val="#ppt_x"/>
+                                          </p:val>
+                                        </p:tav>
+                                        <p:tav tm="100000">
+                                          <p:val>
+                                            <p:strVal val="#ppt_x"/>
+                                          </p:val>
+                                        </p:tav>
+                                      </p:tavLst>
+                                    </p:anim>
+                                    <p:anim calcmode="lin" valueType="num">
+                                      <p:cBhvr>
+                                        <p:cTn id="45" dur="1000" fill="hold"/>
+                                        <p:tgtEl>
+                                          <p:spTgt spid="32"/>
+                                        </p:tgtEl>
+                                        <p:attrNameLst>
+                                          <p:attrName>ppt_y</p:attrName>
+                                        </p:attrNameLst>
+                                      </p:cBhvr>
+                                      <p:tavLst>
+                                        <p:tav tm="0">
+                                          <p:val>
+                                            <p:strVal val="#ppt_y+.1"/>
+                                          </p:val>
+                                        </p:tav>
+                                        <p:tav tm="100000">
+                                          <p:val>
+                                            <p:strVal val="#ppt_y"/>
+                                          </p:val>
+                                        </p:tav>
+                                      </p:tavLst>
+                                    </p:anim>
+                                  </p:childTnLst>
+                                </p:cTn>
+                              </p:par>
+                              <p:par>
+                                <p:cTn id="46" presetID="42" presetClass="entr" presetSubtype="0" fill="hold" nodeType="withEffect">
+                                  <p:stCondLst>
+                                    <p:cond delay="0"/>
+                                  </p:stCondLst>
+                                  <p:childTnLst>
+                                    <p:set>
+                                      <p:cBhvr>
+                                        <p:cTn id="47" dur="1" fill="hold">
+                                          <p:stCondLst>
+                                            <p:cond delay="0"/>
+                                          </p:stCondLst>
+                                        </p:cTn>
+                                        <p:tgtEl>
+                                          <p:spTgt spid="33"/>
+                                        </p:tgtEl>
+                                        <p:attrNameLst>
+                                          <p:attrName>style.visibility</p:attrName>
+                                        </p:attrNameLst>
+                                      </p:cBhvr>
+                                      <p:to>
+                                        <p:strVal val="visible"/>
+                                      </p:to>
+                                    </p:set>
+                                    <p:animEffect transition="in" filter="fade">
+                                      <p:cBhvr>
+                                        <p:cTn id="48" dur="1000"/>
+                                        <p:tgtEl>
+                                          <p:spTgt spid="33"/>
+                                        </p:tgtEl>
+                                      </p:cBhvr>
+                                    </p:animEffect>
+                                    <p:anim calcmode="lin" valueType="num">
+                                      <p:cBhvr>
+                                        <p:cTn id="49" dur="1000" fill="hold"/>
+                                        <p:tgtEl>
+                                          <p:spTgt spid="33"/>
+                                        </p:tgtEl>
+                                        <p:attrNameLst>
+                                          <p:attrName>ppt_x</p:attrName>
+                                        </p:attrNameLst>
+                                      </p:cBhvr>
+                                      <p:tavLst>
+                                        <p:tav tm="0">
+                                          <p:val>
+                                            <p:strVal val="#ppt_x"/>
+                                          </p:val>
+                                        </p:tav>
+                                        <p:tav tm="100000">
+                                          <p:val>
+                                            <p:strVal val="#ppt_x"/>
+                                          </p:val>
+                                        </p:tav>
+                                      </p:tavLst>
+                                    </p:anim>
+                                    <p:anim calcmode="lin" valueType="num">
+                                      <p:cBhvr>
+                                        <p:cTn id="50" dur="1000" fill="hold"/>
+                                        <p:tgtEl>
+                                          <p:spTgt spid="33"/>
+                                        </p:tgtEl>
+                                        <p:attrNameLst>
+                                          <p:attrName>ppt_y</p:attrName>
+                                        </p:attrNameLst>
+                                      </p:cBhvr>
+                                      <p:tavLst>
+                                        <p:tav tm="0">
+                                          <p:val>
+                                            <p:strVal val="#ppt_y+.1"/>
+                                          </p:val>
+                                        </p:tav>
+                                        <p:tav tm="100000">
+                                          <p:val>
+                                            <p:strVal val="#ppt_y"/>
+                                          </p:val>
+                                        </p:tav>
+                                      </p:tavLst>
+                                    </p:anim>
+                                  </p:childTnLst>
+                                </p:cTn>
+                              </p:par>
+                            </p:childTnLst>
+                          </p:cTn>
+                        </p:par>
+                      </p:childTnLst>
+                    </p:cTn>
+                  </p:par>
+                </p:childTnLst>
+              </p:cTn>
+              <p:prevCondLst>
+                <p:cond evt="onPrev" delay="0">
+                  <p:tgtEl>
+                    <p:sldTgt/>
+                  </p:tgtEl>
+                </p:cond>
+              </p:prevCondLst>
+              <p:nextCondLst>
+                <p:cond evt="onNext" delay="0">
+                  <p:tgtEl>
+                    <p:sldTgt/>
+                  </p:tgtEl>
+                </p:cond>
+              </p:nextCondLst>
+            </p:seq>
+          </p:childTnLst>
+        </p:cTn>
+      </p:par>
+    </p:tnLst>
+    <p:bldLst>
+      <p:bldP spid="32" grpId="0"/>
+      <p:bldP spid="34" grpId="0"/>
+    </p:bldLst>
+  </p:timing>
+</p:sld>
+</file>
+
+<file path=ppt/slides/slide7.xml><?xml version="1.0" encoding="utf-8"?>
+<p:sld xmlns:a="http://schemas.openxmlformats.org/drawingml/2006/main" xmlns:r="http://schemas.openxmlformats.org/officeDocument/2006/relationships" xmlns:p="http://schemas.openxmlformats.org/presentationml/2006/main">
+  <p:cSld>
+    <p:spTree>
+      <p:nvGrpSpPr>
+        <p:cNvPr id="1" name=""/>
+        <p:cNvGrpSpPr/>
+        <p:nvPr/>
+      </p:nvGrpSpPr>
+      <p:grpSpPr>
+        <a:xfrm>
+          <a:off x="0" y="0"/>
+          <a:ext cx="0" cy="0"/>
+          <a:chOff x="0" y="0"/>
+          <a:chExt cx="0" cy="0"/>
+        </a:xfrm>
+      </p:grpSpPr>
+      <p:sp>
+        <p:nvSpPr>
+          <p:cNvPr id="2" name="Titel 1">
+            <a:extLst>
+              <a:ext uri="{FF2B5EF4-FFF2-40B4-BE49-F238E27FC236}">
+                <a16:creationId xmlns:a16="http://schemas.microsoft.com/office/drawing/2014/main" id="{396DCC35-DCFE-3744-90A9-2D9A0D9545CB}"/>
+              </a:ext>
+            </a:extLst>
+          </p:cNvPr>
+          <p:cNvSpPr>
+            <a:spLocks noGrp="1"/>
+          </p:cNvSpPr>
+          <p:nvPr>
+            <p:ph type="title"/>
+          </p:nvPr>
+        </p:nvSpPr>
+        <p:spPr>
+          <a:xfrm>
+            <a:off x="913795" y="0"/>
+            <a:ext cx="10353762" cy="1257300"/>
+          </a:xfrm>
+        </p:spPr>
+        <p:txBody>
+          <a:bodyPr>
+            <a:normAutofit/>
+          </a:bodyPr>
+          <a:lstStyle/>
+          <a:p>
+            <a:r>
+              <a:rPr lang="de-DE" sz="3200" dirty="0"/>
+              <a:t>Vermeide Overloading bei Methoden mit</a:t>
+            </a:r>
+            <a:br>
+              <a:rPr lang="de-DE" sz="3200" dirty="0"/>
+            </a:br>
+            <a:r>
+              <a:rPr lang="de-DE" sz="3200" dirty="0"/>
+              <a:t>funktionalen Interface</a:t>
+            </a:r>
+          </a:p>
+        </p:txBody>
+      </p:sp>
+      <p:pic>
+        <p:nvPicPr>
+          <p:cNvPr id="11" name="Grafik 10">
+            <a:extLst>
+              <a:ext uri="{FF2B5EF4-FFF2-40B4-BE49-F238E27FC236}">
+                <a16:creationId xmlns:a16="http://schemas.microsoft.com/office/drawing/2014/main" id="{D6471C24-9537-7433-A3E5-5D7EC0FC1661}"/>
+              </a:ext>
+            </a:extLst>
+          </p:cNvPr>
+          <p:cNvPicPr>
+            <a:picLocks noChangeAspect="1"/>
+          </p:cNvPicPr>
+          <p:nvPr/>
+        </p:nvPicPr>
+        <p:blipFill rotWithShape="1">
+          <a:blip r:embed="rId2"/>
+          <a:srcRect l="-1684" t="34558" r="-1" b="4487"/>
+          <a:stretch/>
+        </p:blipFill>
+        <p:spPr>
+          <a:xfrm>
+            <a:off x="6196584" y="1964902"/>
+            <a:ext cx="5656141" cy="441518"/>
+          </a:xfrm>
+          <a:prstGeom prst="rect">
+            <a:avLst/>
+          </a:prstGeom>
+        </p:spPr>
+      </p:pic>
+      <p:pic>
+        <p:nvPicPr>
+          <p:cNvPr id="13" name="Grafik 12">
+            <a:extLst>
+              <a:ext uri="{FF2B5EF4-FFF2-40B4-BE49-F238E27FC236}">
+                <a16:creationId xmlns:a16="http://schemas.microsoft.com/office/drawing/2014/main" id="{0428FF9D-A59B-C295-6C44-70B0798C663F}"/>
+              </a:ext>
+            </a:extLst>
+          </p:cNvPr>
+          <p:cNvPicPr>
+            <a:picLocks noChangeAspect="1"/>
+          </p:cNvPicPr>
+          <p:nvPr/>
+        </p:nvPicPr>
+        <p:blipFill rotWithShape="1">
+          <a:blip r:embed="rId3"/>
+          <a:srcRect l="1486" t="34722"/>
+          <a:stretch/>
+        </p:blipFill>
+        <p:spPr>
+          <a:xfrm>
+            <a:off x="539496" y="1931971"/>
+            <a:ext cx="4786223" cy="441518"/>
+          </a:xfrm>
+          <a:prstGeom prst="rect">
+            <a:avLst/>
+          </a:prstGeom>
+        </p:spPr>
+      </p:pic>
+      <p:cxnSp>
+        <p:nvCxnSpPr>
+          <p:cNvPr id="16" name="Gerade Verbindung mit Pfeil 15">
+            <a:extLst>
+              <a:ext uri="{FF2B5EF4-FFF2-40B4-BE49-F238E27FC236}">
+                <a16:creationId xmlns:a16="http://schemas.microsoft.com/office/drawing/2014/main" id="{E5D4D171-B0B6-90FE-42C1-955FC4B4D4C5}"/>
+              </a:ext>
+            </a:extLst>
+          </p:cNvPr>
+          <p:cNvCxnSpPr>
+            <a:cxnSpLocks/>
+          </p:cNvCxnSpPr>
+          <p:nvPr/>
+        </p:nvCxnSpPr>
+        <p:spPr>
+          <a:xfrm>
+            <a:off x="8768053" y="2583588"/>
+            <a:ext cx="0" cy="523295"/>
+          </a:xfrm>
+          <a:prstGeom prst="straightConnector1">
+            <a:avLst/>
+          </a:prstGeom>
+          <a:ln>
+            <a:tailEnd type="triangle"/>
+          </a:ln>
+        </p:spPr>
+        <p:style>
+          <a:lnRef idx="1">
+            <a:schemeClr val="accent1"/>
+          </a:lnRef>
+          <a:fillRef idx="0">
+            <a:schemeClr val="accent1"/>
+          </a:fillRef>
+          <a:effectRef idx="0">
+            <a:schemeClr val="accent1"/>
+          </a:effectRef>
+          <a:fontRef idx="minor">
+            <a:schemeClr val="tx1"/>
+          </a:fontRef>
+        </p:style>
+      </p:cxnSp>
+      <p:cxnSp>
+        <p:nvCxnSpPr>
+          <p:cNvPr id="22" name="Gerade Verbindung mit Pfeil 21">
+            <a:extLst>
+              <a:ext uri="{FF2B5EF4-FFF2-40B4-BE49-F238E27FC236}">
+                <a16:creationId xmlns:a16="http://schemas.microsoft.com/office/drawing/2014/main" id="{B823DB2A-FEB6-6DEA-DB3C-B00F0C0BA4C9}"/>
+              </a:ext>
+            </a:extLst>
+          </p:cNvPr>
+          <p:cNvCxnSpPr>
+            <a:cxnSpLocks/>
+          </p:cNvCxnSpPr>
+          <p:nvPr/>
+        </p:nvCxnSpPr>
+        <p:spPr>
+          <a:xfrm>
+            <a:off x="2577188" y="2583588"/>
+            <a:ext cx="0" cy="523295"/>
+          </a:xfrm>
+          <a:prstGeom prst="straightConnector1">
+            <a:avLst/>
+          </a:prstGeom>
+          <a:ln>
+            <a:tailEnd type="triangle"/>
+          </a:ln>
+        </p:spPr>
+        <p:style>
+          <a:lnRef idx="1">
+            <a:schemeClr val="accent1"/>
+          </a:lnRef>
+          <a:fillRef idx="0">
+            <a:schemeClr val="accent1"/>
+          </a:fillRef>
+          <a:effectRef idx="0">
+            <a:schemeClr val="accent1"/>
+          </a:effectRef>
+          <a:fontRef idx="minor">
+            <a:schemeClr val="tx1"/>
+          </a:fontRef>
+        </p:style>
+      </p:cxnSp>
+      <p:pic>
+        <p:nvPicPr>
+          <p:cNvPr id="29" name="Grafik 28">
+            <a:extLst>
+              <a:ext uri="{FF2B5EF4-FFF2-40B4-BE49-F238E27FC236}">
+                <a16:creationId xmlns:a16="http://schemas.microsoft.com/office/drawing/2014/main" id="{5F6D4211-4D95-1924-D5F7-E67C8416945C}"/>
+              </a:ext>
+            </a:extLst>
+          </p:cNvPr>
+          <p:cNvPicPr>
+            <a:picLocks noChangeAspect="1"/>
+          </p:cNvPicPr>
+          <p:nvPr/>
+        </p:nvPicPr>
+        <p:blipFill>
+          <a:blip r:embed="rId4"/>
+          <a:stretch>
+            <a:fillRect/>
+          </a:stretch>
+        </p:blipFill>
+        <p:spPr>
+          <a:xfrm>
+            <a:off x="539496" y="4954201"/>
+            <a:ext cx="4525006" cy="171474"/>
+          </a:xfrm>
+          <a:prstGeom prst="rect">
+            <a:avLst/>
+          </a:prstGeom>
+        </p:spPr>
+      </p:pic>
+      <p:pic>
+        <p:nvPicPr>
+          <p:cNvPr id="31" name="Grafik 30">
+            <a:extLst>
+              <a:ext uri="{FF2B5EF4-FFF2-40B4-BE49-F238E27FC236}">
+                <a16:creationId xmlns:a16="http://schemas.microsoft.com/office/drawing/2014/main" id="{FBC95ABA-488E-BAAB-C2BC-E08D184544B2}"/>
+              </a:ext>
+            </a:extLst>
+          </p:cNvPr>
+          <p:cNvPicPr>
+            <a:picLocks noChangeAspect="1"/>
+          </p:cNvPicPr>
+          <p:nvPr/>
+        </p:nvPicPr>
+        <p:blipFill>
+          <a:blip r:embed="rId5"/>
+          <a:stretch>
+            <a:fillRect/>
+          </a:stretch>
+        </p:blipFill>
+        <p:spPr>
+          <a:xfrm>
+            <a:off x="539496" y="3319911"/>
+            <a:ext cx="4525006" cy="786958"/>
+          </a:xfrm>
+          <a:prstGeom prst="rect">
+            <a:avLst/>
+          </a:prstGeom>
+        </p:spPr>
+      </p:pic>
+      <p:cxnSp>
+        <p:nvCxnSpPr>
+          <p:cNvPr id="32" name="Gerade Verbindung mit Pfeil 31">
+            <a:extLst>
+              <a:ext uri="{FF2B5EF4-FFF2-40B4-BE49-F238E27FC236}">
+                <a16:creationId xmlns:a16="http://schemas.microsoft.com/office/drawing/2014/main" id="{2122CE20-2770-BFE9-7B87-5490607CC525}"/>
+              </a:ext>
+            </a:extLst>
+          </p:cNvPr>
+          <p:cNvCxnSpPr>
+            <a:cxnSpLocks/>
+          </p:cNvCxnSpPr>
+          <p:nvPr/>
+        </p:nvCxnSpPr>
+        <p:spPr>
+          <a:xfrm>
+            <a:off x="2577188" y="4280234"/>
+            <a:ext cx="0" cy="523295"/>
+          </a:xfrm>
+          <a:prstGeom prst="straightConnector1">
+            <a:avLst/>
+          </a:prstGeom>
+          <a:ln>
+            <a:tailEnd type="triangle"/>
+          </a:ln>
+        </p:spPr>
+        <p:style>
+          <a:lnRef idx="1">
+            <a:schemeClr val="accent1"/>
+          </a:lnRef>
+          <a:fillRef idx="0">
+            <a:schemeClr val="accent1"/>
+          </a:fillRef>
+          <a:effectRef idx="0">
+            <a:schemeClr val="accent1"/>
+          </a:effectRef>
+          <a:fontRef idx="minor">
+            <a:schemeClr val="tx1"/>
+          </a:fontRef>
+        </p:style>
+      </p:cxnSp>
+      <p:pic>
+        <p:nvPicPr>
+          <p:cNvPr id="37" name="Grafik 36">
+            <a:extLst>
+              <a:ext uri="{FF2B5EF4-FFF2-40B4-BE49-F238E27FC236}">
+                <a16:creationId xmlns:a16="http://schemas.microsoft.com/office/drawing/2014/main" id="{7232DB15-80A7-AC52-BA65-3E55188D9F49}"/>
+              </a:ext>
+            </a:extLst>
+          </p:cNvPr>
+          <p:cNvPicPr>
+            <a:picLocks noChangeAspect="1"/>
+          </p:cNvPicPr>
+          <p:nvPr/>
+        </p:nvPicPr>
+        <p:blipFill>
+          <a:blip r:embed="rId6"/>
+          <a:stretch>
+            <a:fillRect/>
+          </a:stretch>
+        </p:blipFill>
+        <p:spPr>
+          <a:xfrm>
+            <a:off x="6268549" y="3319911"/>
+            <a:ext cx="4999008" cy="691827"/>
+          </a:xfrm>
+          <a:prstGeom prst="rect">
+            <a:avLst/>
+          </a:prstGeom>
+        </p:spPr>
+      </p:pic>
+    </p:spTree>
+    <p:extLst>
+      <p:ext uri="{BB962C8B-B14F-4D97-AF65-F5344CB8AC3E}">
+        <p14:creationId xmlns:p14="http://schemas.microsoft.com/office/powerpoint/2010/main" val="1473930159"/>
+      </p:ext>
+    </p:extLst>
+  </p:cSld>
+  <p:clrMapOvr>
+    <a:masterClrMapping/>
+  </p:clrMapOvr>
+  <p:timing>
+    <p:tnLst>
+      <p:par>
+        <p:cTn id="1" dur="indefinite" restart="never" nodeType="tmRoot">
+          <p:childTnLst>
+            <p:seq concurrent="1" nextAc="seek">
+              <p:cTn id="2" dur="indefinite" nodeType="mainSeq">
+                <p:childTnLst>
+                  <p:par>
+                    <p:cTn id="3" fill="hold">
+                      <p:stCondLst>
+                        <p:cond delay="indefinite"/>
+                      </p:stCondLst>
+                      <p:childTnLst>
+                        <p:par>
+                          <p:cTn id="4" fill="hold">
+                            <p:stCondLst>
+                              <p:cond delay="0"/>
+                            </p:stCondLst>
+                            <p:childTnLst>
+                              <p:par>
+                                <p:cTn id="5" presetID="42" presetClass="entr" presetSubtype="0" fill="hold" nodeType="clickEffect">
+                                  <p:stCondLst>
+                                    <p:cond delay="0"/>
+                                  </p:stCondLst>
+                                  <p:childTnLst>
+                                    <p:set>
+                                      <p:cBhvr>
+                                        <p:cTn id="6" dur="1" fill="hold">
+                                          <p:stCondLst>
+                                            <p:cond delay="0"/>
+                                          </p:stCondLst>
+                                        </p:cTn>
+                                        <p:tgtEl>
+                                          <p:spTgt spid="29"/>
+                                        </p:tgtEl>
+                                        <p:attrNameLst>
+                                          <p:attrName>style.visibility</p:attrName>
+                                        </p:attrNameLst>
+                                      </p:cBhvr>
+                                      <p:to>
+                                        <p:strVal val="visible"/>
+                                      </p:to>
+                                    </p:set>
+                                    <p:animEffect transition="in" filter="fade">
+                                      <p:cBhvr>
+                                        <p:cTn id="7" dur="1000"/>
+                                        <p:tgtEl>
+                                          <p:spTgt spid="29"/>
+                                        </p:tgtEl>
+                                      </p:cBhvr>
+                                    </p:animEffect>
+                                    <p:anim calcmode="lin" valueType="num">
+                                      <p:cBhvr>
+                                        <p:cTn id="8" dur="1000" fill="hold"/>
+                                        <p:tgtEl>
+                                          <p:spTgt spid="29"/>
+                                        </p:tgtEl>
+                                        <p:attrNameLst>
+                                          <p:attrName>ppt_x</p:attrName>
+                                        </p:attrNameLst>
+                                      </p:cBhvr>
+                                      <p:tavLst>
+                                        <p:tav tm="0">
+                                          <p:val>
+                                            <p:strVal val="#ppt_x"/>
+                                          </p:val>
+                                        </p:tav>
+                                        <p:tav tm="100000">
+                                          <p:val>
+                                            <p:strVal val="#ppt_x"/>
+                                          </p:val>
+                                        </p:tav>
+                                      </p:tavLst>
+                                    </p:anim>
+                                    <p:anim calcmode="lin" valueType="num">
+                                      <p:cBhvr>
+                                        <p:cTn id="9" dur="1000" fill="hold"/>
+                                        <p:tgtEl>
+                                          <p:spTgt spid="29"/>
+                                        </p:tgtEl>
+                                        <p:attrNameLst>
+                                          <p:attrName>ppt_y</p:attrName>
+                                        </p:attrNameLst>
+                                      </p:cBhvr>
+                                      <p:tavLst>
+                                        <p:tav tm="0">
+                                          <p:val>
+                                            <p:strVal val="#ppt_y+.1"/>
+                                          </p:val>
+                                        </p:tav>
+                                        <p:tav tm="100000">
+                                          <p:val>
+                                            <p:strVal val="#ppt_y"/>
+                                          </p:val>
+                                        </p:tav>
+                                      </p:tavLst>
+                                    </p:anim>
+                                  </p:childTnLst>
+                                </p:cTn>
+                              </p:par>
+                              <p:par>
+                                <p:cTn id="10" presetID="42" presetClass="entr" presetSubtype="0" fill="hold" nodeType="withEffect">
+                                  <p:stCondLst>
+                                    <p:cond delay="0"/>
+                                  </p:stCondLst>
+                                  <p:childTnLst>
+                                    <p:set>
+                                      <p:cBhvr>
+                                        <p:cTn id="11" dur="1" fill="hold">
+                                          <p:stCondLst>
+                                            <p:cond delay="0"/>
+                                          </p:stCondLst>
+                                        </p:cTn>
+                                        <p:tgtEl>
+                                          <p:spTgt spid="32"/>
+                                        </p:tgtEl>
+                                        <p:attrNameLst>
+                                          <p:attrName>style.visibility</p:attrName>
+                                        </p:attrNameLst>
+                                      </p:cBhvr>
+                                      <p:to>
+                                        <p:strVal val="visible"/>
+                                      </p:to>
+                                    </p:set>
+                                    <p:animEffect transition="in" filter="fade">
+                                      <p:cBhvr>
+                                        <p:cTn id="12" dur="1000"/>
+                                        <p:tgtEl>
+                                          <p:spTgt spid="32"/>
+                                        </p:tgtEl>
+                                      </p:cBhvr>
+                                    </p:animEffect>
+                                    <p:anim calcmode="lin" valueType="num">
+                                      <p:cBhvr>
+                                        <p:cTn id="13" dur="1000" fill="hold"/>
+                                        <p:tgtEl>
+                                          <p:spTgt spid="32"/>
+                                        </p:tgtEl>
+                                        <p:attrNameLst>
+                                          <p:attrName>ppt_x</p:attrName>
+                                        </p:attrNameLst>
+                                      </p:cBhvr>
+                                      <p:tavLst>
+                                        <p:tav tm="0">
+                                          <p:val>
+                                            <p:strVal val="#ppt_x"/>
+                                          </p:val>
+                                        </p:tav>
+                                        <p:tav tm="100000">
+                                          <p:val>
+                                            <p:strVal val="#ppt_x"/>
+                                          </p:val>
+                                        </p:tav>
+                                      </p:tavLst>
+                                    </p:anim>
+                                    <p:anim calcmode="lin" valueType="num">
+                                      <p:cBhvr>
+                                        <p:cTn id="14" dur="1000" fill="hold"/>
+                                        <p:tgtEl>
+                                          <p:spTgt spid="32"/>
+                                        </p:tgtEl>
+                                        <p:attrNameLst>
+                                          <p:attrName>ppt_y</p:attrName>
+                                        </p:attrNameLst>
+                                      </p:cBhvr>
+                                      <p:tavLst>
+                                        <p:tav tm="0">
+                                          <p:val>
+                                            <p:strVal val="#ppt_y+.1"/>
+                                          </p:val>
+                                        </p:tav>
+                                        <p:tav tm="100000">
+                                          <p:val>
+                                            <p:strVal val="#ppt_y"/>
+                                          </p:val>
+                                        </p:tav>
+                                      </p:tavLst>
+                                    </p:anim>
+                                  </p:childTnLst>
+                                </p:cTn>
+                              </p:par>
+                            </p:childTnLst>
+                          </p:cTn>
+                        </p:par>
+                      </p:childTnLst>
+                    </p:cTn>
+                  </p:par>
+                  <p:par>
+                    <p:cTn id="15" fill="hold">
+                      <p:stCondLst>
+                        <p:cond delay="indefinite"/>
+                      </p:stCondLst>
+                      <p:childTnLst>
+                        <p:par>
+                          <p:cTn id="16" fill="hold">
+                            <p:stCondLst>
+                              <p:cond delay="0"/>
+                            </p:stCondLst>
+                            <p:childTnLst>
+                              <p:par>
+                                <p:cTn id="17" presetID="42" presetClass="entr" presetSubtype="0" fill="hold" nodeType="clickEffect">
+                                  <p:stCondLst>
+                                    <p:cond delay="0"/>
+                                  </p:stCondLst>
+                                  <p:childTnLst>
+                                    <p:set>
+                                      <p:cBhvr>
+                                        <p:cTn id="18" dur="1" fill="hold">
+                                          <p:stCondLst>
+                                            <p:cond delay="0"/>
+                                          </p:stCondLst>
+                                        </p:cTn>
+                                        <p:tgtEl>
+                                          <p:spTgt spid="11"/>
+                                        </p:tgtEl>
+                                        <p:attrNameLst>
+                                          <p:attrName>style.visibility</p:attrName>
+                                        </p:attrNameLst>
+                                      </p:cBhvr>
+                                      <p:to>
+                                        <p:strVal val="visible"/>
+                                      </p:to>
+                                    </p:set>
+                                    <p:animEffect transition="in" filter="fade">
+                                      <p:cBhvr>
+                                        <p:cTn id="19" dur="1000"/>
+                                        <p:tgtEl>
+                                          <p:spTgt spid="11"/>
+                                        </p:tgtEl>
+                                      </p:cBhvr>
+                                    </p:animEffect>
+                                    <p:anim calcmode="lin" valueType="num">
+                                      <p:cBhvr>
+                                        <p:cTn id="20" dur="1000" fill="hold"/>
+                                        <p:tgtEl>
+                                          <p:spTgt spid="11"/>
+                                        </p:tgtEl>
+                                        <p:attrNameLst>
+                                          <p:attrName>ppt_x</p:attrName>
+                                        </p:attrNameLst>
+                                      </p:cBhvr>
+                                      <p:tavLst>
+                                        <p:tav tm="0">
+                                          <p:val>
+                                            <p:strVal val="#ppt_x"/>
+                                          </p:val>
+                                        </p:tav>
+                                        <p:tav tm="100000">
+                                          <p:val>
+                                            <p:strVal val="#ppt_x"/>
+                                          </p:val>
+                                        </p:tav>
+                                      </p:tavLst>
+                                    </p:anim>
+                                    <p:anim calcmode="lin" valueType="num">
+                                      <p:cBhvr>
+                                        <p:cTn id="21" dur="1000" fill="hold"/>
+                                        <p:tgtEl>
+                                          <p:spTgt spid="11"/>
+                                        </p:tgtEl>
+                                        <p:attrNameLst>
+                                          <p:attrName>ppt_y</p:attrName>
+                                        </p:attrNameLst>
+                                      </p:cBhvr>
+                                      <p:tavLst>
+                                        <p:tav tm="0">
+                                          <p:val>
+                                            <p:strVal val="#ppt_y+.1"/>
+                                          </p:val>
+                                        </p:tav>
+                                        <p:tav tm="100000">
+                                          <p:val>
+                                            <p:strVal val="#ppt_y"/>
+                                          </p:val>
+                                        </p:tav>
+                                      </p:tavLst>
+                                    </p:anim>
+                                  </p:childTnLst>
+                                </p:cTn>
+                              </p:par>
+                              <p:par>
+                                <p:cTn id="22" presetID="42" presetClass="entr" presetSubtype="0" fill="hold" nodeType="withEffect">
+                                  <p:stCondLst>
+                                    <p:cond delay="0"/>
+                                  </p:stCondLst>
+                                  <p:childTnLst>
+                                    <p:set>
+                                      <p:cBhvr>
+                                        <p:cTn id="23" dur="1" fill="hold">
+                                          <p:stCondLst>
+                                            <p:cond delay="0"/>
+                                          </p:stCondLst>
+                                        </p:cTn>
+                                        <p:tgtEl>
+                                          <p:spTgt spid="16"/>
+                                        </p:tgtEl>
+                                        <p:attrNameLst>
+                                          <p:attrName>style.visibility</p:attrName>
+                                        </p:attrNameLst>
+                                      </p:cBhvr>
+                                      <p:to>
+                                        <p:strVal val="visible"/>
+                                      </p:to>
+                                    </p:set>
+                                    <p:animEffect transition="in" filter="fade">
+                                      <p:cBhvr>
+                                        <p:cTn id="24" dur="1000"/>
+                                        <p:tgtEl>
+                                          <p:spTgt spid="16"/>
+                                        </p:tgtEl>
+                                      </p:cBhvr>
+                                    </p:animEffect>
+                                    <p:anim calcmode="lin" valueType="num">
+                                      <p:cBhvr>
+                                        <p:cTn id="25" dur="1000" fill="hold"/>
+                                        <p:tgtEl>
+                                          <p:spTgt spid="16"/>
+                                        </p:tgtEl>
+                                        <p:attrNameLst>
+                                          <p:attrName>ppt_x</p:attrName>
+                                        </p:attrNameLst>
+                                      </p:cBhvr>
+                                      <p:tavLst>
+                                        <p:tav tm="0">
+                                          <p:val>
+                                            <p:strVal val="#ppt_x"/>
+                                          </p:val>
+                                        </p:tav>
+                                        <p:tav tm="100000">
+                                          <p:val>
+                                            <p:strVal val="#ppt_x"/>
+                                          </p:val>
+                                        </p:tav>
+                                      </p:tavLst>
+                                    </p:anim>
+                                    <p:anim calcmode="lin" valueType="num">
+                                      <p:cBhvr>
+                                        <p:cTn id="26" dur="1000" fill="hold"/>
+                                        <p:tgtEl>
+                                          <p:spTgt spid="16"/>
+                                        </p:tgtEl>
+                                        <p:attrNameLst>
+                                          <p:attrName>ppt_y</p:attrName>
+                                        </p:attrNameLst>
+                                      </p:cBhvr>
+                                      <p:tavLst>
+                                        <p:tav tm="0">
+                                          <p:val>
+                                            <p:strVal val="#ppt_y+.1"/>
+                                          </p:val>
+                                        </p:tav>
+                                        <p:tav tm="100000">
+                                          <p:val>
+                                            <p:strVal val="#ppt_y"/>
+                                          </p:val>
+                                        </p:tav>
+                                      </p:tavLst>
+                                    </p:anim>
+                                  </p:childTnLst>
+                                </p:cTn>
+                              </p:par>
+                              <p:par>
+                                <p:cTn id="27" presetID="42" presetClass="entr" presetSubtype="0" fill="hold" nodeType="withEffect">
+                                  <p:stCondLst>
+                                    <p:cond delay="0"/>
+                                  </p:stCondLst>
+                                  <p:childTnLst>
+                                    <p:set>
+                                      <p:cBhvr>
+                                        <p:cTn id="28" dur="1" fill="hold">
+                                          <p:stCondLst>
+                                            <p:cond delay="0"/>
+                                          </p:stCondLst>
+                                        </p:cTn>
+                                        <p:tgtEl>
+                                          <p:spTgt spid="37"/>
+                                        </p:tgtEl>
+                                        <p:attrNameLst>
+                                          <p:attrName>style.visibility</p:attrName>
+                                        </p:attrNameLst>
+                                      </p:cBhvr>
+                                      <p:to>
+                                        <p:strVal val="visible"/>
+                                      </p:to>
+                                    </p:set>
+                                    <p:animEffect transition="in" filter="fade">
+                                      <p:cBhvr>
+                                        <p:cTn id="29" dur="1000"/>
+                                        <p:tgtEl>
+                                          <p:spTgt spid="37"/>
+                                        </p:tgtEl>
+                                      </p:cBhvr>
+                                    </p:animEffect>
+                                    <p:anim calcmode="lin" valueType="num">
+                                      <p:cBhvr>
+                                        <p:cTn id="30" dur="1000" fill="hold"/>
+                                        <p:tgtEl>
+                                          <p:spTgt spid="37"/>
+                                        </p:tgtEl>
+                                        <p:attrNameLst>
+                                          <p:attrName>ppt_x</p:attrName>
+                                        </p:attrNameLst>
+                                      </p:cBhvr>
+                                      <p:tavLst>
+                                        <p:tav tm="0">
+                                          <p:val>
+                                            <p:strVal val="#ppt_x"/>
+                                          </p:val>
+                                        </p:tav>
+                                        <p:tav tm="100000">
+                                          <p:val>
+                                            <p:strVal val="#ppt_x"/>
+                                          </p:val>
+                                        </p:tav>
+                                      </p:tavLst>
+                                    </p:anim>
+                                    <p:anim calcmode="lin" valueType="num">
+                                      <p:cBhvr>
+                                        <p:cTn id="31" dur="1000" fill="hold"/>
+                                        <p:tgtEl>
+                                          <p:spTgt spid="37"/>
+                                        </p:tgtEl>
+                                        <p:attrNameLst>
+                                          <p:attrName>ppt_y</p:attrName>
+                                        </p:attrNameLst>
+                                      </p:cBhvr>
+                                      <p:tavLst>
+                                        <p:tav tm="0">
+                                          <p:val>
+                                            <p:strVal val="#ppt_y+.1"/>
+                                          </p:val>
+                                        </p:tav>
+                                        <p:tav tm="100000">
+                                          <p:val>
+                                            <p:strVal val="#ppt_y"/>
+                                          </p:val>
+                                        </p:tav>
+                                      </p:tavLst>
+                                    </p:anim>
+                                  </p:childTnLst>
+                                </p:cTn>
+                              </p:par>
+                            </p:childTnLst>
+                          </p:cTn>
+                        </p:par>
+                      </p:childTnLst>
+                    </p:cTn>
+                  </p:par>
+                </p:childTnLst>
+              </p:cTn>
+              <p:prevCondLst>
+                <p:cond evt="onPrev" delay="0">
+                  <p:tgtEl>
+                    <p:sldTgt/>
+                  </p:tgtEl>
+                </p:cond>
+              </p:prevCondLst>
+              <p:nextCondLst>
+                <p:cond evt="onNext" delay="0">
+                  <p:tgtEl>
+                    <p:sldTgt/>
+                  </p:tgtEl>
+                </p:cond>
+              </p:nextCondLst>
+            </p:seq>
+          </p:childTnLst>
+        </p:cTn>
+      </p:par>
+    </p:tnLst>
+  </p:timing>
+</p:sld>
+</file>
+
+<file path=ppt/slides/slide8.xml><?xml version="1.0" encoding="utf-8"?>
+<p:sld xmlns:a="http://schemas.openxmlformats.org/drawingml/2006/main" xmlns:r="http://schemas.openxmlformats.org/officeDocument/2006/relationships" xmlns:p="http://schemas.openxmlformats.org/presentationml/2006/main">
+  <p:cSld>
+    <p:spTree>
+      <p:nvGrpSpPr>
+        <p:cNvPr id="1" name=""/>
+        <p:cNvGrpSpPr/>
+        <p:nvPr/>
+      </p:nvGrpSpPr>
+      <p:grpSpPr>
+        <a:xfrm>
+          <a:off x="0" y="0"/>
+          <a:ext cx="0" cy="0"/>
+          <a:chOff x="0" y="0"/>
+          <a:chExt cx="0" cy="0"/>
+        </a:xfrm>
+      </p:grpSpPr>
+      <p:sp>
+        <p:nvSpPr>
+          <p:cNvPr id="2" name="Titel 1">
+            <a:extLst>
+              <a:ext uri="{FF2B5EF4-FFF2-40B4-BE49-F238E27FC236}">
+                <a16:creationId xmlns:a16="http://schemas.microsoft.com/office/drawing/2014/main" id="{396DCC35-DCFE-3744-90A9-2D9A0D9545CB}"/>
+              </a:ext>
+            </a:extLst>
+          </p:cNvPr>
+          <p:cNvSpPr>
+            <a:spLocks noGrp="1"/>
+          </p:cNvSpPr>
+          <p:nvPr>
+            <p:ph type="title"/>
+          </p:nvPr>
+        </p:nvSpPr>
+        <p:spPr>
+          <a:xfrm>
+            <a:off x="919118" y="97166"/>
+            <a:ext cx="10353762" cy="1039186"/>
+          </a:xfrm>
+        </p:spPr>
+        <p:txBody>
+          <a:bodyPr>
+            <a:normAutofit/>
+          </a:bodyPr>
+          <a:lstStyle/>
+          <a:p>
+            <a:pPr marL="36900" rtl="0"/>
+            <a:r>
+              <a:rPr lang="de-DE" sz="3200" dirty="0"/>
+              <a:t>Vermeide das überbenutzen von Default Methoden in Interfaces</a:t>
+            </a:r>
+          </a:p>
+        </p:txBody>
+      </p:sp>
+      <p:pic>
+        <p:nvPicPr>
+          <p:cNvPr id="4" name="Grafik 3">
+            <a:extLst>
+              <a:ext uri="{FF2B5EF4-FFF2-40B4-BE49-F238E27FC236}">
+                <a16:creationId xmlns:a16="http://schemas.microsoft.com/office/drawing/2014/main" id="{7796D8F7-401B-6A2B-F983-D3C24F4DA5E7}"/>
+              </a:ext>
+            </a:extLst>
+          </p:cNvPr>
+          <p:cNvPicPr>
+            <a:picLocks noChangeAspect="1"/>
+          </p:cNvPicPr>
+          <p:nvPr/>
+        </p:nvPicPr>
+        <p:blipFill>
+          <a:blip r:embed="rId2"/>
+          <a:stretch>
+            <a:fillRect/>
+          </a:stretch>
+        </p:blipFill>
+        <p:spPr>
+          <a:xfrm>
+            <a:off x="7304307" y="4316452"/>
+            <a:ext cx="2476950" cy="574543"/>
+          </a:xfrm>
+          <a:prstGeom prst="rect">
+            <a:avLst/>
+          </a:prstGeom>
+        </p:spPr>
+      </p:pic>
+      <p:pic>
+        <p:nvPicPr>
+          <p:cNvPr id="6" name="Grafik 5">
+            <a:extLst>
+              <a:ext uri="{FF2B5EF4-FFF2-40B4-BE49-F238E27FC236}">
+                <a16:creationId xmlns:a16="http://schemas.microsoft.com/office/drawing/2014/main" id="{7E871284-A628-DFFE-C7F1-F220E5D93FFE}"/>
+              </a:ext>
+            </a:extLst>
+          </p:cNvPr>
+          <p:cNvPicPr>
+            <a:picLocks noChangeAspect="1"/>
+          </p:cNvPicPr>
+          <p:nvPr/>
+        </p:nvPicPr>
+        <p:blipFill>
+          <a:blip r:embed="rId3"/>
+          <a:stretch>
+            <a:fillRect/>
+          </a:stretch>
+        </p:blipFill>
+        <p:spPr>
+          <a:xfrm>
+            <a:off x="2077109" y="4113917"/>
+            <a:ext cx="4281122" cy="777078"/>
+          </a:xfrm>
+          <a:prstGeom prst="rect">
+            <a:avLst/>
+          </a:prstGeom>
+        </p:spPr>
+      </p:pic>
+      <p:pic>
+        <p:nvPicPr>
+          <p:cNvPr id="8" name="Grafik 7">
+            <a:extLst>
+              <a:ext uri="{FF2B5EF4-FFF2-40B4-BE49-F238E27FC236}">
+                <a16:creationId xmlns:a16="http://schemas.microsoft.com/office/drawing/2014/main" id="{59BBAAC2-EBCC-2954-BC1B-3D5B7D793A9F}"/>
+              </a:ext>
+            </a:extLst>
+          </p:cNvPr>
+          <p:cNvPicPr>
+            <a:picLocks noChangeAspect="1"/>
+          </p:cNvPicPr>
+          <p:nvPr/>
+        </p:nvPicPr>
+        <p:blipFill rotWithShape="1">
+          <a:blip r:embed="rId4"/>
+          <a:srcRect l="140" b="36276"/>
+          <a:stretch/>
+        </p:blipFill>
+        <p:spPr>
+          <a:xfrm>
+            <a:off x="3382156" y="1320430"/>
+            <a:ext cx="5160626" cy="1911512"/>
+          </a:xfrm>
+          <a:prstGeom prst="rect">
+            <a:avLst/>
+          </a:prstGeom>
+        </p:spPr>
+      </p:pic>
+      <p:sp>
+        <p:nvSpPr>
+          <p:cNvPr id="9" name="Textfeld 8">
+            <a:extLst>
+              <a:ext uri="{FF2B5EF4-FFF2-40B4-BE49-F238E27FC236}">
+                <a16:creationId xmlns:a16="http://schemas.microsoft.com/office/drawing/2014/main" id="{F9328985-AD19-3532-95F5-EFB0A37DBBBE}"/>
+              </a:ext>
+            </a:extLst>
+          </p:cNvPr>
+          <p:cNvSpPr txBox="1"/>
+          <p:nvPr/>
+        </p:nvSpPr>
+        <p:spPr>
+          <a:xfrm>
+            <a:off x="7216455" y="5860555"/>
+            <a:ext cx="3062377" cy="369332"/>
+          </a:xfrm>
+          <a:prstGeom prst="rect">
+            <a:avLst/>
+          </a:prstGeom>
+          <a:noFill/>
+        </p:spPr>
+        <p:txBody>
+          <a:bodyPr wrap="none" rtlCol="0">
+            <a:spAutoFit/>
+          </a:bodyPr>
+          <a:lstStyle/>
+          <a:p>
+            <a:r>
+              <a:rPr lang="de-DE" dirty="0"/>
+              <a:t>Spezifisch jedem Tier anpassbar</a:t>
+            </a:r>
+          </a:p>
+        </p:txBody>
+      </p:sp>
+      <p:sp>
+        <p:nvSpPr>
+          <p:cNvPr id="18" name="Textfeld 17">
+            <a:extLst>
+              <a:ext uri="{FF2B5EF4-FFF2-40B4-BE49-F238E27FC236}">
+                <a16:creationId xmlns:a16="http://schemas.microsoft.com/office/drawing/2014/main" id="{23988453-CEA7-9B09-BFE4-A2B7C28F2EA9}"/>
+              </a:ext>
+            </a:extLst>
+          </p:cNvPr>
+          <p:cNvSpPr txBox="1"/>
+          <p:nvPr/>
+        </p:nvSpPr>
+        <p:spPr>
+          <a:xfrm>
+            <a:off x="2077109" y="5592744"/>
+            <a:ext cx="4697825" cy="923330"/>
+          </a:xfrm>
+          <a:prstGeom prst="rect">
+            <a:avLst/>
+          </a:prstGeom>
+          <a:noFill/>
+        </p:spPr>
+        <p:txBody>
+          <a:bodyPr wrap="square" rtlCol="0">
+            <a:spAutoFit/>
+          </a:bodyPr>
+          <a:lstStyle/>
+          <a:p>
+            <a:r>
+              <a:rPr lang="de-DE" dirty="0"/>
+              <a:t>Nicht sinnvoll in dem Bezug</a:t>
+            </a:r>
+          </a:p>
+          <a:p>
+            <a:r>
+              <a:rPr lang="de-DE" dirty="0"/>
+              <a:t>Wäre aber sinnvoll, wenn man dem API Benutzer</a:t>
+            </a:r>
+          </a:p>
+          <a:p>
+            <a:r>
+              <a:rPr lang="de-DE" dirty="0"/>
+              <a:t>z.B eine Formel vorgeben möchte</a:t>
+            </a:r>
+          </a:p>
+        </p:txBody>
+      </p:sp>
+      <p:cxnSp>
+        <p:nvCxnSpPr>
+          <p:cNvPr id="19" name="Gerade Verbindung mit Pfeil 18">
+            <a:extLst>
+              <a:ext uri="{FF2B5EF4-FFF2-40B4-BE49-F238E27FC236}">
+                <a16:creationId xmlns:a16="http://schemas.microsoft.com/office/drawing/2014/main" id="{D9AACC98-05B6-25D8-5A3A-35A2F90D02D8}"/>
+              </a:ext>
+            </a:extLst>
+          </p:cNvPr>
+          <p:cNvCxnSpPr>
+            <a:cxnSpLocks/>
+          </p:cNvCxnSpPr>
+          <p:nvPr/>
+        </p:nvCxnSpPr>
+        <p:spPr>
+          <a:xfrm>
+            <a:off x="8362001" y="3429000"/>
+            <a:ext cx="0" cy="612648"/>
+          </a:xfrm>
+          <a:prstGeom prst="straightConnector1">
+            <a:avLst/>
+          </a:prstGeom>
+          <a:ln>
+            <a:tailEnd type="triangle"/>
+          </a:ln>
+        </p:spPr>
+        <p:style>
+          <a:lnRef idx="1">
+            <a:schemeClr val="accent1"/>
+          </a:lnRef>
+          <a:fillRef idx="0">
+            <a:schemeClr val="accent1"/>
+          </a:fillRef>
+          <a:effectRef idx="0">
+            <a:schemeClr val="accent1"/>
+          </a:effectRef>
+          <a:fontRef idx="minor">
+            <a:schemeClr val="tx1"/>
+          </a:fontRef>
+        </p:style>
+      </p:cxnSp>
+      <p:cxnSp>
+        <p:nvCxnSpPr>
+          <p:cNvPr id="20" name="Gerade Verbindung mit Pfeil 19">
+            <a:extLst>
+              <a:ext uri="{FF2B5EF4-FFF2-40B4-BE49-F238E27FC236}">
+                <a16:creationId xmlns:a16="http://schemas.microsoft.com/office/drawing/2014/main" id="{CF9BC0A9-C69E-6417-B682-66C39D73EB65}"/>
+              </a:ext>
+            </a:extLst>
+          </p:cNvPr>
+          <p:cNvCxnSpPr>
+            <a:cxnSpLocks/>
+          </p:cNvCxnSpPr>
+          <p:nvPr/>
+        </p:nvCxnSpPr>
+        <p:spPr>
+          <a:xfrm>
+            <a:off x="3922731" y="3429000"/>
+            <a:ext cx="0" cy="523295"/>
+          </a:xfrm>
+          <a:prstGeom prst="straightConnector1">
+            <a:avLst/>
+          </a:prstGeom>
+          <a:ln>
+            <a:tailEnd type="triangle"/>
+          </a:ln>
+        </p:spPr>
+        <p:style>
+          <a:lnRef idx="1">
+            <a:schemeClr val="accent1"/>
+          </a:lnRef>
+          <a:fillRef idx="0">
+            <a:schemeClr val="accent1"/>
+          </a:fillRef>
+          <a:effectRef idx="0">
+            <a:schemeClr val="accent1"/>
+          </a:effectRef>
+          <a:fontRef idx="minor">
+            <a:schemeClr val="tx1"/>
+          </a:fontRef>
+        </p:style>
+      </p:cxnSp>
+      <p:cxnSp>
+        <p:nvCxnSpPr>
+          <p:cNvPr id="21" name="Gerade Verbindung mit Pfeil 20">
+            <a:extLst>
+              <a:ext uri="{FF2B5EF4-FFF2-40B4-BE49-F238E27FC236}">
+                <a16:creationId xmlns:a16="http://schemas.microsoft.com/office/drawing/2014/main" id="{2C82C969-831E-6899-191A-6FCD85DF49B5}"/>
+              </a:ext>
+            </a:extLst>
+          </p:cNvPr>
+          <p:cNvCxnSpPr>
+            <a:cxnSpLocks/>
+          </p:cNvCxnSpPr>
+          <p:nvPr/>
+        </p:nvCxnSpPr>
+        <p:spPr>
+          <a:xfrm>
+            <a:off x="3922731" y="4961934"/>
+            <a:ext cx="0" cy="523295"/>
+          </a:xfrm>
+          <a:prstGeom prst="straightConnector1">
+            <a:avLst/>
+          </a:prstGeom>
+          <a:ln>
+            <a:tailEnd type="triangle"/>
+          </a:ln>
+        </p:spPr>
+        <p:style>
+          <a:lnRef idx="1">
+            <a:schemeClr val="accent1"/>
+          </a:lnRef>
+          <a:fillRef idx="0">
+            <a:schemeClr val="accent1"/>
+          </a:fillRef>
+          <a:effectRef idx="0">
+            <a:schemeClr val="accent1"/>
+          </a:effectRef>
+          <a:fontRef idx="minor">
+            <a:schemeClr val="tx1"/>
+          </a:fontRef>
+        </p:style>
+      </p:cxnSp>
+      <p:cxnSp>
+        <p:nvCxnSpPr>
+          <p:cNvPr id="23" name="Gerade Verbindung mit Pfeil 22">
+            <a:extLst>
+              <a:ext uri="{FF2B5EF4-FFF2-40B4-BE49-F238E27FC236}">
+                <a16:creationId xmlns:a16="http://schemas.microsoft.com/office/drawing/2014/main" id="{E55BD02B-4462-5CD0-9A25-1AF711AB3FCF}"/>
+              </a:ext>
+            </a:extLst>
+          </p:cNvPr>
+          <p:cNvCxnSpPr>
+            <a:cxnSpLocks/>
+          </p:cNvCxnSpPr>
+          <p:nvPr/>
+        </p:nvCxnSpPr>
+        <p:spPr>
+          <a:xfrm>
+            <a:off x="8362001" y="5069449"/>
+            <a:ext cx="0" cy="523295"/>
+          </a:xfrm>
+          <a:prstGeom prst="straightConnector1">
+            <a:avLst/>
+          </a:prstGeom>
+          <a:ln>
+            <a:tailEnd type="triangle"/>
+          </a:ln>
+        </p:spPr>
+        <p:style>
+          <a:lnRef idx="1">
+            <a:schemeClr val="accent1"/>
+          </a:lnRef>
+          <a:fillRef idx="0">
+            <a:schemeClr val="accent1"/>
+          </a:fillRef>
+          <a:effectRef idx="0">
+            <a:schemeClr val="accent1"/>
+          </a:effectRef>
+          <a:fontRef idx="minor">
+            <a:schemeClr val="tx1"/>
+          </a:fontRef>
+        </p:style>
+      </p:cxnSp>
+    </p:spTree>
+    <p:extLst>
+      <p:ext uri="{BB962C8B-B14F-4D97-AF65-F5344CB8AC3E}">
+        <p14:creationId xmlns:p14="http://schemas.microsoft.com/office/powerpoint/2010/main" val="1356624684"/>
+      </p:ext>
+    </p:extLst>
+  </p:cSld>
+  <p:clrMapOvr>
+    <a:masterClrMapping/>
+  </p:clrMapOvr>
+  <p:timing>
+    <p:tnLst>
+      <p:par>
+        <p:cTn id="1" dur="indefinite" restart="never" nodeType="tmRoot">
+          <p:childTnLst>
+            <p:seq concurrent="1" nextAc="seek">
+              <p:cTn id="2" dur="indefinite" nodeType="mainSeq">
+                <p:childTnLst>
+                  <p:par>
+                    <p:cTn id="3" fill="hold">
+                      <p:stCondLst>
+                        <p:cond delay="indefinite"/>
+                      </p:stCondLst>
+                      <p:childTnLst>
+                        <p:par>
+                          <p:cTn id="4" fill="hold">
+                            <p:stCondLst>
+                              <p:cond delay="0"/>
+                            </p:stCondLst>
+                            <p:childTnLst>
+                              <p:par>
+                                <p:cTn id="5" presetID="42" presetClass="entr" presetSubtype="0" fill="hold" grpId="0" nodeType="clickEffect">
+                                  <p:stCondLst>
+                                    <p:cond delay="0"/>
+                                  </p:stCondLst>
+                                  <p:childTnLst>
+                                    <p:set>
+                                      <p:cBhvr>
+                                        <p:cTn id="6" dur="1" fill="hold">
+                                          <p:stCondLst>
+                                            <p:cond delay="0"/>
+                                          </p:stCondLst>
+                                        </p:cTn>
+                                        <p:tgtEl>
+                                          <p:spTgt spid="18"/>
+                                        </p:tgtEl>
+                                        <p:attrNameLst>
+                                          <p:attrName>style.visibility</p:attrName>
+                                        </p:attrNameLst>
+                                      </p:cBhvr>
+                                      <p:to>
+                                        <p:strVal val="visible"/>
+                                      </p:to>
+                                    </p:set>
+                                    <p:animEffect transition="in" filter="fade">
+                                      <p:cBhvr>
+                                        <p:cTn id="7" dur="1000"/>
+                                        <p:tgtEl>
+                                          <p:spTgt spid="18"/>
+                                        </p:tgtEl>
+                                      </p:cBhvr>
+                                    </p:animEffect>
+                                    <p:anim calcmode="lin" valueType="num">
+                                      <p:cBhvr>
+                                        <p:cTn id="8" dur="1000" fill="hold"/>
+                                        <p:tgtEl>
+                                          <p:spTgt spid="18"/>
+                                        </p:tgtEl>
+                                        <p:attrNameLst>
+                                          <p:attrName>ppt_x</p:attrName>
+                                        </p:attrNameLst>
+                                      </p:cBhvr>
+                                      <p:tavLst>
+                                        <p:tav tm="0">
+                                          <p:val>
+                                            <p:strVal val="#ppt_x"/>
+                                          </p:val>
+                                        </p:tav>
+                                        <p:tav tm="100000">
+                                          <p:val>
+                                            <p:strVal val="#ppt_x"/>
+                                          </p:val>
+                                        </p:tav>
+                                      </p:tavLst>
+                                    </p:anim>
+                                    <p:anim calcmode="lin" valueType="num">
+                                      <p:cBhvr>
+                                        <p:cTn id="9" dur="1000" fill="hold"/>
+                                        <p:tgtEl>
+                                          <p:spTgt spid="18"/>
+                                        </p:tgtEl>
+                                        <p:attrNameLst>
+                                          <p:attrName>ppt_y</p:attrName>
+                                        </p:attrNameLst>
+                                      </p:cBhvr>
+                                      <p:tavLst>
+                                        <p:tav tm="0">
+                                          <p:val>
+                                            <p:strVal val="#ppt_y+.1"/>
+                                          </p:val>
+                                        </p:tav>
+                                        <p:tav tm="100000">
+                                          <p:val>
+                                            <p:strVal val="#ppt_y"/>
+                                          </p:val>
+                                        </p:tav>
+                                      </p:tavLst>
+                                    </p:anim>
+                                  </p:childTnLst>
+                                </p:cTn>
+                              </p:par>
+                              <p:par>
+                                <p:cTn id="10" presetID="42" presetClass="entr" presetSubtype="0" fill="hold" nodeType="withEffect">
+                                  <p:stCondLst>
+                                    <p:cond delay="0"/>
+                                  </p:stCondLst>
+                                  <p:childTnLst>
+                                    <p:set>
+                                      <p:cBhvr>
+                                        <p:cTn id="11" dur="1" fill="hold">
+                                          <p:stCondLst>
+                                            <p:cond delay="0"/>
+                                          </p:stCondLst>
+                                        </p:cTn>
+                                        <p:tgtEl>
+                                          <p:spTgt spid="21"/>
+                                        </p:tgtEl>
+                                        <p:attrNameLst>
+                                          <p:attrName>style.visibility</p:attrName>
+                                        </p:attrNameLst>
+                                      </p:cBhvr>
+                                      <p:to>
+                                        <p:strVal val="visible"/>
+                                      </p:to>
+                                    </p:set>
+                                    <p:animEffect transition="in" filter="fade">
+                                      <p:cBhvr>
+                                        <p:cTn id="12" dur="1000"/>
+                                        <p:tgtEl>
+                                          <p:spTgt spid="21"/>
+                                        </p:tgtEl>
+                                      </p:cBhvr>
+                                    </p:animEffect>
+                                    <p:anim calcmode="lin" valueType="num">
+                                      <p:cBhvr>
+                                        <p:cTn id="13" dur="1000" fill="hold"/>
+                                        <p:tgtEl>
+                                          <p:spTgt spid="21"/>
+                                        </p:tgtEl>
+                                        <p:attrNameLst>
+                                          <p:attrName>ppt_x</p:attrName>
+                                        </p:attrNameLst>
+                                      </p:cBhvr>
+                                      <p:tavLst>
+                                        <p:tav tm="0">
+                                          <p:val>
+                                            <p:strVal val="#ppt_x"/>
+                                          </p:val>
+                                        </p:tav>
+                                        <p:tav tm="100000">
+                                          <p:val>
+                                            <p:strVal val="#ppt_x"/>
+                                          </p:val>
+                                        </p:tav>
+                                      </p:tavLst>
+                                    </p:anim>
+                                    <p:anim calcmode="lin" valueType="num">
+                                      <p:cBhvr>
+                                        <p:cTn id="14" dur="1000" fill="hold"/>
+                                        <p:tgtEl>
+                                          <p:spTgt spid="21"/>
+                                        </p:tgtEl>
+                                        <p:attrNameLst>
+                                          <p:attrName>ppt_y</p:attrName>
+                                        </p:attrNameLst>
+                                      </p:cBhvr>
+                                      <p:tavLst>
+                                        <p:tav tm="0">
+                                          <p:val>
+                                            <p:strVal val="#ppt_y+.1"/>
+                                          </p:val>
+                                        </p:tav>
+                                        <p:tav tm="100000">
+                                          <p:val>
+                                            <p:strVal val="#ppt_y"/>
+                                          </p:val>
+                                        </p:tav>
+                                      </p:tavLst>
+                                    </p:anim>
+                                  </p:childTnLst>
+                                </p:cTn>
+                              </p:par>
+                            </p:childTnLst>
+                          </p:cTn>
+                        </p:par>
+                      </p:childTnLst>
+                    </p:cTn>
+                  </p:par>
+                  <p:par>
+                    <p:cTn id="15" fill="hold">
+                      <p:stCondLst>
+                        <p:cond delay="indefinite"/>
+                      </p:stCondLst>
+                      <p:childTnLst>
+                        <p:par>
+                          <p:cTn id="16" fill="hold">
+                            <p:stCondLst>
+                              <p:cond delay="0"/>
+                            </p:stCondLst>
+                            <p:childTnLst>
+                              <p:par>
+                                <p:cTn id="17" presetID="42" presetClass="entr" presetSubtype="0" fill="hold" nodeType="clickEffect">
+                                  <p:stCondLst>
+                                    <p:cond delay="0"/>
+                                  </p:stCondLst>
+                                  <p:childTnLst>
+                                    <p:set>
+                                      <p:cBhvr>
+                                        <p:cTn id="18" dur="1" fill="hold">
+                                          <p:stCondLst>
+                                            <p:cond delay="0"/>
+                                          </p:stCondLst>
+                                        </p:cTn>
+                                        <p:tgtEl>
+                                          <p:spTgt spid="4"/>
+                                        </p:tgtEl>
+                                        <p:attrNameLst>
+                                          <p:attrName>style.visibility</p:attrName>
+                                        </p:attrNameLst>
+                                      </p:cBhvr>
+                                      <p:to>
+                                        <p:strVal val="visible"/>
+                                      </p:to>
+                                    </p:set>
+                                    <p:animEffect transition="in" filter="fade">
+                                      <p:cBhvr>
+                                        <p:cTn id="19" dur="1000"/>
+                                        <p:tgtEl>
+                                          <p:spTgt spid="4"/>
+                                        </p:tgtEl>
+                                      </p:cBhvr>
+                                    </p:animEffect>
+                                    <p:anim calcmode="lin" valueType="num">
+                                      <p:cBhvr>
+                                        <p:cTn id="20" dur="1000" fill="hold"/>
+                                        <p:tgtEl>
+                                          <p:spTgt spid="4"/>
+                                        </p:tgtEl>
+                                        <p:attrNameLst>
+                                          <p:attrName>ppt_x</p:attrName>
+                                        </p:attrNameLst>
+                                      </p:cBhvr>
+                                      <p:tavLst>
+                                        <p:tav tm="0">
+                                          <p:val>
+                                            <p:strVal val="#ppt_x"/>
+                                          </p:val>
+                                        </p:tav>
+                                        <p:tav tm="100000">
+                                          <p:val>
+                                            <p:strVal val="#ppt_x"/>
+                                          </p:val>
+                                        </p:tav>
+                                      </p:tavLst>
+                                    </p:anim>
+                                    <p:anim calcmode="lin" valueType="num">
+                                      <p:cBhvr>
+                                        <p:cTn id="21" dur="1000" fill="hold"/>
+                                        <p:tgtEl>
+                                          <p:spTgt spid="4"/>
+                                        </p:tgtEl>
+                                        <p:attrNameLst>
+                                          <p:attrName>ppt_y</p:attrName>
+                                        </p:attrNameLst>
+                                      </p:cBhvr>
+                                      <p:tavLst>
+                                        <p:tav tm="0">
+                                          <p:val>
+                                            <p:strVal val="#ppt_y+.1"/>
+                                          </p:val>
+                                        </p:tav>
+                                        <p:tav tm="100000">
+                                          <p:val>
+                                            <p:strVal val="#ppt_y"/>
+                                          </p:val>
+                                        </p:tav>
+                                      </p:tavLst>
+                                    </p:anim>
+                                  </p:childTnLst>
+                                </p:cTn>
+                              </p:par>
+                              <p:par>
+                                <p:cTn id="22" presetID="42" presetClass="entr" presetSubtype="0" fill="hold" grpId="0" nodeType="withEffect">
+                                  <p:stCondLst>
+                                    <p:cond delay="0"/>
+                                  </p:stCondLst>
+                                  <p:childTnLst>
+                                    <p:set>
+                                      <p:cBhvr>
+                                        <p:cTn id="23" dur="1" fill="hold">
+                                          <p:stCondLst>
+                                            <p:cond delay="0"/>
+                                          </p:stCondLst>
+                                        </p:cTn>
+                                        <p:tgtEl>
+                                          <p:spTgt spid="9"/>
+                                        </p:tgtEl>
+                                        <p:attrNameLst>
+                                          <p:attrName>style.visibility</p:attrName>
+                                        </p:attrNameLst>
+                                      </p:cBhvr>
+                                      <p:to>
+                                        <p:strVal val="visible"/>
+                                      </p:to>
+                                    </p:set>
+                                    <p:animEffect transition="in" filter="fade">
+                                      <p:cBhvr>
+                                        <p:cTn id="24" dur="1000"/>
+                                        <p:tgtEl>
+                                          <p:spTgt spid="9"/>
+                                        </p:tgtEl>
+                                      </p:cBhvr>
+                                    </p:animEffect>
+                                    <p:anim calcmode="lin" valueType="num">
+                                      <p:cBhvr>
+                                        <p:cTn id="25" dur="1000" fill="hold"/>
+                                        <p:tgtEl>
+                                          <p:spTgt spid="9"/>
+                                        </p:tgtEl>
+                                        <p:attrNameLst>
+                                          <p:attrName>ppt_x</p:attrName>
+                                        </p:attrNameLst>
+                                      </p:cBhvr>
+                                      <p:tavLst>
+                                        <p:tav tm="0">
+                                          <p:val>
+                                            <p:strVal val="#ppt_x"/>
+                                          </p:val>
+                                        </p:tav>
+                                        <p:tav tm="100000">
+                                          <p:val>
+                                            <p:strVal val="#ppt_x"/>
+                                          </p:val>
+                                        </p:tav>
+                                      </p:tavLst>
+                                    </p:anim>
+                                    <p:anim calcmode="lin" valueType="num">
+                                      <p:cBhvr>
+                                        <p:cTn id="26" dur="1000" fill="hold"/>
+                                        <p:tgtEl>
+                                          <p:spTgt spid="9"/>
+                                        </p:tgtEl>
+                                        <p:attrNameLst>
+                                          <p:attrName>ppt_y</p:attrName>
+                                        </p:attrNameLst>
+                                      </p:cBhvr>
+                                      <p:tavLst>
+                                        <p:tav tm="0">
+                                          <p:val>
+                                            <p:strVal val="#ppt_y+.1"/>
+                                          </p:val>
+                                        </p:tav>
+                                        <p:tav tm="100000">
+                                          <p:val>
+                                            <p:strVal val="#ppt_y"/>
+                                          </p:val>
+                                        </p:tav>
+                                      </p:tavLst>
+                                    </p:anim>
+                                  </p:childTnLst>
+                                </p:cTn>
+                              </p:par>
+                              <p:par>
+                                <p:cTn id="27" presetID="42" presetClass="entr" presetSubtype="0" fill="hold" nodeType="withEffect">
+                                  <p:stCondLst>
+                                    <p:cond delay="0"/>
+                                  </p:stCondLst>
+                                  <p:childTnLst>
+                                    <p:set>
+                                      <p:cBhvr>
+                                        <p:cTn id="28" dur="1" fill="hold">
+                                          <p:stCondLst>
+                                            <p:cond delay="0"/>
+                                          </p:stCondLst>
+                                        </p:cTn>
+                                        <p:tgtEl>
+                                          <p:spTgt spid="19"/>
+                                        </p:tgtEl>
+                                        <p:attrNameLst>
+                                          <p:attrName>style.visibility</p:attrName>
+                                        </p:attrNameLst>
+                                      </p:cBhvr>
+                                      <p:to>
+                                        <p:strVal val="visible"/>
+                                      </p:to>
+                                    </p:set>
+                                    <p:animEffect transition="in" filter="fade">
+                                      <p:cBhvr>
+                                        <p:cTn id="29" dur="1000"/>
+                                        <p:tgtEl>
+                                          <p:spTgt spid="19"/>
+                                        </p:tgtEl>
+                                      </p:cBhvr>
+                                    </p:animEffect>
+                                    <p:anim calcmode="lin" valueType="num">
+                                      <p:cBhvr>
+                                        <p:cTn id="30" dur="1000" fill="hold"/>
+                                        <p:tgtEl>
+                                          <p:spTgt spid="19"/>
+                                        </p:tgtEl>
+                                        <p:attrNameLst>
+                                          <p:attrName>ppt_x</p:attrName>
+                                        </p:attrNameLst>
+                                      </p:cBhvr>
+                                      <p:tavLst>
+                                        <p:tav tm="0">
+                                          <p:val>
+                                            <p:strVal val="#ppt_x"/>
+                                          </p:val>
+                                        </p:tav>
+                                        <p:tav tm="100000">
+                                          <p:val>
+                                            <p:strVal val="#ppt_x"/>
+                                          </p:val>
+                                        </p:tav>
+                                      </p:tavLst>
+                                    </p:anim>
+                                    <p:anim calcmode="lin" valueType="num">
+                                      <p:cBhvr>
+                                        <p:cTn id="31" dur="1000" fill="hold"/>
+                                        <p:tgtEl>
+                                          <p:spTgt spid="19"/>
+                                        </p:tgtEl>
+                                        <p:attrNameLst>
+                                          <p:attrName>ppt_y</p:attrName>
+                                        </p:attrNameLst>
+                                      </p:cBhvr>
+                                      <p:tavLst>
+                                        <p:tav tm="0">
+                                          <p:val>
+                                            <p:strVal val="#ppt_y+.1"/>
+                                          </p:val>
+                                        </p:tav>
+                                        <p:tav tm="100000">
+                                          <p:val>
+                                            <p:strVal val="#ppt_y"/>
+                                          </p:val>
+                                        </p:tav>
+                                      </p:tavLst>
+                                    </p:anim>
+                                  </p:childTnLst>
+                                </p:cTn>
+                              </p:par>
+                              <p:par>
+                                <p:cTn id="32" presetID="42" presetClass="entr" presetSubtype="0" fill="hold" nodeType="withEffect">
+                                  <p:stCondLst>
+                                    <p:cond delay="0"/>
+                                  </p:stCondLst>
+                                  <p:childTnLst>
+                                    <p:set>
+                                      <p:cBhvr>
+                                        <p:cTn id="33" dur="1" fill="hold">
+                                          <p:stCondLst>
+                                            <p:cond delay="0"/>
+                                          </p:stCondLst>
+                                        </p:cTn>
+                                        <p:tgtEl>
+                                          <p:spTgt spid="23"/>
+                                        </p:tgtEl>
+                                        <p:attrNameLst>
+                                          <p:attrName>style.visibility</p:attrName>
+                                        </p:attrNameLst>
+                                      </p:cBhvr>
+                                      <p:to>
+                                        <p:strVal val="visible"/>
+                                      </p:to>
+                                    </p:set>
+                                    <p:animEffect transition="in" filter="fade">
+                                      <p:cBhvr>
+                                        <p:cTn id="34" dur="1000"/>
+                                        <p:tgtEl>
+                                          <p:spTgt spid="23"/>
+                                        </p:tgtEl>
+                                      </p:cBhvr>
+                                    </p:animEffect>
+                                    <p:anim calcmode="lin" valueType="num">
+                                      <p:cBhvr>
+                                        <p:cTn id="35" dur="1000" fill="hold"/>
+                                        <p:tgtEl>
+                                          <p:spTgt spid="23"/>
+                                        </p:tgtEl>
+                                        <p:attrNameLst>
+                                          <p:attrName>ppt_x</p:attrName>
+                                        </p:attrNameLst>
+                                      </p:cBhvr>
+                                      <p:tavLst>
+                                        <p:tav tm="0">
+                                          <p:val>
+                                            <p:strVal val="#ppt_x"/>
+                                          </p:val>
+                                        </p:tav>
+                                        <p:tav tm="100000">
+                                          <p:val>
+                                            <p:strVal val="#ppt_x"/>
+                                          </p:val>
+                                        </p:tav>
+                                      </p:tavLst>
+                                    </p:anim>
+                                    <p:anim calcmode="lin" valueType="num">
+                                      <p:cBhvr>
+                                        <p:cTn id="36" dur="1000" fill="hold"/>
+                                        <p:tgtEl>
+                                          <p:spTgt spid="23"/>
+                                        </p:tgtEl>
+                                        <p:attrNameLst>
+                                          <p:attrName>ppt_y</p:attrName>
+                                        </p:attrNameLst>
+                                      </p:cBhvr>
+                                      <p:tavLst>
+                                        <p:tav tm="0">
+                                          <p:val>
+                                            <p:strVal val="#ppt_y+.1"/>
+                                          </p:val>
+                                        </p:tav>
+                                        <p:tav tm="100000">
+                                          <p:val>
+                                            <p:strVal val="#ppt_y"/>
+                                          </p:val>
+                                        </p:tav>
+                                      </p:tavLst>
+                                    </p:anim>
+                                  </p:childTnLst>
+                                </p:cTn>
+                              </p:par>
+                            </p:childTnLst>
+                          </p:cTn>
+                        </p:par>
+                      </p:childTnLst>
+                    </p:cTn>
+                  </p:par>
+                </p:childTnLst>
+              </p:cTn>
+              <p:prevCondLst>
+                <p:cond evt="onPrev" delay="0">
+                  <p:tgtEl>
+                    <p:sldTgt/>
+                  </p:tgtEl>
+                </p:cond>
+              </p:prevCondLst>
+              <p:nextCondLst>
+                <p:cond evt="onNext" delay="0">
+                  <p:tgtEl>
+                    <p:sldTgt/>
+                  </p:tgtEl>
+                </p:cond>
+              </p:nextCondLst>
+            </p:seq>
+          </p:childTnLst>
+        </p:cTn>
+      </p:par>
+    </p:tnLst>
+    <p:bldLst>
+      <p:bldP spid="9" grpId="0"/>
+      <p:bldP spid="18" grpId="0"/>
+    </p:bldLst>
+  </p:timing>
+</p:sld>
+</file>
+
+<file path=ppt/slides/slide9.xml><?xml version="1.0" encoding="utf-8"?>
+<p:sld xmlns:a="http://schemas.openxmlformats.org/drawingml/2006/main" xmlns:r="http://schemas.openxmlformats.org/officeDocument/2006/relationships" xmlns:p="http://schemas.openxmlformats.org/presentationml/2006/main">
+  <p:cSld>
+    <p:spTree>
+      <p:nvGrpSpPr>
+        <p:cNvPr id="1" name=""/>
+        <p:cNvGrpSpPr/>
+        <p:nvPr/>
+      </p:nvGrpSpPr>
+      <p:grpSpPr>
+        <a:xfrm>
+          <a:off x="0" y="0"/>
+          <a:ext cx="0" cy="0"/>
+          <a:chOff x="0" y="0"/>
+          <a:chExt cx="0" cy="0"/>
+        </a:xfrm>
+      </p:grpSpPr>
+      <p:sp>
+        <p:nvSpPr>
+          <p:cNvPr id="2" name="Titel 1">
+            <a:extLst>
+              <a:ext uri="{FF2B5EF4-FFF2-40B4-BE49-F238E27FC236}">
+                <a16:creationId xmlns:a16="http://schemas.microsoft.com/office/drawing/2014/main" id="{396DCC35-DCFE-3744-90A9-2D9A0D9545CB}"/>
+              </a:ext>
+            </a:extLst>
+          </p:cNvPr>
+          <p:cNvSpPr>
+            <a:spLocks noGrp="1"/>
+          </p:cNvSpPr>
+          <p:nvPr>
+            <p:ph type="title"/>
+          </p:nvPr>
+        </p:nvSpPr>
+        <p:spPr>
+          <a:xfrm>
+            <a:off x="919118" y="97166"/>
+            <a:ext cx="10353762" cy="1039186"/>
+          </a:xfrm>
+        </p:spPr>
+        <p:txBody>
+          <a:bodyPr>
+            <a:normAutofit/>
+          </a:bodyPr>
+          <a:lstStyle/>
+          <a:p>
+            <a:pPr marL="36900" rtl="0"/>
+            <a:r>
+              <a:rPr lang="de-DE" sz="3200" dirty="0"/>
+              <a:t>Check Parameter auf Richtigkeit</a:t>
+            </a:r>
+          </a:p>
+        </p:txBody>
+      </p:sp>
+      <p:pic>
+        <p:nvPicPr>
+          <p:cNvPr id="5" name="Grafik 4">
+            <a:extLst>
+              <a:ext uri="{FF2B5EF4-FFF2-40B4-BE49-F238E27FC236}">
+                <a16:creationId xmlns:a16="http://schemas.microsoft.com/office/drawing/2014/main" id="{00DB8772-7442-2604-0784-4CDA2C247015}"/>
+              </a:ext>
+            </a:extLst>
+          </p:cNvPr>
+          <p:cNvPicPr>
+            <a:picLocks noChangeAspect="1"/>
+          </p:cNvPicPr>
+          <p:nvPr/>
+        </p:nvPicPr>
+        <p:blipFill rotWithShape="1">
+          <a:blip r:embed="rId2"/>
+          <a:srcRect b="5513"/>
+          <a:stretch/>
+        </p:blipFill>
+        <p:spPr>
+          <a:xfrm>
+            <a:off x="3057623" y="1051381"/>
+            <a:ext cx="5918310" cy="1450602"/>
+          </a:xfrm>
+          <a:prstGeom prst="rect">
+            <a:avLst/>
+          </a:prstGeom>
+        </p:spPr>
+      </p:pic>
+      <p:pic>
+        <p:nvPicPr>
+          <p:cNvPr id="10" name="Grafik 9">
+            <a:extLst>
+              <a:ext uri="{FF2B5EF4-FFF2-40B4-BE49-F238E27FC236}">
+                <a16:creationId xmlns:a16="http://schemas.microsoft.com/office/drawing/2014/main" id="{EC1E5F1E-D0AB-5C08-2AC8-AC78D46DD3CC}"/>
+              </a:ext>
+            </a:extLst>
+          </p:cNvPr>
+          <p:cNvPicPr>
+            <a:picLocks noChangeAspect="1"/>
+          </p:cNvPicPr>
+          <p:nvPr/>
+        </p:nvPicPr>
+        <p:blipFill>
+          <a:blip r:embed="rId3"/>
+          <a:stretch>
+            <a:fillRect/>
+          </a:stretch>
+        </p:blipFill>
+        <p:spPr>
+          <a:xfrm>
+            <a:off x="6646551" y="3796482"/>
+            <a:ext cx="4248743" cy="952633"/>
+          </a:xfrm>
+          <a:prstGeom prst="rect">
+            <a:avLst/>
+          </a:prstGeom>
+        </p:spPr>
+      </p:pic>
+      <p:pic>
+        <p:nvPicPr>
+          <p:cNvPr id="12" name="Grafik 11">
+            <a:extLst>
+              <a:ext uri="{FF2B5EF4-FFF2-40B4-BE49-F238E27FC236}">
+                <a16:creationId xmlns:a16="http://schemas.microsoft.com/office/drawing/2014/main" id="{C370CF9D-3527-3478-A4B7-B16867C4F3D3}"/>
+              </a:ext>
+            </a:extLst>
+          </p:cNvPr>
+          <p:cNvPicPr>
+            <a:picLocks noChangeAspect="1"/>
+          </p:cNvPicPr>
+          <p:nvPr/>
+        </p:nvPicPr>
+        <p:blipFill>
+          <a:blip r:embed="rId4"/>
+          <a:stretch>
+            <a:fillRect/>
+          </a:stretch>
+        </p:blipFill>
+        <p:spPr>
+          <a:xfrm>
+            <a:off x="6646551" y="5740578"/>
+            <a:ext cx="5166718" cy="557803"/>
+          </a:xfrm>
+          <a:prstGeom prst="rect">
+            <a:avLst/>
+          </a:prstGeom>
+        </p:spPr>
+      </p:pic>
+      <p:cxnSp>
+        <p:nvCxnSpPr>
+          <p:cNvPr id="22" name="Gerade Verbindung mit Pfeil 21">
+            <a:extLst>
+              <a:ext uri="{FF2B5EF4-FFF2-40B4-BE49-F238E27FC236}">
+                <a16:creationId xmlns:a16="http://schemas.microsoft.com/office/drawing/2014/main" id="{751CEA7F-4FCF-54CF-8F83-44A017B3FF5A}"/>
+              </a:ext>
+            </a:extLst>
+          </p:cNvPr>
+          <p:cNvCxnSpPr>
+            <a:cxnSpLocks/>
+          </p:cNvCxnSpPr>
+          <p:nvPr/>
+        </p:nvCxnSpPr>
+        <p:spPr>
+          <a:xfrm>
+            <a:off x="8653120" y="2722707"/>
+            <a:ext cx="0" cy="889173"/>
+          </a:xfrm>
+          <a:prstGeom prst="straightConnector1">
+            <a:avLst/>
+          </a:prstGeom>
+          <a:ln>
+            <a:tailEnd type="triangle"/>
+          </a:ln>
+        </p:spPr>
+        <p:style>
+          <a:lnRef idx="1">
+            <a:schemeClr val="accent1"/>
+          </a:lnRef>
+          <a:fillRef idx="0">
+            <a:schemeClr val="accent1"/>
+          </a:fillRef>
+          <a:effectRef idx="0">
+            <a:schemeClr val="accent1"/>
+          </a:effectRef>
+          <a:fontRef idx="minor">
+            <a:schemeClr val="tx1"/>
+          </a:fontRef>
+        </p:style>
+      </p:cxnSp>
+      <p:cxnSp>
+        <p:nvCxnSpPr>
+          <p:cNvPr id="24" name="Gerade Verbindung mit Pfeil 23">
+            <a:extLst>
+              <a:ext uri="{FF2B5EF4-FFF2-40B4-BE49-F238E27FC236}">
+                <a16:creationId xmlns:a16="http://schemas.microsoft.com/office/drawing/2014/main" id="{C8781304-8693-61A2-E55E-52FA1564A8D3}"/>
+              </a:ext>
+            </a:extLst>
+          </p:cNvPr>
+          <p:cNvCxnSpPr>
+            <a:cxnSpLocks/>
+          </p:cNvCxnSpPr>
+          <p:nvPr/>
+        </p:nvCxnSpPr>
+        <p:spPr>
+          <a:xfrm>
+            <a:off x="3592587" y="2722707"/>
+            <a:ext cx="0" cy="953332"/>
+          </a:xfrm>
+          <a:prstGeom prst="straightConnector1">
+            <a:avLst/>
+          </a:prstGeom>
+          <a:ln>
+            <a:tailEnd type="triangle"/>
+          </a:ln>
+        </p:spPr>
+        <p:style>
+          <a:lnRef idx="1">
+            <a:schemeClr val="accent1"/>
+          </a:lnRef>
+          <a:fillRef idx="0">
+            <a:schemeClr val="accent1"/>
+          </a:fillRef>
+          <a:effectRef idx="0">
+            <a:schemeClr val="accent1"/>
+          </a:effectRef>
+          <a:fontRef idx="minor">
+            <a:schemeClr val="tx1"/>
+          </a:fontRef>
+        </p:style>
+      </p:cxnSp>
+      <p:pic>
+        <p:nvPicPr>
+          <p:cNvPr id="16" name="Grafik 15">
+            <a:extLst>
+              <a:ext uri="{FF2B5EF4-FFF2-40B4-BE49-F238E27FC236}">
+                <a16:creationId xmlns:a16="http://schemas.microsoft.com/office/drawing/2014/main" id="{1C407375-E8CF-7AA1-2103-4676ED0FC18C}"/>
+              </a:ext>
+            </a:extLst>
+          </p:cNvPr>
+          <p:cNvPicPr>
+            <a:picLocks noChangeAspect="1"/>
+          </p:cNvPicPr>
+          <p:nvPr/>
+        </p:nvPicPr>
+        <p:blipFill>
+          <a:blip r:embed="rId5"/>
+          <a:stretch>
+            <a:fillRect/>
+          </a:stretch>
+        </p:blipFill>
+        <p:spPr>
+          <a:xfrm>
+            <a:off x="1392004" y="3896763"/>
+            <a:ext cx="4401164" cy="733527"/>
+          </a:xfrm>
+          <a:prstGeom prst="rect">
+            <a:avLst/>
+          </a:prstGeom>
+        </p:spPr>
+      </p:pic>
+      <p:cxnSp>
+        <p:nvCxnSpPr>
+          <p:cNvPr id="25" name="Gerade Verbindung mit Pfeil 24">
+            <a:extLst>
+              <a:ext uri="{FF2B5EF4-FFF2-40B4-BE49-F238E27FC236}">
+                <a16:creationId xmlns:a16="http://schemas.microsoft.com/office/drawing/2014/main" id="{788FC577-C766-EB3C-A3A9-81FE4438BBF0}"/>
+              </a:ext>
+            </a:extLst>
+          </p:cNvPr>
+          <p:cNvCxnSpPr>
+            <a:cxnSpLocks/>
+          </p:cNvCxnSpPr>
+          <p:nvPr/>
+        </p:nvCxnSpPr>
+        <p:spPr>
+          <a:xfrm>
+            <a:off x="8646872" y="4993290"/>
+            <a:ext cx="0" cy="516938"/>
+          </a:xfrm>
+          <a:prstGeom prst="straightConnector1">
+            <a:avLst/>
+          </a:prstGeom>
+          <a:ln>
+            <a:tailEnd type="triangle"/>
+          </a:ln>
+        </p:spPr>
+        <p:style>
+          <a:lnRef idx="1">
+            <a:schemeClr val="accent1"/>
+          </a:lnRef>
+          <a:fillRef idx="0">
+            <a:schemeClr val="accent1"/>
+          </a:fillRef>
+          <a:effectRef idx="0">
+            <a:schemeClr val="accent1"/>
+          </a:effectRef>
+          <a:fontRef idx="minor">
+            <a:schemeClr val="tx1"/>
+          </a:fontRef>
+        </p:style>
+      </p:cxnSp>
+      <p:cxnSp>
+        <p:nvCxnSpPr>
+          <p:cNvPr id="27" name="Gerade Verbindung mit Pfeil 26">
+            <a:extLst>
+              <a:ext uri="{FF2B5EF4-FFF2-40B4-BE49-F238E27FC236}">
+                <a16:creationId xmlns:a16="http://schemas.microsoft.com/office/drawing/2014/main" id="{C07301C3-D7D3-C801-078F-BC8EF9FA552F}"/>
+              </a:ext>
+            </a:extLst>
+          </p:cNvPr>
+          <p:cNvCxnSpPr>
+            <a:cxnSpLocks/>
+          </p:cNvCxnSpPr>
+          <p:nvPr/>
+        </p:nvCxnSpPr>
+        <p:spPr>
+          <a:xfrm>
+            <a:off x="3592586" y="4934517"/>
+            <a:ext cx="0" cy="634483"/>
+          </a:xfrm>
+          <a:prstGeom prst="straightConnector1">
+            <a:avLst/>
+          </a:prstGeom>
+          <a:ln>
+            <a:tailEnd type="triangle"/>
+          </a:ln>
+        </p:spPr>
+        <p:style>
+          <a:lnRef idx="1">
+            <a:schemeClr val="accent1"/>
+          </a:lnRef>
+          <a:fillRef idx="0">
+            <a:schemeClr val="accent1"/>
+          </a:fillRef>
+          <a:effectRef idx="0">
+            <a:schemeClr val="accent1"/>
+          </a:effectRef>
+          <a:fontRef idx="minor">
+            <a:schemeClr val="tx1"/>
+          </a:fontRef>
+        </p:style>
+      </p:cxnSp>
+      <p:sp>
+        <p:nvSpPr>
+          <p:cNvPr id="28" name="Textfeld 27">
+            <a:extLst>
+              <a:ext uri="{FF2B5EF4-FFF2-40B4-BE49-F238E27FC236}">
+                <a16:creationId xmlns:a16="http://schemas.microsoft.com/office/drawing/2014/main" id="{A127E1B9-D7A5-7487-E8CC-0CDD3A286D21}"/>
+              </a:ext>
+            </a:extLst>
+          </p:cNvPr>
+          <p:cNvSpPr txBox="1"/>
+          <p:nvPr/>
+        </p:nvSpPr>
+        <p:spPr>
+          <a:xfrm>
+            <a:off x="1059329" y="5834814"/>
+            <a:ext cx="5066515" cy="369332"/>
+          </a:xfrm>
+          <a:prstGeom prst="rect">
+            <a:avLst/>
+          </a:prstGeom>
+          <a:noFill/>
+        </p:spPr>
+        <p:txBody>
+          <a:bodyPr wrap="none" rtlCol="0">
+            <a:spAutoFit/>
+          </a:bodyPr>
+          <a:lstStyle/>
+          <a:p>
+            <a:r>
+              <a:rPr lang="de-DE" dirty="0"/>
+              <a:t>Kein Fehler, aber fügt der Liste einen null Wert hinzu</a:t>
+            </a:r>
+          </a:p>
+        </p:txBody>
+      </p:sp>
+    </p:spTree>
+    <p:extLst>
+      <p:ext uri="{BB962C8B-B14F-4D97-AF65-F5344CB8AC3E}">
+        <p14:creationId xmlns:p14="http://schemas.microsoft.com/office/powerpoint/2010/main" val="806223391"/>
+      </p:ext>
+    </p:extLst>
+  </p:cSld>
+  <p:clrMapOvr>
+    <a:masterClrMapping/>
+  </p:clrMapOvr>
+  <p:timing>
+    <p:tnLst>
+      <p:par>
+        <p:cTn id="1" dur="indefinite" restart="never" nodeType="tmRoot">
+          <p:childTnLst>
+            <p:seq concurrent="1" nextAc="seek">
+              <p:cTn id="2" dur="indefinite" nodeType="mainSeq">
+                <p:childTnLst>
+                  <p:par>
+                    <p:cTn id="3" fill="hold">
+                      <p:stCondLst>
+                        <p:cond delay="indefinite"/>
+                      </p:stCondLst>
+                      <p:childTnLst>
+                        <p:par>
+                          <p:cTn id="4" fill="hold">
+                            <p:stCondLst>
+                              <p:cond delay="0"/>
+                            </p:stCondLst>
+                            <p:childTnLst>
+                              <p:par>
+                                <p:cTn id="5" presetID="42" presetClass="entr" presetSubtype="0" fill="hold" nodeType="clickEffect">
+                                  <p:stCondLst>
+                                    <p:cond delay="0"/>
+                                  </p:stCondLst>
+                                  <p:childTnLst>
+                                    <p:set>
+                                      <p:cBhvr>
+                                        <p:cTn id="6" dur="1" fill="hold">
+                                          <p:stCondLst>
+                                            <p:cond delay="0"/>
+                                          </p:stCondLst>
+                                        </p:cTn>
+                                        <p:tgtEl>
+                                          <p:spTgt spid="27"/>
+                                        </p:tgtEl>
+                                        <p:attrNameLst>
+                                          <p:attrName>style.visibility</p:attrName>
+                                        </p:attrNameLst>
+                                      </p:cBhvr>
+                                      <p:to>
+                                        <p:strVal val="visible"/>
+                                      </p:to>
+                                    </p:set>
+                                    <p:animEffect transition="in" filter="fade">
+                                      <p:cBhvr>
+                                        <p:cTn id="7" dur="1000"/>
+                                        <p:tgtEl>
+                                          <p:spTgt spid="27"/>
+                                        </p:tgtEl>
+                                      </p:cBhvr>
+                                    </p:animEffect>
+                                    <p:anim calcmode="lin" valueType="num">
+                                      <p:cBhvr>
+                                        <p:cTn id="8" dur="1000" fill="hold"/>
+                                        <p:tgtEl>
+                                          <p:spTgt spid="27"/>
+                                        </p:tgtEl>
+                                        <p:attrNameLst>
+                                          <p:attrName>ppt_x</p:attrName>
+                                        </p:attrNameLst>
+                                      </p:cBhvr>
+                                      <p:tavLst>
+                                        <p:tav tm="0">
+                                          <p:val>
+                                            <p:strVal val="#ppt_x"/>
+                                          </p:val>
+                                        </p:tav>
+                                        <p:tav tm="100000">
+                                          <p:val>
+                                            <p:strVal val="#ppt_x"/>
+                                          </p:val>
+                                        </p:tav>
+                                      </p:tavLst>
+                                    </p:anim>
+                                    <p:anim calcmode="lin" valueType="num">
+                                      <p:cBhvr>
+                                        <p:cTn id="9" dur="1000" fill="hold"/>
+                                        <p:tgtEl>
+                                          <p:spTgt spid="27"/>
+                                        </p:tgtEl>
+                                        <p:attrNameLst>
+                                          <p:attrName>ppt_y</p:attrName>
+                                        </p:attrNameLst>
+                                      </p:cBhvr>
+                                      <p:tavLst>
+                                        <p:tav tm="0">
+                                          <p:val>
+                                            <p:strVal val="#ppt_y+.1"/>
+                                          </p:val>
+                                        </p:tav>
+                                        <p:tav tm="100000">
+                                          <p:val>
+                                            <p:strVal val="#ppt_y"/>
+                                          </p:val>
+                                        </p:tav>
+                                      </p:tavLst>
+                                    </p:anim>
+                                  </p:childTnLst>
+                                </p:cTn>
+                              </p:par>
+                              <p:par>
+                                <p:cTn id="10" presetID="42" presetClass="entr" presetSubtype="0" fill="hold" grpId="0" nodeType="withEffect">
+                                  <p:stCondLst>
+                                    <p:cond delay="0"/>
+                                  </p:stCondLst>
+                                  <p:childTnLst>
+                                    <p:set>
+                                      <p:cBhvr>
+                                        <p:cTn id="11" dur="1" fill="hold">
+                                          <p:stCondLst>
+                                            <p:cond delay="0"/>
+                                          </p:stCondLst>
+                                        </p:cTn>
+                                        <p:tgtEl>
+                                          <p:spTgt spid="28"/>
+                                        </p:tgtEl>
+                                        <p:attrNameLst>
+                                          <p:attrName>style.visibility</p:attrName>
+                                        </p:attrNameLst>
+                                      </p:cBhvr>
+                                      <p:to>
+                                        <p:strVal val="visible"/>
+                                      </p:to>
+                                    </p:set>
+                                    <p:animEffect transition="in" filter="fade">
+                                      <p:cBhvr>
+                                        <p:cTn id="12" dur="1000"/>
+                                        <p:tgtEl>
+                                          <p:spTgt spid="28"/>
+                                        </p:tgtEl>
+                                      </p:cBhvr>
+                                    </p:animEffect>
+                                    <p:anim calcmode="lin" valueType="num">
+                                      <p:cBhvr>
+                                        <p:cTn id="13" dur="1000" fill="hold"/>
+                                        <p:tgtEl>
+                                          <p:spTgt spid="28"/>
+                                        </p:tgtEl>
+                                        <p:attrNameLst>
+                                          <p:attrName>ppt_x</p:attrName>
+                                        </p:attrNameLst>
+                                      </p:cBhvr>
+                                      <p:tavLst>
+                                        <p:tav tm="0">
+                                          <p:val>
+                                            <p:strVal val="#ppt_x"/>
+                                          </p:val>
+                                        </p:tav>
+                                        <p:tav tm="100000">
+                                          <p:val>
+                                            <p:strVal val="#ppt_x"/>
+                                          </p:val>
+                                        </p:tav>
+                                      </p:tavLst>
+                                    </p:anim>
+                                    <p:anim calcmode="lin" valueType="num">
+                                      <p:cBhvr>
+                                        <p:cTn id="14" dur="1000" fill="hold"/>
+                                        <p:tgtEl>
+                                          <p:spTgt spid="28"/>
+                                        </p:tgtEl>
+                                        <p:attrNameLst>
+                                          <p:attrName>ppt_y</p:attrName>
+                                        </p:attrNameLst>
+                                      </p:cBhvr>
+                                      <p:tavLst>
+                                        <p:tav tm="0">
+                                          <p:val>
+                                            <p:strVal val="#ppt_y+.1"/>
+                                          </p:val>
+                                        </p:tav>
+                                        <p:tav tm="100000">
+                                          <p:val>
+                                            <p:strVal val="#ppt_y"/>
+                                          </p:val>
+                                        </p:tav>
+                                      </p:tavLst>
+                                    </p:anim>
+                                  </p:childTnLst>
+                                </p:cTn>
+                              </p:par>
+                            </p:childTnLst>
+                          </p:cTn>
+                        </p:par>
+                      </p:childTnLst>
+                    </p:cTn>
+                  </p:par>
+                  <p:par>
+                    <p:cTn id="15" fill="hold">
+                      <p:stCondLst>
+                        <p:cond delay="indefinite"/>
+                      </p:stCondLst>
+                      <p:childTnLst>
+                        <p:par>
+                          <p:cTn id="16" fill="hold">
+                            <p:stCondLst>
+                              <p:cond delay="0"/>
+                            </p:stCondLst>
+                            <p:childTnLst>
+                              <p:par>
+                                <p:cTn id="17" presetID="42" presetClass="entr" presetSubtype="0" fill="hold" nodeType="clickEffect">
+                                  <p:stCondLst>
+                                    <p:cond delay="0"/>
+                                  </p:stCondLst>
+                                  <p:childTnLst>
+                                    <p:set>
+                                      <p:cBhvr>
+                                        <p:cTn id="18" dur="1" fill="hold">
+                                          <p:stCondLst>
+                                            <p:cond delay="0"/>
+                                          </p:stCondLst>
+                                        </p:cTn>
+                                        <p:tgtEl>
+                                          <p:spTgt spid="10"/>
+                                        </p:tgtEl>
+                                        <p:attrNameLst>
+                                          <p:attrName>style.visibility</p:attrName>
+                                        </p:attrNameLst>
+                                      </p:cBhvr>
+                                      <p:to>
+                                        <p:strVal val="visible"/>
+                                      </p:to>
+                                    </p:set>
+                                    <p:animEffect transition="in" filter="fade">
+                                      <p:cBhvr>
+                                        <p:cTn id="19" dur="1000"/>
+                                        <p:tgtEl>
+                                          <p:spTgt spid="10"/>
+                                        </p:tgtEl>
+                                      </p:cBhvr>
+                                    </p:animEffect>
+                                    <p:anim calcmode="lin" valueType="num">
+                                      <p:cBhvr>
+                                        <p:cTn id="20" dur="1000" fill="hold"/>
+                                        <p:tgtEl>
+                                          <p:spTgt spid="10"/>
+                                        </p:tgtEl>
+                                        <p:attrNameLst>
+                                          <p:attrName>ppt_x</p:attrName>
+                                        </p:attrNameLst>
+                                      </p:cBhvr>
+                                      <p:tavLst>
+                                        <p:tav tm="0">
+                                          <p:val>
+                                            <p:strVal val="#ppt_x"/>
+                                          </p:val>
+                                        </p:tav>
+                                        <p:tav tm="100000">
+                                          <p:val>
+                                            <p:strVal val="#ppt_x"/>
+                                          </p:val>
+                                        </p:tav>
+                                      </p:tavLst>
+                                    </p:anim>
+                                    <p:anim calcmode="lin" valueType="num">
+                                      <p:cBhvr>
+                                        <p:cTn id="21" dur="1000" fill="hold"/>
+                                        <p:tgtEl>
+                                          <p:spTgt spid="10"/>
+                                        </p:tgtEl>
+                                        <p:attrNameLst>
+                                          <p:attrName>ppt_y</p:attrName>
+                                        </p:attrNameLst>
+                                      </p:cBhvr>
+                                      <p:tavLst>
+                                        <p:tav tm="0">
+                                          <p:val>
+                                            <p:strVal val="#ppt_y+.1"/>
+                                          </p:val>
+                                        </p:tav>
+                                        <p:tav tm="100000">
+                                          <p:val>
+                                            <p:strVal val="#ppt_y"/>
+                                          </p:val>
+                                        </p:tav>
+                                      </p:tavLst>
+                                    </p:anim>
+                                  </p:childTnLst>
+                                </p:cTn>
+                              </p:par>
+                              <p:par>
+                                <p:cTn id="22" presetID="42" presetClass="entr" presetSubtype="0" fill="hold" nodeType="withEffect">
+                                  <p:stCondLst>
+                                    <p:cond delay="0"/>
+                                  </p:stCondLst>
+                                  <p:childTnLst>
+                                    <p:set>
+                                      <p:cBhvr>
+                                        <p:cTn id="23" dur="1" fill="hold">
+                                          <p:stCondLst>
+                                            <p:cond delay="0"/>
+                                          </p:stCondLst>
+                                        </p:cTn>
+                                        <p:tgtEl>
+                                          <p:spTgt spid="22"/>
+                                        </p:tgtEl>
+                                        <p:attrNameLst>
+                                          <p:attrName>style.visibility</p:attrName>
+                                        </p:attrNameLst>
+                                      </p:cBhvr>
+                                      <p:to>
+                                        <p:strVal val="visible"/>
+                                      </p:to>
+                                    </p:set>
+                                    <p:animEffect transition="in" filter="fade">
+                                      <p:cBhvr>
+                                        <p:cTn id="24" dur="1000"/>
+                                        <p:tgtEl>
+                                          <p:spTgt spid="22"/>
+                                        </p:tgtEl>
+                                      </p:cBhvr>
+                                    </p:animEffect>
+                                    <p:anim calcmode="lin" valueType="num">
+                                      <p:cBhvr>
+                                        <p:cTn id="25" dur="1000" fill="hold"/>
+                                        <p:tgtEl>
+                                          <p:spTgt spid="22"/>
+                                        </p:tgtEl>
+                                        <p:attrNameLst>
+                                          <p:attrName>ppt_x</p:attrName>
+                                        </p:attrNameLst>
+                                      </p:cBhvr>
+                                      <p:tavLst>
+                                        <p:tav tm="0">
+                                          <p:val>
+                                            <p:strVal val="#ppt_x"/>
+                                          </p:val>
+                                        </p:tav>
+                                        <p:tav tm="100000">
+                                          <p:val>
+                                            <p:strVal val="#ppt_x"/>
+                                          </p:val>
+                                        </p:tav>
+                                      </p:tavLst>
+                                    </p:anim>
+                                    <p:anim calcmode="lin" valueType="num">
+                                      <p:cBhvr>
+                                        <p:cTn id="26" dur="1000" fill="hold"/>
+                                        <p:tgtEl>
+                                          <p:spTgt spid="22"/>
+                                        </p:tgtEl>
+                                        <p:attrNameLst>
+                                          <p:attrName>ppt_y</p:attrName>
+                                        </p:attrNameLst>
+                                      </p:cBhvr>
+                                      <p:tavLst>
+                                        <p:tav tm="0">
+                                          <p:val>
+                                            <p:strVal val="#ppt_y+.1"/>
+                                          </p:val>
+                                        </p:tav>
+                                        <p:tav tm="100000">
+                                          <p:val>
+                                            <p:strVal val="#ppt_y"/>
+                                          </p:val>
+                                        </p:tav>
+                                      </p:tavLst>
+                                    </p:anim>
+                                  </p:childTnLst>
+                                </p:cTn>
+                              </p:par>
+                            </p:childTnLst>
+                          </p:cTn>
+                        </p:par>
+                      </p:childTnLst>
+                    </p:cTn>
+                  </p:par>
+                  <p:par>
+                    <p:cTn id="27" fill="hold">
+                      <p:stCondLst>
+                        <p:cond delay="indefinite"/>
+                      </p:stCondLst>
+                      <p:childTnLst>
+                        <p:par>
+                          <p:cTn id="28" fill="hold">
+                            <p:stCondLst>
+                              <p:cond delay="0"/>
+                            </p:stCondLst>
+                            <p:childTnLst>
+                              <p:par>
+                                <p:cTn id="29" presetID="42" presetClass="entr" presetSubtype="0" fill="hold" nodeType="clickEffect">
+                                  <p:stCondLst>
+                                    <p:cond delay="0"/>
+                                  </p:stCondLst>
+                                  <p:childTnLst>
+                                    <p:set>
+                                      <p:cBhvr>
+                                        <p:cTn id="30" dur="1" fill="hold">
+                                          <p:stCondLst>
+                                            <p:cond delay="0"/>
+                                          </p:stCondLst>
+                                        </p:cTn>
+                                        <p:tgtEl>
+                                          <p:spTgt spid="12"/>
+                                        </p:tgtEl>
+                                        <p:attrNameLst>
+                                          <p:attrName>style.visibility</p:attrName>
+                                        </p:attrNameLst>
+                                      </p:cBhvr>
+                                      <p:to>
+                                        <p:strVal val="visible"/>
+                                      </p:to>
+                                    </p:set>
+                                    <p:animEffect transition="in" filter="fade">
+                                      <p:cBhvr>
+                                        <p:cTn id="31" dur="1000"/>
+                                        <p:tgtEl>
+                                          <p:spTgt spid="12"/>
+                                        </p:tgtEl>
+                                      </p:cBhvr>
+                                    </p:animEffect>
+                                    <p:anim calcmode="lin" valueType="num">
+                                      <p:cBhvr>
+                                        <p:cTn id="32" dur="1000" fill="hold"/>
+                                        <p:tgtEl>
+                                          <p:spTgt spid="12"/>
+                                        </p:tgtEl>
+                                        <p:attrNameLst>
+                                          <p:attrName>ppt_x</p:attrName>
+                                        </p:attrNameLst>
+                                      </p:cBhvr>
+                                      <p:tavLst>
+                                        <p:tav tm="0">
+                                          <p:val>
+                                            <p:strVal val="#ppt_x"/>
+                                          </p:val>
+                                        </p:tav>
+                                        <p:tav tm="100000">
+                                          <p:val>
+                                            <p:strVal val="#ppt_x"/>
+                                          </p:val>
+                                        </p:tav>
+                                      </p:tavLst>
+                                    </p:anim>
+                                    <p:anim calcmode="lin" valueType="num">
+                                      <p:cBhvr>
+                                        <p:cTn id="33" dur="1000" fill="hold"/>
+                                        <p:tgtEl>
+                                          <p:spTgt spid="12"/>
+                                        </p:tgtEl>
+                                        <p:attrNameLst>
+                                          <p:attrName>ppt_y</p:attrName>
+                                        </p:attrNameLst>
+                                      </p:cBhvr>
+                                      <p:tavLst>
+                                        <p:tav tm="0">
+                                          <p:val>
+                                            <p:strVal val="#ppt_y+.1"/>
+                                          </p:val>
+                                        </p:tav>
+                                        <p:tav tm="100000">
+                                          <p:val>
+                                            <p:strVal val="#ppt_y"/>
+                                          </p:val>
+                                        </p:tav>
+                                      </p:tavLst>
+                                    </p:anim>
+                                  </p:childTnLst>
+                                </p:cTn>
+                              </p:par>
+                              <p:par>
+                                <p:cTn id="34" presetID="42" presetClass="entr" presetSubtype="0" fill="hold" nodeType="withEffect">
+                                  <p:stCondLst>
+                                    <p:cond delay="0"/>
+                                  </p:stCondLst>
+                                  <p:childTnLst>
+                                    <p:set>
+                                      <p:cBhvr>
+                                        <p:cTn id="35" dur="1" fill="hold">
+                                          <p:stCondLst>
+                                            <p:cond delay="0"/>
+                                          </p:stCondLst>
+                                        </p:cTn>
+                                        <p:tgtEl>
+                                          <p:spTgt spid="25"/>
+                                        </p:tgtEl>
+                                        <p:attrNameLst>
+                                          <p:attrName>style.visibility</p:attrName>
+                                        </p:attrNameLst>
+                                      </p:cBhvr>
+                                      <p:to>
+                                        <p:strVal val="visible"/>
+                                      </p:to>
+                                    </p:set>
+                                    <p:animEffect transition="in" filter="fade">
+                                      <p:cBhvr>
+                                        <p:cTn id="36" dur="1000"/>
+                                        <p:tgtEl>
+                                          <p:spTgt spid="25"/>
+                                        </p:tgtEl>
+                                      </p:cBhvr>
+                                    </p:animEffect>
+                                    <p:anim calcmode="lin" valueType="num">
+                                      <p:cBhvr>
+                                        <p:cTn id="37" dur="1000" fill="hold"/>
+                                        <p:tgtEl>
+                                          <p:spTgt spid="25"/>
+                                        </p:tgtEl>
+                                        <p:attrNameLst>
+                                          <p:attrName>ppt_x</p:attrName>
+                                        </p:attrNameLst>
+                                      </p:cBhvr>
+                                      <p:tavLst>
+                                        <p:tav tm="0">
+                                          <p:val>
+                                            <p:strVal val="#ppt_x"/>
+                                          </p:val>
+                                        </p:tav>
+                                        <p:tav tm="100000">
+                                          <p:val>
+                                            <p:strVal val="#ppt_x"/>
+                                          </p:val>
+                                        </p:tav>
+                                      </p:tavLst>
+                                    </p:anim>
+                                    <p:anim calcmode="lin" valueType="num">
+                                      <p:cBhvr>
+                                        <p:cTn id="38" dur="1000" fill="hold"/>
+                                        <p:tgtEl>
+                                          <p:spTgt spid="25"/>
+                                        </p:tgtEl>
+                                        <p:attrNameLst>
+                                          <p:attrName>ppt_y</p:attrName>
+                                        </p:attrNameLst>
+                                      </p:cBhvr>
+                                      <p:tavLst>
+                                        <p:tav tm="0">
+                                          <p:val>
+                                            <p:strVal val="#ppt_y+.1"/>
+                                          </p:val>
+                                        </p:tav>
+                                        <p:tav tm="100000">
+                                          <p:val>
+                                            <p:strVal val="#ppt_y"/>
+                                          </p:val>
+                                        </p:tav>
+                                      </p:tavLst>
+                                    </p:anim>
+                                  </p:childTnLst>
+                                </p:cTn>
+                              </p:par>
+                            </p:childTnLst>
+                          </p:cTn>
+                        </p:par>
+                      </p:childTnLst>
+                    </p:cTn>
+                  </p:par>
+                </p:childTnLst>
+              </p:cTn>
+              <p:prevCondLst>
+                <p:cond evt="onPrev" delay="0">
+                  <p:tgtEl>
+                    <p:sldTgt/>
+                  </p:tgtEl>
+                </p:cond>
+              </p:prevCondLst>
+              <p:nextCondLst>
+                <p:cond evt="onNext" delay="0">
+                  <p:tgtEl>
+                    <p:sldTgt/>
+                  </p:tgtEl>
+                </p:cond>
+              </p:nextCondLst>
+            </p:seq>
+          </p:childTnLst>
+        </p:cTn>
+      </p:par>
+    </p:tnLst>
+    <p:bldLst>
+      <p:bldP spid="28" grpId="0"/>
+    </p:bldLst>
+  </p:timing>
 </p:sld>
 </file>
 

--- a/Präsentation/Java 8 API Design Prinzipien.pptx
+++ b/Präsentation/Java 8 API Design Prinzipien.pptx
@@ -143,12 +143,12 @@
   <pc:docChgLst>
     <pc:chgData name="marcel g" userId="d0b903d6cee951ce" providerId="LiveId" clId="{90646845-6F55-48C5-945C-B229B8EB0AF1}"/>
     <pc:docChg chg="undo redo custSel addSld delSld modSld sldOrd">
-      <pc:chgData name="marcel g" userId="d0b903d6cee951ce" providerId="LiveId" clId="{90646845-6F55-48C5-945C-B229B8EB0AF1}" dt="2022-06-09T11:22:15.064" v="2679" actId="1076"/>
+      <pc:chgData name="marcel g" userId="d0b903d6cee951ce" providerId="LiveId" clId="{90646845-6F55-48C5-945C-B229B8EB0AF1}" dt="2022-06-13T07:46:20.535" v="2684" actId="20578"/>
       <pc:docMkLst>
         <pc:docMk/>
       </pc:docMkLst>
-      <pc:sldChg chg="modSp mod modAnim">
-        <pc:chgData name="marcel g" userId="d0b903d6cee951ce" providerId="LiveId" clId="{90646845-6F55-48C5-945C-B229B8EB0AF1}" dt="2022-06-09T10:21:23.803" v="2470"/>
+      <pc:sldChg chg="modSp mod ord modAnim">
+        <pc:chgData name="marcel g" userId="d0b903d6cee951ce" providerId="LiveId" clId="{90646845-6F55-48C5-945C-B229B8EB0AF1}" dt="2022-06-13T07:44:17.427" v="2681"/>
         <pc:sldMkLst>
           <pc:docMk/>
           <pc:sldMk cId="3220235682" sldId="279"/>
@@ -194,8 +194,8 @@
           </ac:picMkLst>
         </pc:picChg>
       </pc:sldChg>
-      <pc:sldChg chg="addSp delSp modSp new mod modAnim">
-        <pc:chgData name="marcel g" userId="d0b903d6cee951ce" providerId="LiveId" clId="{90646845-6F55-48C5-945C-B229B8EB0AF1}" dt="2022-06-09T10:32:15.654" v="2524"/>
+      <pc:sldChg chg="addSp delSp modSp new mod ord modAnim">
+        <pc:chgData name="marcel g" userId="d0b903d6cee951ce" providerId="LiveId" clId="{90646845-6F55-48C5-945C-B229B8EB0AF1}" dt="2022-06-13T07:46:20.535" v="2684" actId="20578"/>
         <pc:sldMkLst>
           <pc:docMk/>
           <pc:sldMk cId="820035122" sldId="280"/>
@@ -1416,7 +1416,7 @@
           <a:p>
             <a:fld id="{D2761137-B2F4-44A2-AEA9-B8D72975A05F}" type="datetime1">
               <a:rPr lang="de-DE" smtClean="0"/>
-              <a:t>09.06.2022</a:t>
+              <a:t>13.06.2022</a:t>
             </a:fld>
             <a:endParaRPr lang="de-DE" dirty="0"/>
           </a:p>
@@ -1584,7 +1584,7 @@
             <a:pPr rtl="0"/>
             <a:fld id="{E546253B-BE88-45C5-9ABC-A8414C168BD1}" type="datetime1">
               <a:rPr lang="de-DE" noProof="0" smtClean="0"/>
-              <a:t>09.06.2022</a:t>
+              <a:t>13.06.2022</a:t>
             </a:fld>
             <a:endParaRPr lang="de-DE" noProof="0" dirty="0"/>
           </a:p>
@@ -2273,7 +2273,7 @@
             <a:pPr rtl="0"/>
             <a:fld id="{E758FE69-3F99-4550-AA00-A7FF61BF76EA}" type="datetime1">
               <a:rPr lang="de-DE" noProof="0" smtClean="0"/>
-              <a:t>09.06.2022</a:t>
+              <a:t>13.06.2022</a:t>
             </a:fld>
             <a:endParaRPr lang="de-DE" noProof="0" dirty="0"/>
           </a:p>
@@ -2583,7 +2583,7 @@
             <a:pPr rtl="0"/>
             <a:fld id="{B61AEB60-0CF2-4FDF-8809-8AC51494D5F5}" type="datetime1">
               <a:rPr lang="de-DE" noProof="0" smtClean="0"/>
-              <a:t>09.06.2022</a:t>
+              <a:t>13.06.2022</a:t>
             </a:fld>
             <a:endParaRPr lang="de-DE" noProof="0" dirty="0"/>
           </a:p>
@@ -2781,7 +2781,7 @@
             <a:pPr rtl="0"/>
             <a:fld id="{358AF836-13A8-46EF-A2AE-6F658367FD73}" type="datetime1">
               <a:rPr lang="de-DE" noProof="0" smtClean="0"/>
-              <a:t>09.06.2022</a:t>
+              <a:t>13.06.2022</a:t>
             </a:fld>
             <a:endParaRPr lang="de-DE" noProof="0" dirty="0"/>
           </a:p>
@@ -3048,7 +3048,7 @@
             <a:pPr rtl="0"/>
             <a:fld id="{851DFE2F-C573-4D62-882A-E8846EF03C0C}" type="datetime1">
               <a:rPr lang="de-DE" noProof="0" smtClean="0"/>
-              <a:t>09.06.2022</a:t>
+              <a:t>13.06.2022</a:t>
             </a:fld>
             <a:endParaRPr lang="de-DE" noProof="0" dirty="0"/>
           </a:p>
@@ -3488,7 +3488,7 @@
             <a:pPr rtl="0"/>
             <a:fld id="{328E20CA-0CA2-4574-B1D6-69C8C65EED42}" type="datetime1">
               <a:rPr lang="de-DE" noProof="0" smtClean="0"/>
-              <a:t>09.06.2022</a:t>
+              <a:t>13.06.2022</a:t>
             </a:fld>
             <a:endParaRPr lang="de-DE" noProof="0" dirty="0"/>
           </a:p>
@@ -4029,7 +4029,7 @@
             <a:pPr rtl="0"/>
             <a:fld id="{509B9F8F-6639-463B-9FB3-42044123F51F}" type="datetime1">
               <a:rPr lang="de-DE" noProof="0" smtClean="0"/>
-              <a:t>09.06.2022</a:t>
+              <a:t>13.06.2022</a:t>
             </a:fld>
             <a:endParaRPr lang="de-DE" noProof="0" dirty="0"/>
           </a:p>
@@ -4918,7 +4918,7 @@
             <a:pPr rtl="0"/>
             <a:fld id="{069E6A23-504C-403E-B76B-B05505FCD76B}" type="datetime1">
               <a:rPr lang="de-DE" noProof="0" smtClean="0"/>
-              <a:t>09.06.2022</a:t>
+              <a:t>13.06.2022</a:t>
             </a:fld>
             <a:endParaRPr lang="de-DE" noProof="0" dirty="0"/>
           </a:p>
@@ -5092,7 +5092,7 @@
             <a:pPr rtl="0"/>
             <a:fld id="{9468F14C-D4F1-40B6-B1AD-A03EDAA6725D}" type="datetime1">
               <a:rPr lang="de-DE" noProof="0" smtClean="0"/>
-              <a:t>09.06.2022</a:t>
+              <a:t>13.06.2022</a:t>
             </a:fld>
             <a:endParaRPr lang="de-DE" noProof="0" dirty="0"/>
           </a:p>
@@ -5340,7 +5340,7 @@
             <a:pPr rtl="0"/>
             <a:fld id="{AEC8E1CE-31A4-4DC1-9A14-A1FDAD407674}" type="datetime1">
               <a:rPr lang="de-DE" noProof="0" smtClean="0"/>
-              <a:t>09.06.2022</a:t>
+              <a:t>13.06.2022</a:t>
             </a:fld>
             <a:endParaRPr lang="de-DE" noProof="0" dirty="0"/>
           </a:p>
@@ -5586,7 +5586,7 @@
             <a:pPr rtl="0"/>
             <a:fld id="{8FE3744A-5A44-4BFF-92AA-16DA5E94BB83}" type="datetime1">
               <a:rPr lang="de-DE" noProof="0" smtClean="0"/>
-              <a:t>09.06.2022</a:t>
+              <a:t>13.06.2022</a:t>
             </a:fld>
             <a:endParaRPr lang="de-DE" noProof="0" dirty="0"/>
           </a:p>
@@ -6073,7 +6073,7 @@
             <a:pPr rtl="0"/>
             <a:fld id="{6DEDD9AE-23AE-4EB7-B3DB-242A1D8478FB}" type="datetime1">
               <a:rPr lang="de-DE" noProof="0" smtClean="0"/>
-              <a:t>09.06.2022</a:t>
+              <a:t>13.06.2022</a:t>
             </a:fld>
             <a:endParaRPr lang="de-DE" noProof="0" dirty="0"/>
           </a:p>
@@ -6195,7 +6195,7 @@
             <a:pPr rtl="0"/>
             <a:fld id="{BF42FB20-1F3E-43B9-A22C-6B636C25391A}" type="datetime1">
               <a:rPr lang="de-DE" noProof="0" smtClean="0"/>
-              <a:t>09.06.2022</a:t>
+              <a:t>13.06.2022</a:t>
             </a:fld>
             <a:endParaRPr lang="de-DE" noProof="0" dirty="0"/>
           </a:p>
@@ -6293,7 +6293,7 @@
             <a:pPr rtl="0"/>
             <a:fld id="{667D78AD-A707-44D8-98C7-2E5BF17C114E}" type="datetime1">
               <a:rPr lang="de-DE" noProof="0" smtClean="0"/>
-              <a:t>09.06.2022</a:t>
+              <a:t>13.06.2022</a:t>
             </a:fld>
             <a:endParaRPr lang="de-DE" noProof="0" dirty="0"/>
           </a:p>
@@ -6552,7 +6552,7 @@
             <a:pPr rtl="0"/>
             <a:fld id="{B7CDB1FF-C55B-4D31-A515-83B796043DD6}" type="datetime1">
               <a:rPr lang="de-DE" noProof="0" smtClean="0"/>
-              <a:t>09.06.2022</a:t>
+              <a:t>13.06.2022</a:t>
             </a:fld>
             <a:endParaRPr lang="de-DE" noProof="0" dirty="0"/>
           </a:p>
@@ -6864,7 +6864,7 @@
             <a:pPr rtl="0"/>
             <a:fld id="{65B3AE0C-9D3B-493D-AE1C-E837EBD1A420}" type="datetime1">
               <a:rPr lang="de-DE" noProof="0" smtClean="0"/>
-              <a:t>09.06.2022</a:t>
+              <a:t>13.06.2022</a:t>
             </a:fld>
             <a:endParaRPr lang="de-DE" noProof="0" dirty="0"/>
           </a:p>
@@ -7100,7 +7100,7 @@
             <a:pPr rtl="0"/>
             <a:fld id="{68BEABDA-98C7-4D1F-B6BB-CA7E2F630F9B}" type="datetime1">
               <a:rPr lang="de-DE" noProof="0" smtClean="0"/>
-              <a:t>09.06.2022</a:t>
+              <a:t>13.06.2022</a:t>
             </a:fld>
             <a:endParaRPr lang="de-DE" noProof="0" dirty="0"/>
           </a:p>
@@ -8020,7 +8020,7 @@
           </a:effectLst>
           <a:extLst>
             <a:ext uri="{91240B29-F687-4f45-9708-019B960494DF}">
-              <a14:hiddenLine xmlns:p14="http://schemas.microsoft.com/office/powerpoint/2010/main" xmlns:a16="http://schemas.microsoft.com/office/drawing/2014/main" xmlns:a14="http://schemas.microsoft.com/office/drawing/2010/main" xmlns="" w="9525">
+              <a14:hiddenLine xmlns="" xmlns:a14="http://schemas.microsoft.com/office/drawing/2010/main" xmlns:a16="http://schemas.microsoft.com/office/drawing/2014/main" xmlns:p14="http://schemas.microsoft.com/office/powerpoint/2010/main" w="9525">
                 <a:solidFill>
                   <a:srgbClr val="000000"/>
                 </a:solidFill>
@@ -16690,24 +16690,6 @@
 </file>
 
 <file path=customXml/item1.xml><?xml version="1.0" encoding="utf-8"?>
-<?mso-contentType ?>
-<FormTemplates xmlns="http://schemas.microsoft.com/sharepoint/v3/contenttype/forms">
-  <Display>DocumentLibraryForm</Display>
-  <Edit>DocumentLibraryForm</Edit>
-  <New>DocumentLibraryForm</New>
-</FormTemplates>
-</file>
-
-<file path=customXml/item2.xml><?xml version="1.0" encoding="utf-8"?>
-<p:properties xmlns:p="http://schemas.microsoft.com/office/2006/metadata/properties" xmlns:xsi="http://www.w3.org/2001/XMLSchema-instance" xmlns:pc="http://schemas.microsoft.com/office/infopath/2007/PartnerControls">
-  <documentManagement>
-    <Status xmlns="71af3243-3dd4-4a8d-8c0d-dd76da1f02a5">Not started</Status>
-    <MediaServiceKeyPoints xmlns="71af3243-3dd4-4a8d-8c0d-dd76da1f02a5" xsi:nil="true"/>
-  </documentManagement>
-</p:properties>
-</file>
-
-<file path=customXml/item3.xml><?xml version="1.0" encoding="utf-8"?>
 <ct:contentTypeSchema xmlns:ct="http://schemas.microsoft.com/office/2006/metadata/contentType" xmlns:ma="http://schemas.microsoft.com/office/2006/metadata/properties/metaAttributes" ct:_="" ma:_="" ma:contentTypeName="Document" ma:contentTypeID="0x01010079F111ED35F8CC479449609E8A0923A6" ma:contentTypeVersion="12" ma:contentTypeDescription="Create a new document." ma:contentTypeScope="" ma:versionID="a410dd7f93c95333ffa1b60ed6adedd1">
   <xsd:schema xmlns:xsd="http://www.w3.org/2001/XMLSchema" xmlns:xs="http://www.w3.org/2001/XMLSchema" xmlns:p="http://schemas.microsoft.com/office/2006/metadata/properties" xmlns:ns2="71af3243-3dd4-4a8d-8c0d-dd76da1f02a5" xmlns:ns3="16c05727-aa75-4e4a-9b5f-8a80a1165891" targetNamespace="http://schemas.microsoft.com/office/2006/metadata/properties" ma:root="true" ma:fieldsID="a936d9baba76aa3866493feff160faab" ns2:_="" ns3:_="">
     <xsd:import namespace="71af3243-3dd4-4a8d-8c0d-dd76da1f02a5"/>
@@ -16928,25 +16910,25 @@
 </ct:contentTypeSchema>
 </file>
 
-<file path=customXml/itemProps1.xml><?xml version="1.0" encoding="utf-8"?>
-<ds:datastoreItem xmlns:ds="http://schemas.openxmlformats.org/officeDocument/2006/customXml" ds:itemID="{64B270AB-C138-415C-897E-3C24487DECF1}">
-  <ds:schemaRefs>
-    <ds:schemaRef ds:uri="http://schemas.microsoft.com/sharepoint/v3/contenttype/forms"/>
-  </ds:schemaRefs>
-</ds:datastoreItem>
+<file path=customXml/item2.xml><?xml version="1.0" encoding="utf-8"?>
+<p:properties xmlns:p="http://schemas.microsoft.com/office/2006/metadata/properties" xmlns:xsi="http://www.w3.org/2001/XMLSchema-instance" xmlns:pc="http://schemas.microsoft.com/office/infopath/2007/PartnerControls">
+  <documentManagement>
+    <Status xmlns="71af3243-3dd4-4a8d-8c0d-dd76da1f02a5">Not started</Status>
+    <MediaServiceKeyPoints xmlns="71af3243-3dd4-4a8d-8c0d-dd76da1f02a5" xsi:nil="true"/>
+  </documentManagement>
+</p:properties>
 </file>
 
-<file path=customXml/itemProps2.xml><?xml version="1.0" encoding="utf-8"?>
-<ds:datastoreItem xmlns:ds="http://schemas.openxmlformats.org/officeDocument/2006/customXml" ds:itemID="{2C4C00F4-06E9-43E3-AD97-88A857CEFA82}">
-  <ds:schemaRefs>
-    <ds:schemaRef ds:uri="http://schemas.microsoft.com/office/2006/metadata/properties"/>
-    <ds:schemaRef ds:uri="http://schemas.microsoft.com/office/infopath/2007/PartnerControls"/>
-    <ds:schemaRef ds:uri="71af3243-3dd4-4a8d-8c0d-dd76da1f02a5"/>
-  </ds:schemaRefs>
-</ds:datastoreItem>
+<file path=customXml/item3.xml><?xml version="1.0" encoding="utf-8"?>
+<?mso-contentType ?>
+<FormTemplates xmlns="http://schemas.microsoft.com/sharepoint/v3/contenttype/forms">
+  <Display>DocumentLibraryForm</Display>
+  <Edit>DocumentLibraryForm</Edit>
+  <New>DocumentLibraryForm</New>
+</FormTemplates>
 </file>
 
-<file path=customXml/itemProps3.xml><?xml version="1.0" encoding="utf-8"?>
+<file path=customXml/itemProps1.xml><?xml version="1.0" encoding="utf-8"?>
 <ds:datastoreItem xmlns:ds="http://schemas.openxmlformats.org/officeDocument/2006/customXml" ds:itemID="{0585E981-8C91-4205-A0C3-C991F42B4C9E}">
   <ds:schemaRefs>
     <ds:schemaRef ds:uri="http://schemas.microsoft.com/office/2006/metadata/contentType"/>
@@ -16963,4 +16945,22 @@
     <ds:schemaRef ds:uri="http://schemas.microsoft.com/internal/obd"/>
   </ds:schemaRefs>
 </ds:datastoreItem>
+</file>
+
+<file path=customXml/itemProps2.xml><?xml version="1.0" encoding="utf-8"?>
+<ds:datastoreItem xmlns:ds="http://schemas.openxmlformats.org/officeDocument/2006/customXml" ds:itemID="{2C4C00F4-06E9-43E3-AD97-88A857CEFA82}">
+  <ds:schemaRefs>
+    <ds:schemaRef ds:uri="http://schemas.microsoft.com/office/2006/metadata/properties"/>
+    <ds:schemaRef ds:uri="http://schemas.microsoft.com/office/infopath/2007/PartnerControls"/>
+    <ds:schemaRef ds:uri="71af3243-3dd4-4a8d-8c0d-dd76da1f02a5"/>
+  </ds:schemaRefs>
+</ds:datastoreItem>
+</file>
+
+<file path=customXml/itemProps3.xml><?xml version="1.0" encoding="utf-8"?>
+<ds:datastoreItem xmlns:ds="http://schemas.openxmlformats.org/officeDocument/2006/customXml" ds:itemID="{64B270AB-C138-415C-897E-3C24487DECF1}">
+  <ds:schemaRefs>
+    <ds:schemaRef ds:uri="http://schemas.microsoft.com/sharepoint/v3/contenttype/forms"/>
+  </ds:schemaRefs>
+</ds:datastoreItem>
 </file>
--- a/Präsentation/Java 8 API Design Prinzipien.pptx
+++ b/Präsentation/Java 8 API Design Prinzipien.pptx
@@ -143,7 +143,7 @@
   <pc:docChgLst>
     <pc:chgData name="marcel g" userId="d0b903d6cee951ce" providerId="LiveId" clId="{90646845-6F55-48C5-945C-B229B8EB0AF1}"/>
     <pc:docChg chg="undo redo custSel addSld delSld modSld sldOrd">
-      <pc:chgData name="marcel g" userId="d0b903d6cee951ce" providerId="LiveId" clId="{90646845-6F55-48C5-945C-B229B8EB0AF1}" dt="2022-06-13T07:46:20.535" v="2684" actId="20578"/>
+      <pc:chgData name="marcel g" userId="d0b903d6cee951ce" providerId="LiveId" clId="{90646845-6F55-48C5-945C-B229B8EB0AF1}" dt="2022-06-13T08:18:32.128" v="2689" actId="20577"/>
       <pc:docMkLst>
         <pc:docMk/>
       </pc:docMkLst>
@@ -743,13 +743,13 @@
         </pc:cxnChg>
       </pc:sldChg>
       <pc:sldChg chg="addSp delSp modSp new mod modAnim">
-        <pc:chgData name="marcel g" userId="d0b903d6cee951ce" providerId="LiveId" clId="{90646845-6F55-48C5-945C-B229B8EB0AF1}" dt="2022-06-09T11:22:15.064" v="2679" actId="1076"/>
+        <pc:chgData name="marcel g" userId="d0b903d6cee951ce" providerId="LiveId" clId="{90646845-6F55-48C5-945C-B229B8EB0AF1}" dt="2022-06-13T08:18:32.128" v="2689" actId="20577"/>
         <pc:sldMkLst>
           <pc:docMk/>
           <pc:sldMk cId="1473930159" sldId="284"/>
         </pc:sldMkLst>
         <pc:spChg chg="mod">
-          <ac:chgData name="marcel g" userId="d0b903d6cee951ce" providerId="LiveId" clId="{90646845-6F55-48C5-945C-B229B8EB0AF1}" dt="2022-06-09T11:03:45.040" v="2599" actId="1076"/>
+          <ac:chgData name="marcel g" userId="d0b903d6cee951ce" providerId="LiveId" clId="{90646845-6F55-48C5-945C-B229B8EB0AF1}" dt="2022-06-13T08:18:32.128" v="2689" actId="20577"/>
           <ac:spMkLst>
             <pc:docMk/>
             <pc:sldMk cId="1473930159" sldId="284"/>
@@ -8020,7 +8020,7 @@
           </a:effectLst>
           <a:extLst>
             <a:ext uri="{91240B29-F687-4f45-9708-019B960494DF}">
-              <a14:hiddenLine xmlns="" xmlns:a14="http://schemas.microsoft.com/office/drawing/2010/main" xmlns:a16="http://schemas.microsoft.com/office/drawing/2014/main" xmlns:p14="http://schemas.microsoft.com/office/powerpoint/2010/main" w="9525">
+              <a14:hiddenLine xmlns:p14="http://schemas.microsoft.com/office/powerpoint/2010/main" xmlns:a16="http://schemas.microsoft.com/office/drawing/2014/main" xmlns:a14="http://schemas.microsoft.com/office/drawing/2010/main" xmlns="" w="9525">
                 <a:solidFill>
                   <a:srgbClr val="000000"/>
                 </a:solidFill>
@@ -16690,6 +16690,24 @@
 </file>
 
 <file path=customXml/item1.xml><?xml version="1.0" encoding="utf-8"?>
+<?mso-contentType ?>
+<FormTemplates xmlns="http://schemas.microsoft.com/sharepoint/v3/contenttype/forms">
+  <Display>DocumentLibraryForm</Display>
+  <Edit>DocumentLibraryForm</Edit>
+  <New>DocumentLibraryForm</New>
+</FormTemplates>
+</file>
+
+<file path=customXml/item2.xml><?xml version="1.0" encoding="utf-8"?>
+<p:properties xmlns:p="http://schemas.microsoft.com/office/2006/metadata/properties" xmlns:xsi="http://www.w3.org/2001/XMLSchema-instance" xmlns:pc="http://schemas.microsoft.com/office/infopath/2007/PartnerControls">
+  <documentManagement>
+    <Status xmlns="71af3243-3dd4-4a8d-8c0d-dd76da1f02a5">Not started</Status>
+    <MediaServiceKeyPoints xmlns="71af3243-3dd4-4a8d-8c0d-dd76da1f02a5" xsi:nil="true"/>
+  </documentManagement>
+</p:properties>
+</file>
+
+<file path=customXml/item3.xml><?xml version="1.0" encoding="utf-8"?>
 <ct:contentTypeSchema xmlns:ct="http://schemas.microsoft.com/office/2006/metadata/contentType" xmlns:ma="http://schemas.microsoft.com/office/2006/metadata/properties/metaAttributes" ct:_="" ma:_="" ma:contentTypeName="Document" ma:contentTypeID="0x01010079F111ED35F8CC479449609E8A0923A6" ma:contentTypeVersion="12" ma:contentTypeDescription="Create a new document." ma:contentTypeScope="" ma:versionID="a410dd7f93c95333ffa1b60ed6adedd1">
   <xsd:schema xmlns:xsd="http://www.w3.org/2001/XMLSchema" xmlns:xs="http://www.w3.org/2001/XMLSchema" xmlns:p="http://schemas.microsoft.com/office/2006/metadata/properties" xmlns:ns2="71af3243-3dd4-4a8d-8c0d-dd76da1f02a5" xmlns:ns3="16c05727-aa75-4e4a-9b5f-8a80a1165891" targetNamespace="http://schemas.microsoft.com/office/2006/metadata/properties" ma:root="true" ma:fieldsID="a936d9baba76aa3866493feff160faab" ns2:_="" ns3:_="">
     <xsd:import namespace="71af3243-3dd4-4a8d-8c0d-dd76da1f02a5"/>
@@ -16910,25 +16928,25 @@
 </ct:contentTypeSchema>
 </file>
 
-<file path=customXml/item2.xml><?xml version="1.0" encoding="utf-8"?>
-<p:properties xmlns:p="http://schemas.microsoft.com/office/2006/metadata/properties" xmlns:xsi="http://www.w3.org/2001/XMLSchema-instance" xmlns:pc="http://schemas.microsoft.com/office/infopath/2007/PartnerControls">
-  <documentManagement>
-    <Status xmlns="71af3243-3dd4-4a8d-8c0d-dd76da1f02a5">Not started</Status>
-    <MediaServiceKeyPoints xmlns="71af3243-3dd4-4a8d-8c0d-dd76da1f02a5" xsi:nil="true"/>
-  </documentManagement>
-</p:properties>
+<file path=customXml/itemProps1.xml><?xml version="1.0" encoding="utf-8"?>
+<ds:datastoreItem xmlns:ds="http://schemas.openxmlformats.org/officeDocument/2006/customXml" ds:itemID="{64B270AB-C138-415C-897E-3C24487DECF1}">
+  <ds:schemaRefs>
+    <ds:schemaRef ds:uri="http://schemas.microsoft.com/sharepoint/v3/contenttype/forms"/>
+  </ds:schemaRefs>
+</ds:datastoreItem>
 </file>
 
-<file path=customXml/item3.xml><?xml version="1.0" encoding="utf-8"?>
-<?mso-contentType ?>
-<FormTemplates xmlns="http://schemas.microsoft.com/sharepoint/v3/contenttype/forms">
-  <Display>DocumentLibraryForm</Display>
-  <Edit>DocumentLibraryForm</Edit>
-  <New>DocumentLibraryForm</New>
-</FormTemplates>
+<file path=customXml/itemProps2.xml><?xml version="1.0" encoding="utf-8"?>
+<ds:datastoreItem xmlns:ds="http://schemas.openxmlformats.org/officeDocument/2006/customXml" ds:itemID="{2C4C00F4-06E9-43E3-AD97-88A857CEFA82}">
+  <ds:schemaRefs>
+    <ds:schemaRef ds:uri="http://schemas.microsoft.com/office/2006/metadata/properties"/>
+    <ds:schemaRef ds:uri="http://schemas.microsoft.com/office/infopath/2007/PartnerControls"/>
+    <ds:schemaRef ds:uri="71af3243-3dd4-4a8d-8c0d-dd76da1f02a5"/>
+  </ds:schemaRefs>
+</ds:datastoreItem>
 </file>
 
-<file path=customXml/itemProps1.xml><?xml version="1.0" encoding="utf-8"?>
+<file path=customXml/itemProps3.xml><?xml version="1.0" encoding="utf-8"?>
 <ds:datastoreItem xmlns:ds="http://schemas.openxmlformats.org/officeDocument/2006/customXml" ds:itemID="{0585E981-8C91-4205-A0C3-C991F42B4C9E}">
   <ds:schemaRefs>
     <ds:schemaRef ds:uri="http://schemas.microsoft.com/office/2006/metadata/contentType"/>
@@ -16945,22 +16963,4 @@
     <ds:schemaRef ds:uri="http://schemas.microsoft.com/internal/obd"/>
   </ds:schemaRefs>
 </ds:datastoreItem>
-</file>
-
-<file path=customXml/itemProps2.xml><?xml version="1.0" encoding="utf-8"?>
-<ds:datastoreItem xmlns:ds="http://schemas.openxmlformats.org/officeDocument/2006/customXml" ds:itemID="{2C4C00F4-06E9-43E3-AD97-88A857CEFA82}">
-  <ds:schemaRefs>
-    <ds:schemaRef ds:uri="http://schemas.microsoft.com/office/2006/metadata/properties"/>
-    <ds:schemaRef ds:uri="http://schemas.microsoft.com/office/infopath/2007/PartnerControls"/>
-    <ds:schemaRef ds:uri="71af3243-3dd4-4a8d-8c0d-dd76da1f02a5"/>
-  </ds:schemaRefs>
-</ds:datastoreItem>
-</file>
-
-<file path=customXml/itemProps3.xml><?xml version="1.0" encoding="utf-8"?>
-<ds:datastoreItem xmlns:ds="http://schemas.openxmlformats.org/officeDocument/2006/customXml" ds:itemID="{64B270AB-C138-415C-897E-3C24487DECF1}">
-  <ds:schemaRefs>
-    <ds:schemaRef ds:uri="http://schemas.microsoft.com/sharepoint/v3/contenttype/forms"/>
-  </ds:schemaRefs>
-</ds:datastoreItem>
 </file>